--- a/presentation.pptx
+++ b/presentation.pptx
@@ -5,7 +5,7 @@
     <p:sldMasterId id="2147483684" r:id="rId1"/>
   </p:sldMasterIdLst>
   <p:notesMasterIdLst>
-    <p:notesMasterId r:id="rId57"/>
+    <p:notesMasterId r:id="rId62"/>
   </p:notesMasterIdLst>
   <p:sldIdLst>
     <p:sldId id="278" r:id="rId2"/>
@@ -49,20 +49,25 @@
     <p:sldId id="377" r:id="rId40"/>
     <p:sldId id="388" r:id="rId41"/>
     <p:sldId id="378" r:id="rId42"/>
-    <p:sldId id="369" r:id="rId43"/>
-    <p:sldId id="371" r:id="rId44"/>
-    <p:sldId id="372" r:id="rId45"/>
-    <p:sldId id="370" r:id="rId46"/>
-    <p:sldId id="379" r:id="rId47"/>
-    <p:sldId id="380" r:id="rId48"/>
-    <p:sldId id="381" r:id="rId49"/>
-    <p:sldId id="382" r:id="rId50"/>
-    <p:sldId id="383" r:id="rId51"/>
-    <p:sldId id="384" r:id="rId52"/>
-    <p:sldId id="324" r:id="rId53"/>
-    <p:sldId id="267" r:id="rId54"/>
-    <p:sldId id="275" r:id="rId55"/>
-    <p:sldId id="279" r:id="rId56"/>
+    <p:sldId id="389" r:id="rId43"/>
+    <p:sldId id="390" r:id="rId44"/>
+    <p:sldId id="391" r:id="rId45"/>
+    <p:sldId id="392" r:id="rId46"/>
+    <p:sldId id="393" r:id="rId47"/>
+    <p:sldId id="369" r:id="rId48"/>
+    <p:sldId id="371" r:id="rId49"/>
+    <p:sldId id="372" r:id="rId50"/>
+    <p:sldId id="370" r:id="rId51"/>
+    <p:sldId id="379" r:id="rId52"/>
+    <p:sldId id="380" r:id="rId53"/>
+    <p:sldId id="381" r:id="rId54"/>
+    <p:sldId id="382" r:id="rId55"/>
+    <p:sldId id="383" r:id="rId56"/>
+    <p:sldId id="384" r:id="rId57"/>
+    <p:sldId id="324" r:id="rId58"/>
+    <p:sldId id="267" r:id="rId59"/>
+    <p:sldId id="275" r:id="rId60"/>
+    <p:sldId id="279" r:id="rId61"/>
   </p:sldIdLst>
   <p:sldSz cx="12192000" cy="6858000"/>
   <p:notesSz cx="6858000" cy="9144000"/>
@@ -211,6 +216,11 @@
             <p14:sldId id="377"/>
             <p14:sldId id="388"/>
             <p14:sldId id="378"/>
+            <p14:sldId id="389"/>
+            <p14:sldId id="390"/>
+            <p14:sldId id="391"/>
+            <p14:sldId id="392"/>
+            <p14:sldId id="393"/>
             <p14:sldId id="369"/>
             <p14:sldId id="371"/>
             <p14:sldId id="372"/>
@@ -11141,265 +11151,7 @@
               </a:rPr>
               <a:t>Setting and following timelines (in the case of projects).</a:t>
             </a:r>
-          </a:p>
-          <a:p>
-            <a:endParaRPr lang="en-US" baseline="0" dirty="0"/>
-          </a:p>
-          <a:p>
-            <a:r>
-              <a:rPr lang="en-US" baseline="0" dirty="0"/>
-              <a:t>When it is next in line a task force is formed</a:t>
-            </a:r>
-          </a:p>
-          <a:p>
-            <a:pPr marL="171450" indent="-171450">
-              <a:buFont typeface="Arial" panose="020B0604020202020204" pitchFamily="34" charset="0"/>
-              <a:buChar char="•"/>
-            </a:pPr>
-            <a:r>
-              <a:rPr lang="en-US" sz="1200" b="0" i="0" kern="1200" dirty="0">
-                <a:solidFill>
-                  <a:schemeClr val="tx1"/>
-                </a:solidFill>
-                <a:effectLst/>
-                <a:latin typeface="+mn-lt"/>
-                <a:ea typeface="+mn-ea"/>
-                <a:cs typeface="+mn-cs"/>
-              </a:rPr>
-              <a:t>The way work or tasks are performed in Particular is usually not by a single person but rather by a group of people working in a "task force". Ideally, the people in a taskforce will bring a diverse set of skills and knowledge from multiple </a:t>
-            </a:r>
-            <a:r>
-              <a:rPr lang="en-US" sz="1200" b="0" i="0" u="none" strike="noStrike" kern="1200" dirty="0">
-                <a:solidFill>
-                  <a:schemeClr val="tx1"/>
-                </a:solidFill>
-                <a:effectLst/>
-                <a:latin typeface="+mn-lt"/>
-                <a:ea typeface="+mn-ea"/>
-                <a:cs typeface="+mn-cs"/>
-                <a:hlinkClick r:id="rId3"/>
-              </a:rPr>
-              <a:t>disciplines</a:t>
-            </a:r>
-            <a:r>
-              <a:rPr lang="en-US" sz="1200" b="0" i="0" kern="1200" dirty="0">
-                <a:solidFill>
-                  <a:schemeClr val="tx1"/>
-                </a:solidFill>
-                <a:effectLst/>
-                <a:latin typeface="+mn-lt"/>
-                <a:ea typeface="+mn-ea"/>
-                <a:cs typeface="+mn-cs"/>
-              </a:rPr>
-              <a:t>.</a:t>
-            </a:r>
-          </a:p>
-          <a:p>
-            <a:pPr marL="171450" indent="-171450">
-              <a:buFont typeface="Arial" panose="020B0604020202020204" pitchFamily="34" charset="0"/>
-              <a:buChar char="•"/>
-            </a:pPr>
-            <a:r>
-              <a:rPr lang="en-US" sz="1200" b="0" i="0" kern="1200" dirty="0">
-                <a:solidFill>
-                  <a:schemeClr val="tx1"/>
-                </a:solidFill>
-                <a:effectLst/>
-                <a:latin typeface="+mn-lt"/>
-                <a:ea typeface="+mn-ea"/>
-                <a:cs typeface="+mn-cs"/>
-              </a:rPr>
-              <a:t>Unlike normal teams, a task force comes together for a specific task and disbands once that task is complete.</a:t>
-            </a:r>
-          </a:p>
-          <a:p>
-            <a:pPr marL="171450" indent="-171450">
-              <a:buFont typeface="Arial" panose="020B0604020202020204" pitchFamily="34" charset="0"/>
-              <a:buChar char="•"/>
-            </a:pPr>
-            <a:r>
-              <a:rPr lang="it-IT" dirty="0" err="1"/>
-              <a:t>We</a:t>
-            </a:r>
-            <a:r>
-              <a:rPr lang="it-IT" dirty="0"/>
-              <a:t> </a:t>
-            </a:r>
-            <a:r>
-              <a:rPr lang="it-IT" dirty="0" err="1"/>
-              <a:t>don’t</a:t>
-            </a:r>
-            <a:r>
-              <a:rPr lang="it-IT" dirty="0"/>
-              <a:t> </a:t>
-            </a:r>
-            <a:r>
-              <a:rPr lang="it-IT" dirty="0" err="1"/>
-              <a:t>need</a:t>
-            </a:r>
-            <a:r>
-              <a:rPr lang="it-IT" dirty="0"/>
-              <a:t> a </a:t>
-            </a:r>
-            <a:r>
-              <a:rPr lang="it-IT" dirty="0" err="1"/>
-              <a:t>role</a:t>
-            </a:r>
-            <a:r>
-              <a:rPr lang="it-IT" dirty="0"/>
-              <a:t> to </a:t>
-            </a:r>
-            <a:r>
-              <a:rPr lang="it-IT" dirty="0" err="1"/>
-              <a:t>achieve</a:t>
-            </a:r>
-            <a:r>
-              <a:rPr lang="it-IT" dirty="0"/>
-              <a:t> </a:t>
-            </a:r>
-            <a:r>
-              <a:rPr lang="it-IT" dirty="0" err="1"/>
-              <a:t>something</a:t>
-            </a:r>
-            <a:r>
-              <a:rPr lang="it-IT" dirty="0"/>
-              <a:t>, skills are the </a:t>
-            </a:r>
-            <a:r>
-              <a:rPr lang="it-IT" dirty="0" err="1"/>
-              <a:t>requirement</a:t>
-            </a:r>
-            <a:r>
-              <a:rPr lang="it-IT" dirty="0"/>
-              <a:t>.</a:t>
-            </a:r>
-          </a:p>
-          <a:p>
-            <a:pPr marL="171450" indent="-171450">
-              <a:buFont typeface="Arial" panose="020B0604020202020204" pitchFamily="34" charset="0"/>
-              <a:buChar char="•"/>
-            </a:pPr>
-            <a:r>
-              <a:rPr lang="en-US" dirty="0"/>
-              <a:t>We need the right skills to fail small and learn big</a:t>
-            </a:r>
-          </a:p>
-          <a:p>
-            <a:pPr marL="171450" indent="-171450">
-              <a:buFont typeface="Arial" panose="020B0604020202020204" pitchFamily="34" charset="0"/>
-              <a:buChar char="•"/>
-            </a:pPr>
             <a:endParaRPr lang="en-US" dirty="0"/>
-          </a:p>
-          <a:p>
-            <a:r>
-              <a:rPr lang="de-CH" sz="1200" b="0" i="0" kern="1200" dirty="0">
-                <a:solidFill>
-                  <a:schemeClr val="tx1"/>
-                </a:solidFill>
-                <a:effectLst/>
-                <a:latin typeface="+mn-lt"/>
-                <a:ea typeface="+mn-ea"/>
-                <a:cs typeface="+mn-cs"/>
-              </a:rPr>
-              <a:t>Business</a:t>
-            </a:r>
-            <a:r>
-              <a:rPr lang="de-CH" sz="1200" b="0" i="0" kern="1200" baseline="0" dirty="0">
-                <a:solidFill>
-                  <a:schemeClr val="tx1"/>
-                </a:solidFill>
-                <a:effectLst/>
-                <a:latin typeface="+mn-lt"/>
-                <a:ea typeface="+mn-ea"/>
-                <a:cs typeface="+mn-cs"/>
-              </a:rPr>
-              <a:t> (Marketing…)</a:t>
-            </a:r>
-            <a:r>
-              <a:rPr lang="de-CH" sz="1200" b="0" i="0" kern="1200" dirty="0">
-                <a:solidFill>
-                  <a:schemeClr val="tx1"/>
-                </a:solidFill>
-                <a:effectLst/>
-                <a:latin typeface="+mn-lt"/>
-                <a:ea typeface="+mn-ea"/>
-                <a:cs typeface="+mn-cs"/>
-              </a:rPr>
-              <a:t>, People (</a:t>
-            </a:r>
-            <a:r>
-              <a:rPr lang="de-CH" sz="1200" b="0" i="0" kern="1200" dirty="0" err="1">
-                <a:solidFill>
-                  <a:schemeClr val="tx1"/>
-                </a:solidFill>
-                <a:effectLst/>
-                <a:latin typeface="+mn-lt"/>
-                <a:ea typeface="+mn-ea"/>
-                <a:cs typeface="+mn-cs"/>
-              </a:rPr>
-              <a:t>Softskills</a:t>
-            </a:r>
-            <a:r>
-              <a:rPr lang="de-CH" sz="1200" b="0" i="0" kern="1200" dirty="0">
-                <a:solidFill>
-                  <a:schemeClr val="tx1"/>
-                </a:solidFill>
-                <a:effectLst/>
-                <a:latin typeface="+mn-lt"/>
-                <a:ea typeface="+mn-ea"/>
-                <a:cs typeface="+mn-cs"/>
-              </a:rPr>
-              <a:t>), Domain (</a:t>
-            </a:r>
-            <a:r>
-              <a:rPr lang="de-CH" sz="1200" b="0" i="0" kern="1200" dirty="0" err="1">
-                <a:solidFill>
-                  <a:schemeClr val="tx1"/>
-                </a:solidFill>
-                <a:effectLst/>
-                <a:latin typeface="+mn-lt"/>
-                <a:ea typeface="+mn-ea"/>
-                <a:cs typeface="+mn-cs"/>
-              </a:rPr>
-              <a:t>What</a:t>
-            </a:r>
-            <a:r>
-              <a:rPr lang="de-CH" sz="1200" b="0" i="0" kern="1200" dirty="0">
-                <a:solidFill>
-                  <a:schemeClr val="tx1"/>
-                </a:solidFill>
-                <a:effectLst/>
-                <a:latin typeface="+mn-lt"/>
-                <a:ea typeface="+mn-ea"/>
-                <a:cs typeface="+mn-cs"/>
-              </a:rPr>
-              <a:t>), Solution (</a:t>
-            </a:r>
-            <a:r>
-              <a:rPr lang="de-CH" sz="1200" b="0" i="0" kern="1200" dirty="0" err="1">
-                <a:solidFill>
-                  <a:schemeClr val="tx1"/>
-                </a:solidFill>
-                <a:effectLst/>
-                <a:latin typeface="+mn-lt"/>
-                <a:ea typeface="+mn-ea"/>
-                <a:cs typeface="+mn-cs"/>
-              </a:rPr>
-              <a:t>How</a:t>
-            </a:r>
-            <a:r>
-              <a:rPr lang="de-CH" sz="1200" b="0" i="0" kern="1200" dirty="0">
-                <a:solidFill>
-                  <a:schemeClr val="tx1"/>
-                </a:solidFill>
-                <a:effectLst/>
-                <a:latin typeface="+mn-lt"/>
-                <a:ea typeface="+mn-ea"/>
-                <a:cs typeface="+mn-cs"/>
-              </a:rPr>
-              <a:t>)</a:t>
-            </a:r>
           </a:p>
           <a:p>
             <a:pPr marL="171450" indent="-171450">
@@ -12222,40 +11974,12 @@
           <a:p>
             <a:r>
               <a:rPr lang="en-US" dirty="0"/>
-              <a:t>This webinar is divided</a:t>
+              <a:t>I love</a:t>
             </a:r>
             <a:r>
               <a:rPr lang="en-US" baseline="0" dirty="0"/>
-              <a:t> into three parts</a:t>
-            </a:r>
-          </a:p>
-          <a:p>
-            <a:endParaRPr lang="en-US" baseline="0" dirty="0"/>
-          </a:p>
-          <a:p>
-            <a:r>
-              <a:rPr lang="en-US" baseline="0" dirty="0"/>
-              <a:t>Terminology</a:t>
-            </a:r>
-          </a:p>
-          <a:p>
-            <a:r>
-              <a:rPr lang="en-US" baseline="0" dirty="0"/>
-              <a:t>Code and </a:t>
-            </a:r>
-            <a:r>
-              <a:rPr lang="en-US" baseline="0" dirty="0" err="1"/>
-              <a:t>WrapUp</a:t>
-            </a:r>
-            <a:r>
-              <a:rPr lang="en-US" baseline="0" dirty="0"/>
-              <a:t> including Q&amp;A</a:t>
-            </a:r>
-          </a:p>
-          <a:p>
-            <a:endParaRPr lang="en-US" baseline="0" dirty="0"/>
-          </a:p>
-          <a:p>
+              <a:t> remote working it enables me to</a:t>
+            </a:r>
             <a:endParaRPr lang="de-CH" dirty="0"/>
           </a:p>
         </p:txBody>
@@ -12909,647 +12633,6 @@
               <a:t>Marketing website</a:t>
             </a:r>
           </a:p>
-          <a:p>
-            <a:r>
-              <a:rPr lang="en-US" sz="1000" b="0" i="0" u="none" strike="noStrike" kern="1200" dirty="0">
-                <a:solidFill>
-                  <a:schemeClr val="tx1"/>
-                </a:solidFill>
-                <a:effectLst/>
-                <a:latin typeface="+mn-lt"/>
-                <a:ea typeface="+mn-ea"/>
-                <a:cs typeface="+mn-cs"/>
-                <a:hlinkClick r:id="rId5"/>
-              </a:rPr>
-              <a:t>Customer Success</a:t>
-            </a:r>
-            <a:endParaRPr lang="en-US" sz="1000" b="0" i="0" kern="1200" dirty="0">
-              <a:solidFill>
-                <a:schemeClr val="tx1"/>
-              </a:solidFill>
-              <a:effectLst/>
-              <a:latin typeface="+mn-lt"/>
-              <a:ea typeface="+mn-ea"/>
-              <a:cs typeface="+mn-cs"/>
-            </a:endParaRPr>
-          </a:p>
-          <a:p>
-            <a:r>
-              <a:rPr lang="en-US" sz="1000" b="0" i="0" kern="1200" dirty="0">
-                <a:solidFill>
-                  <a:schemeClr val="tx1"/>
-                </a:solidFill>
-                <a:effectLst/>
-                <a:latin typeface="+mn-lt"/>
-                <a:ea typeface="+mn-ea"/>
-                <a:cs typeface="+mn-cs"/>
-              </a:rPr>
-              <a:t>Inbound Sales (as we don't do outbound)</a:t>
-            </a:r>
-          </a:p>
-          <a:p>
-            <a:r>
-              <a:rPr lang="en-US" sz="1000" b="0" i="0" kern="1200" dirty="0">
-                <a:solidFill>
-                  <a:schemeClr val="tx1"/>
-                </a:solidFill>
-                <a:effectLst/>
-                <a:latin typeface="+mn-lt"/>
-                <a:ea typeface="+mn-ea"/>
-                <a:cs typeface="+mn-cs"/>
-              </a:rPr>
-              <a:t>RFI/RFP</a:t>
-            </a:r>
-          </a:p>
-          <a:p>
-            <a:r>
-              <a:rPr lang="en-US" sz="1000" b="0" i="0" kern="1200" dirty="0">
-                <a:solidFill>
-                  <a:schemeClr val="tx1"/>
-                </a:solidFill>
-                <a:effectLst/>
-                <a:latin typeface="+mn-lt"/>
-                <a:ea typeface="+mn-ea"/>
-                <a:cs typeface="+mn-cs"/>
-              </a:rPr>
-              <a:t>Customer Onboarding</a:t>
-            </a:r>
-          </a:p>
-          <a:p>
-            <a:r>
-              <a:rPr lang="en-US" sz="1000" b="0" i="0" kern="1200" dirty="0">
-                <a:solidFill>
-                  <a:schemeClr val="tx1"/>
-                </a:solidFill>
-                <a:effectLst/>
-                <a:latin typeface="+mn-lt"/>
-                <a:ea typeface="+mn-ea"/>
-                <a:cs typeface="+mn-cs"/>
-              </a:rPr>
-              <a:t>Accounts Receivable (for this area of strategy)</a:t>
-            </a:r>
-          </a:p>
-          <a:p>
-            <a:r>
-              <a:rPr lang="en-US" sz="1000" b="0" i="0" kern="1200" dirty="0">
-                <a:solidFill>
-                  <a:schemeClr val="tx1"/>
-                </a:solidFill>
-                <a:effectLst/>
-                <a:latin typeface="+mn-lt"/>
-                <a:ea typeface="+mn-ea"/>
-                <a:cs typeface="+mn-cs"/>
-              </a:rPr>
-              <a:t>Support </a:t>
-            </a:r>
-            <a:r>
-              <a:rPr lang="en-US" sz="1000" b="0" i="1" kern="1200" dirty="0">
-                <a:solidFill>
-                  <a:schemeClr val="tx1"/>
-                </a:solidFill>
-                <a:effectLst/>
-                <a:latin typeface="+mn-lt"/>
-                <a:ea typeface="+mn-ea"/>
-                <a:cs typeface="+mn-cs"/>
-              </a:rPr>
-              <a:t>previously part of "Developer success"</a:t>
-            </a:r>
-            <a:endParaRPr lang="en-US" sz="1000" b="0" i="0" kern="1200" dirty="0">
-              <a:solidFill>
-                <a:schemeClr val="tx1"/>
-              </a:solidFill>
-              <a:effectLst/>
-              <a:latin typeface="+mn-lt"/>
-              <a:ea typeface="+mn-ea"/>
-              <a:cs typeface="+mn-cs"/>
-            </a:endParaRPr>
-          </a:p>
-          <a:p>
-            <a:r>
-              <a:rPr lang="en-US" sz="1000" b="0" i="0" kern="1200" dirty="0">
-                <a:solidFill>
-                  <a:schemeClr val="tx1"/>
-                </a:solidFill>
-                <a:effectLst/>
-                <a:latin typeface="+mn-lt"/>
-                <a:ea typeface="+mn-ea"/>
-                <a:cs typeface="+mn-cs"/>
-              </a:rPr>
-              <a:t>Technical Account Management </a:t>
-            </a:r>
-            <a:r>
-              <a:rPr lang="en-US" sz="1000" b="0" i="1" kern="1200" dirty="0">
-                <a:solidFill>
-                  <a:schemeClr val="tx1"/>
-                </a:solidFill>
-                <a:effectLst/>
-                <a:latin typeface="+mn-lt"/>
-                <a:ea typeface="+mn-ea"/>
-                <a:cs typeface="+mn-cs"/>
-              </a:rPr>
-              <a:t>previously spread over "Account Management" and "Developer success"</a:t>
-            </a:r>
-            <a:endParaRPr lang="en-US" sz="1000" b="0" i="0" kern="1200" dirty="0">
-              <a:solidFill>
-                <a:schemeClr val="tx1"/>
-              </a:solidFill>
-              <a:effectLst/>
-              <a:latin typeface="+mn-lt"/>
-              <a:ea typeface="+mn-ea"/>
-              <a:cs typeface="+mn-cs"/>
-            </a:endParaRPr>
-          </a:p>
-          <a:p>
-            <a:r>
-              <a:rPr lang="en-US" sz="1000" b="0" i="0" kern="1200" dirty="0">
-                <a:solidFill>
-                  <a:schemeClr val="tx1"/>
-                </a:solidFill>
-                <a:effectLst/>
-                <a:latin typeface="+mn-lt"/>
-                <a:ea typeface="+mn-ea"/>
-                <a:cs typeface="+mn-cs"/>
-              </a:rPr>
-              <a:t>Professional Services Offerings</a:t>
-            </a:r>
-          </a:p>
-          <a:p>
-            <a:r>
-              <a:rPr lang="en-US" sz="1000" b="0" i="0" kern="1200" dirty="0">
-                <a:solidFill>
-                  <a:schemeClr val="tx1"/>
-                </a:solidFill>
-                <a:effectLst/>
-                <a:latin typeface="+mn-lt"/>
-                <a:ea typeface="+mn-ea"/>
-                <a:cs typeface="+mn-cs"/>
-              </a:rPr>
-              <a:t>Startup licenses</a:t>
-            </a:r>
-          </a:p>
-          <a:p>
-            <a:r>
-              <a:rPr lang="en-US" sz="1000" b="0" i="0" kern="1200" dirty="0">
-                <a:solidFill>
-                  <a:schemeClr val="tx1"/>
-                </a:solidFill>
-                <a:effectLst/>
-                <a:latin typeface="+mn-lt"/>
-                <a:ea typeface="+mn-ea"/>
-                <a:cs typeface="+mn-cs"/>
-              </a:rPr>
-              <a:t>Renewals</a:t>
-            </a:r>
-          </a:p>
-          <a:p>
-            <a:r>
-              <a:rPr lang="en-US" sz="1000" b="0" i="1" kern="1200" dirty="0">
-                <a:solidFill>
-                  <a:schemeClr val="tx1"/>
-                </a:solidFill>
-                <a:effectLst/>
-                <a:latin typeface="+mn-lt"/>
-                <a:ea typeface="+mn-ea"/>
-                <a:cs typeface="+mn-cs"/>
-              </a:rPr>
-              <a:t>(Links to high level metrics to be added.)</a:t>
-            </a:r>
-            <a:endParaRPr lang="en-US" sz="1000" b="0" i="0" kern="1200" dirty="0">
-              <a:solidFill>
-                <a:schemeClr val="tx1"/>
-              </a:solidFill>
-              <a:effectLst/>
-              <a:latin typeface="+mn-lt"/>
-              <a:ea typeface="+mn-ea"/>
-              <a:cs typeface="+mn-cs"/>
-            </a:endParaRPr>
-          </a:p>
-          <a:p>
-            <a:r>
-              <a:rPr lang="en-US" sz="1000" b="0" i="0" u="none" strike="noStrike" kern="1200" dirty="0">
-                <a:solidFill>
-                  <a:schemeClr val="tx1"/>
-                </a:solidFill>
-                <a:effectLst/>
-                <a:latin typeface="+mn-lt"/>
-                <a:ea typeface="+mn-ea"/>
-                <a:cs typeface="+mn-cs"/>
-                <a:hlinkClick r:id="rId6"/>
-              </a:rPr>
-              <a:t>Platform Development</a:t>
-            </a:r>
-            <a:endParaRPr lang="en-US" sz="1000" b="0" i="0" kern="1200" dirty="0">
-              <a:solidFill>
-                <a:schemeClr val="tx1"/>
-              </a:solidFill>
-              <a:effectLst/>
-              <a:latin typeface="+mn-lt"/>
-              <a:ea typeface="+mn-ea"/>
-              <a:cs typeface="+mn-cs"/>
-            </a:endParaRPr>
-          </a:p>
-          <a:p>
-            <a:r>
-              <a:rPr lang="en-US" sz="1000" b="0" i="0" kern="1200" dirty="0">
-                <a:solidFill>
-                  <a:schemeClr val="tx1"/>
-                </a:solidFill>
-                <a:effectLst/>
-                <a:latin typeface="+mn-lt"/>
-                <a:ea typeface="+mn-ea"/>
-                <a:cs typeface="+mn-cs"/>
-              </a:rPr>
-              <a:t>Bug triage/fixing </a:t>
-            </a:r>
-            <a:r>
-              <a:rPr lang="en-US" sz="1000" b="0" i="1" kern="1200" dirty="0">
-                <a:solidFill>
-                  <a:schemeClr val="tx1"/>
-                </a:solidFill>
-                <a:effectLst/>
-                <a:latin typeface="+mn-lt"/>
-                <a:ea typeface="+mn-ea"/>
-                <a:cs typeface="+mn-cs"/>
-              </a:rPr>
-              <a:t>previously part of "Feature Development"</a:t>
-            </a:r>
-            <a:endParaRPr lang="en-US" sz="1000" b="0" i="0" kern="1200" dirty="0">
-              <a:solidFill>
-                <a:schemeClr val="tx1"/>
-              </a:solidFill>
-              <a:effectLst/>
-              <a:latin typeface="+mn-lt"/>
-              <a:ea typeface="+mn-ea"/>
-              <a:cs typeface="+mn-cs"/>
-            </a:endParaRPr>
-          </a:p>
-          <a:p>
-            <a:r>
-              <a:rPr lang="en-US" sz="1000" b="0" i="0" kern="1200" dirty="0">
-                <a:solidFill>
-                  <a:schemeClr val="tx1"/>
-                </a:solidFill>
-                <a:effectLst/>
-                <a:latin typeface="+mn-lt"/>
-                <a:ea typeface="+mn-ea"/>
-                <a:cs typeface="+mn-cs"/>
-              </a:rPr>
-              <a:t>Features </a:t>
-            </a:r>
-            <a:r>
-              <a:rPr lang="en-US" sz="1000" b="0" i="1" kern="1200" dirty="0">
-                <a:solidFill>
-                  <a:schemeClr val="tx1"/>
-                </a:solidFill>
-                <a:effectLst/>
-                <a:latin typeface="+mn-lt"/>
-                <a:ea typeface="+mn-ea"/>
-                <a:cs typeface="+mn-cs"/>
-              </a:rPr>
-              <a:t>previously part of "Feature Development"</a:t>
-            </a:r>
-            <a:endParaRPr lang="en-US" sz="1000" b="0" i="0" kern="1200" dirty="0">
-              <a:solidFill>
-                <a:schemeClr val="tx1"/>
-              </a:solidFill>
-              <a:effectLst/>
-              <a:latin typeface="+mn-lt"/>
-              <a:ea typeface="+mn-ea"/>
-              <a:cs typeface="+mn-cs"/>
-            </a:endParaRPr>
-          </a:p>
-          <a:p>
-            <a:r>
-              <a:rPr lang="en-US" sz="1000" b="0" i="0" kern="1200" dirty="0">
-                <a:solidFill>
-                  <a:schemeClr val="tx1"/>
-                </a:solidFill>
-                <a:effectLst/>
-                <a:latin typeface="+mn-lt"/>
-                <a:ea typeface="+mn-ea"/>
-                <a:cs typeface="+mn-cs"/>
-              </a:rPr>
-              <a:t>Documentation</a:t>
-            </a:r>
-          </a:p>
-          <a:p>
-            <a:r>
-              <a:rPr lang="en-US" sz="1000" b="0" i="0" kern="1200" dirty="0">
-                <a:solidFill>
-                  <a:schemeClr val="tx1"/>
-                </a:solidFill>
-                <a:effectLst/>
-                <a:latin typeface="+mn-lt"/>
-                <a:ea typeface="+mn-ea"/>
-                <a:cs typeface="+mn-cs"/>
-              </a:rPr>
-              <a:t>Vision</a:t>
-            </a:r>
-          </a:p>
-          <a:p>
-            <a:r>
-              <a:rPr lang="en-US" sz="1000" b="0" i="0" kern="1200" dirty="0">
-                <a:solidFill>
-                  <a:schemeClr val="tx1"/>
-                </a:solidFill>
-                <a:effectLst/>
-                <a:latin typeface="+mn-lt"/>
-                <a:ea typeface="+mn-ea"/>
-                <a:cs typeface="+mn-cs"/>
-              </a:rPr>
-              <a:t>Customer Success Collaboration (for impact assessment and customer communication)</a:t>
-            </a:r>
-          </a:p>
-          <a:p>
-            <a:r>
-              <a:rPr lang="en-US" sz="1000" b="0" i="0" kern="1200" dirty="0">
-                <a:solidFill>
-                  <a:schemeClr val="tx1"/>
-                </a:solidFill>
-                <a:effectLst/>
-                <a:latin typeface="+mn-lt"/>
-                <a:ea typeface="+mn-ea"/>
-                <a:cs typeface="+mn-cs"/>
-              </a:rPr>
-              <a:t>Developer Education Collaboration (for stories)</a:t>
-            </a:r>
-          </a:p>
-          <a:p>
-            <a:r>
-              <a:rPr lang="en-US" sz="1000" b="0" i="0" kern="1200" dirty="0">
-                <a:solidFill>
-                  <a:schemeClr val="tx1"/>
-                </a:solidFill>
-                <a:effectLst/>
-                <a:latin typeface="+mn-lt"/>
-                <a:ea typeface="+mn-ea"/>
-                <a:cs typeface="+mn-cs"/>
-              </a:rPr>
-              <a:t>Accounts Payable (for this area of strategy)</a:t>
-            </a:r>
-          </a:p>
-          <a:p>
-            <a:r>
-              <a:rPr lang="en-US" sz="1000" b="0" i="1" kern="1200" dirty="0">
-                <a:solidFill>
-                  <a:schemeClr val="tx1"/>
-                </a:solidFill>
-                <a:effectLst/>
-                <a:latin typeface="+mn-lt"/>
-                <a:ea typeface="+mn-ea"/>
-                <a:cs typeface="+mn-cs"/>
-              </a:rPr>
-              <a:t>(Links to high level metrics to be added.)</a:t>
-            </a:r>
-            <a:endParaRPr lang="en-US" sz="1000" b="0" i="0" kern="1200" dirty="0">
-              <a:solidFill>
-                <a:schemeClr val="tx1"/>
-              </a:solidFill>
-              <a:effectLst/>
-              <a:latin typeface="+mn-lt"/>
-              <a:ea typeface="+mn-ea"/>
-              <a:cs typeface="+mn-cs"/>
-            </a:endParaRPr>
-          </a:p>
-          <a:p>
-            <a:r>
-              <a:rPr lang="en-US" sz="1000" b="0" i="0" u="none" strike="noStrike" kern="1200" dirty="0">
-                <a:solidFill>
-                  <a:schemeClr val="tx1"/>
-                </a:solidFill>
-                <a:effectLst/>
-                <a:latin typeface="+mn-lt"/>
-                <a:ea typeface="+mn-ea"/>
-                <a:cs typeface="+mn-cs"/>
-                <a:hlinkClick r:id="rId7"/>
-              </a:rPr>
-              <a:t>Staff Success</a:t>
-            </a:r>
-            <a:endParaRPr lang="en-US" sz="1000" b="0" i="0" kern="1200" dirty="0">
-              <a:solidFill>
-                <a:schemeClr val="tx1"/>
-              </a:solidFill>
-              <a:effectLst/>
-              <a:latin typeface="+mn-lt"/>
-              <a:ea typeface="+mn-ea"/>
-              <a:cs typeface="+mn-cs"/>
-            </a:endParaRPr>
-          </a:p>
-          <a:p>
-            <a:r>
-              <a:rPr lang="en-US" sz="1000" b="0" i="0" kern="1200" dirty="0">
-                <a:solidFill>
-                  <a:schemeClr val="tx1"/>
-                </a:solidFill>
-                <a:effectLst/>
-                <a:latin typeface="+mn-lt"/>
-                <a:ea typeface="+mn-ea"/>
-                <a:cs typeface="+mn-cs"/>
-              </a:rPr>
-              <a:t>Sourcing</a:t>
-            </a:r>
-          </a:p>
-          <a:p>
-            <a:r>
-              <a:rPr lang="en-US" sz="1000" b="0" i="0" kern="1200" dirty="0">
-                <a:solidFill>
-                  <a:schemeClr val="tx1"/>
-                </a:solidFill>
-                <a:effectLst/>
-                <a:latin typeface="+mn-lt"/>
-                <a:ea typeface="+mn-ea"/>
-                <a:cs typeface="+mn-cs"/>
-              </a:rPr>
-              <a:t>Interviewing</a:t>
-            </a:r>
-          </a:p>
-          <a:p>
-            <a:r>
-              <a:rPr lang="en-US" sz="1000" b="0" i="0" kern="1200" dirty="0">
-                <a:solidFill>
-                  <a:schemeClr val="tx1"/>
-                </a:solidFill>
-                <a:effectLst/>
-                <a:latin typeface="+mn-lt"/>
-                <a:ea typeface="+mn-ea"/>
-                <a:cs typeface="+mn-cs"/>
-              </a:rPr>
-              <a:t>Onboarding</a:t>
-            </a:r>
-          </a:p>
-          <a:p>
-            <a:r>
-              <a:rPr lang="en-US" sz="1000" b="0" i="0" kern="1200" dirty="0">
-                <a:solidFill>
-                  <a:schemeClr val="tx1"/>
-                </a:solidFill>
-                <a:effectLst/>
-                <a:latin typeface="+mn-lt"/>
-                <a:ea typeface="+mn-ea"/>
-                <a:cs typeface="+mn-cs"/>
-              </a:rPr>
-              <a:t>Company Conferences </a:t>
-            </a:r>
-            <a:r>
-              <a:rPr lang="en-US" sz="1000" b="0" i="1" kern="1200" dirty="0">
-                <a:solidFill>
-                  <a:schemeClr val="tx1"/>
-                </a:solidFill>
-                <a:effectLst/>
-                <a:latin typeface="+mn-lt"/>
-                <a:ea typeface="+mn-ea"/>
-                <a:cs typeface="+mn-cs"/>
-              </a:rPr>
-              <a:t>previously "Company Meeting" as its own process and duplicated as part of "Internal Communications"</a:t>
-            </a:r>
-            <a:endParaRPr lang="en-US" sz="1000" b="0" i="0" kern="1200" dirty="0">
-              <a:solidFill>
-                <a:schemeClr val="tx1"/>
-              </a:solidFill>
-              <a:effectLst/>
-              <a:latin typeface="+mn-lt"/>
-              <a:ea typeface="+mn-ea"/>
-              <a:cs typeface="+mn-cs"/>
-            </a:endParaRPr>
-          </a:p>
-          <a:p>
-            <a:r>
-              <a:rPr lang="en-US" sz="1000" b="0" i="0" kern="1200" dirty="0">
-                <a:solidFill>
-                  <a:schemeClr val="tx1"/>
-                </a:solidFill>
-                <a:effectLst/>
-                <a:latin typeface="+mn-lt"/>
-                <a:ea typeface="+mn-ea"/>
-                <a:cs typeface="+mn-cs"/>
-              </a:rPr>
-              <a:t>Compensation </a:t>
-            </a:r>
-            <a:r>
-              <a:rPr lang="en-US" sz="1000" b="0" i="1" kern="1200" dirty="0">
-                <a:solidFill>
-                  <a:schemeClr val="tx1"/>
-                </a:solidFill>
-                <a:effectLst/>
-                <a:latin typeface="+mn-lt"/>
-                <a:ea typeface="+mn-ea"/>
-                <a:cs typeface="+mn-cs"/>
-              </a:rPr>
-              <a:t>previously part of "Staff Rewards and Policies"</a:t>
-            </a:r>
-            <a:endParaRPr lang="en-US" sz="1000" b="0" i="0" kern="1200" dirty="0">
-              <a:solidFill>
-                <a:schemeClr val="tx1"/>
-              </a:solidFill>
-              <a:effectLst/>
-              <a:latin typeface="+mn-lt"/>
-              <a:ea typeface="+mn-ea"/>
-              <a:cs typeface="+mn-cs"/>
-            </a:endParaRPr>
-          </a:p>
-          <a:p>
-            <a:r>
-              <a:rPr lang="en-US" sz="1000" b="0" i="0" kern="1200" dirty="0">
-                <a:solidFill>
-                  <a:schemeClr val="tx1"/>
-                </a:solidFill>
-                <a:effectLst/>
-                <a:latin typeface="+mn-lt"/>
-                <a:ea typeface="+mn-ea"/>
-                <a:cs typeface="+mn-cs"/>
-              </a:rPr>
-              <a:t>Benefits and Policies </a:t>
-            </a:r>
-            <a:r>
-              <a:rPr lang="en-US" sz="1000" b="0" i="1" kern="1200" dirty="0">
-                <a:solidFill>
-                  <a:schemeClr val="tx1"/>
-                </a:solidFill>
-                <a:effectLst/>
-                <a:latin typeface="+mn-lt"/>
-                <a:ea typeface="+mn-ea"/>
-                <a:cs typeface="+mn-cs"/>
-              </a:rPr>
-              <a:t>previously part of "Staff Rewards and Policies"</a:t>
-            </a:r>
-            <a:endParaRPr lang="en-US" sz="1000" b="0" i="0" kern="1200" dirty="0">
-              <a:solidFill>
-                <a:schemeClr val="tx1"/>
-              </a:solidFill>
-              <a:effectLst/>
-              <a:latin typeface="+mn-lt"/>
-              <a:ea typeface="+mn-ea"/>
-              <a:cs typeface="+mn-cs"/>
-            </a:endParaRPr>
-          </a:p>
-          <a:p>
-            <a:r>
-              <a:rPr lang="en-US" sz="1000" b="0" i="0" kern="1200" dirty="0">
-                <a:solidFill>
-                  <a:schemeClr val="tx1"/>
-                </a:solidFill>
-                <a:effectLst/>
-                <a:latin typeface="+mn-lt"/>
-                <a:ea typeface="+mn-ea"/>
-                <a:cs typeface="+mn-cs"/>
-              </a:rPr>
-              <a:t>Career Development </a:t>
-            </a:r>
-            <a:r>
-              <a:rPr lang="en-US" sz="1000" b="0" i="1" kern="1200" dirty="0">
-                <a:solidFill>
-                  <a:schemeClr val="tx1"/>
-                </a:solidFill>
-                <a:effectLst/>
-                <a:latin typeface="+mn-lt"/>
-                <a:ea typeface="+mn-ea"/>
-                <a:cs typeface="+mn-cs"/>
-              </a:rPr>
-              <a:t>previously "Coaching and Development"</a:t>
-            </a:r>
-            <a:endParaRPr lang="en-US" sz="1000" b="0" i="0" kern="1200" dirty="0">
-              <a:solidFill>
-                <a:schemeClr val="tx1"/>
-              </a:solidFill>
-              <a:effectLst/>
-              <a:latin typeface="+mn-lt"/>
-              <a:ea typeface="+mn-ea"/>
-              <a:cs typeface="+mn-cs"/>
-            </a:endParaRPr>
-          </a:p>
-          <a:p>
-            <a:r>
-              <a:rPr lang="en-US" sz="1000" b="0" i="0" kern="1200" dirty="0">
-                <a:solidFill>
-                  <a:schemeClr val="tx1"/>
-                </a:solidFill>
-                <a:effectLst/>
-                <a:latin typeface="+mn-lt"/>
-                <a:ea typeface="+mn-ea"/>
-                <a:cs typeface="+mn-cs"/>
-              </a:rPr>
-              <a:t>Payroll</a:t>
-            </a:r>
-          </a:p>
-          <a:p>
-            <a:r>
-              <a:rPr lang="en-US" sz="1000" b="0" i="0" kern="1200" dirty="0">
-                <a:solidFill>
-                  <a:schemeClr val="tx1"/>
-                </a:solidFill>
-                <a:effectLst/>
-                <a:latin typeface="+mn-lt"/>
-                <a:ea typeface="+mn-ea"/>
-                <a:cs typeface="+mn-cs"/>
-              </a:rPr>
-              <a:t>Accounts Payable (for this area of strategy)</a:t>
-            </a:r>
-          </a:p>
-          <a:p>
-            <a:endParaRPr lang="en-US" sz="1000" b="0" baseline="0" dirty="0">
-              <a:latin typeface="+mn-lt"/>
-            </a:endParaRPr>
-          </a:p>
         </p:txBody>
       </p:sp>
       <p:sp>
@@ -15173,7 +14256,100 @@
           <a:bodyPr/>
           <a:lstStyle/>
           <a:p>
-            <a:endParaRPr lang="en-US" dirty="0"/>
+            <a:pPr marL="171450" indent="-171450">
+              <a:buFont typeface="Arial" panose="020B0604020202020204" pitchFamily="34" charset="0"/>
+              <a:buChar char="•"/>
+            </a:pPr>
+            <a:r>
+              <a:rPr lang="en-US" sz="1200" b="0" i="0" kern="1200" dirty="0">
+                <a:solidFill>
+                  <a:schemeClr val="tx1"/>
+                </a:solidFill>
+                <a:effectLst/>
+                <a:latin typeface="+mn-lt"/>
+                <a:ea typeface="+mn-ea"/>
+                <a:cs typeface="+mn-cs"/>
+              </a:rPr>
+              <a:t>Do we have a sufficiently broad set of disciplines involved to understand all of the ramifications of the decision being discussed?</a:t>
+            </a:r>
+          </a:p>
+          <a:p>
+            <a:pPr marL="171450" indent="-171450">
+              <a:buFont typeface="Arial" panose="020B0604020202020204" pitchFamily="34" charset="0"/>
+              <a:buChar char="•"/>
+            </a:pPr>
+            <a:r>
+              <a:rPr lang="en-US" sz="1200" b="0" i="0" kern="1200" dirty="0">
+                <a:solidFill>
+                  <a:schemeClr val="tx1"/>
+                </a:solidFill>
+                <a:effectLst/>
+                <a:latin typeface="+mn-lt"/>
+                <a:ea typeface="+mn-ea"/>
+                <a:cs typeface="+mn-cs"/>
+              </a:rPr>
+              <a:t>Do we have people with sufficient depth of expertise to help quantify risk?</a:t>
+            </a:r>
+          </a:p>
+          <a:p>
+            <a:pPr marL="171450" indent="-171450">
+              <a:buFont typeface="Arial" panose="020B0604020202020204" pitchFamily="34" charset="0"/>
+              <a:buChar char="•"/>
+            </a:pPr>
+            <a:r>
+              <a:rPr lang="en-US" sz="1200" b="0" i="0" kern="1200" dirty="0">
+                <a:solidFill>
+                  <a:schemeClr val="tx1"/>
+                </a:solidFill>
+                <a:effectLst/>
+                <a:latin typeface="+mn-lt"/>
+                <a:ea typeface="+mn-ea"/>
+                <a:cs typeface="+mn-cs"/>
+              </a:rPr>
+              <a:t>Does the issue related to this decision affect other strategies? (collaboration)</a:t>
+            </a:r>
+          </a:p>
+          <a:p>
+            <a:pPr marL="171450" indent="-171450">
+              <a:buFont typeface="Arial" panose="020B0604020202020204" pitchFamily="34" charset="0"/>
+              <a:buChar char="•"/>
+            </a:pPr>
+            <a:r>
+              <a:rPr lang="en-US" sz="1200" b="0" i="0" kern="1200" dirty="0">
+                <a:solidFill>
+                  <a:schemeClr val="tx1"/>
+                </a:solidFill>
+                <a:effectLst/>
+                <a:latin typeface="+mn-lt"/>
+                <a:ea typeface="+mn-ea"/>
+                <a:cs typeface="+mn-cs"/>
+              </a:rPr>
+              <a:t>Have we chosen the </a:t>
+            </a:r>
+            <a:r>
+              <a:rPr lang="en-US" sz="1200" b="1" i="0" kern="1200" dirty="0">
+                <a:solidFill>
+                  <a:schemeClr val="tx1"/>
+                </a:solidFill>
+                <a:effectLst/>
+                <a:latin typeface="+mn-lt"/>
+                <a:ea typeface="+mn-ea"/>
+                <a:cs typeface="+mn-cs"/>
+              </a:rPr>
+              <a:t>one person</a:t>
+            </a:r>
+            <a:r>
+              <a:rPr lang="en-US" sz="1200" b="0" i="0" kern="1200" dirty="0">
+                <a:solidFill>
+                  <a:schemeClr val="tx1"/>
+                </a:solidFill>
+                <a:effectLst/>
+                <a:latin typeface="+mn-lt"/>
+                <a:ea typeface="+mn-ea"/>
+                <a:cs typeface="+mn-cs"/>
+              </a:rPr>
+              <a:t> accountable for the decision?</a:t>
+            </a:r>
           </a:p>
         </p:txBody>
       </p:sp>
@@ -15203,7 +14379,7 @@
     </p:spTree>
     <p:extLst>
       <p:ext uri="{BB962C8B-B14F-4D97-AF65-F5344CB8AC3E}">
-        <p14:creationId xmlns:p14="http://schemas.microsoft.com/office/powerpoint/2010/main" val="1948337822"/>
+        <p14:creationId xmlns:p14="http://schemas.microsoft.com/office/powerpoint/2010/main" val="3232963533"/>
       </p:ext>
     </p:extLst>
   </p:cSld>
@@ -15257,7 +14433,74 @@
           <a:bodyPr/>
           <a:lstStyle/>
           <a:p>
-            <a:endParaRPr lang="de-CH" dirty="0"/>
+            <a:r>
+              <a:rPr lang="en-US" sz="1200" b="0" i="0" kern="1200" dirty="0">
+                <a:solidFill>
+                  <a:schemeClr val="tx1"/>
+                </a:solidFill>
+                <a:effectLst/>
+                <a:latin typeface="+mn-lt"/>
+                <a:ea typeface="+mn-ea"/>
+                <a:cs typeface="+mn-cs"/>
+              </a:rPr>
+              <a:t>Is now the right time to make this decision?</a:t>
+            </a:r>
+          </a:p>
+          <a:p>
+            <a:r>
+              <a:rPr lang="en-US" sz="1200" b="0" i="0" kern="1200" dirty="0">
+                <a:solidFill>
+                  <a:schemeClr val="tx1"/>
+                </a:solidFill>
+                <a:effectLst/>
+                <a:latin typeface="+mn-lt"/>
+                <a:ea typeface="+mn-ea"/>
+                <a:cs typeface="+mn-cs"/>
+              </a:rPr>
+              <a:t>What is the "last responsible moment" for deciding?</a:t>
+            </a:r>
+          </a:p>
+          <a:p>
+            <a:r>
+              <a:rPr lang="en-US" sz="1200" b="0" i="0" kern="1200" dirty="0">
+                <a:solidFill>
+                  <a:schemeClr val="tx1"/>
+                </a:solidFill>
+                <a:effectLst/>
+                <a:latin typeface="+mn-lt"/>
+                <a:ea typeface="+mn-ea"/>
+                <a:cs typeface="+mn-cs"/>
+              </a:rPr>
+              <a:t>Has that moment already passed?</a:t>
+            </a:r>
+          </a:p>
+          <a:p>
+            <a:r>
+              <a:rPr lang="en-US" sz="1200" b="0" i="0" kern="1200" dirty="0">
+                <a:solidFill>
+                  <a:schemeClr val="tx1"/>
+                </a:solidFill>
+                <a:effectLst/>
+                <a:latin typeface="+mn-lt"/>
+                <a:ea typeface="+mn-ea"/>
+                <a:cs typeface="+mn-cs"/>
+              </a:rPr>
+              <a:t>Should we start taking action even though we're unsure what is the best approach?</a:t>
+            </a:r>
+          </a:p>
+          <a:p>
+            <a:r>
+              <a:rPr lang="en-US" sz="1200" b="0" i="0" kern="1200" dirty="0">
+                <a:solidFill>
+                  <a:schemeClr val="tx1"/>
+                </a:solidFill>
+                <a:effectLst/>
+                <a:latin typeface="+mn-lt"/>
+                <a:ea typeface="+mn-ea"/>
+                <a:cs typeface="+mn-cs"/>
+              </a:rPr>
+              <a:t>Has the issue related to the decision reached a state where the Task force should set a time line for the decision?</a:t>
+            </a:r>
           </a:p>
         </p:txBody>
       </p:sp>
@@ -15287,7 +14530,7 @@
     </p:spTree>
     <p:extLst>
       <p:ext uri="{BB962C8B-B14F-4D97-AF65-F5344CB8AC3E}">
-        <p14:creationId xmlns:p14="http://schemas.microsoft.com/office/powerpoint/2010/main" val="788795983"/>
+        <p14:creationId xmlns:p14="http://schemas.microsoft.com/office/powerpoint/2010/main" val="2030899372"/>
       </p:ext>
     </p:extLst>
   </p:cSld>
@@ -15341,7 +14584,60 @@
           <a:bodyPr/>
           <a:lstStyle/>
           <a:p>
-            <a:endParaRPr lang="en-US" baseline="0" dirty="0"/>
+            <a:r>
+              <a:rPr lang="en-US" sz="1200" b="0" i="0" kern="1200" dirty="0">
+                <a:solidFill>
+                  <a:schemeClr val="tx1"/>
+                </a:solidFill>
+                <a:effectLst/>
+                <a:latin typeface="+mn-lt"/>
+                <a:ea typeface="+mn-ea"/>
+                <a:cs typeface="+mn-cs"/>
+              </a:rPr>
+              <a:t>What assumptions do we assume are true?</a:t>
+            </a:r>
+          </a:p>
+          <a:p>
+            <a:r>
+              <a:rPr lang="en-US" sz="1200" b="0" i="0" kern="1200" dirty="0">
+                <a:solidFill>
+                  <a:schemeClr val="tx1"/>
+                </a:solidFill>
+                <a:effectLst/>
+                <a:latin typeface="+mn-lt"/>
+                <a:ea typeface="+mn-ea"/>
+                <a:cs typeface="+mn-cs"/>
+              </a:rPr>
+              <a:t>What data do we have supporting those assumptions?</a:t>
+            </a:r>
+          </a:p>
+          <a:p>
+            <a:r>
+              <a:rPr lang="en-US" sz="1200" b="0" i="0" kern="1200" dirty="0">
+                <a:solidFill>
+                  <a:schemeClr val="tx1"/>
+                </a:solidFill>
+                <a:effectLst/>
+                <a:latin typeface="+mn-lt"/>
+                <a:ea typeface="+mn-ea"/>
+                <a:cs typeface="+mn-cs"/>
+              </a:rPr>
+              <a:t>What if our assumptions turn out to be false?</a:t>
+            </a:r>
+          </a:p>
+          <a:p>
+            <a:r>
+              <a:rPr lang="en-US" sz="1200" b="0" i="0" kern="1200" dirty="0">
+                <a:solidFill>
+                  <a:schemeClr val="tx1"/>
+                </a:solidFill>
+                <a:effectLst/>
+                <a:latin typeface="+mn-lt"/>
+                <a:ea typeface="+mn-ea"/>
+                <a:cs typeface="+mn-cs"/>
+              </a:rPr>
+              <a:t>What preventative measures can we take?</a:t>
+            </a:r>
           </a:p>
         </p:txBody>
       </p:sp>
@@ -15371,7 +14667,7 @@
     </p:spTree>
     <p:extLst>
       <p:ext uri="{BB962C8B-B14F-4D97-AF65-F5344CB8AC3E}">
-        <p14:creationId xmlns:p14="http://schemas.microsoft.com/office/powerpoint/2010/main" val="1904698659"/>
+        <p14:creationId xmlns:p14="http://schemas.microsoft.com/office/powerpoint/2010/main" val="196040851"/>
       </p:ext>
     </p:extLst>
   </p:cSld>
@@ -15426,32 +14722,130 @@
           <a:lstStyle/>
           <a:p>
             <a:r>
-              <a:rPr lang="en-US" dirty="0"/>
-              <a:t>You have to be active, you spend energy, you have to be</a:t>
-            </a:r>
-            <a:r>
-              <a:rPr lang="en-US" baseline="0" dirty="0"/>
-              <a:t> motivated and embrace the challenge</a:t>
-            </a:r>
-          </a:p>
-          <a:p>
-            <a:r>
-              <a:rPr lang="en-US" baseline="0" dirty="0"/>
-              <a:t>Help others, the big picture counts</a:t>
-            </a:r>
+              <a:rPr lang="en-US" sz="1200" b="0" i="0" kern="1200" dirty="0">
+                <a:solidFill>
+                  <a:schemeClr val="tx1"/>
+                </a:solidFill>
+                <a:effectLst/>
+                <a:latin typeface="+mn-lt"/>
+                <a:ea typeface="+mn-ea"/>
+                <a:cs typeface="+mn-cs"/>
+              </a:rPr>
+              <a:t>Important from</a:t>
+            </a:r>
+            <a:r>
+              <a:rPr lang="en-US" sz="1200" b="0" i="0" kern="1200" baseline="0" dirty="0">
+                <a:solidFill>
+                  <a:schemeClr val="tx1"/>
+                </a:solidFill>
+                <a:effectLst/>
+                <a:latin typeface="+mn-lt"/>
+                <a:ea typeface="+mn-ea"/>
+                <a:cs typeface="+mn-cs"/>
+              </a:rPr>
+              <a:t> a TF perspective, not for the </a:t>
+            </a:r>
+            <a:r>
+              <a:rPr lang="en-US" sz="1200" b="0" i="0" kern="1200" baseline="0">
+                <a:solidFill>
+                  <a:schemeClr val="tx1"/>
+                </a:solidFill>
+                <a:effectLst/>
+                <a:latin typeface="+mn-lt"/>
+                <a:ea typeface="+mn-ea"/>
+                <a:cs typeface="+mn-cs"/>
+              </a:rPr>
+              <a:t>whole company</a:t>
+            </a:r>
+            <a:endParaRPr lang="en-US" sz="1200" b="0" i="0" kern="1200" dirty="0">
+              <a:solidFill>
+                <a:schemeClr val="tx1"/>
+              </a:solidFill>
+              <a:effectLst/>
+              <a:latin typeface="+mn-lt"/>
+              <a:ea typeface="+mn-ea"/>
+              <a:cs typeface="+mn-cs"/>
+            </a:endParaRPr>
+          </a:p>
+          <a:p>
+            <a:endParaRPr lang="en-US" sz="1200" b="0" i="0" kern="1200" dirty="0">
+              <a:solidFill>
+                <a:schemeClr val="tx1"/>
+              </a:solidFill>
+              <a:effectLst/>
+              <a:latin typeface="+mn-lt"/>
+              <a:ea typeface="+mn-ea"/>
+              <a:cs typeface="+mn-cs"/>
+            </a:endParaRPr>
+          </a:p>
+          <a:p>
+            <a:r>
+              <a:rPr lang="en-US" sz="1200" b="0" i="0" kern="1200" dirty="0">
+                <a:solidFill>
+                  <a:schemeClr val="tx1"/>
+                </a:solidFill>
+                <a:effectLst/>
+                <a:latin typeface="+mn-lt"/>
+                <a:ea typeface="+mn-ea"/>
+                <a:cs typeface="+mn-cs"/>
+              </a:rPr>
+              <a:t>Sometimes people in the group can't seem to agree on a course of action.</a:t>
+            </a:r>
+          </a:p>
+          <a:p>
+            <a:r>
+              <a:rPr lang="en-US" sz="1200" b="0" i="0" kern="1200" dirty="0">
+                <a:solidFill>
+                  <a:schemeClr val="tx1"/>
+                </a:solidFill>
+                <a:effectLst/>
+                <a:latin typeface="+mn-lt"/>
+                <a:ea typeface="+mn-ea"/>
+                <a:cs typeface="+mn-cs"/>
+              </a:rPr>
+              <a:t>When that occurs, it's likely that the difference in opinion is </a:t>
+            </a:r>
+            <a:r>
+              <a:rPr lang="en-US" sz="1200" b="0" i="1" kern="1200" dirty="0">
+                <a:solidFill>
+                  <a:schemeClr val="tx1"/>
+                </a:solidFill>
+                <a:effectLst/>
+                <a:latin typeface="+mn-lt"/>
+                <a:ea typeface="+mn-ea"/>
+                <a:cs typeface="+mn-cs"/>
+              </a:rPr>
+              <a:t>not</a:t>
+            </a:r>
+            <a:r>
+              <a:rPr lang="en-US" sz="1200" b="0" i="0" kern="1200" dirty="0">
+                <a:solidFill>
+                  <a:schemeClr val="tx1"/>
+                </a:solidFill>
+                <a:effectLst/>
+                <a:latin typeface="+mn-lt"/>
+                <a:ea typeface="+mn-ea"/>
+                <a:cs typeface="+mn-cs"/>
+              </a:rPr>
+              <a:t> actually about the proposed solution but rather about which properties of the problem we're trying to optimize for.</a:t>
+            </a:r>
+          </a:p>
+          <a:p>
+            <a:r>
+              <a:rPr lang="en-US" sz="1200" b="0" i="0" kern="1200" dirty="0">
+                <a:solidFill>
+                  <a:schemeClr val="tx1"/>
+                </a:solidFill>
+                <a:effectLst/>
+                <a:latin typeface="+mn-lt"/>
+                <a:ea typeface="+mn-ea"/>
+                <a:cs typeface="+mn-cs"/>
+              </a:rPr>
+              <a:t>In these cases, stop the discussion and pull in the necessary people to clarify the relative priority of those properties - for example, time to market vs. maintainability.</a:t>
+            </a:r>
+          </a:p>
+          <a:p>
             <a:endParaRPr lang="en-US" dirty="0"/>
-          </a:p>
-          <a:p>
-            <a:r>
-              <a:rPr lang="en-US" dirty="0"/>
-              <a:t>Nobody makes the decision for you, you have to be part of the decision</a:t>
-            </a:r>
-          </a:p>
-          <a:p>
-            <a:r>
-              <a:rPr lang="en-US" baseline="0" dirty="0"/>
-              <a:t>No boss will tell you what to do and why</a:t>
-            </a:r>
           </a:p>
         </p:txBody>
       </p:sp>
@@ -15481,7 +14875,7 @@
     </p:spTree>
     <p:extLst>
       <p:ext uri="{BB962C8B-B14F-4D97-AF65-F5344CB8AC3E}">
-        <p14:creationId xmlns:p14="http://schemas.microsoft.com/office/powerpoint/2010/main" val="3403284476"/>
+        <p14:creationId xmlns:p14="http://schemas.microsoft.com/office/powerpoint/2010/main" val="1970981156"/>
       </p:ext>
     </p:extLst>
   </p:cSld>
@@ -15535,10 +14929,6 @@
           <a:bodyPr/>
           <a:lstStyle/>
           <a:p>
-            <a:r>
-              <a:rPr lang="en-US" baseline="0" dirty="0"/>
-              <a:t>There is no “I’m the Rockstar that’s why I get promoted”</a:t>
-            </a:r>
             <a:endParaRPr lang="en-US" dirty="0"/>
           </a:p>
         </p:txBody>
@@ -15560,7 +14950,7 @@
           <a:p>
             <a:fld id="{9BCA07FD-5BD5-4529-84B0-48DD2C561176}" type="slidenum">
               <a:rPr lang="de-CH" smtClean="0"/>
-              <a:t>47</a:t>
+              <a:t>48</a:t>
             </a:fld>
             <a:endParaRPr lang="de-CH"/>
           </a:p>
@@ -15569,7 +14959,7 @@
     </p:spTree>
     <p:extLst>
       <p:ext uri="{BB962C8B-B14F-4D97-AF65-F5344CB8AC3E}">
-        <p14:creationId xmlns:p14="http://schemas.microsoft.com/office/powerpoint/2010/main" val="499462367"/>
+        <p14:creationId xmlns:p14="http://schemas.microsoft.com/office/powerpoint/2010/main" val="1948337822"/>
       </p:ext>
     </p:extLst>
   </p:cSld>
@@ -15623,32 +15013,7 @@
           <a:bodyPr/>
           <a:lstStyle/>
           <a:p>
-            <a:pPr marL="0" marR="0" lvl="0" indent="0" algn="l" defTabSz="914400" rtl="0" eaLnBrk="1" fontAlgn="auto" latinLnBrk="0" hangingPunct="1">
-              <a:lnSpc>
-                <a:spcPct val="100000"/>
-              </a:lnSpc>
-              <a:spcBef>
-                <a:spcPts val="0"/>
-              </a:spcBef>
-              <a:spcAft>
-                <a:spcPts val="0"/>
-              </a:spcAft>
-              <a:buClrTx/>
-              <a:buSzTx/>
-              <a:buFontTx/>
-              <a:buNone/>
-              <a:tabLst/>
-              <a:defRPr/>
-            </a:pPr>
-            <a:r>
-              <a:rPr lang="en-US" baseline="0" dirty="0"/>
-              <a:t>Written communication is freaking hard and there can be a lot of </a:t>
-            </a:r>
-            <a:r>
-              <a:rPr lang="en-US" baseline="0" dirty="0" err="1"/>
-              <a:t>missunderstanding</a:t>
-            </a:r>
-            <a:endParaRPr lang="en-US" baseline="0" dirty="0"/>
+            <a:endParaRPr lang="de-CH" dirty="0"/>
           </a:p>
         </p:txBody>
       </p:sp>
@@ -15669,7 +15034,7 @@
           <a:p>
             <a:fld id="{9BCA07FD-5BD5-4529-84B0-48DD2C561176}" type="slidenum">
               <a:rPr lang="de-CH" smtClean="0"/>
-              <a:t>48</a:t>
+              <a:t>49</a:t>
             </a:fld>
             <a:endParaRPr lang="de-CH"/>
           </a:p>
@@ -15678,7 +15043,7 @@
     </p:spTree>
     <p:extLst>
       <p:ext uri="{BB962C8B-B14F-4D97-AF65-F5344CB8AC3E}">
-        <p14:creationId xmlns:p14="http://schemas.microsoft.com/office/powerpoint/2010/main" val="491088145"/>
+        <p14:creationId xmlns:p14="http://schemas.microsoft.com/office/powerpoint/2010/main" val="788795983"/>
       </p:ext>
     </p:extLst>
   </p:cSld>
@@ -15732,10 +15097,7 @@
           <a:bodyPr/>
           <a:lstStyle/>
           <a:p>
-            <a:r>
-              <a:rPr lang="en-US" baseline="0" dirty="0"/>
-              <a:t>Personal, organizational and process change is never over. This can be tiring</a:t>
-            </a:r>
+            <a:endParaRPr lang="en-US" baseline="0" dirty="0"/>
           </a:p>
         </p:txBody>
       </p:sp>
@@ -15756,7 +15118,7 @@
           <a:p>
             <a:fld id="{9BCA07FD-5BD5-4529-84B0-48DD2C561176}" type="slidenum">
               <a:rPr lang="de-CH" smtClean="0"/>
-              <a:t>49</a:t>
+              <a:t>50</a:t>
             </a:fld>
             <a:endParaRPr lang="de-CH"/>
           </a:p>
@@ -15765,7 +15127,7 @@
     </p:spTree>
     <p:extLst>
       <p:ext uri="{BB962C8B-B14F-4D97-AF65-F5344CB8AC3E}">
-        <p14:creationId xmlns:p14="http://schemas.microsoft.com/office/powerpoint/2010/main" val="1178241461"/>
+        <p14:creationId xmlns:p14="http://schemas.microsoft.com/office/powerpoint/2010/main" val="1904698659"/>
       </p:ext>
     </p:extLst>
   </p:cSld>
@@ -15819,7 +15181,33 @@
           <a:bodyPr/>
           <a:lstStyle/>
           <a:p>
+            <a:r>
+              <a:rPr lang="en-US" dirty="0"/>
+              <a:t>You have to be active, you spend energy, you have to be</a:t>
+            </a:r>
+            <a:r>
+              <a:rPr lang="en-US" baseline="0" dirty="0"/>
+              <a:t> motivated and embrace the challenge</a:t>
+            </a:r>
+          </a:p>
+          <a:p>
+            <a:r>
+              <a:rPr lang="en-US" baseline="0" dirty="0"/>
+              <a:t>Help others, the big picture counts</a:t>
+            </a:r>
             <a:endParaRPr lang="en-US" dirty="0"/>
+          </a:p>
+          <a:p>
+            <a:r>
+              <a:rPr lang="en-US" dirty="0"/>
+              <a:t>Nobody makes the decision for you, you have to be part of the decision</a:t>
+            </a:r>
+          </a:p>
+          <a:p>
+            <a:r>
+              <a:rPr lang="en-US" baseline="0" dirty="0"/>
+              <a:t>No boss will tell you what to do and why</a:t>
+            </a:r>
           </a:p>
         </p:txBody>
       </p:sp>
@@ -15840,7 +15228,7 @@
           <a:p>
             <a:fld id="{9BCA07FD-5BD5-4529-84B0-48DD2C561176}" type="slidenum">
               <a:rPr lang="de-CH" smtClean="0"/>
-              <a:t>50</a:t>
+              <a:t>51</a:t>
             </a:fld>
             <a:endParaRPr lang="de-CH"/>
           </a:p>
@@ -15849,7 +15237,7 @@
     </p:spTree>
     <p:extLst>
       <p:ext uri="{BB962C8B-B14F-4D97-AF65-F5344CB8AC3E}">
-        <p14:creationId xmlns:p14="http://schemas.microsoft.com/office/powerpoint/2010/main" val="397760451"/>
+        <p14:creationId xmlns:p14="http://schemas.microsoft.com/office/powerpoint/2010/main" val="3403284476"/>
       </p:ext>
     </p:extLst>
   </p:cSld>
@@ -15903,6 +15291,10 @@
           <a:bodyPr/>
           <a:lstStyle/>
           <a:p>
+            <a:r>
+              <a:rPr lang="en-US" baseline="0" dirty="0"/>
+              <a:t>There is no “I’m the Rockstar that’s why I get promoted”</a:t>
+            </a:r>
             <a:endParaRPr lang="en-US" dirty="0"/>
           </a:p>
         </p:txBody>
@@ -15924,7 +15316,7 @@
           <a:p>
             <a:fld id="{9BCA07FD-5BD5-4529-84B0-48DD2C561176}" type="slidenum">
               <a:rPr lang="de-CH" smtClean="0"/>
-              <a:t>51</a:t>
+              <a:t>52</a:t>
             </a:fld>
             <a:endParaRPr lang="de-CH"/>
           </a:p>
@@ -15933,7 +15325,7 @@
     </p:spTree>
     <p:extLst>
       <p:ext uri="{BB962C8B-B14F-4D97-AF65-F5344CB8AC3E}">
-        <p14:creationId xmlns:p14="http://schemas.microsoft.com/office/powerpoint/2010/main" val="956262743"/>
+        <p14:creationId xmlns:p14="http://schemas.microsoft.com/office/powerpoint/2010/main" val="499462367"/>
       </p:ext>
     </p:extLst>
   </p:cSld>
@@ -15987,7 +15379,32 @@
           <a:bodyPr/>
           <a:lstStyle/>
           <a:p>
-            <a:endParaRPr lang="de-CH" dirty="0"/>
+            <a:pPr marL="0" marR="0" lvl="0" indent="0" algn="l" defTabSz="914400" rtl="0" eaLnBrk="1" fontAlgn="auto" latinLnBrk="0" hangingPunct="1">
+              <a:lnSpc>
+                <a:spcPct val="100000"/>
+              </a:lnSpc>
+              <a:spcBef>
+                <a:spcPts val="0"/>
+              </a:spcBef>
+              <a:spcAft>
+                <a:spcPts val="0"/>
+              </a:spcAft>
+              <a:buClrTx/>
+              <a:buSzTx/>
+              <a:buFontTx/>
+              <a:buNone/>
+              <a:tabLst/>
+              <a:defRPr/>
+            </a:pPr>
+            <a:r>
+              <a:rPr lang="en-US" baseline="0" dirty="0"/>
+              <a:t>Written communication is freaking hard and there can be a lot of </a:t>
+            </a:r>
+            <a:r>
+              <a:rPr lang="en-US" baseline="0" dirty="0" err="1"/>
+              <a:t>missunderstanding</a:t>
+            </a:r>
+            <a:endParaRPr lang="en-US" baseline="0" dirty="0"/>
           </a:p>
         </p:txBody>
       </p:sp>
@@ -16008,7 +15425,7 @@
           <a:p>
             <a:fld id="{9BCA07FD-5BD5-4529-84B0-48DD2C561176}" type="slidenum">
               <a:rPr lang="de-CH" smtClean="0"/>
-              <a:t>52</a:t>
+              <a:t>53</a:t>
             </a:fld>
             <a:endParaRPr lang="de-CH"/>
           </a:p>
@@ -16017,7 +15434,7 @@
     </p:spTree>
     <p:extLst>
       <p:ext uri="{BB962C8B-B14F-4D97-AF65-F5344CB8AC3E}">
-        <p14:creationId xmlns:p14="http://schemas.microsoft.com/office/powerpoint/2010/main" val="219618875"/>
+        <p14:creationId xmlns:p14="http://schemas.microsoft.com/office/powerpoint/2010/main" val="491088145"/>
       </p:ext>
     </p:extLst>
   </p:cSld>
@@ -16164,10 +15581,9 @@
           <a:lstStyle/>
           <a:p>
             <a:r>
-              <a:rPr lang="en-US" dirty="0"/>
-              <a:t>Questions that can be answered in blog posts</a:t>
-            </a:r>
-            <a:endParaRPr lang="de-CH" dirty="0"/>
+              <a:rPr lang="en-US" baseline="0" dirty="0"/>
+              <a:t>Personal, organizational and process change is never over. This can be tiring</a:t>
+            </a:r>
           </a:p>
         </p:txBody>
       </p:sp>
@@ -16188,7 +15604,7 @@
           <a:p>
             <a:fld id="{9BCA07FD-5BD5-4529-84B0-48DD2C561176}" type="slidenum">
               <a:rPr lang="de-CH" smtClean="0"/>
-              <a:t>53</a:t>
+              <a:t>54</a:t>
             </a:fld>
             <a:endParaRPr lang="de-CH"/>
           </a:p>
@@ -16197,7 +15613,7 @@
     </p:spTree>
     <p:extLst>
       <p:ext uri="{BB962C8B-B14F-4D97-AF65-F5344CB8AC3E}">
-        <p14:creationId xmlns:p14="http://schemas.microsoft.com/office/powerpoint/2010/main" val="3670487613"/>
+        <p14:creationId xmlns:p14="http://schemas.microsoft.com/office/powerpoint/2010/main" val="1178241461"/>
       </p:ext>
     </p:extLst>
   </p:cSld>
@@ -16251,7 +15667,7 @@
           <a:bodyPr/>
           <a:lstStyle/>
           <a:p>
-            <a:endParaRPr lang="de-CH" dirty="0"/>
+            <a:endParaRPr lang="en-US" dirty="0"/>
           </a:p>
         </p:txBody>
       </p:sp>
@@ -16272,7 +15688,7 @@
           <a:p>
             <a:fld id="{9BCA07FD-5BD5-4529-84B0-48DD2C561176}" type="slidenum">
               <a:rPr lang="de-CH" smtClean="0"/>
-              <a:t>54</a:t>
+              <a:t>55</a:t>
             </a:fld>
             <a:endParaRPr lang="de-CH"/>
           </a:p>
@@ -16281,7 +15697,7 @@
     </p:spTree>
     <p:extLst>
       <p:ext uri="{BB962C8B-B14F-4D97-AF65-F5344CB8AC3E}">
-        <p14:creationId xmlns:p14="http://schemas.microsoft.com/office/powerpoint/2010/main" val="978782014"/>
+        <p14:creationId xmlns:p14="http://schemas.microsoft.com/office/powerpoint/2010/main" val="397760451"/>
       </p:ext>
     </p:extLst>
   </p:cSld>
@@ -16335,15 +15751,7 @@
           <a:bodyPr/>
           <a:lstStyle/>
           <a:p>
-            <a:r>
-              <a:rPr lang="de-CH" dirty="0"/>
-              <a:t>Thank you very much</a:t>
-            </a:r>
-            <a:r>
-              <a:rPr lang="de-CH" baseline="0" dirty="0"/>
-              <a:t> for listening and see you next time</a:t>
-            </a:r>
-            <a:endParaRPr lang="de-CH" dirty="0"/>
+            <a:endParaRPr lang="en-US" dirty="0"/>
           </a:p>
         </p:txBody>
       </p:sp>
@@ -16364,7 +15772,355 @@
           <a:p>
             <a:fld id="{9BCA07FD-5BD5-4529-84B0-48DD2C561176}" type="slidenum">
               <a:rPr lang="de-CH" smtClean="0"/>
-              <a:t>55</a:t>
+              <a:t>56</a:t>
+            </a:fld>
+            <a:endParaRPr lang="de-CH"/>
+          </a:p>
+        </p:txBody>
+      </p:sp>
+    </p:spTree>
+    <p:extLst>
+      <p:ext uri="{BB962C8B-B14F-4D97-AF65-F5344CB8AC3E}">
+        <p14:creationId xmlns:p14="http://schemas.microsoft.com/office/powerpoint/2010/main" val="956262743"/>
+      </p:ext>
+    </p:extLst>
+  </p:cSld>
+  <p:clrMapOvr>
+    <a:masterClrMapping/>
+  </p:clrMapOvr>
+</p:notes>
+</file>
+
+<file path=ppt/notesSlides/notesSlide53.xml><?xml version="1.0" encoding="utf-8"?>
+<p:notes xmlns:a="http://schemas.openxmlformats.org/drawingml/2006/main" xmlns:r="http://schemas.openxmlformats.org/officeDocument/2006/relationships" xmlns:p="http://schemas.openxmlformats.org/presentationml/2006/main">
+  <p:cSld>
+    <p:spTree>
+      <p:nvGrpSpPr>
+        <p:cNvPr id="1" name=""/>
+        <p:cNvGrpSpPr/>
+        <p:nvPr/>
+      </p:nvGrpSpPr>
+      <p:grpSpPr>
+        <a:xfrm>
+          <a:off x="0" y="0"/>
+          <a:ext cx="0" cy="0"/>
+          <a:chOff x="0" y="0"/>
+          <a:chExt cx="0" cy="0"/>
+        </a:xfrm>
+      </p:grpSpPr>
+      <p:sp>
+        <p:nvSpPr>
+          <p:cNvPr id="2" name="Slide Image Placeholder 1"/>
+          <p:cNvSpPr>
+            <a:spLocks noGrp="1" noRot="1" noChangeAspect="1"/>
+          </p:cNvSpPr>
+          <p:nvPr>
+            <p:ph type="sldImg"/>
+          </p:nvPr>
+        </p:nvSpPr>
+        <p:spPr/>
+      </p:sp>
+      <p:sp>
+        <p:nvSpPr>
+          <p:cNvPr id="3" name="Notes Placeholder 2"/>
+          <p:cNvSpPr>
+            <a:spLocks noGrp="1"/>
+          </p:cNvSpPr>
+          <p:nvPr>
+            <p:ph type="body" idx="1"/>
+          </p:nvPr>
+        </p:nvSpPr>
+        <p:spPr/>
+        <p:txBody>
+          <a:bodyPr/>
+          <a:lstStyle/>
+          <a:p>
+            <a:endParaRPr lang="de-CH" dirty="0"/>
+          </a:p>
+        </p:txBody>
+      </p:sp>
+      <p:sp>
+        <p:nvSpPr>
+          <p:cNvPr id="4" name="Slide Number Placeholder 3"/>
+          <p:cNvSpPr>
+            <a:spLocks noGrp="1"/>
+          </p:cNvSpPr>
+          <p:nvPr>
+            <p:ph type="sldNum" sz="quarter" idx="10"/>
+          </p:nvPr>
+        </p:nvSpPr>
+        <p:spPr/>
+        <p:txBody>
+          <a:bodyPr/>
+          <a:lstStyle/>
+          <a:p>
+            <a:fld id="{9BCA07FD-5BD5-4529-84B0-48DD2C561176}" type="slidenum">
+              <a:rPr lang="de-CH" smtClean="0"/>
+              <a:t>57</a:t>
+            </a:fld>
+            <a:endParaRPr lang="de-CH"/>
+          </a:p>
+        </p:txBody>
+      </p:sp>
+    </p:spTree>
+    <p:extLst>
+      <p:ext uri="{BB962C8B-B14F-4D97-AF65-F5344CB8AC3E}">
+        <p14:creationId xmlns:p14="http://schemas.microsoft.com/office/powerpoint/2010/main" val="219618875"/>
+      </p:ext>
+    </p:extLst>
+  </p:cSld>
+  <p:clrMapOvr>
+    <a:masterClrMapping/>
+  </p:clrMapOvr>
+</p:notes>
+</file>
+
+<file path=ppt/notesSlides/notesSlide54.xml><?xml version="1.0" encoding="utf-8"?>
+<p:notes xmlns:a="http://schemas.openxmlformats.org/drawingml/2006/main" xmlns:r="http://schemas.openxmlformats.org/officeDocument/2006/relationships" xmlns:p="http://schemas.openxmlformats.org/presentationml/2006/main">
+  <p:cSld>
+    <p:spTree>
+      <p:nvGrpSpPr>
+        <p:cNvPr id="1" name=""/>
+        <p:cNvGrpSpPr/>
+        <p:nvPr/>
+      </p:nvGrpSpPr>
+      <p:grpSpPr>
+        <a:xfrm>
+          <a:off x="0" y="0"/>
+          <a:ext cx="0" cy="0"/>
+          <a:chOff x="0" y="0"/>
+          <a:chExt cx="0" cy="0"/>
+        </a:xfrm>
+      </p:grpSpPr>
+      <p:sp>
+        <p:nvSpPr>
+          <p:cNvPr id="2" name="Slide Image Placeholder 1"/>
+          <p:cNvSpPr>
+            <a:spLocks noGrp="1" noRot="1" noChangeAspect="1"/>
+          </p:cNvSpPr>
+          <p:nvPr>
+            <p:ph type="sldImg"/>
+          </p:nvPr>
+        </p:nvSpPr>
+        <p:spPr/>
+      </p:sp>
+      <p:sp>
+        <p:nvSpPr>
+          <p:cNvPr id="3" name="Notes Placeholder 2"/>
+          <p:cNvSpPr>
+            <a:spLocks noGrp="1"/>
+          </p:cNvSpPr>
+          <p:nvPr>
+            <p:ph type="body" idx="1"/>
+          </p:nvPr>
+        </p:nvSpPr>
+        <p:spPr/>
+        <p:txBody>
+          <a:bodyPr/>
+          <a:lstStyle/>
+          <a:p>
+            <a:r>
+              <a:rPr lang="en-US" dirty="0"/>
+              <a:t>Questions that can be answered in blog posts</a:t>
+            </a:r>
+            <a:endParaRPr lang="de-CH" dirty="0"/>
+          </a:p>
+        </p:txBody>
+      </p:sp>
+      <p:sp>
+        <p:nvSpPr>
+          <p:cNvPr id="4" name="Slide Number Placeholder 3"/>
+          <p:cNvSpPr>
+            <a:spLocks noGrp="1"/>
+          </p:cNvSpPr>
+          <p:nvPr>
+            <p:ph type="sldNum" sz="quarter" idx="10"/>
+          </p:nvPr>
+        </p:nvSpPr>
+        <p:spPr/>
+        <p:txBody>
+          <a:bodyPr/>
+          <a:lstStyle/>
+          <a:p>
+            <a:fld id="{9BCA07FD-5BD5-4529-84B0-48DD2C561176}" type="slidenum">
+              <a:rPr lang="de-CH" smtClean="0"/>
+              <a:t>58</a:t>
+            </a:fld>
+            <a:endParaRPr lang="de-CH"/>
+          </a:p>
+        </p:txBody>
+      </p:sp>
+    </p:spTree>
+    <p:extLst>
+      <p:ext uri="{BB962C8B-B14F-4D97-AF65-F5344CB8AC3E}">
+        <p14:creationId xmlns:p14="http://schemas.microsoft.com/office/powerpoint/2010/main" val="3670487613"/>
+      </p:ext>
+    </p:extLst>
+  </p:cSld>
+  <p:clrMapOvr>
+    <a:masterClrMapping/>
+  </p:clrMapOvr>
+</p:notes>
+</file>
+
+<file path=ppt/notesSlides/notesSlide55.xml><?xml version="1.0" encoding="utf-8"?>
+<p:notes xmlns:a="http://schemas.openxmlformats.org/drawingml/2006/main" xmlns:r="http://schemas.openxmlformats.org/officeDocument/2006/relationships" xmlns:p="http://schemas.openxmlformats.org/presentationml/2006/main">
+  <p:cSld>
+    <p:spTree>
+      <p:nvGrpSpPr>
+        <p:cNvPr id="1" name=""/>
+        <p:cNvGrpSpPr/>
+        <p:nvPr/>
+      </p:nvGrpSpPr>
+      <p:grpSpPr>
+        <a:xfrm>
+          <a:off x="0" y="0"/>
+          <a:ext cx="0" cy="0"/>
+          <a:chOff x="0" y="0"/>
+          <a:chExt cx="0" cy="0"/>
+        </a:xfrm>
+      </p:grpSpPr>
+      <p:sp>
+        <p:nvSpPr>
+          <p:cNvPr id="2" name="Slide Image Placeholder 1"/>
+          <p:cNvSpPr>
+            <a:spLocks noGrp="1" noRot="1" noChangeAspect="1"/>
+          </p:cNvSpPr>
+          <p:nvPr>
+            <p:ph type="sldImg"/>
+          </p:nvPr>
+        </p:nvSpPr>
+        <p:spPr/>
+      </p:sp>
+      <p:sp>
+        <p:nvSpPr>
+          <p:cNvPr id="3" name="Notes Placeholder 2"/>
+          <p:cNvSpPr>
+            <a:spLocks noGrp="1"/>
+          </p:cNvSpPr>
+          <p:nvPr>
+            <p:ph type="body" idx="1"/>
+          </p:nvPr>
+        </p:nvSpPr>
+        <p:spPr/>
+        <p:txBody>
+          <a:bodyPr/>
+          <a:lstStyle/>
+          <a:p>
+            <a:endParaRPr lang="de-CH" dirty="0"/>
+          </a:p>
+        </p:txBody>
+      </p:sp>
+      <p:sp>
+        <p:nvSpPr>
+          <p:cNvPr id="4" name="Slide Number Placeholder 3"/>
+          <p:cNvSpPr>
+            <a:spLocks noGrp="1"/>
+          </p:cNvSpPr>
+          <p:nvPr>
+            <p:ph type="sldNum" sz="quarter" idx="10"/>
+          </p:nvPr>
+        </p:nvSpPr>
+        <p:spPr/>
+        <p:txBody>
+          <a:bodyPr/>
+          <a:lstStyle/>
+          <a:p>
+            <a:fld id="{9BCA07FD-5BD5-4529-84B0-48DD2C561176}" type="slidenum">
+              <a:rPr lang="de-CH" smtClean="0"/>
+              <a:t>59</a:t>
+            </a:fld>
+            <a:endParaRPr lang="de-CH"/>
+          </a:p>
+        </p:txBody>
+      </p:sp>
+    </p:spTree>
+    <p:extLst>
+      <p:ext uri="{BB962C8B-B14F-4D97-AF65-F5344CB8AC3E}">
+        <p14:creationId xmlns:p14="http://schemas.microsoft.com/office/powerpoint/2010/main" val="978782014"/>
+      </p:ext>
+    </p:extLst>
+  </p:cSld>
+  <p:clrMapOvr>
+    <a:masterClrMapping/>
+  </p:clrMapOvr>
+</p:notes>
+</file>
+
+<file path=ppt/notesSlides/notesSlide56.xml><?xml version="1.0" encoding="utf-8"?>
+<p:notes xmlns:a="http://schemas.openxmlformats.org/drawingml/2006/main" xmlns:r="http://schemas.openxmlformats.org/officeDocument/2006/relationships" xmlns:p="http://schemas.openxmlformats.org/presentationml/2006/main">
+  <p:cSld>
+    <p:spTree>
+      <p:nvGrpSpPr>
+        <p:cNvPr id="1" name=""/>
+        <p:cNvGrpSpPr/>
+        <p:nvPr/>
+      </p:nvGrpSpPr>
+      <p:grpSpPr>
+        <a:xfrm>
+          <a:off x="0" y="0"/>
+          <a:ext cx="0" cy="0"/>
+          <a:chOff x="0" y="0"/>
+          <a:chExt cx="0" cy="0"/>
+        </a:xfrm>
+      </p:grpSpPr>
+      <p:sp>
+        <p:nvSpPr>
+          <p:cNvPr id="2" name="Slide Image Placeholder 1"/>
+          <p:cNvSpPr>
+            <a:spLocks noGrp="1" noRot="1" noChangeAspect="1"/>
+          </p:cNvSpPr>
+          <p:nvPr>
+            <p:ph type="sldImg"/>
+          </p:nvPr>
+        </p:nvSpPr>
+        <p:spPr/>
+      </p:sp>
+      <p:sp>
+        <p:nvSpPr>
+          <p:cNvPr id="3" name="Notes Placeholder 2"/>
+          <p:cNvSpPr>
+            <a:spLocks noGrp="1"/>
+          </p:cNvSpPr>
+          <p:nvPr>
+            <p:ph type="body" idx="1"/>
+          </p:nvPr>
+        </p:nvSpPr>
+        <p:spPr/>
+        <p:txBody>
+          <a:bodyPr/>
+          <a:lstStyle/>
+          <a:p>
+            <a:r>
+              <a:rPr lang="de-CH" dirty="0"/>
+              <a:t>Thank you very much</a:t>
+            </a:r>
+            <a:r>
+              <a:rPr lang="de-CH" baseline="0" dirty="0"/>
+              <a:t> for listening and see you next time</a:t>
+            </a:r>
+            <a:endParaRPr lang="de-CH" dirty="0"/>
+          </a:p>
+        </p:txBody>
+      </p:sp>
+      <p:sp>
+        <p:nvSpPr>
+          <p:cNvPr id="4" name="Slide Number Placeholder 3"/>
+          <p:cNvSpPr>
+            <a:spLocks noGrp="1"/>
+          </p:cNvSpPr>
+          <p:nvPr>
+            <p:ph type="sldNum" sz="quarter" idx="10"/>
+          </p:nvPr>
+        </p:nvSpPr>
+        <p:spPr/>
+        <p:txBody>
+          <a:bodyPr/>
+          <a:lstStyle/>
+          <a:p>
+            <a:fld id="{9BCA07FD-5BD5-4529-84B0-48DD2C561176}" type="slidenum">
+              <a:rPr lang="de-CH" smtClean="0"/>
+              <a:t>60</a:t>
             </a:fld>
             <a:endParaRPr lang="de-CH"/>
           </a:p>
@@ -23959,12 +23715,6 @@
               </a:rPr>
               <a:t>http://www.iowabeer.org/</a:t>
             </a:r>
-            <a:endParaRPr lang="de-CH" sz="3200" dirty="0">
-              <a:solidFill>
-                <a:schemeClr val="accent3"/>
-              </a:solidFill>
-              <a:latin typeface="Yanone Kaffeesatz Regular" panose="02000000000000000000" pitchFamily="2" charset="0"/>
-            </a:endParaRPr>
           </a:p>
         </p:txBody>
       </p:sp>
@@ -24535,8 +24285,8 @@
         </p:nvSpPr>
         <p:spPr>
           <a:xfrm>
-            <a:off x="3149520" y="1851645"/>
-            <a:ext cx="5892960" cy="3154710"/>
+            <a:off x="2357637" y="1851645"/>
+            <a:ext cx="7476727" cy="3154710"/>
           </a:xfrm>
           <a:prstGeom prst="rect">
             <a:avLst/>
@@ -24555,7 +24305,7 @@
                 </a:solidFill>
                 <a:latin typeface="Yanone Kaffeesatz Regular" panose="02000000000000000000" pitchFamily="2" charset="0"/>
               </a:rPr>
-              <a:t>Metrics</a:t>
+              <a:t>Decisions</a:t>
             </a:r>
             <a:endParaRPr lang="de-CH" sz="2000" dirty="0"/>
           </a:p>
@@ -24564,7 +24314,7 @@
     </p:spTree>
     <p:extLst>
       <p:ext uri="{BB962C8B-B14F-4D97-AF65-F5344CB8AC3E}">
-        <p14:creationId xmlns:p14="http://schemas.microsoft.com/office/powerpoint/2010/main" val="1868143842"/>
+        <p14:creationId xmlns:p14="http://schemas.microsoft.com/office/powerpoint/2010/main" val="2591464188"/>
       </p:ext>
     </p:extLst>
   </p:cSld>
@@ -24593,54 +24343,14 @@
       </p:grpSpPr>
       <p:sp>
         <p:nvSpPr>
-          <p:cNvPr id="2" name="TextBox 1"/>
-          <p:cNvSpPr txBox="1"/>
+          <p:cNvPr id="5" name="Rectangle 4"/>
+          <p:cNvSpPr/>
           <p:nvPr/>
         </p:nvSpPr>
         <p:spPr>
           <a:xfrm>
-            <a:off x="1362974" y="1303814"/>
-            <a:ext cx="9466053" cy="4508927"/>
-          </a:xfrm>
-          <a:prstGeom prst="rect">
-            <a:avLst/>
-          </a:prstGeom>
-          <a:noFill/>
-        </p:spPr>
-        <p:txBody>
-          <a:bodyPr wrap="none" rtlCol="0">
-            <a:spAutoFit/>
-          </a:bodyPr>
-          <a:lstStyle/>
-          <a:p>
-            <a:r>
-              <a:rPr lang="en-US" sz="28700" dirty="0">
-                <a:solidFill>
-                  <a:schemeClr val="accent2"/>
-                </a:solidFill>
-                <a:latin typeface="Yanone Kaffeesatz Regular" panose="02000000000000000000" pitchFamily="2" charset="0"/>
-              </a:rPr>
-              <a:t>perfect?</a:t>
-            </a:r>
-            <a:endParaRPr lang="de-CH" sz="9600" dirty="0">
-              <a:solidFill>
-                <a:schemeClr val="accent4"/>
-              </a:solidFill>
-              <a:latin typeface="Yanone Kaffeesatz Regular" panose="02000000000000000000" pitchFamily="2" charset="0"/>
-            </a:endParaRPr>
-          </a:p>
-        </p:txBody>
-      </p:sp>
-      <p:sp>
-        <p:nvSpPr>
-          <p:cNvPr id="4" name="Rectangle 3"/>
-          <p:cNvSpPr/>
-          <p:nvPr/>
-        </p:nvSpPr>
-        <p:spPr>
-          <a:xfrm>
-            <a:off x="848705" y="814909"/>
-            <a:ext cx="4294765" cy="1107996"/>
+            <a:off x="3204022" y="2241491"/>
+            <a:ext cx="5783956" cy="2215991"/>
           </a:xfrm>
           <a:prstGeom prst="rect">
             <a:avLst/>
@@ -24653,17 +24363,26 @@
           <a:lstStyle/>
           <a:p>
             <a:r>
-              <a:rPr lang="en-US" sz="6600" dirty="0">
+              <a:rPr lang="en-US" sz="13800" dirty="0">
                 <a:solidFill>
                   <a:schemeClr val="tx2"/>
                 </a:solidFill>
                 <a:latin typeface="Yanone Kaffeesatz Regular" panose="02000000000000000000" pitchFamily="2" charset="0"/>
               </a:rPr>
-              <a:t>so everything is</a:t>
-            </a:r>
-            <a:endParaRPr lang="de-CH" sz="6600" dirty="0">
+              <a:t>as a </a:t>
+            </a:r>
+            <a:r>
+              <a:rPr lang="en-US" sz="13800" dirty="0">
+                <a:solidFill>
+                  <a:schemeClr val="accent4"/>
+                </a:solidFill>
+                <a:latin typeface="Yanone Kaffeesatz Regular" panose="02000000000000000000" pitchFamily="2" charset="0"/>
+              </a:rPr>
+              <a:t>group</a:t>
+            </a:r>
+            <a:endParaRPr lang="de-CH" sz="1600" dirty="0">
               <a:solidFill>
-                <a:schemeClr val="tx2"/>
+                <a:schemeClr val="accent4"/>
               </a:solidFill>
             </a:endParaRPr>
           </a:p>
@@ -24672,7 +24391,7 @@
     </p:spTree>
     <p:extLst>
       <p:ext uri="{BB962C8B-B14F-4D97-AF65-F5344CB8AC3E}">
-        <p14:creationId xmlns:p14="http://schemas.microsoft.com/office/powerpoint/2010/main" val="3510896275"/>
+        <p14:creationId xmlns:p14="http://schemas.microsoft.com/office/powerpoint/2010/main" val="1384425261"/>
       </p:ext>
     </p:extLst>
   </p:cSld>
@@ -24701,54 +24420,14 @@
       </p:grpSpPr>
       <p:sp>
         <p:nvSpPr>
-          <p:cNvPr id="2" name="TextBox 1"/>
-          <p:cNvSpPr txBox="1"/>
+          <p:cNvPr id="5" name="Rectangle 4"/>
+          <p:cNvSpPr/>
           <p:nvPr/>
         </p:nvSpPr>
         <p:spPr>
           <a:xfrm>
-            <a:off x="3304133" y="2259107"/>
-            <a:ext cx="4036682" cy="2215991"/>
-          </a:xfrm>
-          <a:prstGeom prst="rect">
-            <a:avLst/>
-          </a:prstGeom>
-          <a:noFill/>
-        </p:spPr>
-        <p:txBody>
-          <a:bodyPr wrap="none" rtlCol="0">
-            <a:spAutoFit/>
-          </a:bodyPr>
-          <a:lstStyle/>
-          <a:p>
-            <a:r>
-              <a:rPr lang="en-US" sz="13800" dirty="0">
-                <a:solidFill>
-                  <a:schemeClr val="accent2"/>
-                </a:solidFill>
-                <a:latin typeface="Yanone Kaffeesatz Regular" panose="02000000000000000000" pitchFamily="2" charset="0"/>
-              </a:rPr>
-              <a:t>Almost</a:t>
-            </a:r>
-            <a:endParaRPr lang="de-CH" sz="6600" dirty="0">
-              <a:solidFill>
-                <a:schemeClr val="accent4"/>
-              </a:solidFill>
-              <a:latin typeface="Yanone Kaffeesatz Regular" panose="02000000000000000000" pitchFamily="2" charset="0"/>
-            </a:endParaRPr>
-          </a:p>
-        </p:txBody>
-      </p:sp>
-      <p:sp>
-        <p:nvSpPr>
-          <p:cNvPr id="3" name="Rectangle 2"/>
-          <p:cNvSpPr/>
-          <p:nvPr/>
-        </p:nvSpPr>
-        <p:spPr>
-          <a:xfrm>
-            <a:off x="7961153" y="1981505"/>
-            <a:ext cx="1196161" cy="2646878"/>
+            <a:off x="2696672" y="2241491"/>
+            <a:ext cx="7661072" cy="2215991"/>
           </a:xfrm>
           <a:prstGeom prst="rect">
             <a:avLst/>
@@ -24761,28 +24440,162 @@
           <a:lstStyle/>
           <a:p>
             <a:r>
+              <a:rPr lang="en-US" sz="13800" dirty="0">
+                <a:solidFill>
+                  <a:schemeClr val="tx2"/>
+                </a:solidFill>
+                <a:latin typeface="Yanone Kaffeesatz Regular" panose="02000000000000000000" pitchFamily="2" charset="0"/>
+              </a:rPr>
+              <a:t>now, </a:t>
+            </a:r>
+            <a:r>
+              <a:rPr lang="en-US" sz="13800" dirty="0">
+                <a:solidFill>
+                  <a:schemeClr val="accent4"/>
+                </a:solidFill>
+                <a:latin typeface="Yanone Kaffeesatz Regular" panose="02000000000000000000" pitchFamily="2" charset="0"/>
+              </a:rPr>
+              <a:t>later </a:t>
+            </a:r>
+            <a:r>
+              <a:rPr lang="en-US" sz="13800" dirty="0">
+                <a:solidFill>
+                  <a:schemeClr val="tx2"/>
+                </a:solidFill>
+                <a:latin typeface="Yanone Kaffeesatz Regular" panose="02000000000000000000" pitchFamily="2" charset="0"/>
+              </a:rPr>
+              <a:t>or..</a:t>
+            </a:r>
+            <a:endParaRPr lang="de-CH" sz="1600" dirty="0">
+              <a:solidFill>
+                <a:schemeClr val="tx2"/>
+              </a:solidFill>
+            </a:endParaRPr>
+          </a:p>
+        </p:txBody>
+      </p:sp>
+      <p:sp>
+        <p:nvSpPr>
+          <p:cNvPr id="2" name="Rectangle 1"/>
+          <p:cNvSpPr/>
+          <p:nvPr/>
+        </p:nvSpPr>
+        <p:spPr>
+          <a:xfrm>
+            <a:off x="6527208" y="3701694"/>
+            <a:ext cx="3825086" cy="2646878"/>
+          </a:xfrm>
+          <a:prstGeom prst="rect">
+            <a:avLst/>
+          </a:prstGeom>
+        </p:spPr>
+        <p:txBody>
+          <a:bodyPr wrap="none">
+            <a:spAutoFit/>
+          </a:bodyPr>
+          <a:lstStyle/>
+          <a:p>
+            <a:r>
               <a:rPr lang="en-US" sz="16600" dirty="0">
                 <a:solidFill>
                   <a:schemeClr val="accent4"/>
                 </a:solidFill>
                 <a:latin typeface="Yanone Kaffeesatz Regular" panose="02000000000000000000" pitchFamily="2" charset="0"/>
               </a:rPr>
-              <a:t>;)</a:t>
-            </a:r>
-            <a:endParaRPr lang="de-CH" sz="16600" dirty="0"/>
+              <a:t>never</a:t>
+            </a:r>
+            <a:endParaRPr lang="de-CH" sz="2800" dirty="0"/>
           </a:p>
         </p:txBody>
       </p:sp>
     </p:spTree>
     <p:extLst>
       <p:ext uri="{BB962C8B-B14F-4D97-AF65-F5344CB8AC3E}">
-        <p14:creationId xmlns:p14="http://schemas.microsoft.com/office/powerpoint/2010/main" val="2977014107"/>
+        <p14:creationId xmlns:p14="http://schemas.microsoft.com/office/powerpoint/2010/main" val="210464117"/>
       </p:ext>
     </p:extLst>
   </p:cSld>
   <p:clrMapOvr>
     <a:masterClrMapping/>
   </p:clrMapOvr>
+  <p:timing>
+    <p:tnLst>
+      <p:par>
+        <p:cTn id="1" dur="indefinite" restart="never" nodeType="tmRoot">
+          <p:childTnLst>
+            <p:seq concurrent="1" nextAc="seek">
+              <p:cTn id="2" dur="indefinite" nodeType="mainSeq">
+                <p:childTnLst>
+                  <p:par>
+                    <p:cTn id="3" fill="hold">
+                      <p:stCondLst>
+                        <p:cond delay="indefinite"/>
+                      </p:stCondLst>
+                      <p:childTnLst>
+                        <p:par>
+                          <p:cTn id="4" fill="hold">
+                            <p:stCondLst>
+                              <p:cond delay="0"/>
+                            </p:stCondLst>
+                            <p:childTnLst>
+                              <p:par>
+                                <p:cTn id="5" presetID="1" presetClass="entr" presetSubtype="0" fill="hold" grpId="0" nodeType="clickEffect">
+                                  <p:stCondLst>
+                                    <p:cond delay="0"/>
+                                  </p:stCondLst>
+                                  <p:childTnLst>
+                                    <p:set>
+                                      <p:cBhvr>
+                                        <p:cTn id="6" dur="1" fill="hold">
+                                          <p:stCondLst>
+                                            <p:cond delay="0"/>
+                                          </p:stCondLst>
+                                        </p:cTn>
+                                        <p:tgtEl>
+                                          <p:spTgt spid="2"/>
+                                        </p:tgtEl>
+                                        <p:attrNameLst>
+                                          <p:attrName>style.visibility</p:attrName>
+                                        </p:attrNameLst>
+                                      </p:cBhvr>
+                                      <p:to>
+                                        <p:strVal val="visible"/>
+                                      </p:to>
+                                    </p:set>
+                                  </p:childTnLst>
+                                </p:cTn>
+                              </p:par>
+                            </p:childTnLst>
+                          </p:cTn>
+                        </p:par>
+                      </p:childTnLst>
+                    </p:cTn>
+                  </p:par>
+                </p:childTnLst>
+              </p:cTn>
+              <p:prevCondLst>
+                <p:cond evt="onPrev" delay="0">
+                  <p:tgtEl>
+                    <p:sldTgt/>
+                  </p:tgtEl>
+                </p:cond>
+              </p:prevCondLst>
+              <p:nextCondLst>
+                <p:cond evt="onNext" delay="0">
+                  <p:tgtEl>
+                    <p:sldTgt/>
+                  </p:tgtEl>
+                </p:cond>
+              </p:nextCondLst>
+            </p:seq>
+          </p:childTnLst>
+        </p:cTn>
+      </p:par>
+    </p:tnLst>
+    <p:bldLst>
+      <p:bldP spid="2" grpId="0"/>
+    </p:bldLst>
+  </p:timing>
 </p:sld>
 </file>
 
@@ -24805,14 +24618,14 @@
       </p:grpSpPr>
       <p:sp>
         <p:nvSpPr>
-          <p:cNvPr id="2" name="Rectangle 1"/>
+          <p:cNvPr id="5" name="Rectangle 4"/>
           <p:cNvSpPr/>
           <p:nvPr/>
         </p:nvSpPr>
         <p:spPr>
           <a:xfrm>
-            <a:off x="1842272" y="1851645"/>
-            <a:ext cx="8507457" cy="3154710"/>
+            <a:off x="611165" y="2241491"/>
+            <a:ext cx="10969670" cy="2215991"/>
           </a:xfrm>
           <a:prstGeom prst="rect">
             <a:avLst/>
@@ -24825,22 +24638,35 @@
           <a:lstStyle/>
           <a:p>
             <a:r>
-              <a:rPr lang="en-US" sz="19900" dirty="0">
-                <a:solidFill>
-                  <a:schemeClr val="accent2"/>
+              <a:rPr lang="en-US" sz="13800" dirty="0">
+                <a:solidFill>
+                  <a:schemeClr val="accent4"/>
                 </a:solidFill>
                 <a:latin typeface="Yanone Kaffeesatz Regular" panose="02000000000000000000" pitchFamily="2" charset="0"/>
               </a:rPr>
-              <a:t>Challenges</a:t>
-            </a:r>
-            <a:endParaRPr lang="de-CH" sz="2000" dirty="0"/>
+              <a:t>important</a:t>
+            </a:r>
+            <a:r>
+              <a:rPr lang="en-US" sz="13800" dirty="0">
+                <a:solidFill>
+                  <a:schemeClr val="tx2"/>
+                </a:solidFill>
+                <a:latin typeface="Yanone Kaffeesatz Regular" panose="02000000000000000000" pitchFamily="2" charset="0"/>
+              </a:rPr>
+              <a:t> or urgent</a:t>
+            </a:r>
+            <a:endParaRPr lang="de-CH" sz="1600" dirty="0">
+              <a:solidFill>
+                <a:schemeClr val="accent4"/>
+              </a:solidFill>
+            </a:endParaRPr>
           </a:p>
         </p:txBody>
       </p:sp>
     </p:spTree>
     <p:extLst>
       <p:ext uri="{BB962C8B-B14F-4D97-AF65-F5344CB8AC3E}">
-        <p14:creationId xmlns:p14="http://schemas.microsoft.com/office/powerpoint/2010/main" val="459052795"/>
+        <p14:creationId xmlns:p14="http://schemas.microsoft.com/office/powerpoint/2010/main" val="1010206708"/>
       </p:ext>
     </p:extLst>
   </p:cSld>
@@ -24869,46 +24695,77 @@
       </p:grpSpPr>
       <p:sp>
         <p:nvSpPr>
-          <p:cNvPr id="5" name="Rectangle 4"/>
+          <p:cNvPr id="2" name="TextBox 1"/>
+          <p:cNvSpPr txBox="1"/>
+          <p:nvPr/>
+        </p:nvSpPr>
+        <p:spPr>
+          <a:xfrm>
+            <a:off x="1362974" y="1303814"/>
+            <a:ext cx="9594293" cy="3770263"/>
+          </a:xfrm>
+          <a:prstGeom prst="rect">
+            <a:avLst/>
+          </a:prstGeom>
+          <a:noFill/>
+        </p:spPr>
+        <p:txBody>
+          <a:bodyPr wrap="none" rtlCol="0">
+            <a:spAutoFit/>
+          </a:bodyPr>
+          <a:lstStyle/>
+          <a:p>
+            <a:r>
+              <a:rPr lang="en-US" sz="23900" dirty="0" err="1">
+                <a:solidFill>
+                  <a:schemeClr val="accent2"/>
+                </a:solidFill>
+                <a:latin typeface="Yanone Kaffeesatz Regular" panose="02000000000000000000" pitchFamily="2" charset="0"/>
+              </a:rPr>
+              <a:t>TaskForce</a:t>
+            </a:r>
+            <a:endParaRPr lang="de-CH" sz="8800" dirty="0">
+              <a:solidFill>
+                <a:schemeClr val="accent4"/>
+              </a:solidFill>
+              <a:latin typeface="Yanone Kaffeesatz Regular" panose="02000000000000000000" pitchFamily="2" charset="0"/>
+            </a:endParaRPr>
+          </a:p>
+        </p:txBody>
+      </p:sp>
+      <p:sp>
+        <p:nvSpPr>
+          <p:cNvPr id="4" name="Rectangle 3"/>
           <p:cNvSpPr/>
           <p:nvPr/>
         </p:nvSpPr>
         <p:spPr>
           <a:xfrm>
-            <a:off x="1532301" y="2497976"/>
-            <a:ext cx="9127398" cy="1862048"/>
+            <a:off x="848705" y="814909"/>
+            <a:ext cx="4089581" cy="1107996"/>
           </a:xfrm>
           <a:prstGeom prst="rect">
             <a:avLst/>
           </a:prstGeom>
         </p:spPr>
         <p:txBody>
-          <a:bodyPr wrap="square">
+          <a:bodyPr wrap="none">
             <a:spAutoFit/>
           </a:bodyPr>
           <a:lstStyle/>
           <a:p>
             <a:r>
-              <a:rPr lang="en-US" sz="11500" dirty="0">
+              <a:rPr lang="en-US" sz="6600" dirty="0">
                 <a:solidFill>
                   <a:schemeClr val="tx2"/>
                 </a:solidFill>
                 <a:latin typeface="Yanone Kaffeesatz Regular" panose="02000000000000000000" pitchFamily="2" charset="0"/>
               </a:rPr>
-              <a:t>You have to </a:t>
-            </a:r>
-            <a:r>
-              <a:rPr lang="en-US" sz="11500" dirty="0">
-                <a:solidFill>
-                  <a:schemeClr val="accent4"/>
-                </a:solidFill>
-                <a:latin typeface="Yanone Kaffeesatz Regular" panose="02000000000000000000" pitchFamily="2" charset="0"/>
-              </a:rPr>
-              <a:t>engage</a:t>
-            </a:r>
-            <a:endParaRPr lang="de-CH" sz="1400" dirty="0">
+              <a:t>consensus in a</a:t>
+            </a:r>
+            <a:endParaRPr lang="de-CH" sz="6600" dirty="0">
               <a:solidFill>
-                <a:schemeClr val="accent4"/>
+                <a:schemeClr val="tx2"/>
               </a:solidFill>
             </a:endParaRPr>
           </a:p>
@@ -24917,7 +24774,7 @@
     </p:spTree>
     <p:extLst>
       <p:ext uri="{BB962C8B-B14F-4D97-AF65-F5344CB8AC3E}">
-        <p14:creationId xmlns:p14="http://schemas.microsoft.com/office/powerpoint/2010/main" val="3682985106"/>
+        <p14:creationId xmlns:p14="http://schemas.microsoft.com/office/powerpoint/2010/main" val="3841064567"/>
       </p:ext>
     </p:extLst>
   </p:cSld>
@@ -24946,65 +24803,42 @@
       </p:grpSpPr>
       <p:sp>
         <p:nvSpPr>
-          <p:cNvPr id="5" name="Rectangle 4"/>
+          <p:cNvPr id="2" name="Rectangle 1"/>
           <p:cNvSpPr/>
           <p:nvPr/>
         </p:nvSpPr>
         <p:spPr>
           <a:xfrm>
-            <a:off x="1532301" y="1613119"/>
-            <a:ext cx="9127398" cy="3631763"/>
+            <a:off x="3149520" y="1851645"/>
+            <a:ext cx="5892960" cy="3154710"/>
           </a:xfrm>
           <a:prstGeom prst="rect">
             <a:avLst/>
           </a:prstGeom>
         </p:spPr>
         <p:txBody>
-          <a:bodyPr wrap="square">
+          <a:bodyPr wrap="none">
             <a:spAutoFit/>
           </a:bodyPr>
           <a:lstStyle/>
           <a:p>
-            <a:pPr algn="ctr"/>
-            <a:r>
-              <a:rPr lang="en-US" sz="11500" dirty="0">
-                <a:solidFill>
-                  <a:schemeClr val="tx2"/>
+            <a:r>
+              <a:rPr lang="en-US" sz="19900" dirty="0">
+                <a:solidFill>
+                  <a:schemeClr val="accent2"/>
                 </a:solidFill>
                 <a:latin typeface="Yanone Kaffeesatz Regular" panose="02000000000000000000" pitchFamily="2" charset="0"/>
               </a:rPr>
-              <a:t>There is </a:t>
-            </a:r>
-            <a:r>
-              <a:rPr lang="en-US" sz="11500" dirty="0">
-                <a:solidFill>
-                  <a:schemeClr val="accent4"/>
-                </a:solidFill>
-                <a:latin typeface="Yanone Kaffeesatz Regular" panose="02000000000000000000" pitchFamily="2" charset="0"/>
-              </a:rPr>
-              <a:t>no ladder </a:t>
-            </a:r>
-            <a:r>
-              <a:rPr lang="en-US" sz="11500" dirty="0">
-                <a:solidFill>
-                  <a:schemeClr val="tx2"/>
-                </a:solidFill>
-                <a:latin typeface="Yanone Kaffeesatz Regular" panose="02000000000000000000" pitchFamily="2" charset="0"/>
-              </a:rPr>
-              <a:t>to climb</a:t>
-            </a:r>
-            <a:endParaRPr lang="de-CH" sz="1400" dirty="0">
-              <a:solidFill>
-                <a:schemeClr val="accent4"/>
-              </a:solidFill>
-            </a:endParaRPr>
+              <a:t>Metrics</a:t>
+            </a:r>
+            <a:endParaRPr lang="de-CH" sz="2000" dirty="0"/>
           </a:p>
         </p:txBody>
       </p:sp>
     </p:spTree>
     <p:extLst>
       <p:ext uri="{BB962C8B-B14F-4D97-AF65-F5344CB8AC3E}">
-        <p14:creationId xmlns:p14="http://schemas.microsoft.com/office/powerpoint/2010/main" val="88348432"/>
+        <p14:creationId xmlns:p14="http://schemas.microsoft.com/office/powerpoint/2010/main" val="1868143842"/>
       </p:ext>
     </p:extLst>
   </p:cSld>
@@ -25033,47 +24867,77 @@
       </p:grpSpPr>
       <p:sp>
         <p:nvSpPr>
-          <p:cNvPr id="2" name="Rectangle 1"/>
+          <p:cNvPr id="2" name="TextBox 1"/>
+          <p:cNvSpPr txBox="1"/>
+          <p:nvPr/>
+        </p:nvSpPr>
+        <p:spPr>
+          <a:xfrm>
+            <a:off x="1362974" y="1303814"/>
+            <a:ext cx="9466053" cy="4508927"/>
+          </a:xfrm>
+          <a:prstGeom prst="rect">
+            <a:avLst/>
+          </a:prstGeom>
+          <a:noFill/>
+        </p:spPr>
+        <p:txBody>
+          <a:bodyPr wrap="none" rtlCol="0">
+            <a:spAutoFit/>
+          </a:bodyPr>
+          <a:lstStyle/>
+          <a:p>
+            <a:r>
+              <a:rPr lang="en-US" sz="28700" dirty="0">
+                <a:solidFill>
+                  <a:schemeClr val="accent2"/>
+                </a:solidFill>
+                <a:latin typeface="Yanone Kaffeesatz Regular" panose="02000000000000000000" pitchFamily="2" charset="0"/>
+              </a:rPr>
+              <a:t>perfect?</a:t>
+            </a:r>
+            <a:endParaRPr lang="de-CH" sz="9600" dirty="0">
+              <a:solidFill>
+                <a:schemeClr val="accent4"/>
+              </a:solidFill>
+              <a:latin typeface="Yanone Kaffeesatz Regular" panose="02000000000000000000" pitchFamily="2" charset="0"/>
+            </a:endParaRPr>
+          </a:p>
+        </p:txBody>
+      </p:sp>
+      <p:sp>
+        <p:nvSpPr>
+          <p:cNvPr id="4" name="Rectangle 3"/>
           <p:cNvSpPr/>
           <p:nvPr/>
         </p:nvSpPr>
         <p:spPr>
           <a:xfrm>
-            <a:off x="1532301" y="1613119"/>
-            <a:ext cx="9127398" cy="3631763"/>
+            <a:off x="848705" y="814909"/>
+            <a:ext cx="4294765" cy="1107996"/>
           </a:xfrm>
           <a:prstGeom prst="rect">
             <a:avLst/>
           </a:prstGeom>
         </p:spPr>
         <p:txBody>
-          <a:bodyPr wrap="square">
+          <a:bodyPr wrap="none">
             <a:spAutoFit/>
           </a:bodyPr>
           <a:lstStyle/>
           <a:p>
-            <a:pPr algn="ctr"/>
-            <a:r>
-              <a:rPr lang="en-US" sz="11500" dirty="0">
+            <a:r>
+              <a:rPr lang="en-US" sz="6600" dirty="0">
                 <a:solidFill>
                   <a:schemeClr val="tx2"/>
                 </a:solidFill>
                 <a:latin typeface="Yanone Kaffeesatz Regular" panose="02000000000000000000" pitchFamily="2" charset="0"/>
               </a:rPr>
-              <a:t>Communication is </a:t>
-            </a:r>
-            <a:r>
-              <a:rPr lang="en-US" sz="11500" dirty="0">
-                <a:solidFill>
-                  <a:schemeClr val="accent4"/>
-                </a:solidFill>
-                <a:latin typeface="Yanone Kaffeesatz Regular" panose="02000000000000000000" pitchFamily="2" charset="0"/>
-              </a:rPr>
-              <a:t>f… hard</a:t>
-            </a:r>
-            <a:endParaRPr lang="de-CH" sz="1400" dirty="0">
+              <a:t>so everything is</a:t>
+            </a:r>
+            <a:endParaRPr lang="de-CH" sz="6600" dirty="0">
               <a:solidFill>
-                <a:schemeClr val="accent4"/>
+                <a:schemeClr val="tx2"/>
               </a:solidFill>
             </a:endParaRPr>
           </a:p>
@@ -25082,7 +24946,7 @@
     </p:spTree>
     <p:extLst>
       <p:ext uri="{BB962C8B-B14F-4D97-AF65-F5344CB8AC3E}">
-        <p14:creationId xmlns:p14="http://schemas.microsoft.com/office/powerpoint/2010/main" val="438192938"/>
+        <p14:creationId xmlns:p14="http://schemas.microsoft.com/office/powerpoint/2010/main" val="3510896275"/>
       </p:ext>
     </p:extLst>
   </p:cSld>
@@ -25111,55 +24975,82 @@
       </p:grpSpPr>
       <p:sp>
         <p:nvSpPr>
-          <p:cNvPr id="5" name="Rectangle 4"/>
+          <p:cNvPr id="2" name="TextBox 1"/>
+          <p:cNvSpPr txBox="1"/>
+          <p:nvPr/>
+        </p:nvSpPr>
+        <p:spPr>
+          <a:xfrm>
+            <a:off x="3304133" y="2259107"/>
+            <a:ext cx="4036682" cy="2215991"/>
+          </a:xfrm>
+          <a:prstGeom prst="rect">
+            <a:avLst/>
+          </a:prstGeom>
+          <a:noFill/>
+        </p:spPr>
+        <p:txBody>
+          <a:bodyPr wrap="none" rtlCol="0">
+            <a:spAutoFit/>
+          </a:bodyPr>
+          <a:lstStyle/>
+          <a:p>
+            <a:r>
+              <a:rPr lang="en-US" sz="13800" dirty="0">
+                <a:solidFill>
+                  <a:schemeClr val="accent2"/>
+                </a:solidFill>
+                <a:latin typeface="Yanone Kaffeesatz Regular" panose="02000000000000000000" pitchFamily="2" charset="0"/>
+              </a:rPr>
+              <a:t>Almost</a:t>
+            </a:r>
+            <a:endParaRPr lang="de-CH" sz="6600" dirty="0">
+              <a:solidFill>
+                <a:schemeClr val="accent4"/>
+              </a:solidFill>
+              <a:latin typeface="Yanone Kaffeesatz Regular" panose="02000000000000000000" pitchFamily="2" charset="0"/>
+            </a:endParaRPr>
+          </a:p>
+        </p:txBody>
+      </p:sp>
+      <p:sp>
+        <p:nvSpPr>
+          <p:cNvPr id="3" name="Rectangle 2"/>
           <p:cNvSpPr/>
           <p:nvPr/>
         </p:nvSpPr>
         <p:spPr>
           <a:xfrm>
-            <a:off x="1532301" y="2497976"/>
-            <a:ext cx="9127398" cy="1862048"/>
+            <a:off x="7961153" y="1981505"/>
+            <a:ext cx="1196161" cy="2646878"/>
           </a:xfrm>
           <a:prstGeom prst="rect">
             <a:avLst/>
           </a:prstGeom>
         </p:spPr>
         <p:txBody>
-          <a:bodyPr wrap="square">
+          <a:bodyPr wrap="none">
             <a:spAutoFit/>
           </a:bodyPr>
           <a:lstStyle/>
           <a:p>
             <a:r>
-              <a:rPr lang="en-US" sz="11500" dirty="0">
-                <a:solidFill>
-                  <a:schemeClr val="tx2"/>
+              <a:rPr lang="en-US" sz="16600" dirty="0">
+                <a:solidFill>
+                  <a:schemeClr val="accent4"/>
                 </a:solidFill>
                 <a:latin typeface="Yanone Kaffeesatz Regular" panose="02000000000000000000" pitchFamily="2" charset="0"/>
               </a:rPr>
-              <a:t>Change </a:t>
-            </a:r>
-            <a:r>
-              <a:rPr lang="en-US" sz="11500" dirty="0">
-                <a:solidFill>
-                  <a:schemeClr val="accent4"/>
-                </a:solidFill>
-                <a:latin typeface="Yanone Kaffeesatz Regular" panose="02000000000000000000" pitchFamily="2" charset="0"/>
-              </a:rPr>
-              <a:t>never ends</a:t>
-            </a:r>
-            <a:endParaRPr lang="de-CH" sz="1400" dirty="0">
-              <a:solidFill>
-                <a:schemeClr val="accent4"/>
-              </a:solidFill>
-            </a:endParaRPr>
+              <a:t>;)</a:t>
+            </a:r>
+            <a:endParaRPr lang="de-CH" sz="16600" dirty="0"/>
           </a:p>
         </p:txBody>
       </p:sp>
     </p:spTree>
     <p:extLst>
       <p:ext uri="{BB962C8B-B14F-4D97-AF65-F5344CB8AC3E}">
-        <p14:creationId xmlns:p14="http://schemas.microsoft.com/office/powerpoint/2010/main" val="3775138859"/>
+        <p14:creationId xmlns:p14="http://schemas.microsoft.com/office/powerpoint/2010/main" val="2977014107"/>
       </p:ext>
     </p:extLst>
   </p:cSld>
@@ -25330,54 +25221,14 @@
       </p:grpSpPr>
       <p:sp>
         <p:nvSpPr>
-          <p:cNvPr id="2" name="TextBox 1"/>
-          <p:cNvSpPr txBox="1"/>
+          <p:cNvPr id="2" name="Rectangle 1"/>
+          <p:cNvSpPr/>
           <p:nvPr/>
         </p:nvSpPr>
         <p:spPr>
           <a:xfrm>
-            <a:off x="1362974" y="1303814"/>
-            <a:ext cx="5046574" cy="4508927"/>
-          </a:xfrm>
-          <a:prstGeom prst="rect">
-            <a:avLst/>
-          </a:prstGeom>
-          <a:noFill/>
-        </p:spPr>
-        <p:txBody>
-          <a:bodyPr wrap="none" rtlCol="0">
-            <a:spAutoFit/>
-          </a:bodyPr>
-          <a:lstStyle/>
-          <a:p>
-            <a:r>
-              <a:rPr lang="en-US" sz="28700" dirty="0">
-                <a:solidFill>
-                  <a:schemeClr val="accent2"/>
-                </a:solidFill>
-                <a:latin typeface="Yanone Kaffeesatz Regular" panose="02000000000000000000" pitchFamily="2" charset="0"/>
-              </a:rPr>
-              <a:t>Hey!</a:t>
-            </a:r>
-            <a:endParaRPr lang="de-CH" sz="9600" dirty="0">
-              <a:solidFill>
-                <a:schemeClr val="accent4"/>
-              </a:solidFill>
-              <a:latin typeface="Yanone Kaffeesatz Regular" panose="02000000000000000000" pitchFamily="2" charset="0"/>
-            </a:endParaRPr>
-          </a:p>
-        </p:txBody>
-      </p:sp>
-      <p:sp>
-        <p:nvSpPr>
-          <p:cNvPr id="4" name="Rectangle 3"/>
-          <p:cNvSpPr/>
-          <p:nvPr/>
-        </p:nvSpPr>
-        <p:spPr>
-          <a:xfrm>
-            <a:off x="848705" y="814909"/>
-            <a:ext cx="1218603" cy="1107996"/>
+            <a:off x="1842272" y="1851645"/>
+            <a:ext cx="8507457" cy="3154710"/>
           </a:xfrm>
           <a:prstGeom prst="rect">
             <a:avLst/>
@@ -25390,26 +25241,22 @@
           <a:lstStyle/>
           <a:p>
             <a:r>
-              <a:rPr lang="en-US" sz="6600" dirty="0">
-                <a:solidFill>
-                  <a:schemeClr val="tx2"/>
+              <a:rPr lang="en-US" sz="19900" dirty="0">
+                <a:solidFill>
+                  <a:schemeClr val="accent2"/>
                 </a:solidFill>
                 <a:latin typeface="Yanone Kaffeesatz Regular" panose="02000000000000000000" pitchFamily="2" charset="0"/>
               </a:rPr>
-              <a:t>but </a:t>
-            </a:r>
-            <a:endParaRPr lang="de-CH" sz="6600" dirty="0">
-              <a:solidFill>
-                <a:schemeClr val="tx2"/>
-              </a:solidFill>
-            </a:endParaRPr>
+              <a:t>Challenges</a:t>
+            </a:r>
+            <a:endParaRPr lang="de-CH" sz="2000" dirty="0"/>
           </a:p>
         </p:txBody>
       </p:sp>
     </p:spTree>
     <p:extLst>
       <p:ext uri="{BB962C8B-B14F-4D97-AF65-F5344CB8AC3E}">
-        <p14:creationId xmlns:p14="http://schemas.microsoft.com/office/powerpoint/2010/main" val="2100552588"/>
+        <p14:creationId xmlns:p14="http://schemas.microsoft.com/office/powerpoint/2010/main" val="459052795"/>
       </p:ext>
     </p:extLst>
   </p:cSld>
@@ -25438,6 +25285,433 @@
       </p:grpSpPr>
       <p:sp>
         <p:nvSpPr>
+          <p:cNvPr id="5" name="Rectangle 4"/>
+          <p:cNvSpPr/>
+          <p:nvPr/>
+        </p:nvSpPr>
+        <p:spPr>
+          <a:xfrm>
+            <a:off x="1532301" y="2497976"/>
+            <a:ext cx="9127398" cy="1862048"/>
+          </a:xfrm>
+          <a:prstGeom prst="rect">
+            <a:avLst/>
+          </a:prstGeom>
+        </p:spPr>
+        <p:txBody>
+          <a:bodyPr wrap="square">
+            <a:spAutoFit/>
+          </a:bodyPr>
+          <a:lstStyle/>
+          <a:p>
+            <a:r>
+              <a:rPr lang="en-US" sz="11500" dirty="0">
+                <a:solidFill>
+                  <a:schemeClr val="tx2"/>
+                </a:solidFill>
+                <a:latin typeface="Yanone Kaffeesatz Regular" panose="02000000000000000000" pitchFamily="2" charset="0"/>
+              </a:rPr>
+              <a:t>You have to </a:t>
+            </a:r>
+            <a:r>
+              <a:rPr lang="en-US" sz="11500" dirty="0">
+                <a:solidFill>
+                  <a:schemeClr val="accent4"/>
+                </a:solidFill>
+                <a:latin typeface="Yanone Kaffeesatz Regular" panose="02000000000000000000" pitchFamily="2" charset="0"/>
+              </a:rPr>
+              <a:t>engage</a:t>
+            </a:r>
+            <a:endParaRPr lang="de-CH" sz="1400" dirty="0">
+              <a:solidFill>
+                <a:schemeClr val="accent4"/>
+              </a:solidFill>
+            </a:endParaRPr>
+          </a:p>
+        </p:txBody>
+      </p:sp>
+    </p:spTree>
+    <p:extLst>
+      <p:ext uri="{BB962C8B-B14F-4D97-AF65-F5344CB8AC3E}">
+        <p14:creationId xmlns:p14="http://schemas.microsoft.com/office/powerpoint/2010/main" val="3682985106"/>
+      </p:ext>
+    </p:extLst>
+  </p:cSld>
+  <p:clrMapOvr>
+    <a:masterClrMapping/>
+  </p:clrMapOvr>
+</p:sld>
+</file>
+
+<file path=ppt/slides/slide52.xml><?xml version="1.0" encoding="utf-8"?>
+<p:sld xmlns:a="http://schemas.openxmlformats.org/drawingml/2006/main" xmlns:r="http://schemas.openxmlformats.org/officeDocument/2006/relationships" xmlns:p="http://schemas.openxmlformats.org/presentationml/2006/main">
+  <p:cSld>
+    <p:spTree>
+      <p:nvGrpSpPr>
+        <p:cNvPr id="1" name=""/>
+        <p:cNvGrpSpPr/>
+        <p:nvPr/>
+      </p:nvGrpSpPr>
+      <p:grpSpPr>
+        <a:xfrm>
+          <a:off x="0" y="0"/>
+          <a:ext cx="0" cy="0"/>
+          <a:chOff x="0" y="0"/>
+          <a:chExt cx="0" cy="0"/>
+        </a:xfrm>
+      </p:grpSpPr>
+      <p:sp>
+        <p:nvSpPr>
+          <p:cNvPr id="5" name="Rectangle 4"/>
+          <p:cNvSpPr/>
+          <p:nvPr/>
+        </p:nvSpPr>
+        <p:spPr>
+          <a:xfrm>
+            <a:off x="1532301" y="1613119"/>
+            <a:ext cx="9127398" cy="3631763"/>
+          </a:xfrm>
+          <a:prstGeom prst="rect">
+            <a:avLst/>
+          </a:prstGeom>
+        </p:spPr>
+        <p:txBody>
+          <a:bodyPr wrap="square">
+            <a:spAutoFit/>
+          </a:bodyPr>
+          <a:lstStyle/>
+          <a:p>
+            <a:pPr algn="ctr"/>
+            <a:r>
+              <a:rPr lang="en-US" sz="11500" dirty="0">
+                <a:solidFill>
+                  <a:schemeClr val="tx2"/>
+                </a:solidFill>
+                <a:latin typeface="Yanone Kaffeesatz Regular" panose="02000000000000000000" pitchFamily="2" charset="0"/>
+              </a:rPr>
+              <a:t>There is </a:t>
+            </a:r>
+            <a:r>
+              <a:rPr lang="en-US" sz="11500" dirty="0">
+                <a:solidFill>
+                  <a:schemeClr val="accent4"/>
+                </a:solidFill>
+                <a:latin typeface="Yanone Kaffeesatz Regular" panose="02000000000000000000" pitchFamily="2" charset="0"/>
+              </a:rPr>
+              <a:t>no ladder </a:t>
+            </a:r>
+            <a:r>
+              <a:rPr lang="en-US" sz="11500" dirty="0">
+                <a:solidFill>
+                  <a:schemeClr val="tx2"/>
+                </a:solidFill>
+                <a:latin typeface="Yanone Kaffeesatz Regular" panose="02000000000000000000" pitchFamily="2" charset="0"/>
+              </a:rPr>
+              <a:t>to climb</a:t>
+            </a:r>
+            <a:endParaRPr lang="de-CH" sz="1400" dirty="0">
+              <a:solidFill>
+                <a:schemeClr val="accent4"/>
+              </a:solidFill>
+            </a:endParaRPr>
+          </a:p>
+        </p:txBody>
+      </p:sp>
+    </p:spTree>
+    <p:extLst>
+      <p:ext uri="{BB962C8B-B14F-4D97-AF65-F5344CB8AC3E}">
+        <p14:creationId xmlns:p14="http://schemas.microsoft.com/office/powerpoint/2010/main" val="88348432"/>
+      </p:ext>
+    </p:extLst>
+  </p:cSld>
+  <p:clrMapOvr>
+    <a:masterClrMapping/>
+  </p:clrMapOvr>
+</p:sld>
+</file>
+
+<file path=ppt/slides/slide53.xml><?xml version="1.0" encoding="utf-8"?>
+<p:sld xmlns:a="http://schemas.openxmlformats.org/drawingml/2006/main" xmlns:r="http://schemas.openxmlformats.org/officeDocument/2006/relationships" xmlns:p="http://schemas.openxmlformats.org/presentationml/2006/main">
+  <p:cSld>
+    <p:spTree>
+      <p:nvGrpSpPr>
+        <p:cNvPr id="1" name=""/>
+        <p:cNvGrpSpPr/>
+        <p:nvPr/>
+      </p:nvGrpSpPr>
+      <p:grpSpPr>
+        <a:xfrm>
+          <a:off x="0" y="0"/>
+          <a:ext cx="0" cy="0"/>
+          <a:chOff x="0" y="0"/>
+          <a:chExt cx="0" cy="0"/>
+        </a:xfrm>
+      </p:grpSpPr>
+      <p:sp>
+        <p:nvSpPr>
+          <p:cNvPr id="2" name="Rectangle 1"/>
+          <p:cNvSpPr/>
+          <p:nvPr/>
+        </p:nvSpPr>
+        <p:spPr>
+          <a:xfrm>
+            <a:off x="1532301" y="1613119"/>
+            <a:ext cx="9127398" cy="3631763"/>
+          </a:xfrm>
+          <a:prstGeom prst="rect">
+            <a:avLst/>
+          </a:prstGeom>
+        </p:spPr>
+        <p:txBody>
+          <a:bodyPr wrap="square">
+            <a:spAutoFit/>
+          </a:bodyPr>
+          <a:lstStyle/>
+          <a:p>
+            <a:pPr algn="ctr"/>
+            <a:r>
+              <a:rPr lang="en-US" sz="11500" dirty="0">
+                <a:solidFill>
+                  <a:schemeClr val="tx2"/>
+                </a:solidFill>
+                <a:latin typeface="Yanone Kaffeesatz Regular" panose="02000000000000000000" pitchFamily="2" charset="0"/>
+              </a:rPr>
+              <a:t>Communication is </a:t>
+            </a:r>
+            <a:r>
+              <a:rPr lang="en-US" sz="11500" dirty="0">
+                <a:solidFill>
+                  <a:schemeClr val="accent4"/>
+                </a:solidFill>
+                <a:latin typeface="Yanone Kaffeesatz Regular" panose="02000000000000000000" pitchFamily="2" charset="0"/>
+              </a:rPr>
+              <a:t>f… hard</a:t>
+            </a:r>
+            <a:endParaRPr lang="de-CH" sz="1400" dirty="0">
+              <a:solidFill>
+                <a:schemeClr val="accent4"/>
+              </a:solidFill>
+            </a:endParaRPr>
+          </a:p>
+        </p:txBody>
+      </p:sp>
+    </p:spTree>
+    <p:extLst>
+      <p:ext uri="{BB962C8B-B14F-4D97-AF65-F5344CB8AC3E}">
+        <p14:creationId xmlns:p14="http://schemas.microsoft.com/office/powerpoint/2010/main" val="438192938"/>
+      </p:ext>
+    </p:extLst>
+  </p:cSld>
+  <p:clrMapOvr>
+    <a:masterClrMapping/>
+  </p:clrMapOvr>
+</p:sld>
+</file>
+
+<file path=ppt/slides/slide54.xml><?xml version="1.0" encoding="utf-8"?>
+<p:sld xmlns:a="http://schemas.openxmlformats.org/drawingml/2006/main" xmlns:r="http://schemas.openxmlformats.org/officeDocument/2006/relationships" xmlns:p="http://schemas.openxmlformats.org/presentationml/2006/main">
+  <p:cSld>
+    <p:spTree>
+      <p:nvGrpSpPr>
+        <p:cNvPr id="1" name=""/>
+        <p:cNvGrpSpPr/>
+        <p:nvPr/>
+      </p:nvGrpSpPr>
+      <p:grpSpPr>
+        <a:xfrm>
+          <a:off x="0" y="0"/>
+          <a:ext cx="0" cy="0"/>
+          <a:chOff x="0" y="0"/>
+          <a:chExt cx="0" cy="0"/>
+        </a:xfrm>
+      </p:grpSpPr>
+      <p:sp>
+        <p:nvSpPr>
+          <p:cNvPr id="5" name="Rectangle 4"/>
+          <p:cNvSpPr/>
+          <p:nvPr/>
+        </p:nvSpPr>
+        <p:spPr>
+          <a:xfrm>
+            <a:off x="1532301" y="2497976"/>
+            <a:ext cx="9127398" cy="1862048"/>
+          </a:xfrm>
+          <a:prstGeom prst="rect">
+            <a:avLst/>
+          </a:prstGeom>
+        </p:spPr>
+        <p:txBody>
+          <a:bodyPr wrap="square">
+            <a:spAutoFit/>
+          </a:bodyPr>
+          <a:lstStyle/>
+          <a:p>
+            <a:r>
+              <a:rPr lang="en-US" sz="11500" dirty="0">
+                <a:solidFill>
+                  <a:schemeClr val="tx2"/>
+                </a:solidFill>
+                <a:latin typeface="Yanone Kaffeesatz Regular" panose="02000000000000000000" pitchFamily="2" charset="0"/>
+              </a:rPr>
+              <a:t>Change </a:t>
+            </a:r>
+            <a:r>
+              <a:rPr lang="en-US" sz="11500" dirty="0">
+                <a:solidFill>
+                  <a:schemeClr val="accent4"/>
+                </a:solidFill>
+                <a:latin typeface="Yanone Kaffeesatz Regular" panose="02000000000000000000" pitchFamily="2" charset="0"/>
+              </a:rPr>
+              <a:t>never ends</a:t>
+            </a:r>
+            <a:endParaRPr lang="de-CH" sz="1400" dirty="0">
+              <a:solidFill>
+                <a:schemeClr val="accent4"/>
+              </a:solidFill>
+            </a:endParaRPr>
+          </a:p>
+        </p:txBody>
+      </p:sp>
+    </p:spTree>
+    <p:extLst>
+      <p:ext uri="{BB962C8B-B14F-4D97-AF65-F5344CB8AC3E}">
+        <p14:creationId xmlns:p14="http://schemas.microsoft.com/office/powerpoint/2010/main" val="3775138859"/>
+      </p:ext>
+    </p:extLst>
+  </p:cSld>
+  <p:clrMapOvr>
+    <a:masterClrMapping/>
+  </p:clrMapOvr>
+</p:sld>
+</file>
+
+<file path=ppt/slides/slide55.xml><?xml version="1.0" encoding="utf-8"?>
+<p:sld xmlns:a="http://schemas.openxmlformats.org/drawingml/2006/main" xmlns:r="http://schemas.openxmlformats.org/officeDocument/2006/relationships" xmlns:p="http://schemas.openxmlformats.org/presentationml/2006/main">
+  <p:cSld>
+    <p:spTree>
+      <p:nvGrpSpPr>
+        <p:cNvPr id="1" name=""/>
+        <p:cNvGrpSpPr/>
+        <p:nvPr/>
+      </p:nvGrpSpPr>
+      <p:grpSpPr>
+        <a:xfrm>
+          <a:off x="0" y="0"/>
+          <a:ext cx="0" cy="0"/>
+          <a:chOff x="0" y="0"/>
+          <a:chExt cx="0" cy="0"/>
+        </a:xfrm>
+      </p:grpSpPr>
+      <p:sp>
+        <p:nvSpPr>
+          <p:cNvPr id="2" name="TextBox 1"/>
+          <p:cNvSpPr txBox="1"/>
+          <p:nvPr/>
+        </p:nvSpPr>
+        <p:spPr>
+          <a:xfrm>
+            <a:off x="1362974" y="1303814"/>
+            <a:ext cx="5046574" cy="4508927"/>
+          </a:xfrm>
+          <a:prstGeom prst="rect">
+            <a:avLst/>
+          </a:prstGeom>
+          <a:noFill/>
+        </p:spPr>
+        <p:txBody>
+          <a:bodyPr wrap="none" rtlCol="0">
+            <a:spAutoFit/>
+          </a:bodyPr>
+          <a:lstStyle/>
+          <a:p>
+            <a:r>
+              <a:rPr lang="en-US" sz="28700" dirty="0">
+                <a:solidFill>
+                  <a:schemeClr val="accent2"/>
+                </a:solidFill>
+                <a:latin typeface="Yanone Kaffeesatz Regular" panose="02000000000000000000" pitchFamily="2" charset="0"/>
+              </a:rPr>
+              <a:t>Hey!</a:t>
+            </a:r>
+            <a:endParaRPr lang="de-CH" sz="9600" dirty="0">
+              <a:solidFill>
+                <a:schemeClr val="accent4"/>
+              </a:solidFill>
+              <a:latin typeface="Yanone Kaffeesatz Regular" panose="02000000000000000000" pitchFamily="2" charset="0"/>
+            </a:endParaRPr>
+          </a:p>
+        </p:txBody>
+      </p:sp>
+      <p:sp>
+        <p:nvSpPr>
+          <p:cNvPr id="4" name="Rectangle 3"/>
+          <p:cNvSpPr/>
+          <p:nvPr/>
+        </p:nvSpPr>
+        <p:spPr>
+          <a:xfrm>
+            <a:off x="848705" y="814909"/>
+            <a:ext cx="1218603" cy="1107996"/>
+          </a:xfrm>
+          <a:prstGeom prst="rect">
+            <a:avLst/>
+          </a:prstGeom>
+        </p:spPr>
+        <p:txBody>
+          <a:bodyPr wrap="none">
+            <a:spAutoFit/>
+          </a:bodyPr>
+          <a:lstStyle/>
+          <a:p>
+            <a:r>
+              <a:rPr lang="en-US" sz="6600" dirty="0">
+                <a:solidFill>
+                  <a:schemeClr val="tx2"/>
+                </a:solidFill>
+                <a:latin typeface="Yanone Kaffeesatz Regular" panose="02000000000000000000" pitchFamily="2" charset="0"/>
+              </a:rPr>
+              <a:t>but </a:t>
+            </a:r>
+            <a:endParaRPr lang="de-CH" sz="6600" dirty="0">
+              <a:solidFill>
+                <a:schemeClr val="tx2"/>
+              </a:solidFill>
+            </a:endParaRPr>
+          </a:p>
+        </p:txBody>
+      </p:sp>
+    </p:spTree>
+    <p:extLst>
+      <p:ext uri="{BB962C8B-B14F-4D97-AF65-F5344CB8AC3E}">
+        <p14:creationId xmlns:p14="http://schemas.microsoft.com/office/powerpoint/2010/main" val="2100552588"/>
+      </p:ext>
+    </p:extLst>
+  </p:cSld>
+  <p:clrMapOvr>
+    <a:masterClrMapping/>
+  </p:clrMapOvr>
+</p:sld>
+</file>
+
+<file path=ppt/slides/slide56.xml><?xml version="1.0" encoding="utf-8"?>
+<p:sld xmlns:a="http://schemas.openxmlformats.org/drawingml/2006/main" xmlns:r="http://schemas.openxmlformats.org/officeDocument/2006/relationships" xmlns:p="http://schemas.openxmlformats.org/presentationml/2006/main">
+  <p:cSld>
+    <p:spTree>
+      <p:nvGrpSpPr>
+        <p:cNvPr id="1" name=""/>
+        <p:cNvGrpSpPr/>
+        <p:nvPr/>
+      </p:nvGrpSpPr>
+      <p:grpSpPr>
+        <a:xfrm>
+          <a:off x="0" y="0"/>
+          <a:ext cx="0" cy="0"/>
+          <a:chOff x="0" y="0"/>
+          <a:chExt cx="0" cy="0"/>
+        </a:xfrm>
+      </p:grpSpPr>
+      <p:sp>
+        <p:nvSpPr>
           <p:cNvPr id="2" name="TextBox 1"/>
           <p:cNvSpPr txBox="1"/>
           <p:nvPr/>
@@ -25527,7 +25801,7 @@
 </p:sld>
 </file>
 
-<file path=ppt/slides/slide52.xml><?xml version="1.0" encoding="utf-8"?>
+<file path=ppt/slides/slide57.xml><?xml version="1.0" encoding="utf-8"?>
 <p:sld xmlns:a="http://schemas.openxmlformats.org/drawingml/2006/main" xmlns:r="http://schemas.openxmlformats.org/officeDocument/2006/relationships" xmlns:p="http://schemas.openxmlformats.org/presentationml/2006/main">
   <p:cSld>
     <p:spTree>
@@ -25579,7 +25853,7 @@
 </p:sld>
 </file>
 
-<file path=ppt/slides/slide53.xml><?xml version="1.0" encoding="utf-8"?>
+<file path=ppt/slides/slide58.xml><?xml version="1.0" encoding="utf-8"?>
 <p:sld xmlns:a="http://schemas.openxmlformats.org/drawingml/2006/main" xmlns:r="http://schemas.openxmlformats.org/officeDocument/2006/relationships" xmlns:p="http://schemas.openxmlformats.org/presentationml/2006/main">
   <p:cSld>
     <p:spTree>
@@ -25690,7 +25964,7 @@
 </p:sld>
 </file>
 
-<file path=ppt/slides/slide54.xml><?xml version="1.0" encoding="utf-8"?>
+<file path=ppt/slides/slide59.xml><?xml version="1.0" encoding="utf-8"?>
 <p:sld xmlns:a="http://schemas.openxmlformats.org/drawingml/2006/main" xmlns:r="http://schemas.openxmlformats.org/officeDocument/2006/relationships" xmlns:p="http://schemas.openxmlformats.org/presentationml/2006/main">
   <p:cSld>
     <p:spTree>
@@ -25784,7 +26058,149 @@
 </p:sld>
 </file>
 
-<file path=ppt/slides/slide55.xml><?xml version="1.0" encoding="utf-8"?>
+<file path=ppt/slides/slide6.xml><?xml version="1.0" encoding="utf-8"?>
+<p:sld xmlns:a="http://schemas.openxmlformats.org/drawingml/2006/main" xmlns:r="http://schemas.openxmlformats.org/officeDocument/2006/relationships" xmlns:p="http://schemas.openxmlformats.org/presentationml/2006/main">
+  <p:cSld>
+    <p:spTree>
+      <p:nvGrpSpPr>
+        <p:cNvPr id="1" name=""/>
+        <p:cNvGrpSpPr/>
+        <p:nvPr/>
+      </p:nvGrpSpPr>
+      <p:grpSpPr>
+        <a:xfrm>
+          <a:off x="0" y="0"/>
+          <a:ext cx="0" cy="0"/>
+          <a:chOff x="0" y="0"/>
+          <a:chExt cx="0" cy="0"/>
+        </a:xfrm>
+      </p:grpSpPr>
+      <p:sp>
+        <p:nvSpPr>
+          <p:cNvPr id="2" name="TextBox 1"/>
+          <p:cNvSpPr txBox="1"/>
+          <p:nvPr/>
+        </p:nvSpPr>
+        <p:spPr>
+          <a:xfrm>
+            <a:off x="2481942" y="1721224"/>
+            <a:ext cx="6827510" cy="2646878"/>
+          </a:xfrm>
+          <a:prstGeom prst="rect">
+            <a:avLst/>
+          </a:prstGeom>
+          <a:noFill/>
+        </p:spPr>
+        <p:txBody>
+          <a:bodyPr wrap="none" rtlCol="0">
+            <a:spAutoFit/>
+          </a:bodyPr>
+          <a:lstStyle/>
+          <a:p>
+            <a:r>
+              <a:rPr lang="en-US" sz="16600" dirty="0">
+                <a:solidFill>
+                  <a:schemeClr val="accent2"/>
+                </a:solidFill>
+                <a:latin typeface="Yanone Kaffeesatz Regular" panose="02000000000000000000" pitchFamily="2" charset="0"/>
+              </a:rPr>
+              <a:t>How much</a:t>
+            </a:r>
+            <a:endParaRPr lang="de-CH" sz="7200" dirty="0">
+              <a:solidFill>
+                <a:schemeClr val="accent4"/>
+              </a:solidFill>
+              <a:latin typeface="Yanone Kaffeesatz Regular" panose="02000000000000000000" pitchFamily="2" charset="0"/>
+            </a:endParaRPr>
+          </a:p>
+        </p:txBody>
+      </p:sp>
+      <p:sp>
+        <p:nvSpPr>
+          <p:cNvPr id="3" name="Rectangle 2"/>
+          <p:cNvSpPr/>
+          <p:nvPr/>
+        </p:nvSpPr>
+        <p:spPr>
+          <a:xfrm>
+            <a:off x="6919022" y="3734441"/>
+            <a:ext cx="2858475" cy="1446550"/>
+          </a:xfrm>
+          <a:prstGeom prst="rect">
+            <a:avLst/>
+          </a:prstGeom>
+        </p:spPr>
+        <p:txBody>
+          <a:bodyPr wrap="none">
+            <a:spAutoFit/>
+          </a:bodyPr>
+          <a:lstStyle/>
+          <a:p>
+            <a:r>
+              <a:rPr lang="en-US" sz="8800" dirty="0">
+                <a:solidFill>
+                  <a:schemeClr val="accent4"/>
+                </a:solidFill>
+                <a:latin typeface="Yanone Kaffeesatz Regular" panose="02000000000000000000" pitchFamily="2" charset="0"/>
+              </a:rPr>
+              <a:t>you like</a:t>
+            </a:r>
+            <a:endParaRPr lang="de-CH" sz="8800" dirty="0"/>
+          </a:p>
+        </p:txBody>
+      </p:sp>
+      <p:sp>
+        <p:nvSpPr>
+          <p:cNvPr id="4" name="Rectangle 3"/>
+          <p:cNvSpPr/>
+          <p:nvPr/>
+        </p:nvSpPr>
+        <p:spPr>
+          <a:xfrm>
+            <a:off x="6959129" y="1243319"/>
+            <a:ext cx="2369559" cy="1107996"/>
+          </a:xfrm>
+          <a:prstGeom prst="rect">
+            <a:avLst/>
+          </a:prstGeom>
+        </p:spPr>
+        <p:txBody>
+          <a:bodyPr wrap="none">
+            <a:spAutoFit/>
+          </a:bodyPr>
+          <a:lstStyle/>
+          <a:p>
+            <a:r>
+              <a:rPr lang="en-US" sz="6600" dirty="0">
+                <a:solidFill>
+                  <a:schemeClr val="tx2"/>
+                </a:solidFill>
+                <a:latin typeface="Yanone Kaffeesatz Regular" panose="02000000000000000000" pitchFamily="2" charset="0"/>
+              </a:rPr>
+              <a:t>vacation</a:t>
+            </a:r>
+            <a:endParaRPr lang="de-CH" sz="6600" dirty="0">
+              <a:solidFill>
+                <a:schemeClr val="tx2"/>
+              </a:solidFill>
+            </a:endParaRPr>
+          </a:p>
+        </p:txBody>
+      </p:sp>
+    </p:spTree>
+    <p:extLst>
+      <p:ext uri="{BB962C8B-B14F-4D97-AF65-F5344CB8AC3E}">
+        <p14:creationId xmlns:p14="http://schemas.microsoft.com/office/powerpoint/2010/main" val="3030997416"/>
+      </p:ext>
+    </p:extLst>
+  </p:cSld>
+  <p:clrMapOvr>
+    <a:masterClrMapping/>
+  </p:clrMapOvr>
+</p:sld>
+</file>
+
+<file path=ppt/slides/slide60.xml><?xml version="1.0" encoding="utf-8"?>
 <p:sld xmlns:a="http://schemas.openxmlformats.org/drawingml/2006/main" xmlns:r="http://schemas.openxmlformats.org/officeDocument/2006/relationships" xmlns:p="http://schemas.openxmlformats.org/presentationml/2006/main">
   <p:cSld>
     <p:spTree>
@@ -25869,148 +26285,6 @@
     <p:extLst>
       <p:ext uri="{BB962C8B-B14F-4D97-AF65-F5344CB8AC3E}">
         <p14:creationId xmlns:p14="http://schemas.microsoft.com/office/powerpoint/2010/main" val="3887468163"/>
-      </p:ext>
-    </p:extLst>
-  </p:cSld>
-  <p:clrMapOvr>
-    <a:masterClrMapping/>
-  </p:clrMapOvr>
-</p:sld>
-</file>
-
-<file path=ppt/slides/slide6.xml><?xml version="1.0" encoding="utf-8"?>
-<p:sld xmlns:a="http://schemas.openxmlformats.org/drawingml/2006/main" xmlns:r="http://schemas.openxmlformats.org/officeDocument/2006/relationships" xmlns:p="http://schemas.openxmlformats.org/presentationml/2006/main">
-  <p:cSld>
-    <p:spTree>
-      <p:nvGrpSpPr>
-        <p:cNvPr id="1" name=""/>
-        <p:cNvGrpSpPr/>
-        <p:nvPr/>
-      </p:nvGrpSpPr>
-      <p:grpSpPr>
-        <a:xfrm>
-          <a:off x="0" y="0"/>
-          <a:ext cx="0" cy="0"/>
-          <a:chOff x="0" y="0"/>
-          <a:chExt cx="0" cy="0"/>
-        </a:xfrm>
-      </p:grpSpPr>
-      <p:sp>
-        <p:nvSpPr>
-          <p:cNvPr id="2" name="TextBox 1"/>
-          <p:cNvSpPr txBox="1"/>
-          <p:nvPr/>
-        </p:nvSpPr>
-        <p:spPr>
-          <a:xfrm>
-            <a:off x="2481942" y="1721224"/>
-            <a:ext cx="6827510" cy="2646878"/>
-          </a:xfrm>
-          <a:prstGeom prst="rect">
-            <a:avLst/>
-          </a:prstGeom>
-          <a:noFill/>
-        </p:spPr>
-        <p:txBody>
-          <a:bodyPr wrap="none" rtlCol="0">
-            <a:spAutoFit/>
-          </a:bodyPr>
-          <a:lstStyle/>
-          <a:p>
-            <a:r>
-              <a:rPr lang="en-US" sz="16600" dirty="0">
-                <a:solidFill>
-                  <a:schemeClr val="accent2"/>
-                </a:solidFill>
-                <a:latin typeface="Yanone Kaffeesatz Regular" panose="02000000000000000000" pitchFamily="2" charset="0"/>
-              </a:rPr>
-              <a:t>How much</a:t>
-            </a:r>
-            <a:endParaRPr lang="de-CH" sz="7200" dirty="0">
-              <a:solidFill>
-                <a:schemeClr val="accent4"/>
-              </a:solidFill>
-              <a:latin typeface="Yanone Kaffeesatz Regular" panose="02000000000000000000" pitchFamily="2" charset="0"/>
-            </a:endParaRPr>
-          </a:p>
-        </p:txBody>
-      </p:sp>
-      <p:sp>
-        <p:nvSpPr>
-          <p:cNvPr id="3" name="Rectangle 2"/>
-          <p:cNvSpPr/>
-          <p:nvPr/>
-        </p:nvSpPr>
-        <p:spPr>
-          <a:xfrm>
-            <a:off x="6919022" y="3734441"/>
-            <a:ext cx="2858475" cy="1446550"/>
-          </a:xfrm>
-          <a:prstGeom prst="rect">
-            <a:avLst/>
-          </a:prstGeom>
-        </p:spPr>
-        <p:txBody>
-          <a:bodyPr wrap="none">
-            <a:spAutoFit/>
-          </a:bodyPr>
-          <a:lstStyle/>
-          <a:p>
-            <a:r>
-              <a:rPr lang="en-US" sz="8800" dirty="0">
-                <a:solidFill>
-                  <a:schemeClr val="accent4"/>
-                </a:solidFill>
-                <a:latin typeface="Yanone Kaffeesatz Regular" panose="02000000000000000000" pitchFamily="2" charset="0"/>
-              </a:rPr>
-              <a:t>you like</a:t>
-            </a:r>
-            <a:endParaRPr lang="de-CH" sz="8800" dirty="0"/>
-          </a:p>
-        </p:txBody>
-      </p:sp>
-      <p:sp>
-        <p:nvSpPr>
-          <p:cNvPr id="4" name="Rectangle 3"/>
-          <p:cNvSpPr/>
-          <p:nvPr/>
-        </p:nvSpPr>
-        <p:spPr>
-          <a:xfrm>
-            <a:off x="6959129" y="1243319"/>
-            <a:ext cx="2369559" cy="1107996"/>
-          </a:xfrm>
-          <a:prstGeom prst="rect">
-            <a:avLst/>
-          </a:prstGeom>
-        </p:spPr>
-        <p:txBody>
-          <a:bodyPr wrap="none">
-            <a:spAutoFit/>
-          </a:bodyPr>
-          <a:lstStyle/>
-          <a:p>
-            <a:r>
-              <a:rPr lang="en-US" sz="6600" dirty="0">
-                <a:solidFill>
-                  <a:schemeClr val="tx2"/>
-                </a:solidFill>
-                <a:latin typeface="Yanone Kaffeesatz Regular" panose="02000000000000000000" pitchFamily="2" charset="0"/>
-              </a:rPr>
-              <a:t>vacation</a:t>
-            </a:r>
-            <a:endParaRPr lang="de-CH" sz="6600" dirty="0">
-              <a:solidFill>
-                <a:schemeClr val="tx2"/>
-              </a:solidFill>
-            </a:endParaRPr>
-          </a:p>
-        </p:txBody>
-      </p:sp>
-    </p:spTree>
-    <p:extLst>
-      <p:ext uri="{BB962C8B-B14F-4D97-AF65-F5344CB8AC3E}">
-        <p14:creationId xmlns:p14="http://schemas.microsoft.com/office/powerpoint/2010/main" val="3030997416"/>
       </p:ext>
     </p:extLst>
   </p:cSld>

--- a/presentation.pptx
+++ b/presentation.pptx
@@ -5,7 +5,7 @@
     <p:sldMasterId id="2147483684" r:id="rId1"/>
   </p:sldMasterIdLst>
   <p:notesMasterIdLst>
-    <p:notesMasterId r:id="rId57"/>
+    <p:notesMasterId r:id="rId62"/>
   </p:notesMasterIdLst>
   <p:sldIdLst>
     <p:sldId id="278" r:id="rId2"/>
@@ -49,20 +49,25 @@
     <p:sldId id="377" r:id="rId40"/>
     <p:sldId id="388" r:id="rId41"/>
     <p:sldId id="378" r:id="rId42"/>
-    <p:sldId id="369" r:id="rId43"/>
-    <p:sldId id="371" r:id="rId44"/>
-    <p:sldId id="372" r:id="rId45"/>
-    <p:sldId id="370" r:id="rId46"/>
-    <p:sldId id="379" r:id="rId47"/>
-    <p:sldId id="380" r:id="rId48"/>
-    <p:sldId id="381" r:id="rId49"/>
-    <p:sldId id="382" r:id="rId50"/>
-    <p:sldId id="383" r:id="rId51"/>
-    <p:sldId id="384" r:id="rId52"/>
-    <p:sldId id="324" r:id="rId53"/>
-    <p:sldId id="267" r:id="rId54"/>
-    <p:sldId id="275" r:id="rId55"/>
-    <p:sldId id="279" r:id="rId56"/>
+    <p:sldId id="389" r:id="rId43"/>
+    <p:sldId id="390" r:id="rId44"/>
+    <p:sldId id="391" r:id="rId45"/>
+    <p:sldId id="392" r:id="rId46"/>
+    <p:sldId id="393" r:id="rId47"/>
+    <p:sldId id="369" r:id="rId48"/>
+    <p:sldId id="371" r:id="rId49"/>
+    <p:sldId id="372" r:id="rId50"/>
+    <p:sldId id="370" r:id="rId51"/>
+    <p:sldId id="379" r:id="rId52"/>
+    <p:sldId id="380" r:id="rId53"/>
+    <p:sldId id="381" r:id="rId54"/>
+    <p:sldId id="382" r:id="rId55"/>
+    <p:sldId id="383" r:id="rId56"/>
+    <p:sldId id="384" r:id="rId57"/>
+    <p:sldId id="324" r:id="rId58"/>
+    <p:sldId id="267" r:id="rId59"/>
+    <p:sldId id="275" r:id="rId60"/>
+    <p:sldId id="279" r:id="rId61"/>
   </p:sldIdLst>
   <p:sldSz cx="12192000" cy="6858000"/>
   <p:notesSz cx="6858000" cy="9144000"/>
@@ -211,6 +216,11 @@
             <p14:sldId id="377"/>
             <p14:sldId id="388"/>
             <p14:sldId id="378"/>
+            <p14:sldId id="389"/>
+            <p14:sldId id="390"/>
+            <p14:sldId id="391"/>
+            <p14:sldId id="392"/>
+            <p14:sldId id="393"/>
             <p14:sldId id="369"/>
             <p14:sldId id="371"/>
             <p14:sldId id="372"/>
@@ -8064,7 +8074,7 @@
           <a:p>
             <a:fld id="{D987070D-87AF-4443-8990-425EA27CC244}" type="datetimeFigureOut">
               <a:rPr lang="de-CH" smtClean="0"/>
-              <a:t>26.10.2016</a:t>
+              <a:t>27.10.2016</a:t>
             </a:fld>
             <a:endParaRPr lang="de-CH"/>
           </a:p>
@@ -11141,265 +11151,7 @@
               </a:rPr>
               <a:t>Setting and following timelines (in the case of projects).</a:t>
             </a:r>
-          </a:p>
-          <a:p>
-            <a:endParaRPr lang="en-US" baseline="0" dirty="0"/>
-          </a:p>
-          <a:p>
-            <a:r>
-              <a:rPr lang="en-US" baseline="0" dirty="0"/>
-              <a:t>When it is next in line a task force is formed</a:t>
-            </a:r>
-          </a:p>
-          <a:p>
-            <a:pPr marL="171450" indent="-171450">
-              <a:buFont typeface="Arial" panose="020B0604020202020204" pitchFamily="34" charset="0"/>
-              <a:buChar char="•"/>
-            </a:pPr>
-            <a:r>
-              <a:rPr lang="en-US" sz="1200" b="0" i="0" kern="1200" dirty="0">
-                <a:solidFill>
-                  <a:schemeClr val="tx1"/>
-                </a:solidFill>
-                <a:effectLst/>
-                <a:latin typeface="+mn-lt"/>
-                <a:ea typeface="+mn-ea"/>
-                <a:cs typeface="+mn-cs"/>
-              </a:rPr>
-              <a:t>The way work or tasks are performed in Particular is usually not by a single person but rather by a group of people working in a "task force". Ideally, the people in a taskforce will bring a diverse set of skills and knowledge from multiple </a:t>
-            </a:r>
-            <a:r>
-              <a:rPr lang="en-US" sz="1200" b="0" i="0" u="none" strike="noStrike" kern="1200" dirty="0">
-                <a:solidFill>
-                  <a:schemeClr val="tx1"/>
-                </a:solidFill>
-                <a:effectLst/>
-                <a:latin typeface="+mn-lt"/>
-                <a:ea typeface="+mn-ea"/>
-                <a:cs typeface="+mn-cs"/>
-                <a:hlinkClick r:id="rId3"/>
-              </a:rPr>
-              <a:t>disciplines</a:t>
-            </a:r>
-            <a:r>
-              <a:rPr lang="en-US" sz="1200" b="0" i="0" kern="1200" dirty="0">
-                <a:solidFill>
-                  <a:schemeClr val="tx1"/>
-                </a:solidFill>
-                <a:effectLst/>
-                <a:latin typeface="+mn-lt"/>
-                <a:ea typeface="+mn-ea"/>
-                <a:cs typeface="+mn-cs"/>
-              </a:rPr>
-              <a:t>.</a:t>
-            </a:r>
-          </a:p>
-          <a:p>
-            <a:pPr marL="171450" indent="-171450">
-              <a:buFont typeface="Arial" panose="020B0604020202020204" pitchFamily="34" charset="0"/>
-              <a:buChar char="•"/>
-            </a:pPr>
-            <a:r>
-              <a:rPr lang="en-US" sz="1200" b="0" i="0" kern="1200" dirty="0">
-                <a:solidFill>
-                  <a:schemeClr val="tx1"/>
-                </a:solidFill>
-                <a:effectLst/>
-                <a:latin typeface="+mn-lt"/>
-                <a:ea typeface="+mn-ea"/>
-                <a:cs typeface="+mn-cs"/>
-              </a:rPr>
-              <a:t>Unlike normal teams, a task force comes together for a specific task and disbands once that task is complete.</a:t>
-            </a:r>
-          </a:p>
-          <a:p>
-            <a:pPr marL="171450" indent="-171450">
-              <a:buFont typeface="Arial" panose="020B0604020202020204" pitchFamily="34" charset="0"/>
-              <a:buChar char="•"/>
-            </a:pPr>
-            <a:r>
-              <a:rPr lang="it-IT" dirty="0" err="1"/>
-              <a:t>We</a:t>
-            </a:r>
-            <a:r>
-              <a:rPr lang="it-IT" dirty="0"/>
-              <a:t> </a:t>
-            </a:r>
-            <a:r>
-              <a:rPr lang="it-IT" dirty="0" err="1"/>
-              <a:t>don’t</a:t>
-            </a:r>
-            <a:r>
-              <a:rPr lang="it-IT" dirty="0"/>
-              <a:t> </a:t>
-            </a:r>
-            <a:r>
-              <a:rPr lang="it-IT" dirty="0" err="1"/>
-              <a:t>need</a:t>
-            </a:r>
-            <a:r>
-              <a:rPr lang="it-IT" dirty="0"/>
-              <a:t> a </a:t>
-            </a:r>
-            <a:r>
-              <a:rPr lang="it-IT" dirty="0" err="1"/>
-              <a:t>role</a:t>
-            </a:r>
-            <a:r>
-              <a:rPr lang="it-IT" dirty="0"/>
-              <a:t> to </a:t>
-            </a:r>
-            <a:r>
-              <a:rPr lang="it-IT" dirty="0" err="1"/>
-              <a:t>achieve</a:t>
-            </a:r>
-            <a:r>
-              <a:rPr lang="it-IT" dirty="0"/>
-              <a:t> </a:t>
-            </a:r>
-            <a:r>
-              <a:rPr lang="it-IT" dirty="0" err="1"/>
-              <a:t>something</a:t>
-            </a:r>
-            <a:r>
-              <a:rPr lang="it-IT" dirty="0"/>
-              <a:t>, skills are the </a:t>
-            </a:r>
-            <a:r>
-              <a:rPr lang="it-IT" dirty="0" err="1"/>
-              <a:t>requirement</a:t>
-            </a:r>
-            <a:r>
-              <a:rPr lang="it-IT" dirty="0"/>
-              <a:t>.</a:t>
-            </a:r>
-          </a:p>
-          <a:p>
-            <a:pPr marL="171450" indent="-171450">
-              <a:buFont typeface="Arial" panose="020B0604020202020204" pitchFamily="34" charset="0"/>
-              <a:buChar char="•"/>
-            </a:pPr>
-            <a:r>
-              <a:rPr lang="en-US" dirty="0"/>
-              <a:t>We need the right skills to fail small and learn big</a:t>
-            </a:r>
-          </a:p>
-          <a:p>
-            <a:pPr marL="171450" indent="-171450">
-              <a:buFont typeface="Arial" panose="020B0604020202020204" pitchFamily="34" charset="0"/>
-              <a:buChar char="•"/>
-            </a:pPr>
             <a:endParaRPr lang="en-US" dirty="0"/>
-          </a:p>
-          <a:p>
-            <a:r>
-              <a:rPr lang="de-CH" sz="1200" b="0" i="0" kern="1200" dirty="0">
-                <a:solidFill>
-                  <a:schemeClr val="tx1"/>
-                </a:solidFill>
-                <a:effectLst/>
-                <a:latin typeface="+mn-lt"/>
-                <a:ea typeface="+mn-ea"/>
-                <a:cs typeface="+mn-cs"/>
-              </a:rPr>
-              <a:t>Business</a:t>
-            </a:r>
-            <a:r>
-              <a:rPr lang="de-CH" sz="1200" b="0" i="0" kern="1200" baseline="0" dirty="0">
-                <a:solidFill>
-                  <a:schemeClr val="tx1"/>
-                </a:solidFill>
-                <a:effectLst/>
-                <a:latin typeface="+mn-lt"/>
-                <a:ea typeface="+mn-ea"/>
-                <a:cs typeface="+mn-cs"/>
-              </a:rPr>
-              <a:t> (Marketing…)</a:t>
-            </a:r>
-            <a:r>
-              <a:rPr lang="de-CH" sz="1200" b="0" i="0" kern="1200" dirty="0">
-                <a:solidFill>
-                  <a:schemeClr val="tx1"/>
-                </a:solidFill>
-                <a:effectLst/>
-                <a:latin typeface="+mn-lt"/>
-                <a:ea typeface="+mn-ea"/>
-                <a:cs typeface="+mn-cs"/>
-              </a:rPr>
-              <a:t>, People (</a:t>
-            </a:r>
-            <a:r>
-              <a:rPr lang="de-CH" sz="1200" b="0" i="0" kern="1200" dirty="0" err="1">
-                <a:solidFill>
-                  <a:schemeClr val="tx1"/>
-                </a:solidFill>
-                <a:effectLst/>
-                <a:latin typeface="+mn-lt"/>
-                <a:ea typeface="+mn-ea"/>
-                <a:cs typeface="+mn-cs"/>
-              </a:rPr>
-              <a:t>Softskills</a:t>
-            </a:r>
-            <a:r>
-              <a:rPr lang="de-CH" sz="1200" b="0" i="0" kern="1200" dirty="0">
-                <a:solidFill>
-                  <a:schemeClr val="tx1"/>
-                </a:solidFill>
-                <a:effectLst/>
-                <a:latin typeface="+mn-lt"/>
-                <a:ea typeface="+mn-ea"/>
-                <a:cs typeface="+mn-cs"/>
-              </a:rPr>
-              <a:t>), Domain (</a:t>
-            </a:r>
-            <a:r>
-              <a:rPr lang="de-CH" sz="1200" b="0" i="0" kern="1200" dirty="0" err="1">
-                <a:solidFill>
-                  <a:schemeClr val="tx1"/>
-                </a:solidFill>
-                <a:effectLst/>
-                <a:latin typeface="+mn-lt"/>
-                <a:ea typeface="+mn-ea"/>
-                <a:cs typeface="+mn-cs"/>
-              </a:rPr>
-              <a:t>What</a:t>
-            </a:r>
-            <a:r>
-              <a:rPr lang="de-CH" sz="1200" b="0" i="0" kern="1200" dirty="0">
-                <a:solidFill>
-                  <a:schemeClr val="tx1"/>
-                </a:solidFill>
-                <a:effectLst/>
-                <a:latin typeface="+mn-lt"/>
-                <a:ea typeface="+mn-ea"/>
-                <a:cs typeface="+mn-cs"/>
-              </a:rPr>
-              <a:t>), Solution (</a:t>
-            </a:r>
-            <a:r>
-              <a:rPr lang="de-CH" sz="1200" b="0" i="0" kern="1200" dirty="0" err="1">
-                <a:solidFill>
-                  <a:schemeClr val="tx1"/>
-                </a:solidFill>
-                <a:effectLst/>
-                <a:latin typeface="+mn-lt"/>
-                <a:ea typeface="+mn-ea"/>
-                <a:cs typeface="+mn-cs"/>
-              </a:rPr>
-              <a:t>How</a:t>
-            </a:r>
-            <a:r>
-              <a:rPr lang="de-CH" sz="1200" b="0" i="0" kern="1200" dirty="0">
-                <a:solidFill>
-                  <a:schemeClr val="tx1"/>
-                </a:solidFill>
-                <a:effectLst/>
-                <a:latin typeface="+mn-lt"/>
-                <a:ea typeface="+mn-ea"/>
-                <a:cs typeface="+mn-cs"/>
-              </a:rPr>
-              <a:t>)</a:t>
-            </a:r>
           </a:p>
           <a:p>
             <a:pPr marL="171450" indent="-171450">
@@ -12222,40 +11974,12 @@
           <a:p>
             <a:r>
               <a:rPr lang="en-US" dirty="0"/>
-              <a:t>This webinar is divided</a:t>
+              <a:t>I love</a:t>
             </a:r>
             <a:r>
               <a:rPr lang="en-US" baseline="0" dirty="0"/>
-              <a:t> into three parts</a:t>
-            </a:r>
-          </a:p>
-          <a:p>
-            <a:endParaRPr lang="en-US" baseline="0" dirty="0"/>
-          </a:p>
-          <a:p>
-            <a:r>
-              <a:rPr lang="en-US" baseline="0" dirty="0"/>
-              <a:t>Terminology</a:t>
-            </a:r>
-          </a:p>
-          <a:p>
-            <a:r>
-              <a:rPr lang="en-US" baseline="0" dirty="0"/>
-              <a:t>Code and </a:t>
-            </a:r>
-            <a:r>
-              <a:rPr lang="en-US" baseline="0" dirty="0" err="1"/>
-              <a:t>WrapUp</a:t>
-            </a:r>
-            <a:r>
-              <a:rPr lang="en-US" baseline="0" dirty="0"/>
-              <a:t> including Q&amp;A</a:t>
-            </a:r>
-          </a:p>
-          <a:p>
-            <a:endParaRPr lang="en-US" baseline="0" dirty="0"/>
-          </a:p>
-          <a:p>
+              <a:t> remote working it enables me to</a:t>
+            </a:r>
             <a:endParaRPr lang="de-CH" dirty="0"/>
           </a:p>
         </p:txBody>
@@ -12909,647 +12633,6 @@
               <a:t>Marketing website</a:t>
             </a:r>
           </a:p>
-          <a:p>
-            <a:r>
-              <a:rPr lang="en-US" sz="1000" b="0" i="0" u="none" strike="noStrike" kern="1200" dirty="0">
-                <a:solidFill>
-                  <a:schemeClr val="tx1"/>
-                </a:solidFill>
-                <a:effectLst/>
-                <a:latin typeface="+mn-lt"/>
-                <a:ea typeface="+mn-ea"/>
-                <a:cs typeface="+mn-cs"/>
-                <a:hlinkClick r:id="rId5"/>
-              </a:rPr>
-              <a:t>Customer Success</a:t>
-            </a:r>
-            <a:endParaRPr lang="en-US" sz="1000" b="0" i="0" kern="1200" dirty="0">
-              <a:solidFill>
-                <a:schemeClr val="tx1"/>
-              </a:solidFill>
-              <a:effectLst/>
-              <a:latin typeface="+mn-lt"/>
-              <a:ea typeface="+mn-ea"/>
-              <a:cs typeface="+mn-cs"/>
-            </a:endParaRPr>
-          </a:p>
-          <a:p>
-            <a:r>
-              <a:rPr lang="en-US" sz="1000" b="0" i="0" kern="1200" dirty="0">
-                <a:solidFill>
-                  <a:schemeClr val="tx1"/>
-                </a:solidFill>
-                <a:effectLst/>
-                <a:latin typeface="+mn-lt"/>
-                <a:ea typeface="+mn-ea"/>
-                <a:cs typeface="+mn-cs"/>
-              </a:rPr>
-              <a:t>Inbound Sales (as we don't do outbound)</a:t>
-            </a:r>
-          </a:p>
-          <a:p>
-            <a:r>
-              <a:rPr lang="en-US" sz="1000" b="0" i="0" kern="1200" dirty="0">
-                <a:solidFill>
-                  <a:schemeClr val="tx1"/>
-                </a:solidFill>
-                <a:effectLst/>
-                <a:latin typeface="+mn-lt"/>
-                <a:ea typeface="+mn-ea"/>
-                <a:cs typeface="+mn-cs"/>
-              </a:rPr>
-              <a:t>RFI/RFP</a:t>
-            </a:r>
-          </a:p>
-          <a:p>
-            <a:r>
-              <a:rPr lang="en-US" sz="1000" b="0" i="0" kern="1200" dirty="0">
-                <a:solidFill>
-                  <a:schemeClr val="tx1"/>
-                </a:solidFill>
-                <a:effectLst/>
-                <a:latin typeface="+mn-lt"/>
-                <a:ea typeface="+mn-ea"/>
-                <a:cs typeface="+mn-cs"/>
-              </a:rPr>
-              <a:t>Customer Onboarding</a:t>
-            </a:r>
-          </a:p>
-          <a:p>
-            <a:r>
-              <a:rPr lang="en-US" sz="1000" b="0" i="0" kern="1200" dirty="0">
-                <a:solidFill>
-                  <a:schemeClr val="tx1"/>
-                </a:solidFill>
-                <a:effectLst/>
-                <a:latin typeface="+mn-lt"/>
-                <a:ea typeface="+mn-ea"/>
-                <a:cs typeface="+mn-cs"/>
-              </a:rPr>
-              <a:t>Accounts Receivable (for this area of strategy)</a:t>
-            </a:r>
-          </a:p>
-          <a:p>
-            <a:r>
-              <a:rPr lang="en-US" sz="1000" b="0" i="0" kern="1200" dirty="0">
-                <a:solidFill>
-                  <a:schemeClr val="tx1"/>
-                </a:solidFill>
-                <a:effectLst/>
-                <a:latin typeface="+mn-lt"/>
-                <a:ea typeface="+mn-ea"/>
-                <a:cs typeface="+mn-cs"/>
-              </a:rPr>
-              <a:t>Support </a:t>
-            </a:r>
-            <a:r>
-              <a:rPr lang="en-US" sz="1000" b="0" i="1" kern="1200" dirty="0">
-                <a:solidFill>
-                  <a:schemeClr val="tx1"/>
-                </a:solidFill>
-                <a:effectLst/>
-                <a:latin typeface="+mn-lt"/>
-                <a:ea typeface="+mn-ea"/>
-                <a:cs typeface="+mn-cs"/>
-              </a:rPr>
-              <a:t>previously part of "Developer success"</a:t>
-            </a:r>
-            <a:endParaRPr lang="en-US" sz="1000" b="0" i="0" kern="1200" dirty="0">
-              <a:solidFill>
-                <a:schemeClr val="tx1"/>
-              </a:solidFill>
-              <a:effectLst/>
-              <a:latin typeface="+mn-lt"/>
-              <a:ea typeface="+mn-ea"/>
-              <a:cs typeface="+mn-cs"/>
-            </a:endParaRPr>
-          </a:p>
-          <a:p>
-            <a:r>
-              <a:rPr lang="en-US" sz="1000" b="0" i="0" kern="1200" dirty="0">
-                <a:solidFill>
-                  <a:schemeClr val="tx1"/>
-                </a:solidFill>
-                <a:effectLst/>
-                <a:latin typeface="+mn-lt"/>
-                <a:ea typeface="+mn-ea"/>
-                <a:cs typeface="+mn-cs"/>
-              </a:rPr>
-              <a:t>Technical Account Management </a:t>
-            </a:r>
-            <a:r>
-              <a:rPr lang="en-US" sz="1000" b="0" i="1" kern="1200" dirty="0">
-                <a:solidFill>
-                  <a:schemeClr val="tx1"/>
-                </a:solidFill>
-                <a:effectLst/>
-                <a:latin typeface="+mn-lt"/>
-                <a:ea typeface="+mn-ea"/>
-                <a:cs typeface="+mn-cs"/>
-              </a:rPr>
-              <a:t>previously spread over "Account Management" and "Developer success"</a:t>
-            </a:r>
-            <a:endParaRPr lang="en-US" sz="1000" b="0" i="0" kern="1200" dirty="0">
-              <a:solidFill>
-                <a:schemeClr val="tx1"/>
-              </a:solidFill>
-              <a:effectLst/>
-              <a:latin typeface="+mn-lt"/>
-              <a:ea typeface="+mn-ea"/>
-              <a:cs typeface="+mn-cs"/>
-            </a:endParaRPr>
-          </a:p>
-          <a:p>
-            <a:r>
-              <a:rPr lang="en-US" sz="1000" b="0" i="0" kern="1200" dirty="0">
-                <a:solidFill>
-                  <a:schemeClr val="tx1"/>
-                </a:solidFill>
-                <a:effectLst/>
-                <a:latin typeface="+mn-lt"/>
-                <a:ea typeface="+mn-ea"/>
-                <a:cs typeface="+mn-cs"/>
-              </a:rPr>
-              <a:t>Professional Services Offerings</a:t>
-            </a:r>
-          </a:p>
-          <a:p>
-            <a:r>
-              <a:rPr lang="en-US" sz="1000" b="0" i="0" kern="1200" dirty="0">
-                <a:solidFill>
-                  <a:schemeClr val="tx1"/>
-                </a:solidFill>
-                <a:effectLst/>
-                <a:latin typeface="+mn-lt"/>
-                <a:ea typeface="+mn-ea"/>
-                <a:cs typeface="+mn-cs"/>
-              </a:rPr>
-              <a:t>Startup licenses</a:t>
-            </a:r>
-          </a:p>
-          <a:p>
-            <a:r>
-              <a:rPr lang="en-US" sz="1000" b="0" i="0" kern="1200" dirty="0">
-                <a:solidFill>
-                  <a:schemeClr val="tx1"/>
-                </a:solidFill>
-                <a:effectLst/>
-                <a:latin typeface="+mn-lt"/>
-                <a:ea typeface="+mn-ea"/>
-                <a:cs typeface="+mn-cs"/>
-              </a:rPr>
-              <a:t>Renewals</a:t>
-            </a:r>
-          </a:p>
-          <a:p>
-            <a:r>
-              <a:rPr lang="en-US" sz="1000" b="0" i="1" kern="1200" dirty="0">
-                <a:solidFill>
-                  <a:schemeClr val="tx1"/>
-                </a:solidFill>
-                <a:effectLst/>
-                <a:latin typeface="+mn-lt"/>
-                <a:ea typeface="+mn-ea"/>
-                <a:cs typeface="+mn-cs"/>
-              </a:rPr>
-              <a:t>(Links to high level metrics to be added.)</a:t>
-            </a:r>
-            <a:endParaRPr lang="en-US" sz="1000" b="0" i="0" kern="1200" dirty="0">
-              <a:solidFill>
-                <a:schemeClr val="tx1"/>
-              </a:solidFill>
-              <a:effectLst/>
-              <a:latin typeface="+mn-lt"/>
-              <a:ea typeface="+mn-ea"/>
-              <a:cs typeface="+mn-cs"/>
-            </a:endParaRPr>
-          </a:p>
-          <a:p>
-            <a:r>
-              <a:rPr lang="en-US" sz="1000" b="0" i="0" u="none" strike="noStrike" kern="1200" dirty="0">
-                <a:solidFill>
-                  <a:schemeClr val="tx1"/>
-                </a:solidFill>
-                <a:effectLst/>
-                <a:latin typeface="+mn-lt"/>
-                <a:ea typeface="+mn-ea"/>
-                <a:cs typeface="+mn-cs"/>
-                <a:hlinkClick r:id="rId6"/>
-              </a:rPr>
-              <a:t>Platform Development</a:t>
-            </a:r>
-            <a:endParaRPr lang="en-US" sz="1000" b="0" i="0" kern="1200" dirty="0">
-              <a:solidFill>
-                <a:schemeClr val="tx1"/>
-              </a:solidFill>
-              <a:effectLst/>
-              <a:latin typeface="+mn-lt"/>
-              <a:ea typeface="+mn-ea"/>
-              <a:cs typeface="+mn-cs"/>
-            </a:endParaRPr>
-          </a:p>
-          <a:p>
-            <a:r>
-              <a:rPr lang="en-US" sz="1000" b="0" i="0" kern="1200" dirty="0">
-                <a:solidFill>
-                  <a:schemeClr val="tx1"/>
-                </a:solidFill>
-                <a:effectLst/>
-                <a:latin typeface="+mn-lt"/>
-                <a:ea typeface="+mn-ea"/>
-                <a:cs typeface="+mn-cs"/>
-              </a:rPr>
-              <a:t>Bug triage/fixing </a:t>
-            </a:r>
-            <a:r>
-              <a:rPr lang="en-US" sz="1000" b="0" i="1" kern="1200" dirty="0">
-                <a:solidFill>
-                  <a:schemeClr val="tx1"/>
-                </a:solidFill>
-                <a:effectLst/>
-                <a:latin typeface="+mn-lt"/>
-                <a:ea typeface="+mn-ea"/>
-                <a:cs typeface="+mn-cs"/>
-              </a:rPr>
-              <a:t>previously part of "Feature Development"</a:t>
-            </a:r>
-            <a:endParaRPr lang="en-US" sz="1000" b="0" i="0" kern="1200" dirty="0">
-              <a:solidFill>
-                <a:schemeClr val="tx1"/>
-              </a:solidFill>
-              <a:effectLst/>
-              <a:latin typeface="+mn-lt"/>
-              <a:ea typeface="+mn-ea"/>
-              <a:cs typeface="+mn-cs"/>
-            </a:endParaRPr>
-          </a:p>
-          <a:p>
-            <a:r>
-              <a:rPr lang="en-US" sz="1000" b="0" i="0" kern="1200" dirty="0">
-                <a:solidFill>
-                  <a:schemeClr val="tx1"/>
-                </a:solidFill>
-                <a:effectLst/>
-                <a:latin typeface="+mn-lt"/>
-                <a:ea typeface="+mn-ea"/>
-                <a:cs typeface="+mn-cs"/>
-              </a:rPr>
-              <a:t>Features </a:t>
-            </a:r>
-            <a:r>
-              <a:rPr lang="en-US" sz="1000" b="0" i="1" kern="1200" dirty="0">
-                <a:solidFill>
-                  <a:schemeClr val="tx1"/>
-                </a:solidFill>
-                <a:effectLst/>
-                <a:latin typeface="+mn-lt"/>
-                <a:ea typeface="+mn-ea"/>
-                <a:cs typeface="+mn-cs"/>
-              </a:rPr>
-              <a:t>previously part of "Feature Development"</a:t>
-            </a:r>
-            <a:endParaRPr lang="en-US" sz="1000" b="0" i="0" kern="1200" dirty="0">
-              <a:solidFill>
-                <a:schemeClr val="tx1"/>
-              </a:solidFill>
-              <a:effectLst/>
-              <a:latin typeface="+mn-lt"/>
-              <a:ea typeface="+mn-ea"/>
-              <a:cs typeface="+mn-cs"/>
-            </a:endParaRPr>
-          </a:p>
-          <a:p>
-            <a:r>
-              <a:rPr lang="en-US" sz="1000" b="0" i="0" kern="1200" dirty="0">
-                <a:solidFill>
-                  <a:schemeClr val="tx1"/>
-                </a:solidFill>
-                <a:effectLst/>
-                <a:latin typeface="+mn-lt"/>
-                <a:ea typeface="+mn-ea"/>
-                <a:cs typeface="+mn-cs"/>
-              </a:rPr>
-              <a:t>Documentation</a:t>
-            </a:r>
-          </a:p>
-          <a:p>
-            <a:r>
-              <a:rPr lang="en-US" sz="1000" b="0" i="0" kern="1200" dirty="0">
-                <a:solidFill>
-                  <a:schemeClr val="tx1"/>
-                </a:solidFill>
-                <a:effectLst/>
-                <a:latin typeface="+mn-lt"/>
-                <a:ea typeface="+mn-ea"/>
-                <a:cs typeface="+mn-cs"/>
-              </a:rPr>
-              <a:t>Vision</a:t>
-            </a:r>
-          </a:p>
-          <a:p>
-            <a:r>
-              <a:rPr lang="en-US" sz="1000" b="0" i="0" kern="1200" dirty="0">
-                <a:solidFill>
-                  <a:schemeClr val="tx1"/>
-                </a:solidFill>
-                <a:effectLst/>
-                <a:latin typeface="+mn-lt"/>
-                <a:ea typeface="+mn-ea"/>
-                <a:cs typeface="+mn-cs"/>
-              </a:rPr>
-              <a:t>Customer Success Collaboration (for impact assessment and customer communication)</a:t>
-            </a:r>
-          </a:p>
-          <a:p>
-            <a:r>
-              <a:rPr lang="en-US" sz="1000" b="0" i="0" kern="1200" dirty="0">
-                <a:solidFill>
-                  <a:schemeClr val="tx1"/>
-                </a:solidFill>
-                <a:effectLst/>
-                <a:latin typeface="+mn-lt"/>
-                <a:ea typeface="+mn-ea"/>
-                <a:cs typeface="+mn-cs"/>
-              </a:rPr>
-              <a:t>Developer Education Collaboration (for stories)</a:t>
-            </a:r>
-          </a:p>
-          <a:p>
-            <a:r>
-              <a:rPr lang="en-US" sz="1000" b="0" i="0" kern="1200" dirty="0">
-                <a:solidFill>
-                  <a:schemeClr val="tx1"/>
-                </a:solidFill>
-                <a:effectLst/>
-                <a:latin typeface="+mn-lt"/>
-                <a:ea typeface="+mn-ea"/>
-                <a:cs typeface="+mn-cs"/>
-              </a:rPr>
-              <a:t>Accounts Payable (for this area of strategy)</a:t>
-            </a:r>
-          </a:p>
-          <a:p>
-            <a:r>
-              <a:rPr lang="en-US" sz="1000" b="0" i="1" kern="1200" dirty="0">
-                <a:solidFill>
-                  <a:schemeClr val="tx1"/>
-                </a:solidFill>
-                <a:effectLst/>
-                <a:latin typeface="+mn-lt"/>
-                <a:ea typeface="+mn-ea"/>
-                <a:cs typeface="+mn-cs"/>
-              </a:rPr>
-              <a:t>(Links to high level metrics to be added.)</a:t>
-            </a:r>
-            <a:endParaRPr lang="en-US" sz="1000" b="0" i="0" kern="1200" dirty="0">
-              <a:solidFill>
-                <a:schemeClr val="tx1"/>
-              </a:solidFill>
-              <a:effectLst/>
-              <a:latin typeface="+mn-lt"/>
-              <a:ea typeface="+mn-ea"/>
-              <a:cs typeface="+mn-cs"/>
-            </a:endParaRPr>
-          </a:p>
-          <a:p>
-            <a:r>
-              <a:rPr lang="en-US" sz="1000" b="0" i="0" u="none" strike="noStrike" kern="1200" dirty="0">
-                <a:solidFill>
-                  <a:schemeClr val="tx1"/>
-                </a:solidFill>
-                <a:effectLst/>
-                <a:latin typeface="+mn-lt"/>
-                <a:ea typeface="+mn-ea"/>
-                <a:cs typeface="+mn-cs"/>
-                <a:hlinkClick r:id="rId7"/>
-              </a:rPr>
-              <a:t>Staff Success</a:t>
-            </a:r>
-            <a:endParaRPr lang="en-US" sz="1000" b="0" i="0" kern="1200" dirty="0">
-              <a:solidFill>
-                <a:schemeClr val="tx1"/>
-              </a:solidFill>
-              <a:effectLst/>
-              <a:latin typeface="+mn-lt"/>
-              <a:ea typeface="+mn-ea"/>
-              <a:cs typeface="+mn-cs"/>
-            </a:endParaRPr>
-          </a:p>
-          <a:p>
-            <a:r>
-              <a:rPr lang="en-US" sz="1000" b="0" i="0" kern="1200" dirty="0">
-                <a:solidFill>
-                  <a:schemeClr val="tx1"/>
-                </a:solidFill>
-                <a:effectLst/>
-                <a:latin typeface="+mn-lt"/>
-                <a:ea typeface="+mn-ea"/>
-                <a:cs typeface="+mn-cs"/>
-              </a:rPr>
-              <a:t>Sourcing</a:t>
-            </a:r>
-          </a:p>
-          <a:p>
-            <a:r>
-              <a:rPr lang="en-US" sz="1000" b="0" i="0" kern="1200" dirty="0">
-                <a:solidFill>
-                  <a:schemeClr val="tx1"/>
-                </a:solidFill>
-                <a:effectLst/>
-                <a:latin typeface="+mn-lt"/>
-                <a:ea typeface="+mn-ea"/>
-                <a:cs typeface="+mn-cs"/>
-              </a:rPr>
-              <a:t>Interviewing</a:t>
-            </a:r>
-          </a:p>
-          <a:p>
-            <a:r>
-              <a:rPr lang="en-US" sz="1000" b="0" i="0" kern="1200" dirty="0">
-                <a:solidFill>
-                  <a:schemeClr val="tx1"/>
-                </a:solidFill>
-                <a:effectLst/>
-                <a:latin typeface="+mn-lt"/>
-                <a:ea typeface="+mn-ea"/>
-                <a:cs typeface="+mn-cs"/>
-              </a:rPr>
-              <a:t>Onboarding</a:t>
-            </a:r>
-          </a:p>
-          <a:p>
-            <a:r>
-              <a:rPr lang="en-US" sz="1000" b="0" i="0" kern="1200" dirty="0">
-                <a:solidFill>
-                  <a:schemeClr val="tx1"/>
-                </a:solidFill>
-                <a:effectLst/>
-                <a:latin typeface="+mn-lt"/>
-                <a:ea typeface="+mn-ea"/>
-                <a:cs typeface="+mn-cs"/>
-              </a:rPr>
-              <a:t>Company Conferences </a:t>
-            </a:r>
-            <a:r>
-              <a:rPr lang="en-US" sz="1000" b="0" i="1" kern="1200" dirty="0">
-                <a:solidFill>
-                  <a:schemeClr val="tx1"/>
-                </a:solidFill>
-                <a:effectLst/>
-                <a:latin typeface="+mn-lt"/>
-                <a:ea typeface="+mn-ea"/>
-                <a:cs typeface="+mn-cs"/>
-              </a:rPr>
-              <a:t>previously "Company Meeting" as its own process and duplicated as part of "Internal Communications"</a:t>
-            </a:r>
-            <a:endParaRPr lang="en-US" sz="1000" b="0" i="0" kern="1200" dirty="0">
-              <a:solidFill>
-                <a:schemeClr val="tx1"/>
-              </a:solidFill>
-              <a:effectLst/>
-              <a:latin typeface="+mn-lt"/>
-              <a:ea typeface="+mn-ea"/>
-              <a:cs typeface="+mn-cs"/>
-            </a:endParaRPr>
-          </a:p>
-          <a:p>
-            <a:r>
-              <a:rPr lang="en-US" sz="1000" b="0" i="0" kern="1200" dirty="0">
-                <a:solidFill>
-                  <a:schemeClr val="tx1"/>
-                </a:solidFill>
-                <a:effectLst/>
-                <a:latin typeface="+mn-lt"/>
-                <a:ea typeface="+mn-ea"/>
-                <a:cs typeface="+mn-cs"/>
-              </a:rPr>
-              <a:t>Compensation </a:t>
-            </a:r>
-            <a:r>
-              <a:rPr lang="en-US" sz="1000" b="0" i="1" kern="1200" dirty="0">
-                <a:solidFill>
-                  <a:schemeClr val="tx1"/>
-                </a:solidFill>
-                <a:effectLst/>
-                <a:latin typeface="+mn-lt"/>
-                <a:ea typeface="+mn-ea"/>
-                <a:cs typeface="+mn-cs"/>
-              </a:rPr>
-              <a:t>previously part of "Staff Rewards and Policies"</a:t>
-            </a:r>
-            <a:endParaRPr lang="en-US" sz="1000" b="0" i="0" kern="1200" dirty="0">
-              <a:solidFill>
-                <a:schemeClr val="tx1"/>
-              </a:solidFill>
-              <a:effectLst/>
-              <a:latin typeface="+mn-lt"/>
-              <a:ea typeface="+mn-ea"/>
-              <a:cs typeface="+mn-cs"/>
-            </a:endParaRPr>
-          </a:p>
-          <a:p>
-            <a:r>
-              <a:rPr lang="en-US" sz="1000" b="0" i="0" kern="1200" dirty="0">
-                <a:solidFill>
-                  <a:schemeClr val="tx1"/>
-                </a:solidFill>
-                <a:effectLst/>
-                <a:latin typeface="+mn-lt"/>
-                <a:ea typeface="+mn-ea"/>
-                <a:cs typeface="+mn-cs"/>
-              </a:rPr>
-              <a:t>Benefits and Policies </a:t>
-            </a:r>
-            <a:r>
-              <a:rPr lang="en-US" sz="1000" b="0" i="1" kern="1200" dirty="0">
-                <a:solidFill>
-                  <a:schemeClr val="tx1"/>
-                </a:solidFill>
-                <a:effectLst/>
-                <a:latin typeface="+mn-lt"/>
-                <a:ea typeface="+mn-ea"/>
-                <a:cs typeface="+mn-cs"/>
-              </a:rPr>
-              <a:t>previously part of "Staff Rewards and Policies"</a:t>
-            </a:r>
-            <a:endParaRPr lang="en-US" sz="1000" b="0" i="0" kern="1200" dirty="0">
-              <a:solidFill>
-                <a:schemeClr val="tx1"/>
-              </a:solidFill>
-              <a:effectLst/>
-              <a:latin typeface="+mn-lt"/>
-              <a:ea typeface="+mn-ea"/>
-              <a:cs typeface="+mn-cs"/>
-            </a:endParaRPr>
-          </a:p>
-          <a:p>
-            <a:r>
-              <a:rPr lang="en-US" sz="1000" b="0" i="0" kern="1200" dirty="0">
-                <a:solidFill>
-                  <a:schemeClr val="tx1"/>
-                </a:solidFill>
-                <a:effectLst/>
-                <a:latin typeface="+mn-lt"/>
-                <a:ea typeface="+mn-ea"/>
-                <a:cs typeface="+mn-cs"/>
-              </a:rPr>
-              <a:t>Career Development </a:t>
-            </a:r>
-            <a:r>
-              <a:rPr lang="en-US" sz="1000" b="0" i="1" kern="1200" dirty="0">
-                <a:solidFill>
-                  <a:schemeClr val="tx1"/>
-                </a:solidFill>
-                <a:effectLst/>
-                <a:latin typeface="+mn-lt"/>
-                <a:ea typeface="+mn-ea"/>
-                <a:cs typeface="+mn-cs"/>
-              </a:rPr>
-              <a:t>previously "Coaching and Development"</a:t>
-            </a:r>
-            <a:endParaRPr lang="en-US" sz="1000" b="0" i="0" kern="1200" dirty="0">
-              <a:solidFill>
-                <a:schemeClr val="tx1"/>
-              </a:solidFill>
-              <a:effectLst/>
-              <a:latin typeface="+mn-lt"/>
-              <a:ea typeface="+mn-ea"/>
-              <a:cs typeface="+mn-cs"/>
-            </a:endParaRPr>
-          </a:p>
-          <a:p>
-            <a:r>
-              <a:rPr lang="en-US" sz="1000" b="0" i="0" kern="1200" dirty="0">
-                <a:solidFill>
-                  <a:schemeClr val="tx1"/>
-                </a:solidFill>
-                <a:effectLst/>
-                <a:latin typeface="+mn-lt"/>
-                <a:ea typeface="+mn-ea"/>
-                <a:cs typeface="+mn-cs"/>
-              </a:rPr>
-              <a:t>Payroll</a:t>
-            </a:r>
-          </a:p>
-          <a:p>
-            <a:r>
-              <a:rPr lang="en-US" sz="1000" b="0" i="0" kern="1200" dirty="0">
-                <a:solidFill>
-                  <a:schemeClr val="tx1"/>
-                </a:solidFill>
-                <a:effectLst/>
-                <a:latin typeface="+mn-lt"/>
-                <a:ea typeface="+mn-ea"/>
-                <a:cs typeface="+mn-cs"/>
-              </a:rPr>
-              <a:t>Accounts Payable (for this area of strategy)</a:t>
-            </a:r>
-          </a:p>
-          <a:p>
-            <a:endParaRPr lang="en-US" sz="1000" b="0" baseline="0" dirty="0">
-              <a:latin typeface="+mn-lt"/>
-            </a:endParaRPr>
-          </a:p>
         </p:txBody>
       </p:sp>
       <p:sp>
@@ -15173,7 +14256,100 @@
           <a:bodyPr/>
           <a:lstStyle/>
           <a:p>
-            <a:endParaRPr lang="en-US" dirty="0"/>
+            <a:pPr marL="171450" indent="-171450">
+              <a:buFont typeface="Arial" panose="020B0604020202020204" pitchFamily="34" charset="0"/>
+              <a:buChar char="•"/>
+            </a:pPr>
+            <a:r>
+              <a:rPr lang="en-US" sz="1200" b="0" i="0" kern="1200" dirty="0">
+                <a:solidFill>
+                  <a:schemeClr val="tx1"/>
+                </a:solidFill>
+                <a:effectLst/>
+                <a:latin typeface="+mn-lt"/>
+                <a:ea typeface="+mn-ea"/>
+                <a:cs typeface="+mn-cs"/>
+              </a:rPr>
+              <a:t>Do we have a sufficiently broad set of disciplines involved to understand all of the ramifications of the decision being discussed?</a:t>
+            </a:r>
+          </a:p>
+          <a:p>
+            <a:pPr marL="171450" indent="-171450">
+              <a:buFont typeface="Arial" panose="020B0604020202020204" pitchFamily="34" charset="0"/>
+              <a:buChar char="•"/>
+            </a:pPr>
+            <a:r>
+              <a:rPr lang="en-US" sz="1200" b="0" i="0" kern="1200" dirty="0">
+                <a:solidFill>
+                  <a:schemeClr val="tx1"/>
+                </a:solidFill>
+                <a:effectLst/>
+                <a:latin typeface="+mn-lt"/>
+                <a:ea typeface="+mn-ea"/>
+                <a:cs typeface="+mn-cs"/>
+              </a:rPr>
+              <a:t>Do we have people with sufficient depth of expertise to help quantify risk?</a:t>
+            </a:r>
+          </a:p>
+          <a:p>
+            <a:pPr marL="171450" indent="-171450">
+              <a:buFont typeface="Arial" panose="020B0604020202020204" pitchFamily="34" charset="0"/>
+              <a:buChar char="•"/>
+            </a:pPr>
+            <a:r>
+              <a:rPr lang="en-US" sz="1200" b="0" i="0" kern="1200" dirty="0">
+                <a:solidFill>
+                  <a:schemeClr val="tx1"/>
+                </a:solidFill>
+                <a:effectLst/>
+                <a:latin typeface="+mn-lt"/>
+                <a:ea typeface="+mn-ea"/>
+                <a:cs typeface="+mn-cs"/>
+              </a:rPr>
+              <a:t>Does the issue related to this decision affect other strategies? (collaboration)</a:t>
+            </a:r>
+          </a:p>
+          <a:p>
+            <a:pPr marL="171450" indent="-171450">
+              <a:buFont typeface="Arial" panose="020B0604020202020204" pitchFamily="34" charset="0"/>
+              <a:buChar char="•"/>
+            </a:pPr>
+            <a:r>
+              <a:rPr lang="en-US" sz="1200" b="0" i="0" kern="1200" dirty="0">
+                <a:solidFill>
+                  <a:schemeClr val="tx1"/>
+                </a:solidFill>
+                <a:effectLst/>
+                <a:latin typeface="+mn-lt"/>
+                <a:ea typeface="+mn-ea"/>
+                <a:cs typeface="+mn-cs"/>
+              </a:rPr>
+              <a:t>Have we chosen the </a:t>
+            </a:r>
+            <a:r>
+              <a:rPr lang="en-US" sz="1200" b="1" i="0" kern="1200" dirty="0">
+                <a:solidFill>
+                  <a:schemeClr val="tx1"/>
+                </a:solidFill>
+                <a:effectLst/>
+                <a:latin typeface="+mn-lt"/>
+                <a:ea typeface="+mn-ea"/>
+                <a:cs typeface="+mn-cs"/>
+              </a:rPr>
+              <a:t>one person</a:t>
+            </a:r>
+            <a:r>
+              <a:rPr lang="en-US" sz="1200" b="0" i="0" kern="1200" dirty="0">
+                <a:solidFill>
+                  <a:schemeClr val="tx1"/>
+                </a:solidFill>
+                <a:effectLst/>
+                <a:latin typeface="+mn-lt"/>
+                <a:ea typeface="+mn-ea"/>
+                <a:cs typeface="+mn-cs"/>
+              </a:rPr>
+              <a:t> accountable for the decision?</a:t>
+            </a:r>
           </a:p>
         </p:txBody>
       </p:sp>
@@ -15203,7 +14379,7 @@
     </p:spTree>
     <p:extLst>
       <p:ext uri="{BB962C8B-B14F-4D97-AF65-F5344CB8AC3E}">
-        <p14:creationId xmlns:p14="http://schemas.microsoft.com/office/powerpoint/2010/main" val="1948337822"/>
+        <p14:creationId xmlns:p14="http://schemas.microsoft.com/office/powerpoint/2010/main" val="3232963533"/>
       </p:ext>
     </p:extLst>
   </p:cSld>
@@ -15257,7 +14433,74 @@
           <a:bodyPr/>
           <a:lstStyle/>
           <a:p>
-            <a:endParaRPr lang="de-CH" dirty="0"/>
+            <a:r>
+              <a:rPr lang="en-US" sz="1200" b="0" i="0" kern="1200" dirty="0">
+                <a:solidFill>
+                  <a:schemeClr val="tx1"/>
+                </a:solidFill>
+                <a:effectLst/>
+                <a:latin typeface="+mn-lt"/>
+                <a:ea typeface="+mn-ea"/>
+                <a:cs typeface="+mn-cs"/>
+              </a:rPr>
+              <a:t>Is now the right time to make this decision?</a:t>
+            </a:r>
+          </a:p>
+          <a:p>
+            <a:r>
+              <a:rPr lang="en-US" sz="1200" b="0" i="0" kern="1200" dirty="0">
+                <a:solidFill>
+                  <a:schemeClr val="tx1"/>
+                </a:solidFill>
+                <a:effectLst/>
+                <a:latin typeface="+mn-lt"/>
+                <a:ea typeface="+mn-ea"/>
+                <a:cs typeface="+mn-cs"/>
+              </a:rPr>
+              <a:t>What is the "last responsible moment" for deciding?</a:t>
+            </a:r>
+          </a:p>
+          <a:p>
+            <a:r>
+              <a:rPr lang="en-US" sz="1200" b="0" i="0" kern="1200" dirty="0">
+                <a:solidFill>
+                  <a:schemeClr val="tx1"/>
+                </a:solidFill>
+                <a:effectLst/>
+                <a:latin typeface="+mn-lt"/>
+                <a:ea typeface="+mn-ea"/>
+                <a:cs typeface="+mn-cs"/>
+              </a:rPr>
+              <a:t>Has that moment already passed?</a:t>
+            </a:r>
+          </a:p>
+          <a:p>
+            <a:r>
+              <a:rPr lang="en-US" sz="1200" b="0" i="0" kern="1200" dirty="0">
+                <a:solidFill>
+                  <a:schemeClr val="tx1"/>
+                </a:solidFill>
+                <a:effectLst/>
+                <a:latin typeface="+mn-lt"/>
+                <a:ea typeface="+mn-ea"/>
+                <a:cs typeface="+mn-cs"/>
+              </a:rPr>
+              <a:t>Should we start taking action even though we're unsure what is the best approach?</a:t>
+            </a:r>
+          </a:p>
+          <a:p>
+            <a:r>
+              <a:rPr lang="en-US" sz="1200" b="0" i="0" kern="1200" dirty="0">
+                <a:solidFill>
+                  <a:schemeClr val="tx1"/>
+                </a:solidFill>
+                <a:effectLst/>
+                <a:latin typeface="+mn-lt"/>
+                <a:ea typeface="+mn-ea"/>
+                <a:cs typeface="+mn-cs"/>
+              </a:rPr>
+              <a:t>Has the issue related to the decision reached a state where the Task force should set a time line for the decision?</a:t>
+            </a:r>
           </a:p>
         </p:txBody>
       </p:sp>
@@ -15287,7 +14530,7 @@
     </p:spTree>
     <p:extLst>
       <p:ext uri="{BB962C8B-B14F-4D97-AF65-F5344CB8AC3E}">
-        <p14:creationId xmlns:p14="http://schemas.microsoft.com/office/powerpoint/2010/main" val="788795983"/>
+        <p14:creationId xmlns:p14="http://schemas.microsoft.com/office/powerpoint/2010/main" val="2030899372"/>
       </p:ext>
     </p:extLst>
   </p:cSld>
@@ -15341,7 +14584,60 @@
           <a:bodyPr/>
           <a:lstStyle/>
           <a:p>
-            <a:endParaRPr lang="en-US" baseline="0" dirty="0"/>
+            <a:r>
+              <a:rPr lang="en-US" sz="1200" b="0" i="0" kern="1200" dirty="0">
+                <a:solidFill>
+                  <a:schemeClr val="tx1"/>
+                </a:solidFill>
+                <a:effectLst/>
+                <a:latin typeface="+mn-lt"/>
+                <a:ea typeface="+mn-ea"/>
+                <a:cs typeface="+mn-cs"/>
+              </a:rPr>
+              <a:t>What assumptions do we assume are true?</a:t>
+            </a:r>
+          </a:p>
+          <a:p>
+            <a:r>
+              <a:rPr lang="en-US" sz="1200" b="0" i="0" kern="1200" dirty="0">
+                <a:solidFill>
+                  <a:schemeClr val="tx1"/>
+                </a:solidFill>
+                <a:effectLst/>
+                <a:latin typeface="+mn-lt"/>
+                <a:ea typeface="+mn-ea"/>
+                <a:cs typeface="+mn-cs"/>
+              </a:rPr>
+              <a:t>What data do we have supporting those assumptions?</a:t>
+            </a:r>
+          </a:p>
+          <a:p>
+            <a:r>
+              <a:rPr lang="en-US" sz="1200" b="0" i="0" kern="1200" dirty="0">
+                <a:solidFill>
+                  <a:schemeClr val="tx1"/>
+                </a:solidFill>
+                <a:effectLst/>
+                <a:latin typeface="+mn-lt"/>
+                <a:ea typeface="+mn-ea"/>
+                <a:cs typeface="+mn-cs"/>
+              </a:rPr>
+              <a:t>What if our assumptions turn out to be false?</a:t>
+            </a:r>
+          </a:p>
+          <a:p>
+            <a:r>
+              <a:rPr lang="en-US" sz="1200" b="0" i="0" kern="1200" dirty="0">
+                <a:solidFill>
+                  <a:schemeClr val="tx1"/>
+                </a:solidFill>
+                <a:effectLst/>
+                <a:latin typeface="+mn-lt"/>
+                <a:ea typeface="+mn-ea"/>
+                <a:cs typeface="+mn-cs"/>
+              </a:rPr>
+              <a:t>What preventative measures can we take?</a:t>
+            </a:r>
           </a:p>
         </p:txBody>
       </p:sp>
@@ -15371,7 +14667,7 @@
     </p:spTree>
     <p:extLst>
       <p:ext uri="{BB962C8B-B14F-4D97-AF65-F5344CB8AC3E}">
-        <p14:creationId xmlns:p14="http://schemas.microsoft.com/office/powerpoint/2010/main" val="1904698659"/>
+        <p14:creationId xmlns:p14="http://schemas.microsoft.com/office/powerpoint/2010/main" val="196040851"/>
       </p:ext>
     </p:extLst>
   </p:cSld>
@@ -15426,32 +14722,130 @@
           <a:lstStyle/>
           <a:p>
             <a:r>
-              <a:rPr lang="en-US" dirty="0"/>
-              <a:t>You have to be active, you spend energy, you have to be</a:t>
-            </a:r>
-            <a:r>
-              <a:rPr lang="en-US" baseline="0" dirty="0"/>
-              <a:t> motivated and embrace the challenge</a:t>
-            </a:r>
-          </a:p>
-          <a:p>
-            <a:r>
-              <a:rPr lang="en-US" baseline="0" dirty="0"/>
-              <a:t>Help others, the big picture counts</a:t>
-            </a:r>
+              <a:rPr lang="en-US" sz="1200" b="0" i="0" kern="1200" dirty="0">
+                <a:solidFill>
+                  <a:schemeClr val="tx1"/>
+                </a:solidFill>
+                <a:effectLst/>
+                <a:latin typeface="+mn-lt"/>
+                <a:ea typeface="+mn-ea"/>
+                <a:cs typeface="+mn-cs"/>
+              </a:rPr>
+              <a:t>Important from</a:t>
+            </a:r>
+            <a:r>
+              <a:rPr lang="en-US" sz="1200" b="0" i="0" kern="1200" baseline="0" dirty="0">
+                <a:solidFill>
+                  <a:schemeClr val="tx1"/>
+                </a:solidFill>
+                <a:effectLst/>
+                <a:latin typeface="+mn-lt"/>
+                <a:ea typeface="+mn-ea"/>
+                <a:cs typeface="+mn-cs"/>
+              </a:rPr>
+              <a:t> a TF perspective, not for the </a:t>
+            </a:r>
+            <a:r>
+              <a:rPr lang="en-US" sz="1200" b="0" i="0" kern="1200" baseline="0">
+                <a:solidFill>
+                  <a:schemeClr val="tx1"/>
+                </a:solidFill>
+                <a:effectLst/>
+                <a:latin typeface="+mn-lt"/>
+                <a:ea typeface="+mn-ea"/>
+                <a:cs typeface="+mn-cs"/>
+              </a:rPr>
+              <a:t>whole company</a:t>
+            </a:r>
+            <a:endParaRPr lang="en-US" sz="1200" b="0" i="0" kern="1200" dirty="0">
+              <a:solidFill>
+                <a:schemeClr val="tx1"/>
+              </a:solidFill>
+              <a:effectLst/>
+              <a:latin typeface="+mn-lt"/>
+              <a:ea typeface="+mn-ea"/>
+              <a:cs typeface="+mn-cs"/>
+            </a:endParaRPr>
+          </a:p>
+          <a:p>
+            <a:endParaRPr lang="en-US" sz="1200" b="0" i="0" kern="1200" dirty="0">
+              <a:solidFill>
+                <a:schemeClr val="tx1"/>
+              </a:solidFill>
+              <a:effectLst/>
+              <a:latin typeface="+mn-lt"/>
+              <a:ea typeface="+mn-ea"/>
+              <a:cs typeface="+mn-cs"/>
+            </a:endParaRPr>
+          </a:p>
+          <a:p>
+            <a:r>
+              <a:rPr lang="en-US" sz="1200" b="0" i="0" kern="1200" dirty="0">
+                <a:solidFill>
+                  <a:schemeClr val="tx1"/>
+                </a:solidFill>
+                <a:effectLst/>
+                <a:latin typeface="+mn-lt"/>
+                <a:ea typeface="+mn-ea"/>
+                <a:cs typeface="+mn-cs"/>
+              </a:rPr>
+              <a:t>Sometimes people in the group can't seem to agree on a course of action.</a:t>
+            </a:r>
+          </a:p>
+          <a:p>
+            <a:r>
+              <a:rPr lang="en-US" sz="1200" b="0" i="0" kern="1200" dirty="0">
+                <a:solidFill>
+                  <a:schemeClr val="tx1"/>
+                </a:solidFill>
+                <a:effectLst/>
+                <a:latin typeface="+mn-lt"/>
+                <a:ea typeface="+mn-ea"/>
+                <a:cs typeface="+mn-cs"/>
+              </a:rPr>
+              <a:t>When that occurs, it's likely that the difference in opinion is </a:t>
+            </a:r>
+            <a:r>
+              <a:rPr lang="en-US" sz="1200" b="0" i="1" kern="1200" dirty="0">
+                <a:solidFill>
+                  <a:schemeClr val="tx1"/>
+                </a:solidFill>
+                <a:effectLst/>
+                <a:latin typeface="+mn-lt"/>
+                <a:ea typeface="+mn-ea"/>
+                <a:cs typeface="+mn-cs"/>
+              </a:rPr>
+              <a:t>not</a:t>
+            </a:r>
+            <a:r>
+              <a:rPr lang="en-US" sz="1200" b="0" i="0" kern="1200" dirty="0">
+                <a:solidFill>
+                  <a:schemeClr val="tx1"/>
+                </a:solidFill>
+                <a:effectLst/>
+                <a:latin typeface="+mn-lt"/>
+                <a:ea typeface="+mn-ea"/>
+                <a:cs typeface="+mn-cs"/>
+              </a:rPr>
+              <a:t> actually about the proposed solution but rather about which properties of the problem we're trying to optimize for.</a:t>
+            </a:r>
+          </a:p>
+          <a:p>
+            <a:r>
+              <a:rPr lang="en-US" sz="1200" b="0" i="0" kern="1200" dirty="0">
+                <a:solidFill>
+                  <a:schemeClr val="tx1"/>
+                </a:solidFill>
+                <a:effectLst/>
+                <a:latin typeface="+mn-lt"/>
+                <a:ea typeface="+mn-ea"/>
+                <a:cs typeface="+mn-cs"/>
+              </a:rPr>
+              <a:t>In these cases, stop the discussion and pull in the necessary people to clarify the relative priority of those properties - for example, time to market vs. maintainability.</a:t>
+            </a:r>
+          </a:p>
+          <a:p>
             <a:endParaRPr lang="en-US" dirty="0"/>
-          </a:p>
-          <a:p>
-            <a:r>
-              <a:rPr lang="en-US" dirty="0"/>
-              <a:t>Nobody makes the decision for you, you have to be part of the decision</a:t>
-            </a:r>
-          </a:p>
-          <a:p>
-            <a:r>
-              <a:rPr lang="en-US" baseline="0" dirty="0"/>
-              <a:t>No boss will tell you what to do and why</a:t>
-            </a:r>
           </a:p>
         </p:txBody>
       </p:sp>
@@ -15481,7 +14875,7 @@
     </p:spTree>
     <p:extLst>
       <p:ext uri="{BB962C8B-B14F-4D97-AF65-F5344CB8AC3E}">
-        <p14:creationId xmlns:p14="http://schemas.microsoft.com/office/powerpoint/2010/main" val="3403284476"/>
+        <p14:creationId xmlns:p14="http://schemas.microsoft.com/office/powerpoint/2010/main" val="1970981156"/>
       </p:ext>
     </p:extLst>
   </p:cSld>
@@ -15535,10 +14929,6 @@
           <a:bodyPr/>
           <a:lstStyle/>
           <a:p>
-            <a:r>
-              <a:rPr lang="en-US" baseline="0" dirty="0"/>
-              <a:t>There is no “I’m the Rockstar that’s why I get promoted”</a:t>
-            </a:r>
             <a:endParaRPr lang="en-US" dirty="0"/>
           </a:p>
         </p:txBody>
@@ -15560,7 +14950,7 @@
           <a:p>
             <a:fld id="{9BCA07FD-5BD5-4529-84B0-48DD2C561176}" type="slidenum">
               <a:rPr lang="de-CH" smtClean="0"/>
-              <a:t>47</a:t>
+              <a:t>48</a:t>
             </a:fld>
             <a:endParaRPr lang="de-CH"/>
           </a:p>
@@ -15569,7 +14959,7 @@
     </p:spTree>
     <p:extLst>
       <p:ext uri="{BB962C8B-B14F-4D97-AF65-F5344CB8AC3E}">
-        <p14:creationId xmlns:p14="http://schemas.microsoft.com/office/powerpoint/2010/main" val="499462367"/>
+        <p14:creationId xmlns:p14="http://schemas.microsoft.com/office/powerpoint/2010/main" val="1948337822"/>
       </p:ext>
     </p:extLst>
   </p:cSld>
@@ -15623,32 +15013,7 @@
           <a:bodyPr/>
           <a:lstStyle/>
           <a:p>
-            <a:pPr marL="0" marR="0" lvl="0" indent="0" algn="l" defTabSz="914400" rtl="0" eaLnBrk="1" fontAlgn="auto" latinLnBrk="0" hangingPunct="1">
-              <a:lnSpc>
-                <a:spcPct val="100000"/>
-              </a:lnSpc>
-              <a:spcBef>
-                <a:spcPts val="0"/>
-              </a:spcBef>
-              <a:spcAft>
-                <a:spcPts val="0"/>
-              </a:spcAft>
-              <a:buClrTx/>
-              <a:buSzTx/>
-              <a:buFontTx/>
-              <a:buNone/>
-              <a:tabLst/>
-              <a:defRPr/>
-            </a:pPr>
-            <a:r>
-              <a:rPr lang="en-US" baseline="0" dirty="0"/>
-              <a:t>Written communication is freaking hard and there can be a lot of </a:t>
-            </a:r>
-            <a:r>
-              <a:rPr lang="en-US" baseline="0" dirty="0" err="1"/>
-              <a:t>missunderstanding</a:t>
-            </a:r>
-            <a:endParaRPr lang="en-US" baseline="0" dirty="0"/>
+            <a:endParaRPr lang="de-CH" dirty="0"/>
           </a:p>
         </p:txBody>
       </p:sp>
@@ -15669,7 +15034,7 @@
           <a:p>
             <a:fld id="{9BCA07FD-5BD5-4529-84B0-48DD2C561176}" type="slidenum">
               <a:rPr lang="de-CH" smtClean="0"/>
-              <a:t>48</a:t>
+              <a:t>49</a:t>
             </a:fld>
             <a:endParaRPr lang="de-CH"/>
           </a:p>
@@ -15678,7 +15043,7 @@
     </p:spTree>
     <p:extLst>
       <p:ext uri="{BB962C8B-B14F-4D97-AF65-F5344CB8AC3E}">
-        <p14:creationId xmlns:p14="http://schemas.microsoft.com/office/powerpoint/2010/main" val="491088145"/>
+        <p14:creationId xmlns:p14="http://schemas.microsoft.com/office/powerpoint/2010/main" val="788795983"/>
       </p:ext>
     </p:extLst>
   </p:cSld>
@@ -15732,10 +15097,7 @@
           <a:bodyPr/>
           <a:lstStyle/>
           <a:p>
-            <a:r>
-              <a:rPr lang="en-US" baseline="0" dirty="0"/>
-              <a:t>Personal, organizational and process change is never over. This can be tiring</a:t>
-            </a:r>
+            <a:endParaRPr lang="en-US" baseline="0" dirty="0"/>
           </a:p>
         </p:txBody>
       </p:sp>
@@ -15756,7 +15118,7 @@
           <a:p>
             <a:fld id="{9BCA07FD-5BD5-4529-84B0-48DD2C561176}" type="slidenum">
               <a:rPr lang="de-CH" smtClean="0"/>
-              <a:t>49</a:t>
+              <a:t>50</a:t>
             </a:fld>
             <a:endParaRPr lang="de-CH"/>
           </a:p>
@@ -15765,7 +15127,7 @@
     </p:spTree>
     <p:extLst>
       <p:ext uri="{BB962C8B-B14F-4D97-AF65-F5344CB8AC3E}">
-        <p14:creationId xmlns:p14="http://schemas.microsoft.com/office/powerpoint/2010/main" val="1178241461"/>
+        <p14:creationId xmlns:p14="http://schemas.microsoft.com/office/powerpoint/2010/main" val="1904698659"/>
       </p:ext>
     </p:extLst>
   </p:cSld>
@@ -15819,7 +15181,33 @@
           <a:bodyPr/>
           <a:lstStyle/>
           <a:p>
+            <a:r>
+              <a:rPr lang="en-US" dirty="0"/>
+              <a:t>You have to be active, you spend energy, you have to be</a:t>
+            </a:r>
+            <a:r>
+              <a:rPr lang="en-US" baseline="0" dirty="0"/>
+              <a:t> motivated and embrace the challenge</a:t>
+            </a:r>
+          </a:p>
+          <a:p>
+            <a:r>
+              <a:rPr lang="en-US" baseline="0" dirty="0"/>
+              <a:t>Help others, the big picture counts</a:t>
+            </a:r>
             <a:endParaRPr lang="en-US" dirty="0"/>
+          </a:p>
+          <a:p>
+            <a:r>
+              <a:rPr lang="en-US" dirty="0"/>
+              <a:t>Nobody makes the decision for you, you have to be part of the decision</a:t>
+            </a:r>
+          </a:p>
+          <a:p>
+            <a:r>
+              <a:rPr lang="en-US" baseline="0" dirty="0"/>
+              <a:t>No boss will tell you what to do and why</a:t>
+            </a:r>
           </a:p>
         </p:txBody>
       </p:sp>
@@ -15840,7 +15228,7 @@
           <a:p>
             <a:fld id="{9BCA07FD-5BD5-4529-84B0-48DD2C561176}" type="slidenum">
               <a:rPr lang="de-CH" smtClean="0"/>
-              <a:t>50</a:t>
+              <a:t>51</a:t>
             </a:fld>
             <a:endParaRPr lang="de-CH"/>
           </a:p>
@@ -15849,7 +15237,7 @@
     </p:spTree>
     <p:extLst>
       <p:ext uri="{BB962C8B-B14F-4D97-AF65-F5344CB8AC3E}">
-        <p14:creationId xmlns:p14="http://schemas.microsoft.com/office/powerpoint/2010/main" val="397760451"/>
+        <p14:creationId xmlns:p14="http://schemas.microsoft.com/office/powerpoint/2010/main" val="3403284476"/>
       </p:ext>
     </p:extLst>
   </p:cSld>
@@ -15903,6 +15291,10 @@
           <a:bodyPr/>
           <a:lstStyle/>
           <a:p>
+            <a:r>
+              <a:rPr lang="en-US" baseline="0" dirty="0"/>
+              <a:t>There is no “I’m the Rockstar that’s why I get promoted”</a:t>
+            </a:r>
             <a:endParaRPr lang="en-US" dirty="0"/>
           </a:p>
         </p:txBody>
@@ -15924,7 +15316,7 @@
           <a:p>
             <a:fld id="{9BCA07FD-5BD5-4529-84B0-48DD2C561176}" type="slidenum">
               <a:rPr lang="de-CH" smtClean="0"/>
-              <a:t>51</a:t>
+              <a:t>52</a:t>
             </a:fld>
             <a:endParaRPr lang="de-CH"/>
           </a:p>
@@ -15933,7 +15325,7 @@
     </p:spTree>
     <p:extLst>
       <p:ext uri="{BB962C8B-B14F-4D97-AF65-F5344CB8AC3E}">
-        <p14:creationId xmlns:p14="http://schemas.microsoft.com/office/powerpoint/2010/main" val="956262743"/>
+        <p14:creationId xmlns:p14="http://schemas.microsoft.com/office/powerpoint/2010/main" val="499462367"/>
       </p:ext>
     </p:extLst>
   </p:cSld>
@@ -15987,7 +15379,32 @@
           <a:bodyPr/>
           <a:lstStyle/>
           <a:p>
-            <a:endParaRPr lang="de-CH" dirty="0"/>
+            <a:pPr marL="0" marR="0" lvl="0" indent="0" algn="l" defTabSz="914400" rtl="0" eaLnBrk="1" fontAlgn="auto" latinLnBrk="0" hangingPunct="1">
+              <a:lnSpc>
+                <a:spcPct val="100000"/>
+              </a:lnSpc>
+              <a:spcBef>
+                <a:spcPts val="0"/>
+              </a:spcBef>
+              <a:spcAft>
+                <a:spcPts val="0"/>
+              </a:spcAft>
+              <a:buClrTx/>
+              <a:buSzTx/>
+              <a:buFontTx/>
+              <a:buNone/>
+              <a:tabLst/>
+              <a:defRPr/>
+            </a:pPr>
+            <a:r>
+              <a:rPr lang="en-US" baseline="0" dirty="0"/>
+              <a:t>Written communication is freaking hard and there can be a lot of </a:t>
+            </a:r>
+            <a:r>
+              <a:rPr lang="en-US" baseline="0" dirty="0" err="1"/>
+              <a:t>missunderstanding</a:t>
+            </a:r>
+            <a:endParaRPr lang="en-US" baseline="0" dirty="0"/>
           </a:p>
         </p:txBody>
       </p:sp>
@@ -16008,7 +15425,7 @@
           <a:p>
             <a:fld id="{9BCA07FD-5BD5-4529-84B0-48DD2C561176}" type="slidenum">
               <a:rPr lang="de-CH" smtClean="0"/>
-              <a:t>52</a:t>
+              <a:t>53</a:t>
             </a:fld>
             <a:endParaRPr lang="de-CH"/>
           </a:p>
@@ -16017,7 +15434,7 @@
     </p:spTree>
     <p:extLst>
       <p:ext uri="{BB962C8B-B14F-4D97-AF65-F5344CB8AC3E}">
-        <p14:creationId xmlns:p14="http://schemas.microsoft.com/office/powerpoint/2010/main" val="219618875"/>
+        <p14:creationId xmlns:p14="http://schemas.microsoft.com/office/powerpoint/2010/main" val="491088145"/>
       </p:ext>
     </p:extLst>
   </p:cSld>
@@ -16164,10 +15581,9 @@
           <a:lstStyle/>
           <a:p>
             <a:r>
-              <a:rPr lang="en-US" dirty="0"/>
-              <a:t>Questions that can be answered in blog posts</a:t>
-            </a:r>
-            <a:endParaRPr lang="de-CH" dirty="0"/>
+              <a:rPr lang="en-US" baseline="0" dirty="0"/>
+              <a:t>Personal, organizational and process change is never over. This can be tiring</a:t>
+            </a:r>
           </a:p>
         </p:txBody>
       </p:sp>
@@ -16188,7 +15604,7 @@
           <a:p>
             <a:fld id="{9BCA07FD-5BD5-4529-84B0-48DD2C561176}" type="slidenum">
               <a:rPr lang="de-CH" smtClean="0"/>
-              <a:t>53</a:t>
+              <a:t>54</a:t>
             </a:fld>
             <a:endParaRPr lang="de-CH"/>
           </a:p>
@@ -16197,7 +15613,7 @@
     </p:spTree>
     <p:extLst>
       <p:ext uri="{BB962C8B-B14F-4D97-AF65-F5344CB8AC3E}">
-        <p14:creationId xmlns:p14="http://schemas.microsoft.com/office/powerpoint/2010/main" val="3670487613"/>
+        <p14:creationId xmlns:p14="http://schemas.microsoft.com/office/powerpoint/2010/main" val="1178241461"/>
       </p:ext>
     </p:extLst>
   </p:cSld>
@@ -16251,7 +15667,7 @@
           <a:bodyPr/>
           <a:lstStyle/>
           <a:p>
-            <a:endParaRPr lang="de-CH" dirty="0"/>
+            <a:endParaRPr lang="en-US" dirty="0"/>
           </a:p>
         </p:txBody>
       </p:sp>
@@ -16272,7 +15688,7 @@
           <a:p>
             <a:fld id="{9BCA07FD-5BD5-4529-84B0-48DD2C561176}" type="slidenum">
               <a:rPr lang="de-CH" smtClean="0"/>
-              <a:t>54</a:t>
+              <a:t>55</a:t>
             </a:fld>
             <a:endParaRPr lang="de-CH"/>
           </a:p>
@@ -16281,7 +15697,7 @@
     </p:spTree>
     <p:extLst>
       <p:ext uri="{BB962C8B-B14F-4D97-AF65-F5344CB8AC3E}">
-        <p14:creationId xmlns:p14="http://schemas.microsoft.com/office/powerpoint/2010/main" val="978782014"/>
+        <p14:creationId xmlns:p14="http://schemas.microsoft.com/office/powerpoint/2010/main" val="397760451"/>
       </p:ext>
     </p:extLst>
   </p:cSld>
@@ -16335,15 +15751,7 @@
           <a:bodyPr/>
           <a:lstStyle/>
           <a:p>
-            <a:r>
-              <a:rPr lang="de-CH" dirty="0"/>
-              <a:t>Thank you very much</a:t>
-            </a:r>
-            <a:r>
-              <a:rPr lang="de-CH" baseline="0" dirty="0"/>
-              <a:t> for listening and see you next time</a:t>
-            </a:r>
-            <a:endParaRPr lang="de-CH" dirty="0"/>
+            <a:endParaRPr lang="en-US" dirty="0"/>
           </a:p>
         </p:txBody>
       </p:sp>
@@ -16364,7 +15772,355 @@
           <a:p>
             <a:fld id="{9BCA07FD-5BD5-4529-84B0-48DD2C561176}" type="slidenum">
               <a:rPr lang="de-CH" smtClean="0"/>
-              <a:t>55</a:t>
+              <a:t>56</a:t>
+            </a:fld>
+            <a:endParaRPr lang="de-CH"/>
+          </a:p>
+        </p:txBody>
+      </p:sp>
+    </p:spTree>
+    <p:extLst>
+      <p:ext uri="{BB962C8B-B14F-4D97-AF65-F5344CB8AC3E}">
+        <p14:creationId xmlns:p14="http://schemas.microsoft.com/office/powerpoint/2010/main" val="956262743"/>
+      </p:ext>
+    </p:extLst>
+  </p:cSld>
+  <p:clrMapOvr>
+    <a:masterClrMapping/>
+  </p:clrMapOvr>
+</p:notes>
+</file>
+
+<file path=ppt/notesSlides/notesSlide53.xml><?xml version="1.0" encoding="utf-8"?>
+<p:notes xmlns:a="http://schemas.openxmlformats.org/drawingml/2006/main" xmlns:r="http://schemas.openxmlformats.org/officeDocument/2006/relationships" xmlns:p="http://schemas.openxmlformats.org/presentationml/2006/main">
+  <p:cSld>
+    <p:spTree>
+      <p:nvGrpSpPr>
+        <p:cNvPr id="1" name=""/>
+        <p:cNvGrpSpPr/>
+        <p:nvPr/>
+      </p:nvGrpSpPr>
+      <p:grpSpPr>
+        <a:xfrm>
+          <a:off x="0" y="0"/>
+          <a:ext cx="0" cy="0"/>
+          <a:chOff x="0" y="0"/>
+          <a:chExt cx="0" cy="0"/>
+        </a:xfrm>
+      </p:grpSpPr>
+      <p:sp>
+        <p:nvSpPr>
+          <p:cNvPr id="2" name="Slide Image Placeholder 1"/>
+          <p:cNvSpPr>
+            <a:spLocks noGrp="1" noRot="1" noChangeAspect="1"/>
+          </p:cNvSpPr>
+          <p:nvPr>
+            <p:ph type="sldImg"/>
+          </p:nvPr>
+        </p:nvSpPr>
+        <p:spPr/>
+      </p:sp>
+      <p:sp>
+        <p:nvSpPr>
+          <p:cNvPr id="3" name="Notes Placeholder 2"/>
+          <p:cNvSpPr>
+            <a:spLocks noGrp="1"/>
+          </p:cNvSpPr>
+          <p:nvPr>
+            <p:ph type="body" idx="1"/>
+          </p:nvPr>
+        </p:nvSpPr>
+        <p:spPr/>
+        <p:txBody>
+          <a:bodyPr/>
+          <a:lstStyle/>
+          <a:p>
+            <a:endParaRPr lang="de-CH" dirty="0"/>
+          </a:p>
+        </p:txBody>
+      </p:sp>
+      <p:sp>
+        <p:nvSpPr>
+          <p:cNvPr id="4" name="Slide Number Placeholder 3"/>
+          <p:cNvSpPr>
+            <a:spLocks noGrp="1"/>
+          </p:cNvSpPr>
+          <p:nvPr>
+            <p:ph type="sldNum" sz="quarter" idx="10"/>
+          </p:nvPr>
+        </p:nvSpPr>
+        <p:spPr/>
+        <p:txBody>
+          <a:bodyPr/>
+          <a:lstStyle/>
+          <a:p>
+            <a:fld id="{9BCA07FD-5BD5-4529-84B0-48DD2C561176}" type="slidenum">
+              <a:rPr lang="de-CH" smtClean="0"/>
+              <a:t>57</a:t>
+            </a:fld>
+            <a:endParaRPr lang="de-CH"/>
+          </a:p>
+        </p:txBody>
+      </p:sp>
+    </p:spTree>
+    <p:extLst>
+      <p:ext uri="{BB962C8B-B14F-4D97-AF65-F5344CB8AC3E}">
+        <p14:creationId xmlns:p14="http://schemas.microsoft.com/office/powerpoint/2010/main" val="219618875"/>
+      </p:ext>
+    </p:extLst>
+  </p:cSld>
+  <p:clrMapOvr>
+    <a:masterClrMapping/>
+  </p:clrMapOvr>
+</p:notes>
+</file>
+
+<file path=ppt/notesSlides/notesSlide54.xml><?xml version="1.0" encoding="utf-8"?>
+<p:notes xmlns:a="http://schemas.openxmlformats.org/drawingml/2006/main" xmlns:r="http://schemas.openxmlformats.org/officeDocument/2006/relationships" xmlns:p="http://schemas.openxmlformats.org/presentationml/2006/main">
+  <p:cSld>
+    <p:spTree>
+      <p:nvGrpSpPr>
+        <p:cNvPr id="1" name=""/>
+        <p:cNvGrpSpPr/>
+        <p:nvPr/>
+      </p:nvGrpSpPr>
+      <p:grpSpPr>
+        <a:xfrm>
+          <a:off x="0" y="0"/>
+          <a:ext cx="0" cy="0"/>
+          <a:chOff x="0" y="0"/>
+          <a:chExt cx="0" cy="0"/>
+        </a:xfrm>
+      </p:grpSpPr>
+      <p:sp>
+        <p:nvSpPr>
+          <p:cNvPr id="2" name="Slide Image Placeholder 1"/>
+          <p:cNvSpPr>
+            <a:spLocks noGrp="1" noRot="1" noChangeAspect="1"/>
+          </p:cNvSpPr>
+          <p:nvPr>
+            <p:ph type="sldImg"/>
+          </p:nvPr>
+        </p:nvSpPr>
+        <p:spPr/>
+      </p:sp>
+      <p:sp>
+        <p:nvSpPr>
+          <p:cNvPr id="3" name="Notes Placeholder 2"/>
+          <p:cNvSpPr>
+            <a:spLocks noGrp="1"/>
+          </p:cNvSpPr>
+          <p:nvPr>
+            <p:ph type="body" idx="1"/>
+          </p:nvPr>
+        </p:nvSpPr>
+        <p:spPr/>
+        <p:txBody>
+          <a:bodyPr/>
+          <a:lstStyle/>
+          <a:p>
+            <a:r>
+              <a:rPr lang="en-US" dirty="0"/>
+              <a:t>Questions that can be answered in blog posts</a:t>
+            </a:r>
+            <a:endParaRPr lang="de-CH" dirty="0"/>
+          </a:p>
+        </p:txBody>
+      </p:sp>
+      <p:sp>
+        <p:nvSpPr>
+          <p:cNvPr id="4" name="Slide Number Placeholder 3"/>
+          <p:cNvSpPr>
+            <a:spLocks noGrp="1"/>
+          </p:cNvSpPr>
+          <p:nvPr>
+            <p:ph type="sldNum" sz="quarter" idx="10"/>
+          </p:nvPr>
+        </p:nvSpPr>
+        <p:spPr/>
+        <p:txBody>
+          <a:bodyPr/>
+          <a:lstStyle/>
+          <a:p>
+            <a:fld id="{9BCA07FD-5BD5-4529-84B0-48DD2C561176}" type="slidenum">
+              <a:rPr lang="de-CH" smtClean="0"/>
+              <a:t>58</a:t>
+            </a:fld>
+            <a:endParaRPr lang="de-CH"/>
+          </a:p>
+        </p:txBody>
+      </p:sp>
+    </p:spTree>
+    <p:extLst>
+      <p:ext uri="{BB962C8B-B14F-4D97-AF65-F5344CB8AC3E}">
+        <p14:creationId xmlns:p14="http://schemas.microsoft.com/office/powerpoint/2010/main" val="3670487613"/>
+      </p:ext>
+    </p:extLst>
+  </p:cSld>
+  <p:clrMapOvr>
+    <a:masterClrMapping/>
+  </p:clrMapOvr>
+</p:notes>
+</file>
+
+<file path=ppt/notesSlides/notesSlide55.xml><?xml version="1.0" encoding="utf-8"?>
+<p:notes xmlns:a="http://schemas.openxmlformats.org/drawingml/2006/main" xmlns:r="http://schemas.openxmlformats.org/officeDocument/2006/relationships" xmlns:p="http://schemas.openxmlformats.org/presentationml/2006/main">
+  <p:cSld>
+    <p:spTree>
+      <p:nvGrpSpPr>
+        <p:cNvPr id="1" name=""/>
+        <p:cNvGrpSpPr/>
+        <p:nvPr/>
+      </p:nvGrpSpPr>
+      <p:grpSpPr>
+        <a:xfrm>
+          <a:off x="0" y="0"/>
+          <a:ext cx="0" cy="0"/>
+          <a:chOff x="0" y="0"/>
+          <a:chExt cx="0" cy="0"/>
+        </a:xfrm>
+      </p:grpSpPr>
+      <p:sp>
+        <p:nvSpPr>
+          <p:cNvPr id="2" name="Slide Image Placeholder 1"/>
+          <p:cNvSpPr>
+            <a:spLocks noGrp="1" noRot="1" noChangeAspect="1"/>
+          </p:cNvSpPr>
+          <p:nvPr>
+            <p:ph type="sldImg"/>
+          </p:nvPr>
+        </p:nvSpPr>
+        <p:spPr/>
+      </p:sp>
+      <p:sp>
+        <p:nvSpPr>
+          <p:cNvPr id="3" name="Notes Placeholder 2"/>
+          <p:cNvSpPr>
+            <a:spLocks noGrp="1"/>
+          </p:cNvSpPr>
+          <p:nvPr>
+            <p:ph type="body" idx="1"/>
+          </p:nvPr>
+        </p:nvSpPr>
+        <p:spPr/>
+        <p:txBody>
+          <a:bodyPr/>
+          <a:lstStyle/>
+          <a:p>
+            <a:endParaRPr lang="de-CH" dirty="0"/>
+          </a:p>
+        </p:txBody>
+      </p:sp>
+      <p:sp>
+        <p:nvSpPr>
+          <p:cNvPr id="4" name="Slide Number Placeholder 3"/>
+          <p:cNvSpPr>
+            <a:spLocks noGrp="1"/>
+          </p:cNvSpPr>
+          <p:nvPr>
+            <p:ph type="sldNum" sz="quarter" idx="10"/>
+          </p:nvPr>
+        </p:nvSpPr>
+        <p:spPr/>
+        <p:txBody>
+          <a:bodyPr/>
+          <a:lstStyle/>
+          <a:p>
+            <a:fld id="{9BCA07FD-5BD5-4529-84B0-48DD2C561176}" type="slidenum">
+              <a:rPr lang="de-CH" smtClean="0"/>
+              <a:t>59</a:t>
+            </a:fld>
+            <a:endParaRPr lang="de-CH"/>
+          </a:p>
+        </p:txBody>
+      </p:sp>
+    </p:spTree>
+    <p:extLst>
+      <p:ext uri="{BB962C8B-B14F-4D97-AF65-F5344CB8AC3E}">
+        <p14:creationId xmlns:p14="http://schemas.microsoft.com/office/powerpoint/2010/main" val="978782014"/>
+      </p:ext>
+    </p:extLst>
+  </p:cSld>
+  <p:clrMapOvr>
+    <a:masterClrMapping/>
+  </p:clrMapOvr>
+</p:notes>
+</file>
+
+<file path=ppt/notesSlides/notesSlide56.xml><?xml version="1.0" encoding="utf-8"?>
+<p:notes xmlns:a="http://schemas.openxmlformats.org/drawingml/2006/main" xmlns:r="http://schemas.openxmlformats.org/officeDocument/2006/relationships" xmlns:p="http://schemas.openxmlformats.org/presentationml/2006/main">
+  <p:cSld>
+    <p:spTree>
+      <p:nvGrpSpPr>
+        <p:cNvPr id="1" name=""/>
+        <p:cNvGrpSpPr/>
+        <p:nvPr/>
+      </p:nvGrpSpPr>
+      <p:grpSpPr>
+        <a:xfrm>
+          <a:off x="0" y="0"/>
+          <a:ext cx="0" cy="0"/>
+          <a:chOff x="0" y="0"/>
+          <a:chExt cx="0" cy="0"/>
+        </a:xfrm>
+      </p:grpSpPr>
+      <p:sp>
+        <p:nvSpPr>
+          <p:cNvPr id="2" name="Slide Image Placeholder 1"/>
+          <p:cNvSpPr>
+            <a:spLocks noGrp="1" noRot="1" noChangeAspect="1"/>
+          </p:cNvSpPr>
+          <p:nvPr>
+            <p:ph type="sldImg"/>
+          </p:nvPr>
+        </p:nvSpPr>
+        <p:spPr/>
+      </p:sp>
+      <p:sp>
+        <p:nvSpPr>
+          <p:cNvPr id="3" name="Notes Placeholder 2"/>
+          <p:cNvSpPr>
+            <a:spLocks noGrp="1"/>
+          </p:cNvSpPr>
+          <p:nvPr>
+            <p:ph type="body" idx="1"/>
+          </p:nvPr>
+        </p:nvSpPr>
+        <p:spPr/>
+        <p:txBody>
+          <a:bodyPr/>
+          <a:lstStyle/>
+          <a:p>
+            <a:r>
+              <a:rPr lang="de-CH" dirty="0"/>
+              <a:t>Thank you very much</a:t>
+            </a:r>
+            <a:r>
+              <a:rPr lang="de-CH" baseline="0" dirty="0"/>
+              <a:t> for listening and see you next time</a:t>
+            </a:r>
+            <a:endParaRPr lang="de-CH" dirty="0"/>
+          </a:p>
+        </p:txBody>
+      </p:sp>
+      <p:sp>
+        <p:nvSpPr>
+          <p:cNvPr id="4" name="Slide Number Placeholder 3"/>
+          <p:cNvSpPr>
+            <a:spLocks noGrp="1"/>
+          </p:cNvSpPr>
+          <p:nvPr>
+            <p:ph type="sldNum" sz="quarter" idx="10"/>
+          </p:nvPr>
+        </p:nvSpPr>
+        <p:spPr/>
+        <p:txBody>
+          <a:bodyPr/>
+          <a:lstStyle/>
+          <a:p>
+            <a:fld id="{9BCA07FD-5BD5-4529-84B0-48DD2C561176}" type="slidenum">
+              <a:rPr lang="de-CH" smtClean="0"/>
+              <a:t>60</a:t>
             </a:fld>
             <a:endParaRPr lang="de-CH"/>
           </a:p>
@@ -16874,7 +16630,7 @@
           <a:p>
             <a:fld id="{A2EAEABE-1D59-4413-813E-803E21872067}" type="datetimeFigureOut">
               <a:rPr lang="de-CH" smtClean="0"/>
-              <a:t>26.10.2016</a:t>
+              <a:t>27.10.2016</a:t>
             </a:fld>
             <a:endParaRPr lang="de-CH"/>
           </a:p>
@@ -17044,7 +16800,7 @@
           <a:p>
             <a:fld id="{A2EAEABE-1D59-4413-813E-803E21872067}" type="datetimeFigureOut">
               <a:rPr lang="de-CH" smtClean="0"/>
-              <a:t>26.10.2016</a:t>
+              <a:t>27.10.2016</a:t>
             </a:fld>
             <a:endParaRPr lang="de-CH"/>
           </a:p>
@@ -17224,7 +16980,7 @@
           <a:p>
             <a:fld id="{A2EAEABE-1D59-4413-813E-803E21872067}" type="datetimeFigureOut">
               <a:rPr lang="de-CH" smtClean="0"/>
-              <a:t>26.10.2016</a:t>
+              <a:t>27.10.2016</a:t>
             </a:fld>
             <a:endParaRPr lang="de-CH"/>
           </a:p>
@@ -17393,7 +17149,7 @@
           <a:p>
             <a:fld id="{A2EAEABE-1D59-4413-813E-803E21872067}" type="datetimeFigureOut">
               <a:rPr lang="de-CH" smtClean="0"/>
-              <a:t>26.10.2016</a:t>
+              <a:t>27.10.2016</a:t>
             </a:fld>
             <a:endParaRPr lang="de-CH"/>
           </a:p>
@@ -17639,7 +17395,7 @@
           <a:p>
             <a:fld id="{A2EAEABE-1D59-4413-813E-803E21872067}" type="datetimeFigureOut">
               <a:rPr lang="de-CH" smtClean="0"/>
-              <a:t>26.10.2016</a:t>
+              <a:t>27.10.2016</a:t>
             </a:fld>
             <a:endParaRPr lang="de-CH"/>
           </a:p>
@@ -17871,7 +17627,7 @@
           <a:p>
             <a:fld id="{A2EAEABE-1D59-4413-813E-803E21872067}" type="datetimeFigureOut">
               <a:rPr lang="de-CH" smtClean="0"/>
-              <a:t>26.10.2016</a:t>
+              <a:t>27.10.2016</a:t>
             </a:fld>
             <a:endParaRPr lang="de-CH"/>
           </a:p>
@@ -18238,7 +17994,7 @@
           <a:p>
             <a:fld id="{A2EAEABE-1D59-4413-813E-803E21872067}" type="datetimeFigureOut">
               <a:rPr lang="de-CH" smtClean="0"/>
-              <a:t>26.10.2016</a:t>
+              <a:t>27.10.2016</a:t>
             </a:fld>
             <a:endParaRPr lang="de-CH"/>
           </a:p>
@@ -18356,7 +18112,7 @@
           <a:p>
             <a:fld id="{A2EAEABE-1D59-4413-813E-803E21872067}" type="datetimeFigureOut">
               <a:rPr lang="de-CH" smtClean="0"/>
-              <a:t>26.10.2016</a:t>
+              <a:t>27.10.2016</a:t>
             </a:fld>
             <a:endParaRPr lang="de-CH"/>
           </a:p>
@@ -18451,7 +18207,7 @@
           <a:p>
             <a:fld id="{A2EAEABE-1D59-4413-813E-803E21872067}" type="datetimeFigureOut">
               <a:rPr lang="de-CH" smtClean="0"/>
-              <a:t>26.10.2016</a:t>
+              <a:t>27.10.2016</a:t>
             </a:fld>
             <a:endParaRPr lang="de-CH"/>
           </a:p>
@@ -18728,7 +18484,7 @@
           <a:p>
             <a:fld id="{A2EAEABE-1D59-4413-813E-803E21872067}" type="datetimeFigureOut">
               <a:rPr lang="de-CH" smtClean="0"/>
-              <a:t>26.10.2016</a:t>
+              <a:t>27.10.2016</a:t>
             </a:fld>
             <a:endParaRPr lang="de-CH"/>
           </a:p>
@@ -18985,7 +18741,7 @@
           <a:p>
             <a:fld id="{A2EAEABE-1D59-4413-813E-803E21872067}" type="datetimeFigureOut">
               <a:rPr lang="de-CH" smtClean="0"/>
-              <a:t>26.10.2016</a:t>
+              <a:t>27.10.2016</a:t>
             </a:fld>
             <a:endParaRPr lang="de-CH"/>
           </a:p>
@@ -19196,7 +18952,7 @@
           <a:p>
             <a:fld id="{A2EAEABE-1D59-4413-813E-803E21872067}" type="datetimeFigureOut">
               <a:rPr lang="de-CH" smtClean="0"/>
-              <a:t>26.10.2016</a:t>
+              <a:t>27.10.2016</a:t>
             </a:fld>
             <a:endParaRPr lang="de-CH"/>
           </a:p>
@@ -22358,34 +22114,22 @@
       </p:grpSpPr>
       <p:pic>
         <p:nvPicPr>
-          <p:cNvPr id="2" name="Picture 1"/>
+          <p:cNvPr id="4" name="Picture 3"/>
           <p:cNvPicPr>
             <a:picLocks noChangeAspect="1"/>
           </p:cNvPicPr>
           <p:nvPr/>
         </p:nvPicPr>
         <p:blipFill>
-          <a:blip r:embed="rId3">
-            <a:extLst>
-              <a:ext uri="{BEBA8EAE-BF5A-486C-A8C5-ECC9F3942E4B}">
-                <a14:imgProps xmlns:a14="http://schemas.microsoft.com/office/drawing/2010/main">
-                  <a14:imgLayer r:embed="rId4">
-                    <a14:imgEffect>
-                      <a14:saturation sat="0"/>
-                    </a14:imgEffect>
-                  </a14:imgLayer>
-                </a14:imgProps>
-              </a:ext>
-            </a:extLst>
-          </a:blip>
+          <a:blip r:embed="rId3"/>
           <a:stretch>
             <a:fillRect/>
           </a:stretch>
         </p:blipFill>
         <p:spPr>
           <a:xfrm>
-            <a:off x="2642027" y="0"/>
-            <a:ext cx="6907946" cy="6843386"/>
+            <a:off x="2638425" y="9525"/>
+            <a:ext cx="6915150" cy="6838950"/>
           </a:xfrm>
           <a:prstGeom prst="rect">
             <a:avLst/>
@@ -22458,34 +22202,22 @@
       </p:grpSpPr>
       <p:pic>
         <p:nvPicPr>
-          <p:cNvPr id="2" name="Picture 1"/>
+          <p:cNvPr id="4" name="Picture 3"/>
           <p:cNvPicPr>
             <a:picLocks noChangeAspect="1"/>
           </p:cNvPicPr>
           <p:nvPr/>
         </p:nvPicPr>
         <p:blipFill>
-          <a:blip r:embed="rId3">
-            <a:extLst>
-              <a:ext uri="{BEBA8EAE-BF5A-486C-A8C5-ECC9F3942E4B}">
-                <a14:imgProps xmlns:a14="http://schemas.microsoft.com/office/drawing/2010/main">
-                  <a14:imgLayer r:embed="rId4">
-                    <a14:imgEffect>
-                      <a14:saturation sat="0"/>
-                    </a14:imgEffect>
-                  </a14:imgLayer>
-                </a14:imgProps>
-              </a:ext>
-            </a:extLst>
-          </a:blip>
+          <a:blip r:embed="rId3"/>
           <a:stretch>
             <a:fillRect/>
           </a:stretch>
         </p:blipFill>
         <p:spPr>
           <a:xfrm>
-            <a:off x="2642027" y="0"/>
-            <a:ext cx="6907946" cy="6843386"/>
+            <a:off x="2638425" y="9525"/>
+            <a:ext cx="6915150" cy="6838950"/>
           </a:xfrm>
           <a:prstGeom prst="rect">
             <a:avLst/>
@@ -22558,34 +22290,22 @@
       </p:grpSpPr>
       <p:pic>
         <p:nvPicPr>
-          <p:cNvPr id="2" name="Picture 1"/>
+          <p:cNvPr id="4" name="Picture 3"/>
           <p:cNvPicPr>
             <a:picLocks noChangeAspect="1"/>
           </p:cNvPicPr>
           <p:nvPr/>
         </p:nvPicPr>
         <p:blipFill>
-          <a:blip r:embed="rId3">
-            <a:extLst>
-              <a:ext uri="{BEBA8EAE-BF5A-486C-A8C5-ECC9F3942E4B}">
-                <a14:imgProps xmlns:a14="http://schemas.microsoft.com/office/drawing/2010/main">
-                  <a14:imgLayer r:embed="rId4">
-                    <a14:imgEffect>
-                      <a14:saturation sat="0"/>
-                    </a14:imgEffect>
-                  </a14:imgLayer>
-                </a14:imgProps>
-              </a:ext>
-            </a:extLst>
-          </a:blip>
+          <a:blip r:embed="rId3"/>
           <a:stretch>
             <a:fillRect/>
           </a:stretch>
         </p:blipFill>
         <p:spPr>
           <a:xfrm>
-            <a:off x="753012" y="101171"/>
-            <a:ext cx="10685976" cy="6630041"/>
+            <a:off x="752475" y="114300"/>
+            <a:ext cx="10687050" cy="6629400"/>
           </a:xfrm>
           <a:prstGeom prst="rect">
             <a:avLst/>
@@ -23959,12 +23679,6 @@
               </a:rPr>
               <a:t>http://www.iowabeer.org/</a:t>
             </a:r>
-            <a:endParaRPr lang="de-CH" sz="3200" dirty="0">
-              <a:solidFill>
-                <a:schemeClr val="accent3"/>
-              </a:solidFill>
-              <a:latin typeface="Yanone Kaffeesatz Regular" panose="02000000000000000000" pitchFamily="2" charset="0"/>
-            </a:endParaRPr>
           </a:p>
         </p:txBody>
       </p:sp>
@@ -24535,8 +24249,8 @@
         </p:nvSpPr>
         <p:spPr>
           <a:xfrm>
-            <a:off x="3149520" y="1851645"/>
-            <a:ext cx="5892960" cy="3154710"/>
+            <a:off x="2357637" y="1851645"/>
+            <a:ext cx="7476727" cy="3154710"/>
           </a:xfrm>
           <a:prstGeom prst="rect">
             <a:avLst/>
@@ -24555,7 +24269,7 @@
                 </a:solidFill>
                 <a:latin typeface="Yanone Kaffeesatz Regular" panose="02000000000000000000" pitchFamily="2" charset="0"/>
               </a:rPr>
-              <a:t>Metrics</a:t>
+              <a:t>Decisions</a:t>
             </a:r>
             <a:endParaRPr lang="de-CH" sz="2000" dirty="0"/>
           </a:p>
@@ -24564,7 +24278,7 @@
     </p:spTree>
     <p:extLst>
       <p:ext uri="{BB962C8B-B14F-4D97-AF65-F5344CB8AC3E}">
-        <p14:creationId xmlns:p14="http://schemas.microsoft.com/office/powerpoint/2010/main" val="1868143842"/>
+        <p14:creationId xmlns:p14="http://schemas.microsoft.com/office/powerpoint/2010/main" val="2591464188"/>
       </p:ext>
     </p:extLst>
   </p:cSld>
@@ -24593,54 +24307,14 @@
       </p:grpSpPr>
       <p:sp>
         <p:nvSpPr>
-          <p:cNvPr id="2" name="TextBox 1"/>
-          <p:cNvSpPr txBox="1"/>
+          <p:cNvPr id="5" name="Rectangle 4"/>
+          <p:cNvSpPr/>
           <p:nvPr/>
         </p:nvSpPr>
         <p:spPr>
           <a:xfrm>
-            <a:off x="1362974" y="1303814"/>
-            <a:ext cx="9466053" cy="4508927"/>
-          </a:xfrm>
-          <a:prstGeom prst="rect">
-            <a:avLst/>
-          </a:prstGeom>
-          <a:noFill/>
-        </p:spPr>
-        <p:txBody>
-          <a:bodyPr wrap="none" rtlCol="0">
-            <a:spAutoFit/>
-          </a:bodyPr>
-          <a:lstStyle/>
-          <a:p>
-            <a:r>
-              <a:rPr lang="en-US" sz="28700" dirty="0">
-                <a:solidFill>
-                  <a:schemeClr val="accent2"/>
-                </a:solidFill>
-                <a:latin typeface="Yanone Kaffeesatz Regular" panose="02000000000000000000" pitchFamily="2" charset="0"/>
-              </a:rPr>
-              <a:t>perfect?</a:t>
-            </a:r>
-            <a:endParaRPr lang="de-CH" sz="9600" dirty="0">
-              <a:solidFill>
-                <a:schemeClr val="accent4"/>
-              </a:solidFill>
-              <a:latin typeface="Yanone Kaffeesatz Regular" panose="02000000000000000000" pitchFamily="2" charset="0"/>
-            </a:endParaRPr>
-          </a:p>
-        </p:txBody>
-      </p:sp>
-      <p:sp>
-        <p:nvSpPr>
-          <p:cNvPr id="4" name="Rectangle 3"/>
-          <p:cNvSpPr/>
-          <p:nvPr/>
-        </p:nvSpPr>
-        <p:spPr>
-          <a:xfrm>
-            <a:off x="848705" y="814909"/>
-            <a:ext cx="4294765" cy="1107996"/>
+            <a:off x="3204022" y="2241491"/>
+            <a:ext cx="5783956" cy="2215991"/>
           </a:xfrm>
           <a:prstGeom prst="rect">
             <a:avLst/>
@@ -24653,17 +24327,26 @@
           <a:lstStyle/>
           <a:p>
             <a:r>
-              <a:rPr lang="en-US" sz="6600" dirty="0">
+              <a:rPr lang="en-US" sz="13800" dirty="0">
                 <a:solidFill>
                   <a:schemeClr val="tx2"/>
                 </a:solidFill>
                 <a:latin typeface="Yanone Kaffeesatz Regular" panose="02000000000000000000" pitchFamily="2" charset="0"/>
               </a:rPr>
-              <a:t>so everything is</a:t>
-            </a:r>
-            <a:endParaRPr lang="de-CH" sz="6600" dirty="0">
+              <a:t>as a </a:t>
+            </a:r>
+            <a:r>
+              <a:rPr lang="en-US" sz="13800" dirty="0">
+                <a:solidFill>
+                  <a:schemeClr val="accent4"/>
+                </a:solidFill>
+                <a:latin typeface="Yanone Kaffeesatz Regular" panose="02000000000000000000" pitchFamily="2" charset="0"/>
+              </a:rPr>
+              <a:t>group</a:t>
+            </a:r>
+            <a:endParaRPr lang="de-CH" sz="1600" dirty="0">
               <a:solidFill>
-                <a:schemeClr val="tx2"/>
+                <a:schemeClr val="accent4"/>
               </a:solidFill>
             </a:endParaRPr>
           </a:p>
@@ -24672,7 +24355,7 @@
     </p:spTree>
     <p:extLst>
       <p:ext uri="{BB962C8B-B14F-4D97-AF65-F5344CB8AC3E}">
-        <p14:creationId xmlns:p14="http://schemas.microsoft.com/office/powerpoint/2010/main" val="3510896275"/>
+        <p14:creationId xmlns:p14="http://schemas.microsoft.com/office/powerpoint/2010/main" val="1384425261"/>
       </p:ext>
     </p:extLst>
   </p:cSld>
@@ -24701,54 +24384,14 @@
       </p:grpSpPr>
       <p:sp>
         <p:nvSpPr>
-          <p:cNvPr id="2" name="TextBox 1"/>
-          <p:cNvSpPr txBox="1"/>
+          <p:cNvPr id="5" name="Rectangle 4"/>
+          <p:cNvSpPr/>
           <p:nvPr/>
         </p:nvSpPr>
         <p:spPr>
           <a:xfrm>
-            <a:off x="3304133" y="2259107"/>
-            <a:ext cx="4036682" cy="2215991"/>
-          </a:xfrm>
-          <a:prstGeom prst="rect">
-            <a:avLst/>
-          </a:prstGeom>
-          <a:noFill/>
-        </p:spPr>
-        <p:txBody>
-          <a:bodyPr wrap="none" rtlCol="0">
-            <a:spAutoFit/>
-          </a:bodyPr>
-          <a:lstStyle/>
-          <a:p>
-            <a:r>
-              <a:rPr lang="en-US" sz="13800" dirty="0">
-                <a:solidFill>
-                  <a:schemeClr val="accent2"/>
-                </a:solidFill>
-                <a:latin typeface="Yanone Kaffeesatz Regular" panose="02000000000000000000" pitchFamily="2" charset="0"/>
-              </a:rPr>
-              <a:t>Almost</a:t>
-            </a:r>
-            <a:endParaRPr lang="de-CH" sz="6600" dirty="0">
-              <a:solidFill>
-                <a:schemeClr val="accent4"/>
-              </a:solidFill>
-              <a:latin typeface="Yanone Kaffeesatz Regular" panose="02000000000000000000" pitchFamily="2" charset="0"/>
-            </a:endParaRPr>
-          </a:p>
-        </p:txBody>
-      </p:sp>
-      <p:sp>
-        <p:nvSpPr>
-          <p:cNvPr id="3" name="Rectangle 2"/>
-          <p:cNvSpPr/>
-          <p:nvPr/>
-        </p:nvSpPr>
-        <p:spPr>
-          <a:xfrm>
-            <a:off x="7961153" y="1981505"/>
-            <a:ext cx="1196161" cy="2646878"/>
+            <a:off x="2696672" y="2241491"/>
+            <a:ext cx="7661072" cy="2215991"/>
           </a:xfrm>
           <a:prstGeom prst="rect">
             <a:avLst/>
@@ -24761,28 +24404,162 @@
           <a:lstStyle/>
           <a:p>
             <a:r>
+              <a:rPr lang="en-US" sz="13800" dirty="0">
+                <a:solidFill>
+                  <a:schemeClr val="tx2"/>
+                </a:solidFill>
+                <a:latin typeface="Yanone Kaffeesatz Regular" panose="02000000000000000000" pitchFamily="2" charset="0"/>
+              </a:rPr>
+              <a:t>now, </a:t>
+            </a:r>
+            <a:r>
+              <a:rPr lang="en-US" sz="13800" dirty="0">
+                <a:solidFill>
+                  <a:schemeClr val="accent4"/>
+                </a:solidFill>
+                <a:latin typeface="Yanone Kaffeesatz Regular" panose="02000000000000000000" pitchFamily="2" charset="0"/>
+              </a:rPr>
+              <a:t>later </a:t>
+            </a:r>
+            <a:r>
+              <a:rPr lang="en-US" sz="13800" dirty="0">
+                <a:solidFill>
+                  <a:schemeClr val="tx2"/>
+                </a:solidFill>
+                <a:latin typeface="Yanone Kaffeesatz Regular" panose="02000000000000000000" pitchFamily="2" charset="0"/>
+              </a:rPr>
+              <a:t>or..</a:t>
+            </a:r>
+            <a:endParaRPr lang="de-CH" sz="1600" dirty="0">
+              <a:solidFill>
+                <a:schemeClr val="tx2"/>
+              </a:solidFill>
+            </a:endParaRPr>
+          </a:p>
+        </p:txBody>
+      </p:sp>
+      <p:sp>
+        <p:nvSpPr>
+          <p:cNvPr id="2" name="Rectangle 1"/>
+          <p:cNvSpPr/>
+          <p:nvPr/>
+        </p:nvSpPr>
+        <p:spPr>
+          <a:xfrm>
+            <a:off x="6527208" y="3701694"/>
+            <a:ext cx="3825086" cy="2646878"/>
+          </a:xfrm>
+          <a:prstGeom prst="rect">
+            <a:avLst/>
+          </a:prstGeom>
+        </p:spPr>
+        <p:txBody>
+          <a:bodyPr wrap="none">
+            <a:spAutoFit/>
+          </a:bodyPr>
+          <a:lstStyle/>
+          <a:p>
+            <a:r>
               <a:rPr lang="en-US" sz="16600" dirty="0">
                 <a:solidFill>
                   <a:schemeClr val="accent4"/>
                 </a:solidFill>
                 <a:latin typeface="Yanone Kaffeesatz Regular" panose="02000000000000000000" pitchFamily="2" charset="0"/>
               </a:rPr>
-              <a:t>;)</a:t>
-            </a:r>
-            <a:endParaRPr lang="de-CH" sz="16600" dirty="0"/>
+              <a:t>never</a:t>
+            </a:r>
+            <a:endParaRPr lang="de-CH" sz="2800" dirty="0"/>
           </a:p>
         </p:txBody>
       </p:sp>
     </p:spTree>
     <p:extLst>
       <p:ext uri="{BB962C8B-B14F-4D97-AF65-F5344CB8AC3E}">
-        <p14:creationId xmlns:p14="http://schemas.microsoft.com/office/powerpoint/2010/main" val="2977014107"/>
+        <p14:creationId xmlns:p14="http://schemas.microsoft.com/office/powerpoint/2010/main" val="210464117"/>
       </p:ext>
     </p:extLst>
   </p:cSld>
   <p:clrMapOvr>
     <a:masterClrMapping/>
   </p:clrMapOvr>
+  <p:timing>
+    <p:tnLst>
+      <p:par>
+        <p:cTn id="1" dur="indefinite" restart="never" nodeType="tmRoot">
+          <p:childTnLst>
+            <p:seq concurrent="1" nextAc="seek">
+              <p:cTn id="2" dur="indefinite" nodeType="mainSeq">
+                <p:childTnLst>
+                  <p:par>
+                    <p:cTn id="3" fill="hold">
+                      <p:stCondLst>
+                        <p:cond delay="indefinite"/>
+                      </p:stCondLst>
+                      <p:childTnLst>
+                        <p:par>
+                          <p:cTn id="4" fill="hold">
+                            <p:stCondLst>
+                              <p:cond delay="0"/>
+                            </p:stCondLst>
+                            <p:childTnLst>
+                              <p:par>
+                                <p:cTn id="5" presetID="1" presetClass="entr" presetSubtype="0" fill="hold" grpId="0" nodeType="clickEffect">
+                                  <p:stCondLst>
+                                    <p:cond delay="0"/>
+                                  </p:stCondLst>
+                                  <p:childTnLst>
+                                    <p:set>
+                                      <p:cBhvr>
+                                        <p:cTn id="6" dur="1" fill="hold">
+                                          <p:stCondLst>
+                                            <p:cond delay="0"/>
+                                          </p:stCondLst>
+                                        </p:cTn>
+                                        <p:tgtEl>
+                                          <p:spTgt spid="2"/>
+                                        </p:tgtEl>
+                                        <p:attrNameLst>
+                                          <p:attrName>style.visibility</p:attrName>
+                                        </p:attrNameLst>
+                                      </p:cBhvr>
+                                      <p:to>
+                                        <p:strVal val="visible"/>
+                                      </p:to>
+                                    </p:set>
+                                  </p:childTnLst>
+                                </p:cTn>
+                              </p:par>
+                            </p:childTnLst>
+                          </p:cTn>
+                        </p:par>
+                      </p:childTnLst>
+                    </p:cTn>
+                  </p:par>
+                </p:childTnLst>
+              </p:cTn>
+              <p:prevCondLst>
+                <p:cond evt="onPrev" delay="0">
+                  <p:tgtEl>
+                    <p:sldTgt/>
+                  </p:tgtEl>
+                </p:cond>
+              </p:prevCondLst>
+              <p:nextCondLst>
+                <p:cond evt="onNext" delay="0">
+                  <p:tgtEl>
+                    <p:sldTgt/>
+                  </p:tgtEl>
+                </p:cond>
+              </p:nextCondLst>
+            </p:seq>
+          </p:childTnLst>
+        </p:cTn>
+      </p:par>
+    </p:tnLst>
+    <p:bldLst>
+      <p:bldP spid="2" grpId="0"/>
+    </p:bldLst>
+  </p:timing>
 </p:sld>
 </file>
 
@@ -24805,14 +24582,14 @@
       </p:grpSpPr>
       <p:sp>
         <p:nvSpPr>
-          <p:cNvPr id="2" name="Rectangle 1"/>
+          <p:cNvPr id="5" name="Rectangle 4"/>
           <p:cNvSpPr/>
           <p:nvPr/>
         </p:nvSpPr>
         <p:spPr>
           <a:xfrm>
-            <a:off x="1842272" y="1851645"/>
-            <a:ext cx="8507457" cy="3154710"/>
+            <a:off x="611165" y="2241491"/>
+            <a:ext cx="10969670" cy="2215991"/>
           </a:xfrm>
           <a:prstGeom prst="rect">
             <a:avLst/>
@@ -24825,22 +24602,35 @@
           <a:lstStyle/>
           <a:p>
             <a:r>
-              <a:rPr lang="en-US" sz="19900" dirty="0">
-                <a:solidFill>
-                  <a:schemeClr val="accent2"/>
+              <a:rPr lang="en-US" sz="13800" dirty="0">
+                <a:solidFill>
+                  <a:schemeClr val="accent4"/>
                 </a:solidFill>
                 <a:latin typeface="Yanone Kaffeesatz Regular" panose="02000000000000000000" pitchFamily="2" charset="0"/>
               </a:rPr>
-              <a:t>Challenges</a:t>
-            </a:r>
-            <a:endParaRPr lang="de-CH" sz="2000" dirty="0"/>
+              <a:t>important</a:t>
+            </a:r>
+            <a:r>
+              <a:rPr lang="en-US" sz="13800" dirty="0">
+                <a:solidFill>
+                  <a:schemeClr val="tx2"/>
+                </a:solidFill>
+                <a:latin typeface="Yanone Kaffeesatz Regular" panose="02000000000000000000" pitchFamily="2" charset="0"/>
+              </a:rPr>
+              <a:t> or urgent</a:t>
+            </a:r>
+            <a:endParaRPr lang="de-CH" sz="1600" dirty="0">
+              <a:solidFill>
+                <a:schemeClr val="accent4"/>
+              </a:solidFill>
+            </a:endParaRPr>
           </a:p>
         </p:txBody>
       </p:sp>
     </p:spTree>
     <p:extLst>
       <p:ext uri="{BB962C8B-B14F-4D97-AF65-F5344CB8AC3E}">
-        <p14:creationId xmlns:p14="http://schemas.microsoft.com/office/powerpoint/2010/main" val="459052795"/>
+        <p14:creationId xmlns:p14="http://schemas.microsoft.com/office/powerpoint/2010/main" val="1010206708"/>
       </p:ext>
     </p:extLst>
   </p:cSld>
@@ -24869,46 +24659,77 @@
       </p:grpSpPr>
       <p:sp>
         <p:nvSpPr>
-          <p:cNvPr id="5" name="Rectangle 4"/>
+          <p:cNvPr id="2" name="TextBox 1"/>
+          <p:cNvSpPr txBox="1"/>
+          <p:nvPr/>
+        </p:nvSpPr>
+        <p:spPr>
+          <a:xfrm>
+            <a:off x="1362974" y="1303814"/>
+            <a:ext cx="9594293" cy="3770263"/>
+          </a:xfrm>
+          <a:prstGeom prst="rect">
+            <a:avLst/>
+          </a:prstGeom>
+          <a:noFill/>
+        </p:spPr>
+        <p:txBody>
+          <a:bodyPr wrap="none" rtlCol="0">
+            <a:spAutoFit/>
+          </a:bodyPr>
+          <a:lstStyle/>
+          <a:p>
+            <a:r>
+              <a:rPr lang="en-US" sz="23900" dirty="0" err="1">
+                <a:solidFill>
+                  <a:schemeClr val="accent2"/>
+                </a:solidFill>
+                <a:latin typeface="Yanone Kaffeesatz Regular" panose="02000000000000000000" pitchFamily="2" charset="0"/>
+              </a:rPr>
+              <a:t>TaskForce</a:t>
+            </a:r>
+            <a:endParaRPr lang="de-CH" sz="8800" dirty="0">
+              <a:solidFill>
+                <a:schemeClr val="accent4"/>
+              </a:solidFill>
+              <a:latin typeface="Yanone Kaffeesatz Regular" panose="02000000000000000000" pitchFamily="2" charset="0"/>
+            </a:endParaRPr>
+          </a:p>
+        </p:txBody>
+      </p:sp>
+      <p:sp>
+        <p:nvSpPr>
+          <p:cNvPr id="4" name="Rectangle 3"/>
           <p:cNvSpPr/>
           <p:nvPr/>
         </p:nvSpPr>
         <p:spPr>
           <a:xfrm>
-            <a:off x="1532301" y="2497976"/>
-            <a:ext cx="9127398" cy="1862048"/>
+            <a:off x="848705" y="814909"/>
+            <a:ext cx="4089581" cy="1107996"/>
           </a:xfrm>
           <a:prstGeom prst="rect">
             <a:avLst/>
           </a:prstGeom>
         </p:spPr>
         <p:txBody>
-          <a:bodyPr wrap="square">
+          <a:bodyPr wrap="none">
             <a:spAutoFit/>
           </a:bodyPr>
           <a:lstStyle/>
           <a:p>
             <a:r>
-              <a:rPr lang="en-US" sz="11500" dirty="0">
+              <a:rPr lang="en-US" sz="6600" dirty="0">
                 <a:solidFill>
                   <a:schemeClr val="tx2"/>
                 </a:solidFill>
                 <a:latin typeface="Yanone Kaffeesatz Regular" panose="02000000000000000000" pitchFamily="2" charset="0"/>
               </a:rPr>
-              <a:t>You have to </a:t>
-            </a:r>
-            <a:r>
-              <a:rPr lang="en-US" sz="11500" dirty="0">
-                <a:solidFill>
-                  <a:schemeClr val="accent4"/>
-                </a:solidFill>
-                <a:latin typeface="Yanone Kaffeesatz Regular" panose="02000000000000000000" pitchFamily="2" charset="0"/>
-              </a:rPr>
-              <a:t>engage</a:t>
-            </a:r>
-            <a:endParaRPr lang="de-CH" sz="1400" dirty="0">
+              <a:t>consensus in a</a:t>
+            </a:r>
+            <a:endParaRPr lang="de-CH" sz="6600" dirty="0">
               <a:solidFill>
-                <a:schemeClr val="accent4"/>
+                <a:schemeClr val="tx2"/>
               </a:solidFill>
             </a:endParaRPr>
           </a:p>
@@ -24917,7 +24738,7 @@
     </p:spTree>
     <p:extLst>
       <p:ext uri="{BB962C8B-B14F-4D97-AF65-F5344CB8AC3E}">
-        <p14:creationId xmlns:p14="http://schemas.microsoft.com/office/powerpoint/2010/main" val="3682985106"/>
+        <p14:creationId xmlns:p14="http://schemas.microsoft.com/office/powerpoint/2010/main" val="3841064567"/>
       </p:ext>
     </p:extLst>
   </p:cSld>
@@ -24946,65 +24767,42 @@
       </p:grpSpPr>
       <p:sp>
         <p:nvSpPr>
-          <p:cNvPr id="5" name="Rectangle 4"/>
+          <p:cNvPr id="2" name="Rectangle 1"/>
           <p:cNvSpPr/>
           <p:nvPr/>
         </p:nvSpPr>
         <p:spPr>
           <a:xfrm>
-            <a:off x="1532301" y="1613119"/>
-            <a:ext cx="9127398" cy="3631763"/>
+            <a:off x="3149520" y="1851645"/>
+            <a:ext cx="5892960" cy="3154710"/>
           </a:xfrm>
           <a:prstGeom prst="rect">
             <a:avLst/>
           </a:prstGeom>
         </p:spPr>
         <p:txBody>
-          <a:bodyPr wrap="square">
+          <a:bodyPr wrap="none">
             <a:spAutoFit/>
           </a:bodyPr>
           <a:lstStyle/>
           <a:p>
-            <a:pPr algn="ctr"/>
-            <a:r>
-              <a:rPr lang="en-US" sz="11500" dirty="0">
-                <a:solidFill>
-                  <a:schemeClr val="tx2"/>
+            <a:r>
+              <a:rPr lang="en-US" sz="19900" dirty="0">
+                <a:solidFill>
+                  <a:schemeClr val="accent2"/>
                 </a:solidFill>
                 <a:latin typeface="Yanone Kaffeesatz Regular" panose="02000000000000000000" pitchFamily="2" charset="0"/>
               </a:rPr>
-              <a:t>There is </a:t>
-            </a:r>
-            <a:r>
-              <a:rPr lang="en-US" sz="11500" dirty="0">
-                <a:solidFill>
-                  <a:schemeClr val="accent4"/>
-                </a:solidFill>
-                <a:latin typeface="Yanone Kaffeesatz Regular" panose="02000000000000000000" pitchFamily="2" charset="0"/>
-              </a:rPr>
-              <a:t>no ladder </a:t>
-            </a:r>
-            <a:r>
-              <a:rPr lang="en-US" sz="11500" dirty="0">
-                <a:solidFill>
-                  <a:schemeClr val="tx2"/>
-                </a:solidFill>
-                <a:latin typeface="Yanone Kaffeesatz Regular" panose="02000000000000000000" pitchFamily="2" charset="0"/>
-              </a:rPr>
-              <a:t>to climb</a:t>
-            </a:r>
-            <a:endParaRPr lang="de-CH" sz="1400" dirty="0">
-              <a:solidFill>
-                <a:schemeClr val="accent4"/>
-              </a:solidFill>
-            </a:endParaRPr>
+              <a:t>Metrics</a:t>
+            </a:r>
+            <a:endParaRPr lang="de-CH" sz="2000" dirty="0"/>
           </a:p>
         </p:txBody>
       </p:sp>
     </p:spTree>
     <p:extLst>
       <p:ext uri="{BB962C8B-B14F-4D97-AF65-F5344CB8AC3E}">
-        <p14:creationId xmlns:p14="http://schemas.microsoft.com/office/powerpoint/2010/main" val="88348432"/>
+        <p14:creationId xmlns:p14="http://schemas.microsoft.com/office/powerpoint/2010/main" val="1868143842"/>
       </p:ext>
     </p:extLst>
   </p:cSld>
@@ -25033,47 +24831,77 @@
       </p:grpSpPr>
       <p:sp>
         <p:nvSpPr>
-          <p:cNvPr id="2" name="Rectangle 1"/>
+          <p:cNvPr id="2" name="TextBox 1"/>
+          <p:cNvSpPr txBox="1"/>
+          <p:nvPr/>
+        </p:nvSpPr>
+        <p:spPr>
+          <a:xfrm>
+            <a:off x="1362974" y="1303814"/>
+            <a:ext cx="9466053" cy="4508927"/>
+          </a:xfrm>
+          <a:prstGeom prst="rect">
+            <a:avLst/>
+          </a:prstGeom>
+          <a:noFill/>
+        </p:spPr>
+        <p:txBody>
+          <a:bodyPr wrap="none" rtlCol="0">
+            <a:spAutoFit/>
+          </a:bodyPr>
+          <a:lstStyle/>
+          <a:p>
+            <a:r>
+              <a:rPr lang="en-US" sz="28700" dirty="0">
+                <a:solidFill>
+                  <a:schemeClr val="accent2"/>
+                </a:solidFill>
+                <a:latin typeface="Yanone Kaffeesatz Regular" panose="02000000000000000000" pitchFamily="2" charset="0"/>
+              </a:rPr>
+              <a:t>perfect?</a:t>
+            </a:r>
+            <a:endParaRPr lang="de-CH" sz="9600" dirty="0">
+              <a:solidFill>
+                <a:schemeClr val="accent4"/>
+              </a:solidFill>
+              <a:latin typeface="Yanone Kaffeesatz Regular" panose="02000000000000000000" pitchFamily="2" charset="0"/>
+            </a:endParaRPr>
+          </a:p>
+        </p:txBody>
+      </p:sp>
+      <p:sp>
+        <p:nvSpPr>
+          <p:cNvPr id="4" name="Rectangle 3"/>
           <p:cNvSpPr/>
           <p:nvPr/>
         </p:nvSpPr>
         <p:spPr>
           <a:xfrm>
-            <a:off x="1532301" y="1613119"/>
-            <a:ext cx="9127398" cy="3631763"/>
+            <a:off x="848705" y="814909"/>
+            <a:ext cx="4294765" cy="1107996"/>
           </a:xfrm>
           <a:prstGeom prst="rect">
             <a:avLst/>
           </a:prstGeom>
         </p:spPr>
         <p:txBody>
-          <a:bodyPr wrap="square">
+          <a:bodyPr wrap="none">
             <a:spAutoFit/>
           </a:bodyPr>
           <a:lstStyle/>
           <a:p>
-            <a:pPr algn="ctr"/>
-            <a:r>
-              <a:rPr lang="en-US" sz="11500" dirty="0">
+            <a:r>
+              <a:rPr lang="en-US" sz="6600" dirty="0">
                 <a:solidFill>
                   <a:schemeClr val="tx2"/>
                 </a:solidFill>
                 <a:latin typeface="Yanone Kaffeesatz Regular" panose="02000000000000000000" pitchFamily="2" charset="0"/>
               </a:rPr>
-              <a:t>Communication is </a:t>
-            </a:r>
-            <a:r>
-              <a:rPr lang="en-US" sz="11500" dirty="0">
-                <a:solidFill>
-                  <a:schemeClr val="accent4"/>
-                </a:solidFill>
-                <a:latin typeface="Yanone Kaffeesatz Regular" panose="02000000000000000000" pitchFamily="2" charset="0"/>
-              </a:rPr>
-              <a:t>f… hard</a:t>
-            </a:r>
-            <a:endParaRPr lang="de-CH" sz="1400" dirty="0">
+              <a:t>so everything is</a:t>
+            </a:r>
+            <a:endParaRPr lang="de-CH" sz="6600" dirty="0">
               <a:solidFill>
-                <a:schemeClr val="accent4"/>
+                <a:schemeClr val="tx2"/>
               </a:solidFill>
             </a:endParaRPr>
           </a:p>
@@ -25082,7 +24910,7 @@
     </p:spTree>
     <p:extLst>
       <p:ext uri="{BB962C8B-B14F-4D97-AF65-F5344CB8AC3E}">
-        <p14:creationId xmlns:p14="http://schemas.microsoft.com/office/powerpoint/2010/main" val="438192938"/>
+        <p14:creationId xmlns:p14="http://schemas.microsoft.com/office/powerpoint/2010/main" val="3510896275"/>
       </p:ext>
     </p:extLst>
   </p:cSld>
@@ -25111,55 +24939,82 @@
       </p:grpSpPr>
       <p:sp>
         <p:nvSpPr>
-          <p:cNvPr id="5" name="Rectangle 4"/>
+          <p:cNvPr id="2" name="TextBox 1"/>
+          <p:cNvSpPr txBox="1"/>
+          <p:nvPr/>
+        </p:nvSpPr>
+        <p:spPr>
+          <a:xfrm>
+            <a:off x="3304133" y="2259107"/>
+            <a:ext cx="4036682" cy="2215991"/>
+          </a:xfrm>
+          <a:prstGeom prst="rect">
+            <a:avLst/>
+          </a:prstGeom>
+          <a:noFill/>
+        </p:spPr>
+        <p:txBody>
+          <a:bodyPr wrap="none" rtlCol="0">
+            <a:spAutoFit/>
+          </a:bodyPr>
+          <a:lstStyle/>
+          <a:p>
+            <a:r>
+              <a:rPr lang="en-US" sz="13800" dirty="0">
+                <a:solidFill>
+                  <a:schemeClr val="accent2"/>
+                </a:solidFill>
+                <a:latin typeface="Yanone Kaffeesatz Regular" panose="02000000000000000000" pitchFamily="2" charset="0"/>
+              </a:rPr>
+              <a:t>Almost</a:t>
+            </a:r>
+            <a:endParaRPr lang="de-CH" sz="6600" dirty="0">
+              <a:solidFill>
+                <a:schemeClr val="accent4"/>
+              </a:solidFill>
+              <a:latin typeface="Yanone Kaffeesatz Regular" panose="02000000000000000000" pitchFamily="2" charset="0"/>
+            </a:endParaRPr>
+          </a:p>
+        </p:txBody>
+      </p:sp>
+      <p:sp>
+        <p:nvSpPr>
+          <p:cNvPr id="3" name="Rectangle 2"/>
           <p:cNvSpPr/>
           <p:nvPr/>
         </p:nvSpPr>
         <p:spPr>
           <a:xfrm>
-            <a:off x="1532301" y="2497976"/>
-            <a:ext cx="9127398" cy="1862048"/>
+            <a:off x="7961153" y="1981505"/>
+            <a:ext cx="1196161" cy="2646878"/>
           </a:xfrm>
           <a:prstGeom prst="rect">
             <a:avLst/>
           </a:prstGeom>
         </p:spPr>
         <p:txBody>
-          <a:bodyPr wrap="square">
+          <a:bodyPr wrap="none">
             <a:spAutoFit/>
           </a:bodyPr>
           <a:lstStyle/>
           <a:p>
             <a:r>
-              <a:rPr lang="en-US" sz="11500" dirty="0">
-                <a:solidFill>
-                  <a:schemeClr val="tx2"/>
+              <a:rPr lang="en-US" sz="16600" dirty="0">
+                <a:solidFill>
+                  <a:schemeClr val="accent4"/>
                 </a:solidFill>
                 <a:latin typeface="Yanone Kaffeesatz Regular" panose="02000000000000000000" pitchFamily="2" charset="0"/>
               </a:rPr>
-              <a:t>Change </a:t>
-            </a:r>
-            <a:r>
-              <a:rPr lang="en-US" sz="11500" dirty="0">
-                <a:solidFill>
-                  <a:schemeClr val="accent4"/>
-                </a:solidFill>
-                <a:latin typeface="Yanone Kaffeesatz Regular" panose="02000000000000000000" pitchFamily="2" charset="0"/>
-              </a:rPr>
-              <a:t>never ends</a:t>
-            </a:r>
-            <a:endParaRPr lang="de-CH" sz="1400" dirty="0">
-              <a:solidFill>
-                <a:schemeClr val="accent4"/>
-              </a:solidFill>
-            </a:endParaRPr>
+              <a:t>;)</a:t>
+            </a:r>
+            <a:endParaRPr lang="de-CH" sz="16600" dirty="0"/>
           </a:p>
         </p:txBody>
       </p:sp>
     </p:spTree>
     <p:extLst>
       <p:ext uri="{BB962C8B-B14F-4D97-AF65-F5344CB8AC3E}">
-        <p14:creationId xmlns:p14="http://schemas.microsoft.com/office/powerpoint/2010/main" val="3775138859"/>
+        <p14:creationId xmlns:p14="http://schemas.microsoft.com/office/powerpoint/2010/main" val="2977014107"/>
       </p:ext>
     </p:extLst>
   </p:cSld>
@@ -25330,54 +25185,14 @@
       </p:grpSpPr>
       <p:sp>
         <p:nvSpPr>
-          <p:cNvPr id="2" name="TextBox 1"/>
-          <p:cNvSpPr txBox="1"/>
+          <p:cNvPr id="2" name="Rectangle 1"/>
+          <p:cNvSpPr/>
           <p:nvPr/>
         </p:nvSpPr>
         <p:spPr>
           <a:xfrm>
-            <a:off x="1362974" y="1303814"/>
-            <a:ext cx="5046574" cy="4508927"/>
-          </a:xfrm>
-          <a:prstGeom prst="rect">
-            <a:avLst/>
-          </a:prstGeom>
-          <a:noFill/>
-        </p:spPr>
-        <p:txBody>
-          <a:bodyPr wrap="none" rtlCol="0">
-            <a:spAutoFit/>
-          </a:bodyPr>
-          <a:lstStyle/>
-          <a:p>
-            <a:r>
-              <a:rPr lang="en-US" sz="28700" dirty="0">
-                <a:solidFill>
-                  <a:schemeClr val="accent2"/>
-                </a:solidFill>
-                <a:latin typeface="Yanone Kaffeesatz Regular" panose="02000000000000000000" pitchFamily="2" charset="0"/>
-              </a:rPr>
-              <a:t>Hey!</a:t>
-            </a:r>
-            <a:endParaRPr lang="de-CH" sz="9600" dirty="0">
-              <a:solidFill>
-                <a:schemeClr val="accent4"/>
-              </a:solidFill>
-              <a:latin typeface="Yanone Kaffeesatz Regular" panose="02000000000000000000" pitchFamily="2" charset="0"/>
-            </a:endParaRPr>
-          </a:p>
-        </p:txBody>
-      </p:sp>
-      <p:sp>
-        <p:nvSpPr>
-          <p:cNvPr id="4" name="Rectangle 3"/>
-          <p:cNvSpPr/>
-          <p:nvPr/>
-        </p:nvSpPr>
-        <p:spPr>
-          <a:xfrm>
-            <a:off x="848705" y="814909"/>
-            <a:ext cx="1218603" cy="1107996"/>
+            <a:off x="1842272" y="1851645"/>
+            <a:ext cx="8507457" cy="3154710"/>
           </a:xfrm>
           <a:prstGeom prst="rect">
             <a:avLst/>
@@ -25390,26 +25205,22 @@
           <a:lstStyle/>
           <a:p>
             <a:r>
-              <a:rPr lang="en-US" sz="6600" dirty="0">
-                <a:solidFill>
-                  <a:schemeClr val="tx2"/>
+              <a:rPr lang="en-US" sz="19900" dirty="0">
+                <a:solidFill>
+                  <a:schemeClr val="accent2"/>
                 </a:solidFill>
                 <a:latin typeface="Yanone Kaffeesatz Regular" panose="02000000000000000000" pitchFamily="2" charset="0"/>
               </a:rPr>
-              <a:t>but </a:t>
-            </a:r>
-            <a:endParaRPr lang="de-CH" sz="6600" dirty="0">
-              <a:solidFill>
-                <a:schemeClr val="tx2"/>
-              </a:solidFill>
-            </a:endParaRPr>
+              <a:t>Challenges</a:t>
+            </a:r>
+            <a:endParaRPr lang="de-CH" sz="2000" dirty="0"/>
           </a:p>
         </p:txBody>
       </p:sp>
     </p:spTree>
     <p:extLst>
       <p:ext uri="{BB962C8B-B14F-4D97-AF65-F5344CB8AC3E}">
-        <p14:creationId xmlns:p14="http://schemas.microsoft.com/office/powerpoint/2010/main" val="2100552588"/>
+        <p14:creationId xmlns:p14="http://schemas.microsoft.com/office/powerpoint/2010/main" val="459052795"/>
       </p:ext>
     </p:extLst>
   </p:cSld>
@@ -25438,6 +25249,433 @@
       </p:grpSpPr>
       <p:sp>
         <p:nvSpPr>
+          <p:cNvPr id="5" name="Rectangle 4"/>
+          <p:cNvSpPr/>
+          <p:nvPr/>
+        </p:nvSpPr>
+        <p:spPr>
+          <a:xfrm>
+            <a:off x="1532301" y="2497976"/>
+            <a:ext cx="9127398" cy="1862048"/>
+          </a:xfrm>
+          <a:prstGeom prst="rect">
+            <a:avLst/>
+          </a:prstGeom>
+        </p:spPr>
+        <p:txBody>
+          <a:bodyPr wrap="square">
+            <a:spAutoFit/>
+          </a:bodyPr>
+          <a:lstStyle/>
+          <a:p>
+            <a:r>
+              <a:rPr lang="en-US" sz="11500" dirty="0">
+                <a:solidFill>
+                  <a:schemeClr val="tx2"/>
+                </a:solidFill>
+                <a:latin typeface="Yanone Kaffeesatz Regular" panose="02000000000000000000" pitchFamily="2" charset="0"/>
+              </a:rPr>
+              <a:t>You have to </a:t>
+            </a:r>
+            <a:r>
+              <a:rPr lang="en-US" sz="11500" dirty="0">
+                <a:solidFill>
+                  <a:schemeClr val="accent4"/>
+                </a:solidFill>
+                <a:latin typeface="Yanone Kaffeesatz Regular" panose="02000000000000000000" pitchFamily="2" charset="0"/>
+              </a:rPr>
+              <a:t>engage</a:t>
+            </a:r>
+            <a:endParaRPr lang="de-CH" sz="1400" dirty="0">
+              <a:solidFill>
+                <a:schemeClr val="accent4"/>
+              </a:solidFill>
+            </a:endParaRPr>
+          </a:p>
+        </p:txBody>
+      </p:sp>
+    </p:spTree>
+    <p:extLst>
+      <p:ext uri="{BB962C8B-B14F-4D97-AF65-F5344CB8AC3E}">
+        <p14:creationId xmlns:p14="http://schemas.microsoft.com/office/powerpoint/2010/main" val="3682985106"/>
+      </p:ext>
+    </p:extLst>
+  </p:cSld>
+  <p:clrMapOvr>
+    <a:masterClrMapping/>
+  </p:clrMapOvr>
+</p:sld>
+</file>
+
+<file path=ppt/slides/slide52.xml><?xml version="1.0" encoding="utf-8"?>
+<p:sld xmlns:a="http://schemas.openxmlformats.org/drawingml/2006/main" xmlns:r="http://schemas.openxmlformats.org/officeDocument/2006/relationships" xmlns:p="http://schemas.openxmlformats.org/presentationml/2006/main">
+  <p:cSld>
+    <p:spTree>
+      <p:nvGrpSpPr>
+        <p:cNvPr id="1" name=""/>
+        <p:cNvGrpSpPr/>
+        <p:nvPr/>
+      </p:nvGrpSpPr>
+      <p:grpSpPr>
+        <a:xfrm>
+          <a:off x="0" y="0"/>
+          <a:ext cx="0" cy="0"/>
+          <a:chOff x="0" y="0"/>
+          <a:chExt cx="0" cy="0"/>
+        </a:xfrm>
+      </p:grpSpPr>
+      <p:sp>
+        <p:nvSpPr>
+          <p:cNvPr id="5" name="Rectangle 4"/>
+          <p:cNvSpPr/>
+          <p:nvPr/>
+        </p:nvSpPr>
+        <p:spPr>
+          <a:xfrm>
+            <a:off x="1532301" y="1613119"/>
+            <a:ext cx="9127398" cy="3631763"/>
+          </a:xfrm>
+          <a:prstGeom prst="rect">
+            <a:avLst/>
+          </a:prstGeom>
+        </p:spPr>
+        <p:txBody>
+          <a:bodyPr wrap="square">
+            <a:spAutoFit/>
+          </a:bodyPr>
+          <a:lstStyle/>
+          <a:p>
+            <a:pPr algn="ctr"/>
+            <a:r>
+              <a:rPr lang="en-US" sz="11500" dirty="0">
+                <a:solidFill>
+                  <a:schemeClr val="tx2"/>
+                </a:solidFill>
+                <a:latin typeface="Yanone Kaffeesatz Regular" panose="02000000000000000000" pitchFamily="2" charset="0"/>
+              </a:rPr>
+              <a:t>There is </a:t>
+            </a:r>
+            <a:r>
+              <a:rPr lang="en-US" sz="11500" dirty="0">
+                <a:solidFill>
+                  <a:schemeClr val="accent4"/>
+                </a:solidFill>
+                <a:latin typeface="Yanone Kaffeesatz Regular" panose="02000000000000000000" pitchFamily="2" charset="0"/>
+              </a:rPr>
+              <a:t>no ladder </a:t>
+            </a:r>
+            <a:r>
+              <a:rPr lang="en-US" sz="11500" dirty="0">
+                <a:solidFill>
+                  <a:schemeClr val="tx2"/>
+                </a:solidFill>
+                <a:latin typeface="Yanone Kaffeesatz Regular" panose="02000000000000000000" pitchFamily="2" charset="0"/>
+              </a:rPr>
+              <a:t>to climb</a:t>
+            </a:r>
+            <a:endParaRPr lang="de-CH" sz="1400" dirty="0">
+              <a:solidFill>
+                <a:schemeClr val="accent4"/>
+              </a:solidFill>
+            </a:endParaRPr>
+          </a:p>
+        </p:txBody>
+      </p:sp>
+    </p:spTree>
+    <p:extLst>
+      <p:ext uri="{BB962C8B-B14F-4D97-AF65-F5344CB8AC3E}">
+        <p14:creationId xmlns:p14="http://schemas.microsoft.com/office/powerpoint/2010/main" val="88348432"/>
+      </p:ext>
+    </p:extLst>
+  </p:cSld>
+  <p:clrMapOvr>
+    <a:masterClrMapping/>
+  </p:clrMapOvr>
+</p:sld>
+</file>
+
+<file path=ppt/slides/slide53.xml><?xml version="1.0" encoding="utf-8"?>
+<p:sld xmlns:a="http://schemas.openxmlformats.org/drawingml/2006/main" xmlns:r="http://schemas.openxmlformats.org/officeDocument/2006/relationships" xmlns:p="http://schemas.openxmlformats.org/presentationml/2006/main">
+  <p:cSld>
+    <p:spTree>
+      <p:nvGrpSpPr>
+        <p:cNvPr id="1" name=""/>
+        <p:cNvGrpSpPr/>
+        <p:nvPr/>
+      </p:nvGrpSpPr>
+      <p:grpSpPr>
+        <a:xfrm>
+          <a:off x="0" y="0"/>
+          <a:ext cx="0" cy="0"/>
+          <a:chOff x="0" y="0"/>
+          <a:chExt cx="0" cy="0"/>
+        </a:xfrm>
+      </p:grpSpPr>
+      <p:sp>
+        <p:nvSpPr>
+          <p:cNvPr id="2" name="Rectangle 1"/>
+          <p:cNvSpPr/>
+          <p:nvPr/>
+        </p:nvSpPr>
+        <p:spPr>
+          <a:xfrm>
+            <a:off x="1532301" y="1613119"/>
+            <a:ext cx="9127398" cy="3631763"/>
+          </a:xfrm>
+          <a:prstGeom prst="rect">
+            <a:avLst/>
+          </a:prstGeom>
+        </p:spPr>
+        <p:txBody>
+          <a:bodyPr wrap="square">
+            <a:spAutoFit/>
+          </a:bodyPr>
+          <a:lstStyle/>
+          <a:p>
+            <a:pPr algn="ctr"/>
+            <a:r>
+              <a:rPr lang="en-US" sz="11500" dirty="0">
+                <a:solidFill>
+                  <a:schemeClr val="tx2"/>
+                </a:solidFill>
+                <a:latin typeface="Yanone Kaffeesatz Regular" panose="02000000000000000000" pitchFamily="2" charset="0"/>
+              </a:rPr>
+              <a:t>Communication is </a:t>
+            </a:r>
+            <a:r>
+              <a:rPr lang="en-US" sz="11500" dirty="0">
+                <a:solidFill>
+                  <a:schemeClr val="accent4"/>
+                </a:solidFill>
+                <a:latin typeface="Yanone Kaffeesatz Regular" panose="02000000000000000000" pitchFamily="2" charset="0"/>
+              </a:rPr>
+              <a:t>f… hard</a:t>
+            </a:r>
+            <a:endParaRPr lang="de-CH" sz="1400" dirty="0">
+              <a:solidFill>
+                <a:schemeClr val="accent4"/>
+              </a:solidFill>
+            </a:endParaRPr>
+          </a:p>
+        </p:txBody>
+      </p:sp>
+    </p:spTree>
+    <p:extLst>
+      <p:ext uri="{BB962C8B-B14F-4D97-AF65-F5344CB8AC3E}">
+        <p14:creationId xmlns:p14="http://schemas.microsoft.com/office/powerpoint/2010/main" val="438192938"/>
+      </p:ext>
+    </p:extLst>
+  </p:cSld>
+  <p:clrMapOvr>
+    <a:masterClrMapping/>
+  </p:clrMapOvr>
+</p:sld>
+</file>
+
+<file path=ppt/slides/slide54.xml><?xml version="1.0" encoding="utf-8"?>
+<p:sld xmlns:a="http://schemas.openxmlformats.org/drawingml/2006/main" xmlns:r="http://schemas.openxmlformats.org/officeDocument/2006/relationships" xmlns:p="http://schemas.openxmlformats.org/presentationml/2006/main">
+  <p:cSld>
+    <p:spTree>
+      <p:nvGrpSpPr>
+        <p:cNvPr id="1" name=""/>
+        <p:cNvGrpSpPr/>
+        <p:nvPr/>
+      </p:nvGrpSpPr>
+      <p:grpSpPr>
+        <a:xfrm>
+          <a:off x="0" y="0"/>
+          <a:ext cx="0" cy="0"/>
+          <a:chOff x="0" y="0"/>
+          <a:chExt cx="0" cy="0"/>
+        </a:xfrm>
+      </p:grpSpPr>
+      <p:sp>
+        <p:nvSpPr>
+          <p:cNvPr id="5" name="Rectangle 4"/>
+          <p:cNvSpPr/>
+          <p:nvPr/>
+        </p:nvSpPr>
+        <p:spPr>
+          <a:xfrm>
+            <a:off x="1532301" y="2497976"/>
+            <a:ext cx="9127398" cy="1862048"/>
+          </a:xfrm>
+          <a:prstGeom prst="rect">
+            <a:avLst/>
+          </a:prstGeom>
+        </p:spPr>
+        <p:txBody>
+          <a:bodyPr wrap="square">
+            <a:spAutoFit/>
+          </a:bodyPr>
+          <a:lstStyle/>
+          <a:p>
+            <a:r>
+              <a:rPr lang="en-US" sz="11500" dirty="0">
+                <a:solidFill>
+                  <a:schemeClr val="tx2"/>
+                </a:solidFill>
+                <a:latin typeface="Yanone Kaffeesatz Regular" panose="02000000000000000000" pitchFamily="2" charset="0"/>
+              </a:rPr>
+              <a:t>Change </a:t>
+            </a:r>
+            <a:r>
+              <a:rPr lang="en-US" sz="11500" dirty="0">
+                <a:solidFill>
+                  <a:schemeClr val="accent4"/>
+                </a:solidFill>
+                <a:latin typeface="Yanone Kaffeesatz Regular" panose="02000000000000000000" pitchFamily="2" charset="0"/>
+              </a:rPr>
+              <a:t>never ends</a:t>
+            </a:r>
+            <a:endParaRPr lang="de-CH" sz="1400" dirty="0">
+              <a:solidFill>
+                <a:schemeClr val="accent4"/>
+              </a:solidFill>
+            </a:endParaRPr>
+          </a:p>
+        </p:txBody>
+      </p:sp>
+    </p:spTree>
+    <p:extLst>
+      <p:ext uri="{BB962C8B-B14F-4D97-AF65-F5344CB8AC3E}">
+        <p14:creationId xmlns:p14="http://schemas.microsoft.com/office/powerpoint/2010/main" val="3775138859"/>
+      </p:ext>
+    </p:extLst>
+  </p:cSld>
+  <p:clrMapOvr>
+    <a:masterClrMapping/>
+  </p:clrMapOvr>
+</p:sld>
+</file>
+
+<file path=ppt/slides/slide55.xml><?xml version="1.0" encoding="utf-8"?>
+<p:sld xmlns:a="http://schemas.openxmlformats.org/drawingml/2006/main" xmlns:r="http://schemas.openxmlformats.org/officeDocument/2006/relationships" xmlns:p="http://schemas.openxmlformats.org/presentationml/2006/main">
+  <p:cSld>
+    <p:spTree>
+      <p:nvGrpSpPr>
+        <p:cNvPr id="1" name=""/>
+        <p:cNvGrpSpPr/>
+        <p:nvPr/>
+      </p:nvGrpSpPr>
+      <p:grpSpPr>
+        <a:xfrm>
+          <a:off x="0" y="0"/>
+          <a:ext cx="0" cy="0"/>
+          <a:chOff x="0" y="0"/>
+          <a:chExt cx="0" cy="0"/>
+        </a:xfrm>
+      </p:grpSpPr>
+      <p:sp>
+        <p:nvSpPr>
+          <p:cNvPr id="2" name="TextBox 1"/>
+          <p:cNvSpPr txBox="1"/>
+          <p:nvPr/>
+        </p:nvSpPr>
+        <p:spPr>
+          <a:xfrm>
+            <a:off x="1362974" y="1303814"/>
+            <a:ext cx="5046574" cy="4508927"/>
+          </a:xfrm>
+          <a:prstGeom prst="rect">
+            <a:avLst/>
+          </a:prstGeom>
+          <a:noFill/>
+        </p:spPr>
+        <p:txBody>
+          <a:bodyPr wrap="none" rtlCol="0">
+            <a:spAutoFit/>
+          </a:bodyPr>
+          <a:lstStyle/>
+          <a:p>
+            <a:r>
+              <a:rPr lang="en-US" sz="28700" dirty="0">
+                <a:solidFill>
+                  <a:schemeClr val="accent2"/>
+                </a:solidFill>
+                <a:latin typeface="Yanone Kaffeesatz Regular" panose="02000000000000000000" pitchFamily="2" charset="0"/>
+              </a:rPr>
+              <a:t>Hey!</a:t>
+            </a:r>
+            <a:endParaRPr lang="de-CH" sz="9600" dirty="0">
+              <a:solidFill>
+                <a:schemeClr val="accent4"/>
+              </a:solidFill>
+              <a:latin typeface="Yanone Kaffeesatz Regular" panose="02000000000000000000" pitchFamily="2" charset="0"/>
+            </a:endParaRPr>
+          </a:p>
+        </p:txBody>
+      </p:sp>
+      <p:sp>
+        <p:nvSpPr>
+          <p:cNvPr id="4" name="Rectangle 3"/>
+          <p:cNvSpPr/>
+          <p:nvPr/>
+        </p:nvSpPr>
+        <p:spPr>
+          <a:xfrm>
+            <a:off x="848705" y="814909"/>
+            <a:ext cx="1218603" cy="1107996"/>
+          </a:xfrm>
+          <a:prstGeom prst="rect">
+            <a:avLst/>
+          </a:prstGeom>
+        </p:spPr>
+        <p:txBody>
+          <a:bodyPr wrap="none">
+            <a:spAutoFit/>
+          </a:bodyPr>
+          <a:lstStyle/>
+          <a:p>
+            <a:r>
+              <a:rPr lang="en-US" sz="6600" dirty="0">
+                <a:solidFill>
+                  <a:schemeClr val="tx2"/>
+                </a:solidFill>
+                <a:latin typeface="Yanone Kaffeesatz Regular" panose="02000000000000000000" pitchFamily="2" charset="0"/>
+              </a:rPr>
+              <a:t>but </a:t>
+            </a:r>
+            <a:endParaRPr lang="de-CH" sz="6600" dirty="0">
+              <a:solidFill>
+                <a:schemeClr val="tx2"/>
+              </a:solidFill>
+            </a:endParaRPr>
+          </a:p>
+        </p:txBody>
+      </p:sp>
+    </p:spTree>
+    <p:extLst>
+      <p:ext uri="{BB962C8B-B14F-4D97-AF65-F5344CB8AC3E}">
+        <p14:creationId xmlns:p14="http://schemas.microsoft.com/office/powerpoint/2010/main" val="2100552588"/>
+      </p:ext>
+    </p:extLst>
+  </p:cSld>
+  <p:clrMapOvr>
+    <a:masterClrMapping/>
+  </p:clrMapOvr>
+</p:sld>
+</file>
+
+<file path=ppt/slides/slide56.xml><?xml version="1.0" encoding="utf-8"?>
+<p:sld xmlns:a="http://schemas.openxmlformats.org/drawingml/2006/main" xmlns:r="http://schemas.openxmlformats.org/officeDocument/2006/relationships" xmlns:p="http://schemas.openxmlformats.org/presentationml/2006/main">
+  <p:cSld>
+    <p:spTree>
+      <p:nvGrpSpPr>
+        <p:cNvPr id="1" name=""/>
+        <p:cNvGrpSpPr/>
+        <p:nvPr/>
+      </p:nvGrpSpPr>
+      <p:grpSpPr>
+        <a:xfrm>
+          <a:off x="0" y="0"/>
+          <a:ext cx="0" cy="0"/>
+          <a:chOff x="0" y="0"/>
+          <a:chExt cx="0" cy="0"/>
+        </a:xfrm>
+      </p:grpSpPr>
+      <p:sp>
+        <p:nvSpPr>
           <p:cNvPr id="2" name="TextBox 1"/>
           <p:cNvSpPr txBox="1"/>
           <p:nvPr/>
@@ -25527,7 +25765,7 @@
 </p:sld>
 </file>
 
-<file path=ppt/slides/slide52.xml><?xml version="1.0" encoding="utf-8"?>
+<file path=ppt/slides/slide57.xml><?xml version="1.0" encoding="utf-8"?>
 <p:sld xmlns:a="http://schemas.openxmlformats.org/drawingml/2006/main" xmlns:r="http://schemas.openxmlformats.org/officeDocument/2006/relationships" xmlns:p="http://schemas.openxmlformats.org/presentationml/2006/main">
   <p:cSld>
     <p:spTree>
@@ -25579,7 +25817,7 @@
 </p:sld>
 </file>
 
-<file path=ppt/slides/slide53.xml><?xml version="1.0" encoding="utf-8"?>
+<file path=ppt/slides/slide58.xml><?xml version="1.0" encoding="utf-8"?>
 <p:sld xmlns:a="http://schemas.openxmlformats.org/drawingml/2006/main" xmlns:r="http://schemas.openxmlformats.org/officeDocument/2006/relationships" xmlns:p="http://schemas.openxmlformats.org/presentationml/2006/main">
   <p:cSld>
     <p:spTree>
@@ -25690,7 +25928,7 @@
 </p:sld>
 </file>
 
-<file path=ppt/slides/slide54.xml><?xml version="1.0" encoding="utf-8"?>
+<file path=ppt/slides/slide59.xml><?xml version="1.0" encoding="utf-8"?>
 <p:sld xmlns:a="http://schemas.openxmlformats.org/drawingml/2006/main" xmlns:r="http://schemas.openxmlformats.org/officeDocument/2006/relationships" xmlns:p="http://schemas.openxmlformats.org/presentationml/2006/main">
   <p:cSld>
     <p:spTree>
@@ -25784,7 +26022,149 @@
 </p:sld>
 </file>
 
-<file path=ppt/slides/slide55.xml><?xml version="1.0" encoding="utf-8"?>
+<file path=ppt/slides/slide6.xml><?xml version="1.0" encoding="utf-8"?>
+<p:sld xmlns:a="http://schemas.openxmlformats.org/drawingml/2006/main" xmlns:r="http://schemas.openxmlformats.org/officeDocument/2006/relationships" xmlns:p="http://schemas.openxmlformats.org/presentationml/2006/main">
+  <p:cSld>
+    <p:spTree>
+      <p:nvGrpSpPr>
+        <p:cNvPr id="1" name=""/>
+        <p:cNvGrpSpPr/>
+        <p:nvPr/>
+      </p:nvGrpSpPr>
+      <p:grpSpPr>
+        <a:xfrm>
+          <a:off x="0" y="0"/>
+          <a:ext cx="0" cy="0"/>
+          <a:chOff x="0" y="0"/>
+          <a:chExt cx="0" cy="0"/>
+        </a:xfrm>
+      </p:grpSpPr>
+      <p:sp>
+        <p:nvSpPr>
+          <p:cNvPr id="2" name="TextBox 1"/>
+          <p:cNvSpPr txBox="1"/>
+          <p:nvPr/>
+        </p:nvSpPr>
+        <p:spPr>
+          <a:xfrm>
+            <a:off x="2481942" y="1721224"/>
+            <a:ext cx="6827510" cy="2646878"/>
+          </a:xfrm>
+          <a:prstGeom prst="rect">
+            <a:avLst/>
+          </a:prstGeom>
+          <a:noFill/>
+        </p:spPr>
+        <p:txBody>
+          <a:bodyPr wrap="none" rtlCol="0">
+            <a:spAutoFit/>
+          </a:bodyPr>
+          <a:lstStyle/>
+          <a:p>
+            <a:r>
+              <a:rPr lang="en-US" sz="16600" dirty="0">
+                <a:solidFill>
+                  <a:schemeClr val="accent2"/>
+                </a:solidFill>
+                <a:latin typeface="Yanone Kaffeesatz Regular" panose="02000000000000000000" pitchFamily="2" charset="0"/>
+              </a:rPr>
+              <a:t>How much</a:t>
+            </a:r>
+            <a:endParaRPr lang="de-CH" sz="7200" dirty="0">
+              <a:solidFill>
+                <a:schemeClr val="accent4"/>
+              </a:solidFill>
+              <a:latin typeface="Yanone Kaffeesatz Regular" panose="02000000000000000000" pitchFamily="2" charset="0"/>
+            </a:endParaRPr>
+          </a:p>
+        </p:txBody>
+      </p:sp>
+      <p:sp>
+        <p:nvSpPr>
+          <p:cNvPr id="3" name="Rectangle 2"/>
+          <p:cNvSpPr/>
+          <p:nvPr/>
+        </p:nvSpPr>
+        <p:spPr>
+          <a:xfrm>
+            <a:off x="6919022" y="3734441"/>
+            <a:ext cx="2858475" cy="1446550"/>
+          </a:xfrm>
+          <a:prstGeom prst="rect">
+            <a:avLst/>
+          </a:prstGeom>
+        </p:spPr>
+        <p:txBody>
+          <a:bodyPr wrap="none">
+            <a:spAutoFit/>
+          </a:bodyPr>
+          <a:lstStyle/>
+          <a:p>
+            <a:r>
+              <a:rPr lang="en-US" sz="8800" dirty="0">
+                <a:solidFill>
+                  <a:schemeClr val="accent4"/>
+                </a:solidFill>
+                <a:latin typeface="Yanone Kaffeesatz Regular" panose="02000000000000000000" pitchFamily="2" charset="0"/>
+              </a:rPr>
+              <a:t>you like</a:t>
+            </a:r>
+            <a:endParaRPr lang="de-CH" sz="8800" dirty="0"/>
+          </a:p>
+        </p:txBody>
+      </p:sp>
+      <p:sp>
+        <p:nvSpPr>
+          <p:cNvPr id="4" name="Rectangle 3"/>
+          <p:cNvSpPr/>
+          <p:nvPr/>
+        </p:nvSpPr>
+        <p:spPr>
+          <a:xfrm>
+            <a:off x="6959129" y="1243319"/>
+            <a:ext cx="2369559" cy="1107996"/>
+          </a:xfrm>
+          <a:prstGeom prst="rect">
+            <a:avLst/>
+          </a:prstGeom>
+        </p:spPr>
+        <p:txBody>
+          <a:bodyPr wrap="none">
+            <a:spAutoFit/>
+          </a:bodyPr>
+          <a:lstStyle/>
+          <a:p>
+            <a:r>
+              <a:rPr lang="en-US" sz="6600" dirty="0">
+                <a:solidFill>
+                  <a:schemeClr val="tx2"/>
+                </a:solidFill>
+                <a:latin typeface="Yanone Kaffeesatz Regular" panose="02000000000000000000" pitchFamily="2" charset="0"/>
+              </a:rPr>
+              <a:t>vacation</a:t>
+            </a:r>
+            <a:endParaRPr lang="de-CH" sz="6600" dirty="0">
+              <a:solidFill>
+                <a:schemeClr val="tx2"/>
+              </a:solidFill>
+            </a:endParaRPr>
+          </a:p>
+        </p:txBody>
+      </p:sp>
+    </p:spTree>
+    <p:extLst>
+      <p:ext uri="{BB962C8B-B14F-4D97-AF65-F5344CB8AC3E}">
+        <p14:creationId xmlns:p14="http://schemas.microsoft.com/office/powerpoint/2010/main" val="3030997416"/>
+      </p:ext>
+    </p:extLst>
+  </p:cSld>
+  <p:clrMapOvr>
+    <a:masterClrMapping/>
+  </p:clrMapOvr>
+</p:sld>
+</file>
+
+<file path=ppt/slides/slide60.xml><?xml version="1.0" encoding="utf-8"?>
 <p:sld xmlns:a="http://schemas.openxmlformats.org/drawingml/2006/main" xmlns:r="http://schemas.openxmlformats.org/officeDocument/2006/relationships" xmlns:p="http://schemas.openxmlformats.org/presentationml/2006/main">
   <p:cSld>
     <p:spTree>
@@ -25869,148 +26249,6 @@
     <p:extLst>
       <p:ext uri="{BB962C8B-B14F-4D97-AF65-F5344CB8AC3E}">
         <p14:creationId xmlns:p14="http://schemas.microsoft.com/office/powerpoint/2010/main" val="3887468163"/>
-      </p:ext>
-    </p:extLst>
-  </p:cSld>
-  <p:clrMapOvr>
-    <a:masterClrMapping/>
-  </p:clrMapOvr>
-</p:sld>
-</file>
-
-<file path=ppt/slides/slide6.xml><?xml version="1.0" encoding="utf-8"?>
-<p:sld xmlns:a="http://schemas.openxmlformats.org/drawingml/2006/main" xmlns:r="http://schemas.openxmlformats.org/officeDocument/2006/relationships" xmlns:p="http://schemas.openxmlformats.org/presentationml/2006/main">
-  <p:cSld>
-    <p:spTree>
-      <p:nvGrpSpPr>
-        <p:cNvPr id="1" name=""/>
-        <p:cNvGrpSpPr/>
-        <p:nvPr/>
-      </p:nvGrpSpPr>
-      <p:grpSpPr>
-        <a:xfrm>
-          <a:off x="0" y="0"/>
-          <a:ext cx="0" cy="0"/>
-          <a:chOff x="0" y="0"/>
-          <a:chExt cx="0" cy="0"/>
-        </a:xfrm>
-      </p:grpSpPr>
-      <p:sp>
-        <p:nvSpPr>
-          <p:cNvPr id="2" name="TextBox 1"/>
-          <p:cNvSpPr txBox="1"/>
-          <p:nvPr/>
-        </p:nvSpPr>
-        <p:spPr>
-          <a:xfrm>
-            <a:off x="2481942" y="1721224"/>
-            <a:ext cx="6827510" cy="2646878"/>
-          </a:xfrm>
-          <a:prstGeom prst="rect">
-            <a:avLst/>
-          </a:prstGeom>
-          <a:noFill/>
-        </p:spPr>
-        <p:txBody>
-          <a:bodyPr wrap="none" rtlCol="0">
-            <a:spAutoFit/>
-          </a:bodyPr>
-          <a:lstStyle/>
-          <a:p>
-            <a:r>
-              <a:rPr lang="en-US" sz="16600" dirty="0">
-                <a:solidFill>
-                  <a:schemeClr val="accent2"/>
-                </a:solidFill>
-                <a:latin typeface="Yanone Kaffeesatz Regular" panose="02000000000000000000" pitchFamily="2" charset="0"/>
-              </a:rPr>
-              <a:t>How much</a:t>
-            </a:r>
-            <a:endParaRPr lang="de-CH" sz="7200" dirty="0">
-              <a:solidFill>
-                <a:schemeClr val="accent4"/>
-              </a:solidFill>
-              <a:latin typeface="Yanone Kaffeesatz Regular" panose="02000000000000000000" pitchFamily="2" charset="0"/>
-            </a:endParaRPr>
-          </a:p>
-        </p:txBody>
-      </p:sp>
-      <p:sp>
-        <p:nvSpPr>
-          <p:cNvPr id="3" name="Rectangle 2"/>
-          <p:cNvSpPr/>
-          <p:nvPr/>
-        </p:nvSpPr>
-        <p:spPr>
-          <a:xfrm>
-            <a:off x="6919022" y="3734441"/>
-            <a:ext cx="2858475" cy="1446550"/>
-          </a:xfrm>
-          <a:prstGeom prst="rect">
-            <a:avLst/>
-          </a:prstGeom>
-        </p:spPr>
-        <p:txBody>
-          <a:bodyPr wrap="none">
-            <a:spAutoFit/>
-          </a:bodyPr>
-          <a:lstStyle/>
-          <a:p>
-            <a:r>
-              <a:rPr lang="en-US" sz="8800" dirty="0">
-                <a:solidFill>
-                  <a:schemeClr val="accent4"/>
-                </a:solidFill>
-                <a:latin typeface="Yanone Kaffeesatz Regular" panose="02000000000000000000" pitchFamily="2" charset="0"/>
-              </a:rPr>
-              <a:t>you like</a:t>
-            </a:r>
-            <a:endParaRPr lang="de-CH" sz="8800" dirty="0"/>
-          </a:p>
-        </p:txBody>
-      </p:sp>
-      <p:sp>
-        <p:nvSpPr>
-          <p:cNvPr id="4" name="Rectangle 3"/>
-          <p:cNvSpPr/>
-          <p:nvPr/>
-        </p:nvSpPr>
-        <p:spPr>
-          <a:xfrm>
-            <a:off x="6959129" y="1243319"/>
-            <a:ext cx="2369559" cy="1107996"/>
-          </a:xfrm>
-          <a:prstGeom prst="rect">
-            <a:avLst/>
-          </a:prstGeom>
-        </p:spPr>
-        <p:txBody>
-          <a:bodyPr wrap="none">
-            <a:spAutoFit/>
-          </a:bodyPr>
-          <a:lstStyle/>
-          <a:p>
-            <a:r>
-              <a:rPr lang="en-US" sz="6600" dirty="0">
-                <a:solidFill>
-                  <a:schemeClr val="tx2"/>
-                </a:solidFill>
-                <a:latin typeface="Yanone Kaffeesatz Regular" panose="02000000000000000000" pitchFamily="2" charset="0"/>
-              </a:rPr>
-              <a:t>vacation</a:t>
-            </a:r>
-            <a:endParaRPr lang="de-CH" sz="6600" dirty="0">
-              <a:solidFill>
-                <a:schemeClr val="tx2"/>
-              </a:solidFill>
-            </a:endParaRPr>
-          </a:p>
-        </p:txBody>
-      </p:sp>
-    </p:spTree>
-    <p:extLst>
-      <p:ext uri="{BB962C8B-B14F-4D97-AF65-F5344CB8AC3E}">
-        <p14:creationId xmlns:p14="http://schemas.microsoft.com/office/powerpoint/2010/main" val="3030997416"/>
       </p:ext>
     </p:extLst>
   </p:cSld>

--- a/presentation.pptx
+++ b/presentation.pptx
@@ -5,7 +5,7 @@
     <p:sldMasterId id="2147483684" r:id="rId1"/>
   </p:sldMasterIdLst>
   <p:notesMasterIdLst>
-    <p:notesMasterId r:id="rId62"/>
+    <p:notesMasterId r:id="rId63"/>
   </p:notesMasterIdLst>
   <p:sldIdLst>
     <p:sldId id="278" r:id="rId2"/>
@@ -42,32 +42,33 @@
     <p:sldId id="367" r:id="rId33"/>
     <p:sldId id="374" r:id="rId34"/>
     <p:sldId id="387" r:id="rId35"/>
-    <p:sldId id="368" r:id="rId36"/>
-    <p:sldId id="376" r:id="rId37"/>
-    <p:sldId id="377" r:id="rId38"/>
-    <p:sldId id="388" r:id="rId39"/>
-    <p:sldId id="378" r:id="rId40"/>
-    <p:sldId id="389" r:id="rId41"/>
-    <p:sldId id="390" r:id="rId42"/>
-    <p:sldId id="391" r:id="rId43"/>
-    <p:sldId id="392" r:id="rId44"/>
-    <p:sldId id="393" r:id="rId45"/>
-    <p:sldId id="369" r:id="rId46"/>
-    <p:sldId id="394" r:id="rId47"/>
-    <p:sldId id="395" r:id="rId48"/>
-    <p:sldId id="396" r:id="rId49"/>
-    <p:sldId id="371" r:id="rId50"/>
-    <p:sldId id="372" r:id="rId51"/>
-    <p:sldId id="370" r:id="rId52"/>
-    <p:sldId id="379" r:id="rId53"/>
-    <p:sldId id="380" r:id="rId54"/>
-    <p:sldId id="381" r:id="rId55"/>
-    <p:sldId id="382" r:id="rId56"/>
-    <p:sldId id="383" r:id="rId57"/>
-    <p:sldId id="384" r:id="rId58"/>
-    <p:sldId id="267" r:id="rId59"/>
-    <p:sldId id="275" r:id="rId60"/>
-    <p:sldId id="279" r:id="rId61"/>
+    <p:sldId id="397" r:id="rId36"/>
+    <p:sldId id="368" r:id="rId37"/>
+    <p:sldId id="376" r:id="rId38"/>
+    <p:sldId id="377" r:id="rId39"/>
+    <p:sldId id="388" r:id="rId40"/>
+    <p:sldId id="378" r:id="rId41"/>
+    <p:sldId id="389" r:id="rId42"/>
+    <p:sldId id="390" r:id="rId43"/>
+    <p:sldId id="391" r:id="rId44"/>
+    <p:sldId id="392" r:id="rId45"/>
+    <p:sldId id="393" r:id="rId46"/>
+    <p:sldId id="369" r:id="rId47"/>
+    <p:sldId id="394" r:id="rId48"/>
+    <p:sldId id="395" r:id="rId49"/>
+    <p:sldId id="396" r:id="rId50"/>
+    <p:sldId id="371" r:id="rId51"/>
+    <p:sldId id="372" r:id="rId52"/>
+    <p:sldId id="370" r:id="rId53"/>
+    <p:sldId id="379" r:id="rId54"/>
+    <p:sldId id="380" r:id="rId55"/>
+    <p:sldId id="381" r:id="rId56"/>
+    <p:sldId id="382" r:id="rId57"/>
+    <p:sldId id="383" r:id="rId58"/>
+    <p:sldId id="384" r:id="rId59"/>
+    <p:sldId id="267" r:id="rId60"/>
+    <p:sldId id="275" r:id="rId61"/>
+    <p:sldId id="279" r:id="rId62"/>
   </p:sldIdLst>
   <p:sldSz cx="12192000" cy="6858000"/>
   <p:notesSz cx="6858000" cy="9144000"/>
@@ -209,6 +210,7 @@
             <p14:sldId id="367"/>
             <p14:sldId id="374"/>
             <p14:sldId id="387"/>
+            <p14:sldId id="397"/>
             <p14:sldId id="368"/>
             <p14:sldId id="376"/>
             <p14:sldId id="377"/>
@@ -253,6 +255,10 @@
 </p:presentation>
 </file>
 
+<file path=ppt/revisionInfo.xml><?xml version="1.0" encoding="utf-8"?>
+<p1510:revInfo xmlns:a="http://schemas.openxmlformats.org/drawingml/2006/main" xmlns:r="http://schemas.openxmlformats.org/officeDocument/2006/relationships" xmlns:p1510="http://schemas.microsoft.com/office/powerpoint/2015/10/main"/>
+</file>
+
 <file path=ppt/notesMasters/notesMaster1.xml><?xml version="1.0" encoding="utf-8"?>
 <p:notesMaster xmlns:a="http://schemas.openxmlformats.org/drawingml/2006/main" xmlns:r="http://schemas.openxmlformats.org/officeDocument/2006/relationships" xmlns:p="http://schemas.openxmlformats.org/presentationml/2006/main">
   <p:cSld>
@@ -335,7 +341,7 @@
           <a:p>
             <a:fld id="{D987070D-87AF-4443-8990-425EA27CC244}" type="datetimeFigureOut">
               <a:rPr lang="de-CH" smtClean="0"/>
-              <a:t>25.04.2017</a:t>
+              <a:t>02.05.2017</a:t>
             </a:fld>
             <a:endParaRPr lang="de-CH"/>
           </a:p>
@@ -5552,6 +5558,101 @@
           <a:bodyPr/>
           <a:lstStyle/>
           <a:p>
+            <a:r>
+              <a:rPr lang="de-CH" dirty="0"/>
+              <a:t>Initiative</a:t>
+            </a:r>
+          </a:p>
+          <a:p>
+            <a:endParaRPr lang="en-US" dirty="0"/>
+          </a:p>
+          <a:p>
+            <a:r>
+              <a:rPr lang="en-US" sz="1200" b="0" i="0" kern="1200" dirty="0">
+                <a:solidFill>
+                  <a:schemeClr val="tx1"/>
+                </a:solidFill>
+                <a:effectLst/>
+                <a:latin typeface="+mn-lt"/>
+                <a:ea typeface="+mn-ea"/>
+                <a:cs typeface="+mn-cs"/>
+              </a:rPr>
+              <a:t>An initiative is an umbrella task for a large body of work where there is no identifiable end, and issues will be raised as the initiative progresses. It is likely that initiatives become de-activated at some point, and re-activated at a later point when more tasks are identified. One or more small issues can </a:t>
+            </a:r>
+            <a:r>
+              <a:rPr lang="en-US" sz="1200" b="1" i="0" kern="1200" dirty="0">
+                <a:solidFill>
+                  <a:schemeClr val="tx1"/>
+                </a:solidFill>
+                <a:effectLst/>
+                <a:latin typeface="+mn-lt"/>
+                <a:ea typeface="+mn-ea"/>
+                <a:cs typeface="+mn-cs"/>
+              </a:rPr>
+              <a:t>and should</a:t>
+            </a:r>
+            <a:r>
+              <a:rPr lang="en-US" sz="1200" b="0" i="0" kern="1200" dirty="0">
+                <a:solidFill>
+                  <a:schemeClr val="tx1"/>
+                </a:solidFill>
+                <a:effectLst/>
+                <a:latin typeface="+mn-lt"/>
+                <a:ea typeface="+mn-ea"/>
+                <a:cs typeface="+mn-cs"/>
+              </a:rPr>
+              <a:t> be created before an initiative is started to confirm if the initiative is valid.</a:t>
+            </a:r>
+          </a:p>
+          <a:p>
+            <a:endParaRPr lang="en-US" sz="1200" b="0" i="0" kern="1200" dirty="0">
+              <a:solidFill>
+                <a:schemeClr val="tx1"/>
+              </a:solidFill>
+              <a:effectLst/>
+              <a:latin typeface="+mn-lt"/>
+              <a:ea typeface="+mn-ea"/>
+              <a:cs typeface="+mn-cs"/>
+            </a:endParaRPr>
+          </a:p>
+          <a:p>
+            <a:r>
+              <a:rPr lang="en-US" sz="1200" b="0" i="0" kern="1200" dirty="0">
+                <a:solidFill>
+                  <a:schemeClr val="tx1"/>
+                </a:solidFill>
+                <a:effectLst/>
+                <a:latin typeface="+mn-lt"/>
+                <a:ea typeface="+mn-ea"/>
+                <a:cs typeface="+mn-cs"/>
+              </a:rPr>
+              <a:t>Project </a:t>
+            </a:r>
+          </a:p>
+          <a:p>
+            <a:endParaRPr lang="en-US" sz="1200" b="0" i="0" kern="1200" dirty="0">
+              <a:solidFill>
+                <a:schemeClr val="tx1"/>
+              </a:solidFill>
+              <a:effectLst/>
+              <a:latin typeface="+mn-lt"/>
+              <a:ea typeface="+mn-ea"/>
+              <a:cs typeface="+mn-cs"/>
+            </a:endParaRPr>
+          </a:p>
+          <a:p>
+            <a:r>
+              <a:rPr lang="en-US" sz="1200" b="0" i="0" kern="1200" dirty="0">
+                <a:solidFill>
+                  <a:schemeClr val="tx1"/>
+                </a:solidFill>
+                <a:effectLst/>
+                <a:latin typeface="+mn-lt"/>
+                <a:ea typeface="+mn-ea"/>
+                <a:cs typeface="+mn-cs"/>
+              </a:rPr>
+              <a:t>A project is an umbrella task for a large body of work where this is a specific definition of "done", and most of the issues are identifiable up front. The value delivery for a project is only realized upon completion. </a:t>
+            </a:r>
             <a:endParaRPr lang="de-CH" dirty="0"/>
           </a:p>
         </p:txBody>
@@ -5582,7 +5683,7 @@
     </p:spTree>
     <p:extLst>
       <p:ext uri="{BB962C8B-B14F-4D97-AF65-F5344CB8AC3E}">
-        <p14:creationId xmlns:p14="http://schemas.microsoft.com/office/powerpoint/2010/main" val="777540862"/>
+        <p14:creationId xmlns:p14="http://schemas.microsoft.com/office/powerpoint/2010/main" val="3286790058"/>
       </p:ext>
     </p:extLst>
   </p:cSld>
@@ -5637,75 +5738,230 @@
           <a:lstStyle/>
           <a:p>
             <a:r>
-              <a:rPr lang="en-US" sz="1200" b="0" i="0" kern="1200" dirty="0">
-                <a:solidFill>
-                  <a:schemeClr val="tx1"/>
-                </a:solidFill>
-                <a:effectLst/>
-                <a:latin typeface="+mn-lt"/>
-                <a:ea typeface="+mn-ea"/>
-                <a:cs typeface="+mn-cs"/>
-              </a:rPr>
-              <a:t>A guild is a cross-company community of interest - people that want to share knowledge, skills, and tools.</a:t>
-            </a:r>
-          </a:p>
-          <a:p>
-            <a:r>
-              <a:rPr lang="en-US" sz="1200" b="0" i="0" kern="1200" dirty="0">
-                <a:solidFill>
-                  <a:schemeClr val="tx1"/>
-                </a:solidFill>
-                <a:effectLst/>
-                <a:latin typeface="+mn-lt"/>
-                <a:ea typeface="+mn-ea"/>
-                <a:cs typeface="+mn-cs"/>
-              </a:rPr>
-              <a:t>Examples of guilds might include:</a:t>
-            </a:r>
-          </a:p>
-          <a:p>
-            <a:r>
-              <a:rPr lang="en-US" sz="1200" b="0" i="0" kern="1200" dirty="0">
-                <a:solidFill>
-                  <a:schemeClr val="tx1"/>
-                </a:solidFill>
-                <a:effectLst/>
-                <a:latin typeface="+mn-lt"/>
-                <a:ea typeface="+mn-ea"/>
-                <a:cs typeface="+mn-cs"/>
-              </a:rPr>
-              <a:t>Functional programming</a:t>
-            </a:r>
-          </a:p>
-          <a:p>
-            <a:r>
-              <a:rPr lang="en-US" sz="1200" b="0" i="0" kern="1200" dirty="0">
-                <a:solidFill>
-                  <a:schemeClr val="tx1"/>
-                </a:solidFill>
-                <a:effectLst/>
-                <a:latin typeface="+mn-lt"/>
-                <a:ea typeface="+mn-ea"/>
-                <a:cs typeface="+mn-cs"/>
-              </a:rPr>
-              <a:t>Presentation techniques</a:t>
-            </a:r>
-          </a:p>
-          <a:p>
-            <a:r>
-              <a:rPr lang="en-US" sz="1200" b="0" i="0" kern="1200" dirty="0">
-                <a:solidFill>
-                  <a:schemeClr val="tx1"/>
-                </a:solidFill>
-                <a:effectLst/>
-                <a:latin typeface="+mn-lt"/>
-                <a:ea typeface="+mn-ea"/>
-                <a:cs typeface="+mn-cs"/>
-              </a:rPr>
-              <a:t>People from across the company can take part in whichever and as many guilds as they like.</a:t>
-            </a:r>
-          </a:p>
-          <a:p>
+              <a:rPr lang="de-CH" dirty="0" err="1"/>
+              <a:t>You</a:t>
+            </a:r>
+            <a:r>
+              <a:rPr lang="de-CH" dirty="0"/>
+              <a:t> </a:t>
+            </a:r>
+            <a:r>
+              <a:rPr lang="de-CH" dirty="0" err="1"/>
+              <a:t>are</a:t>
+            </a:r>
+            <a:r>
+              <a:rPr lang="de-CH" dirty="0"/>
+              <a:t> not </a:t>
+            </a:r>
+            <a:r>
+              <a:rPr lang="de-CH" dirty="0" err="1"/>
+              <a:t>hired</a:t>
+            </a:r>
+            <a:r>
+              <a:rPr lang="de-CH" dirty="0"/>
+              <a:t> </a:t>
+            </a:r>
+            <a:r>
+              <a:rPr lang="de-CH" dirty="0" err="1"/>
+              <a:t>for</a:t>
+            </a:r>
+            <a:r>
+              <a:rPr lang="de-CH" dirty="0"/>
+              <a:t> a </a:t>
+            </a:r>
+            <a:r>
+              <a:rPr lang="de-CH" dirty="0" err="1"/>
+              <a:t>specific</a:t>
+            </a:r>
+            <a:r>
+              <a:rPr lang="de-CH" dirty="0"/>
+              <a:t> </a:t>
+            </a:r>
+            <a:r>
+              <a:rPr lang="de-CH" dirty="0" err="1"/>
+              <a:t>position</a:t>
+            </a:r>
+            <a:endParaRPr lang="de-CH" dirty="0"/>
+          </a:p>
+          <a:p>
+            <a:r>
+              <a:rPr lang="de-CH" dirty="0" err="1"/>
+              <a:t>You</a:t>
+            </a:r>
+            <a:r>
+              <a:rPr lang="de-CH" dirty="0"/>
+              <a:t> </a:t>
+            </a:r>
+            <a:r>
+              <a:rPr lang="de-CH" dirty="0" err="1"/>
+              <a:t>are</a:t>
+            </a:r>
+            <a:r>
+              <a:rPr lang="de-CH" dirty="0"/>
+              <a:t> </a:t>
+            </a:r>
+            <a:r>
+              <a:rPr lang="de-CH" dirty="0" err="1"/>
+              <a:t>hired</a:t>
+            </a:r>
+            <a:r>
+              <a:rPr lang="de-CH" dirty="0"/>
+              <a:t> </a:t>
+            </a:r>
+            <a:r>
+              <a:rPr lang="de-CH" dirty="0" err="1"/>
+              <a:t>because</a:t>
+            </a:r>
+            <a:r>
+              <a:rPr lang="de-CH" dirty="0"/>
+              <a:t> </a:t>
+            </a:r>
+            <a:r>
+              <a:rPr lang="de-CH" dirty="0" err="1"/>
+              <a:t>of</a:t>
+            </a:r>
+            <a:r>
+              <a:rPr lang="de-CH" dirty="0"/>
+              <a:t> </a:t>
+            </a:r>
+            <a:r>
+              <a:rPr lang="de-CH" dirty="0" err="1"/>
+              <a:t>your</a:t>
+            </a:r>
+            <a:r>
+              <a:rPr lang="de-CH" dirty="0"/>
+              <a:t> </a:t>
+            </a:r>
+            <a:r>
+              <a:rPr lang="de-CH" dirty="0" err="1"/>
+              <a:t>skills</a:t>
+            </a:r>
+            <a:r>
+              <a:rPr lang="de-CH" dirty="0"/>
+              <a:t> </a:t>
+            </a:r>
+            <a:r>
+              <a:rPr lang="de-CH" dirty="0" err="1"/>
+              <a:t>and</a:t>
+            </a:r>
+            <a:r>
+              <a:rPr lang="de-CH" dirty="0"/>
+              <a:t> </a:t>
+            </a:r>
+            <a:r>
+              <a:rPr lang="de-CH" dirty="0" err="1"/>
+              <a:t>growth</a:t>
+            </a:r>
+            <a:r>
+              <a:rPr lang="de-CH" dirty="0"/>
+              <a:t> </a:t>
+            </a:r>
+            <a:r>
+              <a:rPr lang="de-CH" dirty="0" err="1"/>
+              <a:t>opportunities</a:t>
+            </a:r>
+            <a:endParaRPr lang="de-CH" dirty="0"/>
+          </a:p>
+          <a:p>
+            <a:r>
+              <a:rPr lang="de-CH" dirty="0" err="1"/>
+              <a:t>Your</a:t>
+            </a:r>
+            <a:r>
+              <a:rPr lang="de-CH" dirty="0"/>
+              <a:t> </a:t>
+            </a:r>
+            <a:r>
+              <a:rPr lang="de-CH" dirty="0" err="1"/>
+              <a:t>responsibilities</a:t>
+            </a:r>
+            <a:r>
+              <a:rPr lang="de-CH" dirty="0"/>
+              <a:t> </a:t>
+            </a:r>
+            <a:r>
+              <a:rPr lang="de-CH" dirty="0" err="1"/>
+              <a:t>are</a:t>
+            </a:r>
+            <a:r>
+              <a:rPr lang="de-CH" dirty="0"/>
+              <a:t> not </a:t>
+            </a:r>
+            <a:r>
+              <a:rPr lang="de-CH" dirty="0" err="1"/>
+              <a:t>fixed</a:t>
+            </a:r>
+            <a:endParaRPr lang="de-CH" dirty="0"/>
+          </a:p>
+          <a:p>
+            <a:r>
+              <a:rPr lang="de-CH" dirty="0" err="1"/>
+              <a:t>There</a:t>
+            </a:r>
+            <a:r>
+              <a:rPr lang="de-CH" dirty="0"/>
+              <a:t> </a:t>
+            </a:r>
+            <a:r>
+              <a:rPr lang="de-CH" dirty="0" err="1"/>
+              <a:t>is</a:t>
+            </a:r>
+            <a:r>
+              <a:rPr lang="de-CH" dirty="0"/>
+              <a:t> </a:t>
+            </a:r>
+            <a:r>
+              <a:rPr lang="de-CH" dirty="0" err="1"/>
+              <a:t>no</a:t>
+            </a:r>
+            <a:r>
+              <a:rPr lang="de-CH" dirty="0"/>
+              <a:t> </a:t>
+            </a:r>
+            <a:r>
+              <a:rPr lang="de-CH" dirty="0" err="1"/>
+              <a:t>job</a:t>
+            </a:r>
+            <a:r>
+              <a:rPr lang="de-CH" dirty="0"/>
+              <a:t> </a:t>
+            </a:r>
+            <a:r>
+              <a:rPr lang="de-CH" dirty="0" err="1"/>
+              <a:t>description</a:t>
+            </a:r>
+            <a:r>
+              <a:rPr lang="de-CH" dirty="0"/>
+              <a:t> </a:t>
+            </a:r>
+            <a:r>
+              <a:rPr lang="de-CH" dirty="0" err="1"/>
+              <a:t>or</a:t>
+            </a:r>
+            <a:r>
+              <a:rPr lang="de-CH" dirty="0"/>
+              <a:t> title on </a:t>
+            </a:r>
+            <a:r>
+              <a:rPr lang="de-CH" dirty="0" err="1"/>
+              <a:t>your</a:t>
+            </a:r>
+            <a:r>
+              <a:rPr lang="de-CH" dirty="0"/>
+              <a:t> </a:t>
+            </a:r>
+            <a:r>
+              <a:rPr lang="de-CH" dirty="0" err="1"/>
+              <a:t>business</a:t>
+            </a:r>
+            <a:r>
+              <a:rPr lang="de-CH" dirty="0"/>
+              <a:t> </a:t>
+            </a:r>
+            <a:r>
+              <a:rPr lang="de-CH" dirty="0" err="1"/>
+              <a:t>card</a:t>
+            </a:r>
             <a:endParaRPr lang="de-CH" dirty="0"/>
           </a:p>
         </p:txBody>
@@ -5736,7 +5992,7 @@
     </p:spTree>
     <p:extLst>
       <p:ext uri="{BB962C8B-B14F-4D97-AF65-F5344CB8AC3E}">
-        <p14:creationId xmlns:p14="http://schemas.microsoft.com/office/powerpoint/2010/main" val="1859961524"/>
+        <p14:creationId xmlns:p14="http://schemas.microsoft.com/office/powerpoint/2010/main" val="777540862"/>
       </p:ext>
     </p:extLst>
   </p:cSld>
@@ -5800,7 +6056,7 @@
                 <a:ea typeface="+mn-ea"/>
                 <a:cs typeface="+mn-cs"/>
               </a:rPr>
-              <a:t>A mentor is anyone in the organization who a staff member trusts to give them good advice. </a:t>
+              <a:t>A guild is a cross-company community of interest - people that want to share knowledge, skills, and tools.</a:t>
             </a:r>
           </a:p>
           <a:p>
@@ -5814,7 +6070,7 @@
                 <a:ea typeface="+mn-ea"/>
                 <a:cs typeface="+mn-cs"/>
               </a:rPr>
-              <a:t>This is a confidential relationship, focused more on values and behaviors than skills. </a:t>
+              <a:t>Examples of guilds might include:</a:t>
             </a:r>
           </a:p>
           <a:p>
@@ -5828,19 +6084,8 @@
                 <a:ea typeface="+mn-ea"/>
                 <a:cs typeface="+mn-cs"/>
               </a:rPr>
-              <a:t>The mentor is a non-judgmental sounding board, and there are no repercussions from anything shared during discussions. </a:t>
-            </a:r>
-          </a:p>
-          <a:p>
-            <a:endParaRPr lang="en-US" sz="1200" b="0" i="0" kern="1200" dirty="0">
-              <a:solidFill>
-                <a:schemeClr val="tx1"/>
-              </a:solidFill>
-              <a:effectLst/>
-              <a:latin typeface="+mn-lt"/>
-              <a:ea typeface="+mn-ea"/>
-              <a:cs typeface="+mn-cs"/>
-            </a:endParaRPr>
+              <a:t>Functional programming</a:t>
+            </a:r>
           </a:p>
           <a:p>
             <a:r>
@@ -5853,19 +6098,8 @@
                 <a:ea typeface="+mn-ea"/>
                 <a:cs typeface="+mn-cs"/>
               </a:rPr>
-              <a:t>Mentors use coaching skills to guide decision making. Rather than solving problems, mentors guide us to solve a problem ourselves. The focus of the guidance is on improvement, not on aligning with the company goals. mentors need to focus on the individual's needs, not the organization's. </a:t>
-            </a:r>
-          </a:p>
-          <a:p>
-            <a:endParaRPr lang="en-US" sz="1200" b="0" i="0" kern="1200" dirty="0">
-              <a:solidFill>
-                <a:schemeClr val="tx1"/>
-              </a:solidFill>
-              <a:effectLst/>
-              <a:latin typeface="+mn-lt"/>
-              <a:ea typeface="+mn-ea"/>
-              <a:cs typeface="+mn-cs"/>
-            </a:endParaRPr>
+              <a:t>Presentation techniques</a:t>
+            </a:r>
           </a:p>
           <a:p>
             <a:r>
@@ -5878,7 +6112,7 @@
                 <a:ea typeface="+mn-ea"/>
                 <a:cs typeface="+mn-cs"/>
               </a:rPr>
-              <a:t>next</a:t>
+              <a:t>People from across the company can take part in whichever and as many guilds as they like.</a:t>
             </a:r>
           </a:p>
           <a:p>
@@ -5912,7 +6146,7 @@
     </p:spTree>
     <p:extLst>
       <p:ext uri="{BB962C8B-B14F-4D97-AF65-F5344CB8AC3E}">
-        <p14:creationId xmlns:p14="http://schemas.microsoft.com/office/powerpoint/2010/main" val="901580706"/>
+        <p14:creationId xmlns:p14="http://schemas.microsoft.com/office/powerpoint/2010/main" val="1859961524"/>
       </p:ext>
     </p:extLst>
   </p:cSld>
@@ -5976,7 +6210,7 @@
                 <a:ea typeface="+mn-ea"/>
                 <a:cs typeface="+mn-cs"/>
               </a:rPr>
-              <a:t>a current frustration in the organization</a:t>
+              <a:t>A mentor is anyone in the organization who a staff member trusts to give them good advice. </a:t>
             </a:r>
           </a:p>
           <a:p>
@@ -5990,7 +6224,7 @@
                 <a:ea typeface="+mn-ea"/>
                 <a:cs typeface="+mn-cs"/>
               </a:rPr>
-              <a:t>an interpersonal conflict</a:t>
+              <a:t>This is a confidential relationship, focused more on values and behaviors than skills. </a:t>
             </a:r>
           </a:p>
           <a:p>
@@ -6004,8 +6238,19 @@
                 <a:ea typeface="+mn-ea"/>
                 <a:cs typeface="+mn-cs"/>
               </a:rPr>
-              <a:t>a project where we are blocked</a:t>
-            </a:r>
+              <a:t>The mentor is a non-judgmental sounding board, and there are no repercussions from anything shared during discussions. </a:t>
+            </a:r>
+          </a:p>
+          <a:p>
+            <a:endParaRPr lang="en-US" sz="1200" b="0" i="0" kern="1200" dirty="0">
+              <a:solidFill>
+                <a:schemeClr val="tx1"/>
+              </a:solidFill>
+              <a:effectLst/>
+              <a:latin typeface="+mn-lt"/>
+              <a:ea typeface="+mn-ea"/>
+              <a:cs typeface="+mn-cs"/>
+            </a:endParaRPr>
           </a:p>
           <a:p>
             <a:r>
@@ -6018,8 +6263,19 @@
                 <a:ea typeface="+mn-ea"/>
                 <a:cs typeface="+mn-cs"/>
               </a:rPr>
-              <a:t>prioritization problems</a:t>
-            </a:r>
+              <a:t>Mentors use coaching skills to guide decision making. Rather than solving problems, mentors guide us to solve a problem ourselves. The focus of the guidance is on improvement, not on aligning with the company goals. mentors need to focus on the individual's needs, not the organization's. </a:t>
+            </a:r>
+          </a:p>
+          <a:p>
+            <a:endParaRPr lang="en-US" sz="1200" b="0" i="0" kern="1200" dirty="0">
+              <a:solidFill>
+                <a:schemeClr val="tx1"/>
+              </a:solidFill>
+              <a:effectLst/>
+              <a:latin typeface="+mn-lt"/>
+              <a:ea typeface="+mn-ea"/>
+              <a:cs typeface="+mn-cs"/>
+            </a:endParaRPr>
           </a:p>
           <a:p>
             <a:r>
@@ -6032,21 +6288,7 @@
                 <a:ea typeface="+mn-ea"/>
                 <a:cs typeface="+mn-cs"/>
               </a:rPr>
-              <a:t>work/life balance issues</a:t>
-            </a:r>
-          </a:p>
-          <a:p>
-            <a:r>
-              <a:rPr lang="en-US" sz="1200" b="0" i="0" kern="1200" dirty="0">
-                <a:solidFill>
-                  <a:schemeClr val="tx1"/>
-                </a:solidFill>
-                <a:effectLst/>
-                <a:latin typeface="+mn-lt"/>
-                <a:ea typeface="+mn-ea"/>
-                <a:cs typeface="+mn-cs"/>
-              </a:rPr>
-              <a:t>professional and personal development</a:t>
+              <a:t>next</a:t>
             </a:r>
           </a:p>
           <a:p>
@@ -6080,7 +6322,7 @@
     </p:spTree>
     <p:extLst>
       <p:ext uri="{BB962C8B-B14F-4D97-AF65-F5344CB8AC3E}">
-        <p14:creationId xmlns:p14="http://schemas.microsoft.com/office/powerpoint/2010/main" val="3482976633"/>
+        <p14:creationId xmlns:p14="http://schemas.microsoft.com/office/powerpoint/2010/main" val="901580706"/>
       </p:ext>
     </p:extLst>
   </p:cSld>
@@ -6144,10 +6386,12 @@
                 <a:ea typeface="+mn-ea"/>
                 <a:cs typeface="+mn-cs"/>
               </a:rPr>
-              <a:t>Facilitator, </a:t>
-            </a:r>
-            <a:r>
-              <a:rPr lang="en-US" sz="1200" b="0" i="0" kern="1200" dirty="0" err="1">
+              <a:t>a current frustration in the organization</a:t>
+            </a:r>
+          </a:p>
+          <a:p>
+            <a:r>
+              <a:rPr lang="en-US" sz="1200" b="0" i="0" kern="1200" dirty="0">
                 <a:solidFill>
                   <a:schemeClr val="tx1"/>
                 </a:solidFill>
@@ -6156,8 +6400,10 @@
                 <a:ea typeface="+mn-ea"/>
                 <a:cs typeface="+mn-cs"/>
               </a:rPr>
-              <a:t>OnBoarding</a:t>
-            </a:r>
+              <a:t>an interpersonal conflict</a:t>
+            </a:r>
+          </a:p>
+          <a:p>
             <a:r>
               <a:rPr lang="en-US" sz="1200" b="0" i="0" kern="1200" dirty="0">
                 <a:solidFill>
@@ -6168,19 +6414,8 @@
                 <a:ea typeface="+mn-ea"/>
                 <a:cs typeface="+mn-cs"/>
               </a:rPr>
-              <a:t> Buddy, Specialist…</a:t>
-            </a:r>
-          </a:p>
-          <a:p>
-            <a:endParaRPr lang="en-US" sz="1200" b="0" i="0" kern="1200" dirty="0">
-              <a:solidFill>
-                <a:schemeClr val="tx1"/>
-              </a:solidFill>
-              <a:effectLst/>
-              <a:latin typeface="+mn-lt"/>
-              <a:ea typeface="+mn-ea"/>
-              <a:cs typeface="+mn-cs"/>
-            </a:endParaRPr>
+              <a:t>a project where we are blocked</a:t>
+            </a:r>
           </a:p>
           <a:p>
             <a:r>
@@ -6193,10 +6428,12 @@
                 <a:ea typeface="+mn-ea"/>
                 <a:cs typeface="+mn-cs"/>
               </a:rPr>
-              <a:t>You can wear different heads depending</a:t>
-            </a:r>
-            <a:r>
-              <a:rPr lang="en-US" sz="1200" b="0" i="0" kern="1200" baseline="0" dirty="0">
+              <a:t>prioritization problems</a:t>
+            </a:r>
+          </a:p>
+          <a:p>
+            <a:r>
+              <a:rPr lang="en-US" sz="1200" b="0" i="0" kern="1200" dirty="0">
                 <a:solidFill>
                   <a:schemeClr val="tx1"/>
                 </a:solidFill>
@@ -6205,8 +6442,24 @@
                 <a:ea typeface="+mn-ea"/>
                 <a:cs typeface="+mn-cs"/>
               </a:rPr>
-              <a:t> on your interests</a:t>
-            </a:r>
+              <a:t>work/life balance issues</a:t>
+            </a:r>
+          </a:p>
+          <a:p>
+            <a:r>
+              <a:rPr lang="en-US" sz="1200" b="0" i="0" kern="1200" dirty="0">
+                <a:solidFill>
+                  <a:schemeClr val="tx1"/>
+                </a:solidFill>
+                <a:effectLst/>
+                <a:latin typeface="+mn-lt"/>
+                <a:ea typeface="+mn-ea"/>
+                <a:cs typeface="+mn-cs"/>
+              </a:rPr>
+              <a:t>professional and personal development</a:t>
+            </a:r>
+          </a:p>
+          <a:p>
             <a:endParaRPr lang="de-CH" dirty="0"/>
           </a:p>
         </p:txBody>
@@ -6237,7 +6490,7 @@
     </p:spTree>
     <p:extLst>
       <p:ext uri="{BB962C8B-B14F-4D97-AF65-F5344CB8AC3E}">
-        <p14:creationId xmlns:p14="http://schemas.microsoft.com/office/powerpoint/2010/main" val="1861810794"/>
+        <p14:creationId xmlns:p14="http://schemas.microsoft.com/office/powerpoint/2010/main" val="3482976633"/>
       </p:ext>
     </p:extLst>
   </p:cSld>
@@ -6291,10 +6544,6 @@
           <a:bodyPr/>
           <a:lstStyle/>
           <a:p>
-            <a:pPr marL="171450" indent="-171450">
-              <a:buFont typeface="Arial" panose="020B0604020202020204" pitchFamily="34" charset="0"/>
-              <a:buChar char="•"/>
-            </a:pPr>
             <a:r>
               <a:rPr lang="en-US" sz="1200" b="0" i="0" kern="1200" dirty="0">
                 <a:solidFill>
@@ -6305,16 +6554,10 @@
                 <a:ea typeface="+mn-ea"/>
                 <a:cs typeface="+mn-cs"/>
               </a:rPr>
-              <a:t>Do we have a sufficiently broad set of disciplines involved to understand all of the ramifications of the decision being discussed?</a:t>
-            </a:r>
-          </a:p>
-          <a:p>
-            <a:pPr marL="171450" indent="-171450">
-              <a:buFont typeface="Arial" panose="020B0604020202020204" pitchFamily="34" charset="0"/>
-              <a:buChar char="•"/>
-            </a:pPr>
-            <a:r>
-              <a:rPr lang="en-US" sz="1200" b="0" i="0" kern="1200" dirty="0">
+              <a:t>Facilitator, </a:t>
+            </a:r>
+            <a:r>
+              <a:rPr lang="en-US" sz="1200" b="0" i="0" kern="1200" dirty="0" err="1">
                 <a:solidFill>
                   <a:schemeClr val="tx1"/>
                 </a:solidFill>
@@ -6323,14 +6566,8 @@
                 <a:ea typeface="+mn-ea"/>
                 <a:cs typeface="+mn-cs"/>
               </a:rPr>
-              <a:t>Do we have people with sufficient depth of expertise to help quantify risk?</a:t>
-            </a:r>
-          </a:p>
-          <a:p>
-            <a:pPr marL="171450" indent="-171450">
-              <a:buFont typeface="Arial" panose="020B0604020202020204" pitchFamily="34" charset="0"/>
-              <a:buChar char="•"/>
-            </a:pPr>
+              <a:t>OnBoarding</a:t>
+            </a:r>
             <a:r>
               <a:rPr lang="en-US" sz="1200" b="0" i="0" kern="1200" dirty="0">
                 <a:solidFill>
@@ -6341,14 +6578,21 @@
                 <a:ea typeface="+mn-ea"/>
                 <a:cs typeface="+mn-cs"/>
               </a:rPr>
-              <a:t>Does the issue related to this decision affect other strategies? (collaboration)</a:t>
-            </a:r>
-          </a:p>
-          <a:p>
-            <a:pPr marL="171450" indent="-171450">
-              <a:buFont typeface="Arial" panose="020B0604020202020204" pitchFamily="34" charset="0"/>
-              <a:buChar char="•"/>
-            </a:pPr>
+              <a:t> Buddy, Specialist…</a:t>
+            </a:r>
+          </a:p>
+          <a:p>
+            <a:endParaRPr lang="en-US" sz="1200" b="0" i="0" kern="1200" dirty="0">
+              <a:solidFill>
+                <a:schemeClr val="tx1"/>
+              </a:solidFill>
+              <a:effectLst/>
+              <a:latin typeface="+mn-lt"/>
+              <a:ea typeface="+mn-ea"/>
+              <a:cs typeface="+mn-cs"/>
+            </a:endParaRPr>
+          </a:p>
+          <a:p>
             <a:r>
               <a:rPr lang="en-US" sz="1200" b="0" i="0" kern="1200" dirty="0">
                 <a:solidFill>
@@ -6359,10 +6603,10 @@
                 <a:ea typeface="+mn-ea"/>
                 <a:cs typeface="+mn-cs"/>
               </a:rPr>
-              <a:t>Have we chosen the </a:t>
-            </a:r>
-            <a:r>
-              <a:rPr lang="en-US" sz="1200" b="1" i="0" kern="1200" dirty="0">
+              <a:t>You can wear different heads depending</a:t>
+            </a:r>
+            <a:r>
+              <a:rPr lang="en-US" sz="1200" b="0" i="0" kern="1200" baseline="0" dirty="0">
                 <a:solidFill>
                   <a:schemeClr val="tx1"/>
                 </a:solidFill>
@@ -6371,20 +6615,9 @@
                 <a:ea typeface="+mn-ea"/>
                 <a:cs typeface="+mn-cs"/>
               </a:rPr>
-              <a:t>one person</a:t>
-            </a:r>
-            <a:r>
-              <a:rPr lang="en-US" sz="1200" b="0" i="0" kern="1200" dirty="0">
-                <a:solidFill>
-                  <a:schemeClr val="tx1"/>
-                </a:solidFill>
-                <a:effectLst/>
-                <a:latin typeface="+mn-lt"/>
-                <a:ea typeface="+mn-ea"/>
-                <a:cs typeface="+mn-cs"/>
-              </a:rPr>
-              <a:t> accountable for the decision?</a:t>
-            </a:r>
+              <a:t> on your interests</a:t>
+            </a:r>
+            <a:endParaRPr lang="de-CH" dirty="0"/>
           </a:p>
         </p:txBody>
       </p:sp>
@@ -6405,7 +6638,7 @@
           <a:p>
             <a:fld id="{9BCA07FD-5BD5-4529-84B0-48DD2C561176}" type="slidenum">
               <a:rPr lang="de-CH" smtClean="0"/>
-              <a:t>41</a:t>
+              <a:t>40</a:t>
             </a:fld>
             <a:endParaRPr lang="de-CH"/>
           </a:p>
@@ -6414,7 +6647,7 @@
     </p:spTree>
     <p:extLst>
       <p:ext uri="{BB962C8B-B14F-4D97-AF65-F5344CB8AC3E}">
-        <p14:creationId xmlns:p14="http://schemas.microsoft.com/office/powerpoint/2010/main" val="3232963533"/>
+        <p14:creationId xmlns:p14="http://schemas.microsoft.com/office/powerpoint/2010/main" val="1861810794"/>
       </p:ext>
     </p:extLst>
   </p:cSld>
@@ -6468,6 +6701,10 @@
           <a:bodyPr/>
           <a:lstStyle/>
           <a:p>
+            <a:pPr marL="171450" indent="-171450">
+              <a:buFont typeface="Arial" panose="020B0604020202020204" pitchFamily="34" charset="0"/>
+              <a:buChar char="•"/>
+            </a:pPr>
             <a:r>
               <a:rPr lang="en-US" sz="1200" b="0" i="0" kern="1200" dirty="0">
                 <a:solidFill>
@@ -6478,10 +6715,14 @@
                 <a:ea typeface="+mn-ea"/>
                 <a:cs typeface="+mn-cs"/>
               </a:rPr>
-              <a:t>Is now the right time to make this decision?</a:t>
-            </a:r>
-          </a:p>
-          <a:p>
+              <a:t>Do we have a sufficiently broad set of disciplines involved to understand all of the ramifications of the decision being discussed?</a:t>
+            </a:r>
+          </a:p>
+          <a:p>
+            <a:pPr marL="171450" indent="-171450">
+              <a:buFont typeface="Arial" panose="020B0604020202020204" pitchFamily="34" charset="0"/>
+              <a:buChar char="•"/>
+            </a:pPr>
             <a:r>
               <a:rPr lang="en-US" sz="1200" b="0" i="0" kern="1200" dirty="0">
                 <a:solidFill>
@@ -6492,10 +6733,14 @@
                 <a:ea typeface="+mn-ea"/>
                 <a:cs typeface="+mn-cs"/>
               </a:rPr>
-              <a:t>What is the "last responsible moment" for deciding?</a:t>
-            </a:r>
-          </a:p>
-          <a:p>
+              <a:t>Do we have people with sufficient depth of expertise to help quantify risk?</a:t>
+            </a:r>
+          </a:p>
+          <a:p>
+            <a:pPr marL="171450" indent="-171450">
+              <a:buFont typeface="Arial" panose="020B0604020202020204" pitchFamily="34" charset="0"/>
+              <a:buChar char="•"/>
+            </a:pPr>
             <a:r>
               <a:rPr lang="en-US" sz="1200" b="0" i="0" kern="1200" dirty="0">
                 <a:solidFill>
@@ -6506,10 +6751,14 @@
                 <a:ea typeface="+mn-ea"/>
                 <a:cs typeface="+mn-cs"/>
               </a:rPr>
-              <a:t>Has that moment already passed?</a:t>
-            </a:r>
-          </a:p>
-          <a:p>
+              <a:t>Does the issue related to this decision affect other strategies? (collaboration)</a:t>
+            </a:r>
+          </a:p>
+          <a:p>
+            <a:pPr marL="171450" indent="-171450">
+              <a:buFont typeface="Arial" panose="020B0604020202020204" pitchFamily="34" charset="0"/>
+              <a:buChar char="•"/>
+            </a:pPr>
             <a:r>
               <a:rPr lang="en-US" sz="1200" b="0" i="0" kern="1200" dirty="0">
                 <a:solidFill>
@@ -6520,12 +6769,10 @@
                 <a:ea typeface="+mn-ea"/>
                 <a:cs typeface="+mn-cs"/>
               </a:rPr>
-              <a:t>Should we start taking action even though we're unsure what is the best approach?</a:t>
-            </a:r>
-          </a:p>
-          <a:p>
-            <a:r>
-              <a:rPr lang="en-US" sz="1200" b="0" i="0" kern="1200" dirty="0">
+              <a:t>Have we chosen the </a:t>
+            </a:r>
+            <a:r>
+              <a:rPr lang="en-US" sz="1200" b="1" i="0" kern="1200" dirty="0">
                 <a:solidFill>
                   <a:schemeClr val="tx1"/>
                 </a:solidFill>
@@ -6534,7 +6781,19 @@
                 <a:ea typeface="+mn-ea"/>
                 <a:cs typeface="+mn-cs"/>
               </a:rPr>
-              <a:t>Has the issue related to the decision reached a state where the Task force should set a time line for the decision?</a:t>
+              <a:t>one person</a:t>
+            </a:r>
+            <a:r>
+              <a:rPr lang="en-US" sz="1200" b="0" i="0" kern="1200" dirty="0">
+                <a:solidFill>
+                  <a:schemeClr val="tx1"/>
+                </a:solidFill>
+                <a:effectLst/>
+                <a:latin typeface="+mn-lt"/>
+                <a:ea typeface="+mn-ea"/>
+                <a:cs typeface="+mn-cs"/>
+              </a:rPr>
+              <a:t> accountable for the decision?</a:t>
             </a:r>
           </a:p>
         </p:txBody>
@@ -6565,7 +6824,7 @@
     </p:spTree>
     <p:extLst>
       <p:ext uri="{BB962C8B-B14F-4D97-AF65-F5344CB8AC3E}">
-        <p14:creationId xmlns:p14="http://schemas.microsoft.com/office/powerpoint/2010/main" val="2030899372"/>
+        <p14:creationId xmlns:p14="http://schemas.microsoft.com/office/powerpoint/2010/main" val="3232963533"/>
       </p:ext>
     </p:extLst>
   </p:cSld>
@@ -6721,7 +6980,7 @@
                 <a:ea typeface="+mn-ea"/>
                 <a:cs typeface="+mn-cs"/>
               </a:rPr>
-              <a:t>What assumptions do we assume are true?</a:t>
+              <a:t>Is now the right time to make this decision?</a:t>
             </a:r>
           </a:p>
           <a:p>
@@ -6735,7 +6994,7 @@
                 <a:ea typeface="+mn-ea"/>
                 <a:cs typeface="+mn-cs"/>
               </a:rPr>
-              <a:t>What data do we have supporting those assumptions?</a:t>
+              <a:t>What is the "last responsible moment" for deciding?</a:t>
             </a:r>
           </a:p>
           <a:p>
@@ -6749,7 +7008,7 @@
                 <a:ea typeface="+mn-ea"/>
                 <a:cs typeface="+mn-cs"/>
               </a:rPr>
-              <a:t>What if our assumptions turn out to be false?</a:t>
+              <a:t>Has that moment already passed?</a:t>
             </a:r>
           </a:p>
           <a:p>
@@ -6763,7 +7022,21 @@
                 <a:ea typeface="+mn-ea"/>
                 <a:cs typeface="+mn-cs"/>
               </a:rPr>
-              <a:t>What preventative measures can we take?</a:t>
+              <a:t>Should we start taking action even though we're unsure what is the best approach?</a:t>
+            </a:r>
+          </a:p>
+          <a:p>
+            <a:r>
+              <a:rPr lang="en-US" sz="1200" b="0" i="0" kern="1200" dirty="0">
+                <a:solidFill>
+                  <a:schemeClr val="tx1"/>
+                </a:solidFill>
+                <a:effectLst/>
+                <a:latin typeface="+mn-lt"/>
+                <a:ea typeface="+mn-ea"/>
+                <a:cs typeface="+mn-cs"/>
+              </a:rPr>
+              <a:t>Has the issue related to the decision reached a state where the Task force should set a time line for the decision?</a:t>
             </a:r>
           </a:p>
         </p:txBody>
@@ -6794,7 +7067,7 @@
     </p:spTree>
     <p:extLst>
       <p:ext uri="{BB962C8B-B14F-4D97-AF65-F5344CB8AC3E}">
-        <p14:creationId xmlns:p14="http://schemas.microsoft.com/office/powerpoint/2010/main" val="196040851"/>
+        <p14:creationId xmlns:p14="http://schemas.microsoft.com/office/powerpoint/2010/main" val="2030899372"/>
       </p:ext>
     </p:extLst>
   </p:cSld>
@@ -6858,10 +7131,12 @@
                 <a:ea typeface="+mn-ea"/>
                 <a:cs typeface="+mn-cs"/>
               </a:rPr>
-              <a:t>Important from</a:t>
-            </a:r>
-            <a:r>
-              <a:rPr lang="en-US" sz="1200" b="0" i="0" kern="1200" baseline="0" dirty="0">
+              <a:t>What assumptions do we assume are true?</a:t>
+            </a:r>
+          </a:p>
+          <a:p>
+            <a:r>
+              <a:rPr lang="en-US" sz="1200" b="0" i="0" kern="1200" dirty="0">
                 <a:solidFill>
                   <a:schemeClr val="tx1"/>
                 </a:solidFill>
@@ -6870,10 +7145,12 @@
                 <a:ea typeface="+mn-ea"/>
                 <a:cs typeface="+mn-cs"/>
               </a:rPr>
-              <a:t> a TF perspective, not for the </a:t>
-            </a:r>
-            <a:r>
-              <a:rPr lang="en-US" sz="1200" b="0" i="0" kern="1200" baseline="0">
+              <a:t>What data do we have supporting those assumptions?</a:t>
+            </a:r>
+          </a:p>
+          <a:p>
+            <a:r>
+              <a:rPr lang="en-US" sz="1200" b="0" i="0" kern="1200" dirty="0">
                 <a:solidFill>
                   <a:schemeClr val="tx1"/>
                 </a:solidFill>
@@ -6882,28 +7159,8 @@
                 <a:ea typeface="+mn-ea"/>
                 <a:cs typeface="+mn-cs"/>
               </a:rPr>
-              <a:t>whole company</a:t>
-            </a:r>
-            <a:endParaRPr lang="en-US" sz="1200" b="0" i="0" kern="1200" dirty="0">
-              <a:solidFill>
-                <a:schemeClr val="tx1"/>
-              </a:solidFill>
-              <a:effectLst/>
-              <a:latin typeface="+mn-lt"/>
-              <a:ea typeface="+mn-ea"/>
-              <a:cs typeface="+mn-cs"/>
-            </a:endParaRPr>
-          </a:p>
-          <a:p>
-            <a:endParaRPr lang="en-US" sz="1200" b="0" i="0" kern="1200" dirty="0">
-              <a:solidFill>
-                <a:schemeClr val="tx1"/>
-              </a:solidFill>
-              <a:effectLst/>
-              <a:latin typeface="+mn-lt"/>
-              <a:ea typeface="+mn-ea"/>
-              <a:cs typeface="+mn-cs"/>
-            </a:endParaRPr>
+              <a:t>What if our assumptions turn out to be false?</a:t>
+            </a:r>
           </a:p>
           <a:p>
             <a:r>
@@ -6916,63 +7173,8 @@
                 <a:ea typeface="+mn-ea"/>
                 <a:cs typeface="+mn-cs"/>
               </a:rPr>
-              <a:t>Sometimes people in the group can't seem to agree on a course of action.</a:t>
-            </a:r>
-          </a:p>
-          <a:p>
-            <a:r>
-              <a:rPr lang="en-US" sz="1200" b="0" i="0" kern="1200" dirty="0">
-                <a:solidFill>
-                  <a:schemeClr val="tx1"/>
-                </a:solidFill>
-                <a:effectLst/>
-                <a:latin typeface="+mn-lt"/>
-                <a:ea typeface="+mn-ea"/>
-                <a:cs typeface="+mn-cs"/>
-              </a:rPr>
-              <a:t>When that occurs, it's likely that the difference in opinion is </a:t>
-            </a:r>
-            <a:r>
-              <a:rPr lang="en-US" sz="1200" b="0" i="1" kern="1200" dirty="0">
-                <a:solidFill>
-                  <a:schemeClr val="tx1"/>
-                </a:solidFill>
-                <a:effectLst/>
-                <a:latin typeface="+mn-lt"/>
-                <a:ea typeface="+mn-ea"/>
-                <a:cs typeface="+mn-cs"/>
-              </a:rPr>
-              <a:t>not</a:t>
-            </a:r>
-            <a:r>
-              <a:rPr lang="en-US" sz="1200" b="0" i="0" kern="1200" dirty="0">
-                <a:solidFill>
-                  <a:schemeClr val="tx1"/>
-                </a:solidFill>
-                <a:effectLst/>
-                <a:latin typeface="+mn-lt"/>
-                <a:ea typeface="+mn-ea"/>
-                <a:cs typeface="+mn-cs"/>
-              </a:rPr>
-              <a:t> actually about the proposed solution but rather about which properties of the problem we're trying to optimize for.</a:t>
-            </a:r>
-          </a:p>
-          <a:p>
-            <a:r>
-              <a:rPr lang="en-US" sz="1200" b="0" i="0" kern="1200" dirty="0">
-                <a:solidFill>
-                  <a:schemeClr val="tx1"/>
-                </a:solidFill>
-                <a:effectLst/>
-                <a:latin typeface="+mn-lt"/>
-                <a:ea typeface="+mn-ea"/>
-                <a:cs typeface="+mn-cs"/>
-              </a:rPr>
-              <a:t>In these cases, stop the discussion and pull in the necessary people to clarify the relative priority of those properties - for example, time to market vs. maintainability.</a:t>
-            </a:r>
-          </a:p>
-          <a:p>
-            <a:endParaRPr lang="en-US" dirty="0"/>
+              <a:t>What preventative measures can we take?</a:t>
+            </a:r>
           </a:p>
         </p:txBody>
       </p:sp>
@@ -7002,7 +7204,7 @@
     </p:spTree>
     <p:extLst>
       <p:ext uri="{BB962C8B-B14F-4D97-AF65-F5344CB8AC3E}">
-        <p14:creationId xmlns:p14="http://schemas.microsoft.com/office/powerpoint/2010/main" val="1970981156"/>
+        <p14:creationId xmlns:p14="http://schemas.microsoft.com/office/powerpoint/2010/main" val="196040851"/>
       </p:ext>
     </p:extLst>
   </p:cSld>
@@ -7056,6 +7258,130 @@
           <a:bodyPr/>
           <a:lstStyle/>
           <a:p>
+            <a:r>
+              <a:rPr lang="en-US" sz="1200" b="0" i="0" kern="1200" dirty="0">
+                <a:solidFill>
+                  <a:schemeClr val="tx1"/>
+                </a:solidFill>
+                <a:effectLst/>
+                <a:latin typeface="+mn-lt"/>
+                <a:ea typeface="+mn-ea"/>
+                <a:cs typeface="+mn-cs"/>
+              </a:rPr>
+              <a:t>Important from</a:t>
+            </a:r>
+            <a:r>
+              <a:rPr lang="en-US" sz="1200" b="0" i="0" kern="1200" baseline="0" dirty="0">
+                <a:solidFill>
+                  <a:schemeClr val="tx1"/>
+                </a:solidFill>
+                <a:effectLst/>
+                <a:latin typeface="+mn-lt"/>
+                <a:ea typeface="+mn-ea"/>
+                <a:cs typeface="+mn-cs"/>
+              </a:rPr>
+              <a:t> a TF perspective, not for the </a:t>
+            </a:r>
+            <a:r>
+              <a:rPr lang="en-US" sz="1200" b="0" i="0" kern="1200" baseline="0">
+                <a:solidFill>
+                  <a:schemeClr val="tx1"/>
+                </a:solidFill>
+                <a:effectLst/>
+                <a:latin typeface="+mn-lt"/>
+                <a:ea typeface="+mn-ea"/>
+                <a:cs typeface="+mn-cs"/>
+              </a:rPr>
+              <a:t>whole company</a:t>
+            </a:r>
+            <a:endParaRPr lang="en-US" sz="1200" b="0" i="0" kern="1200" dirty="0">
+              <a:solidFill>
+                <a:schemeClr val="tx1"/>
+              </a:solidFill>
+              <a:effectLst/>
+              <a:latin typeface="+mn-lt"/>
+              <a:ea typeface="+mn-ea"/>
+              <a:cs typeface="+mn-cs"/>
+            </a:endParaRPr>
+          </a:p>
+          <a:p>
+            <a:endParaRPr lang="en-US" sz="1200" b="0" i="0" kern="1200" dirty="0">
+              <a:solidFill>
+                <a:schemeClr val="tx1"/>
+              </a:solidFill>
+              <a:effectLst/>
+              <a:latin typeface="+mn-lt"/>
+              <a:ea typeface="+mn-ea"/>
+              <a:cs typeface="+mn-cs"/>
+            </a:endParaRPr>
+          </a:p>
+          <a:p>
+            <a:r>
+              <a:rPr lang="en-US" sz="1200" b="0" i="0" kern="1200" dirty="0">
+                <a:solidFill>
+                  <a:schemeClr val="tx1"/>
+                </a:solidFill>
+                <a:effectLst/>
+                <a:latin typeface="+mn-lt"/>
+                <a:ea typeface="+mn-ea"/>
+                <a:cs typeface="+mn-cs"/>
+              </a:rPr>
+              <a:t>Sometimes people in the group can't seem to agree on a course of action.</a:t>
+            </a:r>
+          </a:p>
+          <a:p>
+            <a:r>
+              <a:rPr lang="en-US" sz="1200" b="0" i="0" kern="1200" dirty="0">
+                <a:solidFill>
+                  <a:schemeClr val="tx1"/>
+                </a:solidFill>
+                <a:effectLst/>
+                <a:latin typeface="+mn-lt"/>
+                <a:ea typeface="+mn-ea"/>
+                <a:cs typeface="+mn-cs"/>
+              </a:rPr>
+              <a:t>When that occurs, it's likely that the difference in opinion is </a:t>
+            </a:r>
+            <a:r>
+              <a:rPr lang="en-US" sz="1200" b="0" i="1" kern="1200" dirty="0">
+                <a:solidFill>
+                  <a:schemeClr val="tx1"/>
+                </a:solidFill>
+                <a:effectLst/>
+                <a:latin typeface="+mn-lt"/>
+                <a:ea typeface="+mn-ea"/>
+                <a:cs typeface="+mn-cs"/>
+              </a:rPr>
+              <a:t>not</a:t>
+            </a:r>
+            <a:r>
+              <a:rPr lang="en-US" sz="1200" b="0" i="0" kern="1200" dirty="0">
+                <a:solidFill>
+                  <a:schemeClr val="tx1"/>
+                </a:solidFill>
+                <a:effectLst/>
+                <a:latin typeface="+mn-lt"/>
+                <a:ea typeface="+mn-ea"/>
+                <a:cs typeface="+mn-cs"/>
+              </a:rPr>
+              <a:t> actually about the proposed solution but rather about which properties of the problem we're trying to optimize for.</a:t>
+            </a:r>
+          </a:p>
+          <a:p>
+            <a:r>
+              <a:rPr lang="en-US" sz="1200" b="0" i="0" kern="1200" dirty="0">
+                <a:solidFill>
+                  <a:schemeClr val="tx1"/>
+                </a:solidFill>
+                <a:effectLst/>
+                <a:latin typeface="+mn-lt"/>
+                <a:ea typeface="+mn-ea"/>
+                <a:cs typeface="+mn-cs"/>
+              </a:rPr>
+              <a:t>In these cases, stop the discussion and pull in the necessary people to clarify the relative priority of those properties - for example, time to market vs. maintainability.</a:t>
+            </a:r>
+          </a:p>
+          <a:p>
             <a:endParaRPr lang="en-US" dirty="0"/>
           </a:p>
         </p:txBody>
@@ -7077,7 +7403,7 @@
           <a:p>
             <a:fld id="{9BCA07FD-5BD5-4529-84B0-48DD2C561176}" type="slidenum">
               <a:rPr lang="de-CH" smtClean="0"/>
-              <a:t>46</a:t>
+              <a:t>45</a:t>
             </a:fld>
             <a:endParaRPr lang="de-CH"/>
           </a:p>
@@ -7086,7 +7412,7 @@
     </p:spTree>
     <p:extLst>
       <p:ext uri="{BB962C8B-B14F-4D97-AF65-F5344CB8AC3E}">
-        <p14:creationId xmlns:p14="http://schemas.microsoft.com/office/powerpoint/2010/main" val="1093977317"/>
+        <p14:creationId xmlns:p14="http://schemas.microsoft.com/office/powerpoint/2010/main" val="1970981156"/>
       </p:ext>
     </p:extLst>
   </p:cSld>
@@ -7140,229 +7466,7 @@
           <a:bodyPr/>
           <a:lstStyle/>
           <a:p>
-            <a:r>
-              <a:rPr lang="en-US" sz="1200" b="1" i="0" kern="1200" dirty="0">
-                <a:solidFill>
-                  <a:schemeClr val="tx1"/>
-                </a:solidFill>
-                <a:effectLst/>
-                <a:latin typeface="+mn-lt"/>
-                <a:ea typeface="+mn-ea"/>
-                <a:cs typeface="+mn-cs"/>
-              </a:rPr>
-              <a:t>One</a:t>
-            </a:r>
-            <a:r>
-              <a:rPr lang="en-US" sz="1200" b="0" i="0" kern="1200" dirty="0">
-                <a:solidFill>
-                  <a:schemeClr val="tx1"/>
-                </a:solidFill>
-                <a:effectLst/>
-                <a:latin typeface="+mn-lt"/>
-                <a:ea typeface="+mn-ea"/>
-                <a:cs typeface="+mn-cs"/>
-              </a:rPr>
-              <a:t> - The company is in a bad situation and all non-essential spending will immediately cease.</a:t>
-            </a:r>
-          </a:p>
-          <a:p>
-            <a:r>
-              <a:rPr lang="en-US" sz="1200" b="1" i="0" kern="1200" dirty="0">
-                <a:solidFill>
-                  <a:schemeClr val="tx1"/>
-                </a:solidFill>
-                <a:effectLst/>
-                <a:latin typeface="+mn-lt"/>
-                <a:ea typeface="+mn-ea"/>
-                <a:cs typeface="+mn-cs"/>
-              </a:rPr>
-              <a:t>Ten</a:t>
-            </a:r>
-            <a:r>
-              <a:rPr lang="en-US" sz="1200" b="0" i="0" kern="1200" dirty="0">
-                <a:solidFill>
-                  <a:schemeClr val="tx1"/>
-                </a:solidFill>
-                <a:effectLst/>
-                <a:latin typeface="+mn-lt"/>
-                <a:ea typeface="+mn-ea"/>
-                <a:cs typeface="+mn-cs"/>
-              </a:rPr>
-              <a:t> - We have a strong cash position, with a healthy forecast, and we are in a position to invest in our growth.</a:t>
-            </a:r>
-          </a:p>
-          <a:p>
             <a:endParaRPr lang="en-US" dirty="0"/>
-          </a:p>
-          <a:p>
-            <a:r>
-              <a:rPr lang="en-US" dirty="0"/>
-              <a:t>There is a financial projection for the year and a monthly update</a:t>
-            </a:r>
-          </a:p>
-          <a:p>
-            <a:r>
-              <a:rPr lang="en-US" dirty="0"/>
-              <a:t>F</a:t>
-            </a:r>
-            <a:r>
-              <a:rPr lang="de-CH" dirty="0" err="1"/>
-              <a:t>inancial</a:t>
-            </a:r>
-            <a:r>
-              <a:rPr lang="de-CH" dirty="0"/>
-              <a:t> </a:t>
-            </a:r>
-            <a:r>
-              <a:rPr lang="de-CH" dirty="0" err="1"/>
-              <a:t>decision</a:t>
-            </a:r>
-            <a:r>
-              <a:rPr lang="de-CH" dirty="0"/>
-              <a:t> </a:t>
-            </a:r>
-            <a:r>
-              <a:rPr lang="de-CH" dirty="0" err="1"/>
-              <a:t>making</a:t>
-            </a:r>
-            <a:r>
-              <a:rPr lang="de-CH" dirty="0"/>
-              <a:t> </a:t>
-            </a:r>
-            <a:r>
-              <a:rPr lang="de-CH" dirty="0" err="1"/>
-              <a:t>is</a:t>
-            </a:r>
-            <a:r>
-              <a:rPr lang="de-CH" dirty="0"/>
-              <a:t> transparent</a:t>
-            </a:r>
-          </a:p>
-          <a:p>
-            <a:r>
-              <a:rPr lang="en-US" dirty="0"/>
-              <a:t>E</a:t>
-            </a:r>
-            <a:r>
-              <a:rPr lang="de-CH" dirty="0" err="1"/>
-              <a:t>very</a:t>
-            </a:r>
-            <a:r>
-              <a:rPr lang="de-CH" dirty="0"/>
-              <a:t> </a:t>
-            </a:r>
-            <a:r>
-              <a:rPr lang="de-CH" dirty="0" err="1"/>
-              <a:t>policy</a:t>
-            </a:r>
-            <a:r>
-              <a:rPr lang="de-CH" dirty="0"/>
-              <a:t> </a:t>
-            </a:r>
-            <a:r>
-              <a:rPr lang="de-CH" dirty="0" err="1"/>
-              <a:t>that</a:t>
-            </a:r>
-            <a:r>
-              <a:rPr lang="de-CH" dirty="0"/>
-              <a:t> </a:t>
-            </a:r>
-            <a:r>
-              <a:rPr lang="de-CH" dirty="0" err="1"/>
-              <a:t>impacts</a:t>
-            </a:r>
-            <a:r>
-              <a:rPr lang="de-CH" dirty="0"/>
-              <a:t> </a:t>
-            </a:r>
-            <a:r>
-              <a:rPr lang="de-CH" dirty="0" err="1"/>
-              <a:t>finance</a:t>
-            </a:r>
-            <a:r>
-              <a:rPr lang="de-CH" dirty="0"/>
-              <a:t> </a:t>
-            </a:r>
-            <a:r>
-              <a:rPr lang="de-CH" dirty="0" err="1"/>
-              <a:t>can</a:t>
-            </a:r>
-            <a:r>
-              <a:rPr lang="de-CH" dirty="0"/>
-              <a:t> </a:t>
-            </a:r>
-            <a:r>
-              <a:rPr lang="de-CH" dirty="0" err="1"/>
-              <a:t>be</a:t>
-            </a:r>
-            <a:r>
-              <a:rPr lang="de-CH" dirty="0"/>
-              <a:t> </a:t>
-            </a:r>
-            <a:r>
-              <a:rPr lang="de-CH" dirty="0" err="1"/>
-              <a:t>adjusted</a:t>
-            </a:r>
-            <a:r>
-              <a:rPr lang="de-CH" dirty="0"/>
-              <a:t> </a:t>
-            </a:r>
-            <a:r>
-              <a:rPr lang="de-CH" dirty="0" err="1"/>
-              <a:t>to</a:t>
-            </a:r>
-            <a:r>
-              <a:rPr lang="de-CH" dirty="0"/>
-              <a:t> </a:t>
-            </a:r>
-            <a:r>
-              <a:rPr lang="de-CH" dirty="0" err="1"/>
-              <a:t>the</a:t>
-            </a:r>
-            <a:r>
-              <a:rPr lang="de-CH" dirty="0"/>
-              <a:t> </a:t>
-            </a:r>
-            <a:r>
-              <a:rPr lang="de-CH" dirty="0" err="1"/>
-              <a:t>financial</a:t>
-            </a:r>
-            <a:r>
-              <a:rPr lang="de-CH" dirty="0"/>
-              <a:t> </a:t>
-            </a:r>
-            <a:r>
-              <a:rPr lang="de-CH" dirty="0" err="1"/>
-              <a:t>status</a:t>
-            </a:r>
-            <a:r>
-              <a:rPr lang="de-CH" dirty="0"/>
-              <a:t> </a:t>
-            </a:r>
-            <a:r>
-              <a:rPr lang="de-CH" dirty="0" err="1"/>
-              <a:t>of</a:t>
-            </a:r>
-            <a:r>
-              <a:rPr lang="de-CH" dirty="0"/>
-              <a:t> </a:t>
-            </a:r>
-            <a:r>
-              <a:rPr lang="de-CH" dirty="0" err="1"/>
-              <a:t>the</a:t>
-            </a:r>
-            <a:r>
-              <a:rPr lang="de-CH" dirty="0"/>
-              <a:t> </a:t>
-            </a:r>
-            <a:r>
-              <a:rPr lang="de-CH" dirty="0" err="1"/>
-              <a:t>company</a:t>
-            </a:r>
-            <a:endParaRPr lang="de-CH" dirty="0"/>
-          </a:p>
-          <a:p>
-            <a:endParaRPr lang="de-CH" dirty="0"/>
           </a:p>
         </p:txBody>
       </p:sp>
@@ -7392,7 +7496,7 @@
     </p:spTree>
     <p:extLst>
       <p:ext uri="{BB962C8B-B14F-4D97-AF65-F5344CB8AC3E}">
-        <p14:creationId xmlns:p14="http://schemas.microsoft.com/office/powerpoint/2010/main" val="1591475638"/>
+        <p14:creationId xmlns:p14="http://schemas.microsoft.com/office/powerpoint/2010/main" val="1093977317"/>
       </p:ext>
     </p:extLst>
   </p:cSld>
@@ -7456,10 +7560,12 @@
                 <a:ea typeface="+mn-ea"/>
                 <a:cs typeface="+mn-cs"/>
               </a:rPr>
-              <a:t>Facilitator, </a:t>
-            </a:r>
-            <a:r>
-              <a:rPr lang="en-US" sz="1200" b="0" i="0" kern="1200" dirty="0" err="1">
+              <a:t>From The company is in a bad situation and all non-essential spending will immediately cease.</a:t>
+            </a:r>
+          </a:p>
+          <a:p>
+            <a:r>
+              <a:rPr lang="en-US" sz="1200" b="0" i="0" kern="1200" dirty="0">
                 <a:solidFill>
                   <a:schemeClr val="tx1"/>
                 </a:solidFill>
@@ -7468,56 +7574,176 @@
                 <a:ea typeface="+mn-ea"/>
                 <a:cs typeface="+mn-cs"/>
               </a:rPr>
-              <a:t>OnBoarding</a:t>
-            </a:r>
-            <a:r>
-              <a:rPr lang="en-US" sz="1200" b="0" i="0" kern="1200" dirty="0">
-                <a:solidFill>
-                  <a:schemeClr val="tx1"/>
-                </a:solidFill>
-                <a:effectLst/>
-                <a:latin typeface="+mn-lt"/>
-                <a:ea typeface="+mn-ea"/>
-                <a:cs typeface="+mn-cs"/>
-              </a:rPr>
-              <a:t> Buddy, Specialist…</a:t>
-            </a:r>
-          </a:p>
-          <a:p>
-            <a:endParaRPr lang="en-US" sz="1200" b="0" i="0" kern="1200" dirty="0">
-              <a:solidFill>
-                <a:schemeClr val="tx1"/>
-              </a:solidFill>
-              <a:effectLst/>
-              <a:latin typeface="+mn-lt"/>
-              <a:ea typeface="+mn-ea"/>
-              <a:cs typeface="+mn-cs"/>
-            </a:endParaRPr>
-          </a:p>
-          <a:p>
-            <a:r>
-              <a:rPr lang="en-US" sz="1200" b="0" i="0" kern="1200" dirty="0">
-                <a:solidFill>
-                  <a:schemeClr val="tx1"/>
-                </a:solidFill>
-                <a:effectLst/>
-                <a:latin typeface="+mn-lt"/>
-                <a:ea typeface="+mn-ea"/>
-                <a:cs typeface="+mn-cs"/>
-              </a:rPr>
-              <a:t>You can wear different heads depending</a:t>
-            </a:r>
-            <a:r>
-              <a:rPr lang="en-US" sz="1200" b="0" i="0" kern="1200" baseline="0" dirty="0">
-                <a:solidFill>
-                  <a:schemeClr val="tx1"/>
-                </a:solidFill>
-                <a:effectLst/>
-                <a:latin typeface="+mn-lt"/>
-                <a:ea typeface="+mn-ea"/>
-                <a:cs typeface="+mn-cs"/>
-              </a:rPr>
-              <a:t> on your interests</a:t>
+              <a:t>To We have a strong cash position, with a healthy forecast, and we are in a position to invest in our growth.</a:t>
+            </a:r>
+          </a:p>
+          <a:p>
+            <a:endParaRPr lang="en-US" dirty="0"/>
+          </a:p>
+          <a:p>
+            <a:r>
+              <a:rPr lang="en-US" dirty="0"/>
+              <a:t>There is a financial projection for the year and a monthly update</a:t>
+            </a:r>
+          </a:p>
+          <a:p>
+            <a:r>
+              <a:rPr lang="en-US" dirty="0"/>
+              <a:t>F</a:t>
+            </a:r>
+            <a:r>
+              <a:rPr lang="de-CH" dirty="0" err="1"/>
+              <a:t>inancial</a:t>
+            </a:r>
+            <a:r>
+              <a:rPr lang="de-CH" dirty="0"/>
+              <a:t> </a:t>
+            </a:r>
+            <a:r>
+              <a:rPr lang="de-CH" dirty="0" err="1"/>
+              <a:t>decision</a:t>
+            </a:r>
+            <a:r>
+              <a:rPr lang="de-CH" dirty="0"/>
+              <a:t> </a:t>
+            </a:r>
+            <a:r>
+              <a:rPr lang="de-CH" dirty="0" err="1"/>
+              <a:t>making</a:t>
+            </a:r>
+            <a:r>
+              <a:rPr lang="de-CH" dirty="0"/>
+              <a:t> </a:t>
+            </a:r>
+            <a:r>
+              <a:rPr lang="de-CH" dirty="0" err="1"/>
+              <a:t>is</a:t>
+            </a:r>
+            <a:r>
+              <a:rPr lang="de-CH" dirty="0"/>
+              <a:t> transparent</a:t>
+            </a:r>
+          </a:p>
+          <a:p>
+            <a:r>
+              <a:rPr lang="en-US" dirty="0"/>
+              <a:t>E</a:t>
+            </a:r>
+            <a:r>
+              <a:rPr lang="de-CH" dirty="0" err="1"/>
+              <a:t>very</a:t>
+            </a:r>
+            <a:r>
+              <a:rPr lang="de-CH" dirty="0"/>
+              <a:t> </a:t>
+            </a:r>
+            <a:r>
+              <a:rPr lang="de-CH" dirty="0" err="1"/>
+              <a:t>policy</a:t>
+            </a:r>
+            <a:r>
+              <a:rPr lang="de-CH" dirty="0"/>
+              <a:t> </a:t>
+            </a:r>
+            <a:r>
+              <a:rPr lang="de-CH" dirty="0" err="1"/>
+              <a:t>that</a:t>
+            </a:r>
+            <a:r>
+              <a:rPr lang="de-CH" dirty="0"/>
+              <a:t> </a:t>
+            </a:r>
+            <a:r>
+              <a:rPr lang="de-CH" dirty="0" err="1"/>
+              <a:t>impacts</a:t>
+            </a:r>
+            <a:r>
+              <a:rPr lang="de-CH" dirty="0"/>
+              <a:t> </a:t>
+            </a:r>
+            <a:r>
+              <a:rPr lang="de-CH" dirty="0" err="1"/>
+              <a:t>finance</a:t>
+            </a:r>
+            <a:r>
+              <a:rPr lang="de-CH" dirty="0"/>
+              <a:t> </a:t>
+            </a:r>
+            <a:r>
+              <a:rPr lang="de-CH" dirty="0" err="1"/>
+              <a:t>can</a:t>
+            </a:r>
+            <a:r>
+              <a:rPr lang="de-CH" dirty="0"/>
+              <a:t> </a:t>
+            </a:r>
+            <a:r>
+              <a:rPr lang="de-CH" dirty="0" err="1"/>
+              <a:t>be</a:t>
+            </a:r>
+            <a:r>
+              <a:rPr lang="de-CH" dirty="0"/>
+              <a:t> </a:t>
+            </a:r>
+            <a:r>
+              <a:rPr lang="de-CH" dirty="0" err="1"/>
+              <a:t>adjusted</a:t>
+            </a:r>
+            <a:r>
+              <a:rPr lang="de-CH" dirty="0"/>
+              <a:t> </a:t>
+            </a:r>
+            <a:r>
+              <a:rPr lang="de-CH" dirty="0" err="1"/>
+              <a:t>to</a:t>
+            </a:r>
+            <a:r>
+              <a:rPr lang="de-CH" dirty="0"/>
+              <a:t> </a:t>
+            </a:r>
+            <a:r>
+              <a:rPr lang="de-CH" dirty="0" err="1"/>
+              <a:t>the</a:t>
+            </a:r>
+            <a:r>
+              <a:rPr lang="de-CH" dirty="0"/>
+              <a:t> </a:t>
+            </a:r>
+            <a:r>
+              <a:rPr lang="de-CH" dirty="0" err="1"/>
+              <a:t>financial</a:t>
+            </a:r>
+            <a:r>
+              <a:rPr lang="de-CH" dirty="0"/>
+              <a:t> </a:t>
+            </a:r>
+            <a:r>
+              <a:rPr lang="de-CH" dirty="0" err="1"/>
+              <a:t>status</a:t>
+            </a:r>
+            <a:r>
+              <a:rPr lang="de-CH" dirty="0"/>
+              <a:t> </a:t>
+            </a:r>
+            <a:r>
+              <a:rPr lang="de-CH" dirty="0" err="1"/>
+              <a:t>of</a:t>
+            </a:r>
+            <a:r>
+              <a:rPr lang="de-CH" dirty="0"/>
+              <a:t> </a:t>
+            </a:r>
+            <a:r>
+              <a:rPr lang="de-CH" dirty="0" err="1"/>
+              <a:t>the</a:t>
+            </a:r>
+            <a:r>
+              <a:rPr lang="de-CH" dirty="0"/>
+              <a:t> </a:t>
+            </a:r>
+            <a:r>
+              <a:rPr lang="de-CH" dirty="0" err="1"/>
+              <a:t>company</a:t>
             </a:r>
             <a:endParaRPr lang="de-CH" dirty="0"/>
           </a:p>
@@ -7549,7 +7775,7 @@
     </p:spTree>
     <p:extLst>
       <p:ext uri="{BB962C8B-B14F-4D97-AF65-F5344CB8AC3E}">
-        <p14:creationId xmlns:p14="http://schemas.microsoft.com/office/powerpoint/2010/main" val="2243815298"/>
+        <p14:creationId xmlns:p14="http://schemas.microsoft.com/office/powerpoint/2010/main" val="1591475638"/>
       </p:ext>
     </p:extLst>
   </p:cSld>
@@ -7603,7 +7829,80 @@
           <a:bodyPr/>
           <a:lstStyle/>
           <a:p>
-            <a:endParaRPr lang="en-US" dirty="0"/>
+            <a:r>
+              <a:rPr lang="en-US" sz="1200" b="0" i="0" kern="1200" dirty="0">
+                <a:solidFill>
+                  <a:schemeClr val="tx1"/>
+                </a:solidFill>
+                <a:effectLst/>
+                <a:latin typeface="+mn-lt"/>
+                <a:ea typeface="+mn-ea"/>
+                <a:cs typeface="+mn-cs"/>
+              </a:rPr>
+              <a:t>Facilitator, </a:t>
+            </a:r>
+            <a:r>
+              <a:rPr lang="en-US" sz="1200" b="0" i="0" kern="1200" dirty="0" err="1">
+                <a:solidFill>
+                  <a:schemeClr val="tx1"/>
+                </a:solidFill>
+                <a:effectLst/>
+                <a:latin typeface="+mn-lt"/>
+                <a:ea typeface="+mn-ea"/>
+                <a:cs typeface="+mn-cs"/>
+              </a:rPr>
+              <a:t>OnBoarding</a:t>
+            </a:r>
+            <a:r>
+              <a:rPr lang="en-US" sz="1200" b="0" i="0" kern="1200" dirty="0">
+                <a:solidFill>
+                  <a:schemeClr val="tx1"/>
+                </a:solidFill>
+                <a:effectLst/>
+                <a:latin typeface="+mn-lt"/>
+                <a:ea typeface="+mn-ea"/>
+                <a:cs typeface="+mn-cs"/>
+              </a:rPr>
+              <a:t> Buddy, Specialist…</a:t>
+            </a:r>
+          </a:p>
+          <a:p>
+            <a:endParaRPr lang="en-US" sz="1200" b="0" i="0" kern="1200" dirty="0">
+              <a:solidFill>
+                <a:schemeClr val="tx1"/>
+              </a:solidFill>
+              <a:effectLst/>
+              <a:latin typeface="+mn-lt"/>
+              <a:ea typeface="+mn-ea"/>
+              <a:cs typeface="+mn-cs"/>
+            </a:endParaRPr>
+          </a:p>
+          <a:p>
+            <a:r>
+              <a:rPr lang="en-US" sz="1200" b="0" i="0" kern="1200" dirty="0">
+                <a:solidFill>
+                  <a:schemeClr val="tx1"/>
+                </a:solidFill>
+                <a:effectLst/>
+                <a:latin typeface="+mn-lt"/>
+                <a:ea typeface="+mn-ea"/>
+                <a:cs typeface="+mn-cs"/>
+              </a:rPr>
+              <a:t>You can wear different heads depending</a:t>
+            </a:r>
+            <a:r>
+              <a:rPr lang="en-US" sz="1200" b="0" i="0" kern="1200" baseline="0" dirty="0">
+                <a:solidFill>
+                  <a:schemeClr val="tx1"/>
+                </a:solidFill>
+                <a:effectLst/>
+                <a:latin typeface="+mn-lt"/>
+                <a:ea typeface="+mn-ea"/>
+                <a:cs typeface="+mn-cs"/>
+              </a:rPr>
+              <a:t> on your interests</a:t>
+            </a:r>
+            <a:endParaRPr lang="de-CH" dirty="0"/>
           </a:p>
         </p:txBody>
       </p:sp>
@@ -7633,7 +7932,7 @@
     </p:spTree>
     <p:extLst>
       <p:ext uri="{BB962C8B-B14F-4D97-AF65-F5344CB8AC3E}">
-        <p14:creationId xmlns:p14="http://schemas.microsoft.com/office/powerpoint/2010/main" val="1948337822"/>
+        <p14:creationId xmlns:p14="http://schemas.microsoft.com/office/powerpoint/2010/main" val="2243815298"/>
       </p:ext>
     </p:extLst>
   </p:cSld>
@@ -7687,7 +7986,7 @@
           <a:bodyPr/>
           <a:lstStyle/>
           <a:p>
-            <a:endParaRPr lang="de-CH" dirty="0"/>
+            <a:endParaRPr lang="en-US" dirty="0"/>
           </a:p>
         </p:txBody>
       </p:sp>
@@ -7717,7 +8016,7 @@
     </p:spTree>
     <p:extLst>
       <p:ext uri="{BB962C8B-B14F-4D97-AF65-F5344CB8AC3E}">
-        <p14:creationId xmlns:p14="http://schemas.microsoft.com/office/powerpoint/2010/main" val="788795983"/>
+        <p14:creationId xmlns:p14="http://schemas.microsoft.com/office/powerpoint/2010/main" val="1948337822"/>
       </p:ext>
     </p:extLst>
   </p:cSld>
@@ -7771,7 +8070,7 @@
           <a:bodyPr/>
           <a:lstStyle/>
           <a:p>
-            <a:endParaRPr lang="en-US" baseline="0" dirty="0"/>
+            <a:endParaRPr lang="de-CH" dirty="0"/>
           </a:p>
         </p:txBody>
       </p:sp>
@@ -7801,7 +8100,7 @@
     </p:spTree>
     <p:extLst>
       <p:ext uri="{BB962C8B-B14F-4D97-AF65-F5344CB8AC3E}">
-        <p14:creationId xmlns:p14="http://schemas.microsoft.com/office/powerpoint/2010/main" val="1904698659"/>
+        <p14:creationId xmlns:p14="http://schemas.microsoft.com/office/powerpoint/2010/main" val="788795983"/>
       </p:ext>
     </p:extLst>
   </p:cSld>
@@ -7855,33 +8154,7 @@
           <a:bodyPr/>
           <a:lstStyle/>
           <a:p>
-            <a:r>
-              <a:rPr lang="en-US" dirty="0"/>
-              <a:t>You have to be active, you spend energy, you have to be</a:t>
-            </a:r>
-            <a:r>
-              <a:rPr lang="en-US" baseline="0" dirty="0"/>
-              <a:t> motivated and embrace the challenge</a:t>
-            </a:r>
-          </a:p>
-          <a:p>
-            <a:r>
-              <a:rPr lang="en-US" baseline="0" dirty="0"/>
-              <a:t>Help others, the big picture counts</a:t>
-            </a:r>
-            <a:endParaRPr lang="en-US" dirty="0"/>
-          </a:p>
-          <a:p>
-            <a:r>
-              <a:rPr lang="en-US" dirty="0"/>
-              <a:t>Nobody makes the decision for you, you have to be part of the decision</a:t>
-            </a:r>
-          </a:p>
-          <a:p>
-            <a:r>
-              <a:rPr lang="en-US" baseline="0" dirty="0"/>
-              <a:t>No boss will tell you what to do and why</a:t>
-            </a:r>
+            <a:endParaRPr lang="en-US" baseline="0" dirty="0"/>
           </a:p>
         </p:txBody>
       </p:sp>
@@ -7911,7 +8184,7 @@
     </p:spTree>
     <p:extLst>
       <p:ext uri="{BB962C8B-B14F-4D97-AF65-F5344CB8AC3E}">
-        <p14:creationId xmlns:p14="http://schemas.microsoft.com/office/powerpoint/2010/main" val="3403284476"/>
+        <p14:creationId xmlns:p14="http://schemas.microsoft.com/office/powerpoint/2010/main" val="1904698659"/>
       </p:ext>
     </p:extLst>
   </p:cSld>
@@ -7966,10 +8239,32 @@
           <a:lstStyle/>
           <a:p>
             <a:r>
+              <a:rPr lang="en-US" dirty="0"/>
+              <a:t>You have to be active, you spend energy, you have to be</a:t>
+            </a:r>
+            <a:r>
               <a:rPr lang="en-US" baseline="0" dirty="0"/>
-              <a:t>There is no “I’m the Rockstar that’s why I get promoted”</a:t>
+              <a:t> motivated and embrace the challenge</a:t>
+            </a:r>
+          </a:p>
+          <a:p>
+            <a:r>
+              <a:rPr lang="en-US" baseline="0" dirty="0"/>
+              <a:t>Help others, the big picture counts</a:t>
             </a:r>
             <a:endParaRPr lang="en-US" dirty="0"/>
+          </a:p>
+          <a:p>
+            <a:r>
+              <a:rPr lang="en-US" dirty="0"/>
+              <a:t>Nobody makes the decision for you, you have to be part of the decision</a:t>
+            </a:r>
+          </a:p>
+          <a:p>
+            <a:r>
+              <a:rPr lang="en-US" baseline="0" dirty="0"/>
+              <a:t>No boss will tell you what to do and why</a:t>
+            </a:r>
           </a:p>
         </p:txBody>
       </p:sp>
@@ -7999,7 +8294,7 @@
     </p:spTree>
     <p:extLst>
       <p:ext uri="{BB962C8B-B14F-4D97-AF65-F5344CB8AC3E}">
-        <p14:creationId xmlns:p14="http://schemas.microsoft.com/office/powerpoint/2010/main" val="499462367"/>
+        <p14:creationId xmlns:p14="http://schemas.microsoft.com/office/powerpoint/2010/main" val="3403284476"/>
       </p:ext>
     </p:extLst>
   </p:cSld>
@@ -8145,32 +8440,11 @@
           <a:bodyPr/>
           <a:lstStyle/>
           <a:p>
-            <a:pPr marL="0" marR="0" lvl="0" indent="0" algn="l" defTabSz="914400" rtl="0" eaLnBrk="1" fontAlgn="auto" latinLnBrk="0" hangingPunct="1">
-              <a:lnSpc>
-                <a:spcPct val="100000"/>
-              </a:lnSpc>
-              <a:spcBef>
-                <a:spcPts val="0"/>
-              </a:spcBef>
-              <a:spcAft>
-                <a:spcPts val="0"/>
-              </a:spcAft>
-              <a:buClrTx/>
-              <a:buSzTx/>
-              <a:buFontTx/>
-              <a:buNone/>
-              <a:tabLst/>
-              <a:defRPr/>
-            </a:pPr>
             <a:r>
               <a:rPr lang="en-US" baseline="0" dirty="0"/>
-              <a:t>Written communication is freaking hard and there can be a lot of </a:t>
-            </a:r>
-            <a:r>
-              <a:rPr lang="en-US" baseline="0" dirty="0" err="1"/>
-              <a:t>missunderstanding</a:t>
-            </a:r>
-            <a:endParaRPr lang="en-US" baseline="0" dirty="0"/>
+              <a:t>There is no “I’m the Rockstar that’s why I get promoted”</a:t>
+            </a:r>
+            <a:endParaRPr lang="en-US" dirty="0"/>
           </a:p>
         </p:txBody>
       </p:sp>
@@ -8200,7 +8474,7 @@
     </p:spTree>
     <p:extLst>
       <p:ext uri="{BB962C8B-B14F-4D97-AF65-F5344CB8AC3E}">
-        <p14:creationId xmlns:p14="http://schemas.microsoft.com/office/powerpoint/2010/main" val="491088145"/>
+        <p14:creationId xmlns:p14="http://schemas.microsoft.com/office/powerpoint/2010/main" val="499462367"/>
       </p:ext>
     </p:extLst>
   </p:cSld>
@@ -8254,10 +8528,32 @@
           <a:bodyPr/>
           <a:lstStyle/>
           <a:p>
+            <a:pPr marL="0" marR="0" lvl="0" indent="0" algn="l" defTabSz="914400" rtl="0" eaLnBrk="1" fontAlgn="auto" latinLnBrk="0" hangingPunct="1">
+              <a:lnSpc>
+                <a:spcPct val="100000"/>
+              </a:lnSpc>
+              <a:spcBef>
+                <a:spcPts val="0"/>
+              </a:spcBef>
+              <a:spcAft>
+                <a:spcPts val="0"/>
+              </a:spcAft>
+              <a:buClrTx/>
+              <a:buSzTx/>
+              <a:buFontTx/>
+              <a:buNone/>
+              <a:tabLst/>
+              <a:defRPr/>
+            </a:pPr>
             <a:r>
               <a:rPr lang="en-US" baseline="0" dirty="0"/>
-              <a:t>Personal, organizational and process change is never over. This can be tiring</a:t>
-            </a:r>
+              <a:t>Written communication is freaking hard and there can be a lot of </a:t>
+            </a:r>
+            <a:r>
+              <a:rPr lang="en-US" baseline="0" dirty="0" err="1"/>
+              <a:t>missunderstanding</a:t>
+            </a:r>
+            <a:endParaRPr lang="en-US" baseline="0" dirty="0"/>
           </a:p>
         </p:txBody>
       </p:sp>
@@ -8287,7 +8583,7 @@
     </p:spTree>
     <p:extLst>
       <p:ext uri="{BB962C8B-B14F-4D97-AF65-F5344CB8AC3E}">
-        <p14:creationId xmlns:p14="http://schemas.microsoft.com/office/powerpoint/2010/main" val="1178241461"/>
+        <p14:creationId xmlns:p14="http://schemas.microsoft.com/office/powerpoint/2010/main" val="491088145"/>
       </p:ext>
     </p:extLst>
   </p:cSld>
@@ -8341,7 +8637,10 @@
           <a:bodyPr/>
           <a:lstStyle/>
           <a:p>
-            <a:endParaRPr lang="en-US" dirty="0"/>
+            <a:r>
+              <a:rPr lang="en-US" baseline="0" dirty="0"/>
+              <a:t>Personal, organizational and process change is never over. This can be tiring</a:t>
+            </a:r>
           </a:p>
         </p:txBody>
       </p:sp>
@@ -8371,7 +8670,7 @@
     </p:spTree>
     <p:extLst>
       <p:ext uri="{BB962C8B-B14F-4D97-AF65-F5344CB8AC3E}">
-        <p14:creationId xmlns:p14="http://schemas.microsoft.com/office/powerpoint/2010/main" val="397760451"/>
+        <p14:creationId xmlns:p14="http://schemas.microsoft.com/office/powerpoint/2010/main" val="1178241461"/>
       </p:ext>
     </p:extLst>
   </p:cSld>
@@ -8455,7 +8754,7 @@
     </p:spTree>
     <p:extLst>
       <p:ext uri="{BB962C8B-B14F-4D97-AF65-F5344CB8AC3E}">
-        <p14:creationId xmlns:p14="http://schemas.microsoft.com/office/powerpoint/2010/main" val="956262743"/>
+        <p14:creationId xmlns:p14="http://schemas.microsoft.com/office/powerpoint/2010/main" val="397760451"/>
       </p:ext>
     </p:extLst>
   </p:cSld>
@@ -8509,11 +8808,7 @@
           <a:bodyPr/>
           <a:lstStyle/>
           <a:p>
-            <a:r>
-              <a:rPr lang="en-US" dirty="0"/>
-              <a:t>Questions that can be answered in blog posts</a:t>
-            </a:r>
-            <a:endParaRPr lang="de-CH" dirty="0"/>
+            <a:endParaRPr lang="en-US" dirty="0"/>
           </a:p>
         </p:txBody>
       </p:sp>
@@ -8543,7 +8838,7 @@
     </p:spTree>
     <p:extLst>
       <p:ext uri="{BB962C8B-B14F-4D97-AF65-F5344CB8AC3E}">
-        <p14:creationId xmlns:p14="http://schemas.microsoft.com/office/powerpoint/2010/main" val="3670487613"/>
+        <p14:creationId xmlns:p14="http://schemas.microsoft.com/office/powerpoint/2010/main" val="956262743"/>
       </p:ext>
     </p:extLst>
   </p:cSld>
@@ -8597,6 +8892,10 @@
           <a:bodyPr/>
           <a:lstStyle/>
           <a:p>
+            <a:r>
+              <a:rPr lang="en-US" dirty="0"/>
+              <a:t>Questions that can be answered in blog posts</a:t>
+            </a:r>
             <a:endParaRPr lang="de-CH" dirty="0"/>
           </a:p>
         </p:txBody>
@@ -8627,7 +8926,7 @@
     </p:spTree>
     <p:extLst>
       <p:ext uri="{BB962C8B-B14F-4D97-AF65-F5344CB8AC3E}">
-        <p14:creationId xmlns:p14="http://schemas.microsoft.com/office/powerpoint/2010/main" val="978782014"/>
+        <p14:creationId xmlns:p14="http://schemas.microsoft.com/office/powerpoint/2010/main" val="3670487613"/>
       </p:ext>
     </p:extLst>
   </p:cSld>
@@ -8681,14 +8980,6 @@
           <a:bodyPr/>
           <a:lstStyle/>
           <a:p>
-            <a:r>
-              <a:rPr lang="de-CH" dirty="0"/>
-              <a:t>Thank you very much</a:t>
-            </a:r>
-            <a:r>
-              <a:rPr lang="de-CH" baseline="0" dirty="0"/>
-              <a:t> for listening and see you next time</a:t>
-            </a:r>
             <a:endParaRPr lang="de-CH" dirty="0"/>
           </a:p>
         </p:txBody>
@@ -8711,6 +9002,98 @@
             <a:fld id="{9BCA07FD-5BD5-4529-84B0-48DD2C561176}" type="slidenum">
               <a:rPr lang="de-CH" smtClean="0"/>
               <a:t>60</a:t>
+            </a:fld>
+            <a:endParaRPr lang="de-CH"/>
+          </a:p>
+        </p:txBody>
+      </p:sp>
+    </p:spTree>
+    <p:extLst>
+      <p:ext uri="{BB962C8B-B14F-4D97-AF65-F5344CB8AC3E}">
+        <p14:creationId xmlns:p14="http://schemas.microsoft.com/office/powerpoint/2010/main" val="978782014"/>
+      </p:ext>
+    </p:extLst>
+  </p:cSld>
+  <p:clrMapOvr>
+    <a:masterClrMapping/>
+  </p:clrMapOvr>
+</p:notes>
+</file>
+
+<file path=ppt/notesSlides/notesSlide57.xml><?xml version="1.0" encoding="utf-8"?>
+<p:notes xmlns:a="http://schemas.openxmlformats.org/drawingml/2006/main" xmlns:r="http://schemas.openxmlformats.org/officeDocument/2006/relationships" xmlns:p="http://schemas.openxmlformats.org/presentationml/2006/main">
+  <p:cSld>
+    <p:spTree>
+      <p:nvGrpSpPr>
+        <p:cNvPr id="1" name=""/>
+        <p:cNvGrpSpPr/>
+        <p:nvPr/>
+      </p:nvGrpSpPr>
+      <p:grpSpPr>
+        <a:xfrm>
+          <a:off x="0" y="0"/>
+          <a:ext cx="0" cy="0"/>
+          <a:chOff x="0" y="0"/>
+          <a:chExt cx="0" cy="0"/>
+        </a:xfrm>
+      </p:grpSpPr>
+      <p:sp>
+        <p:nvSpPr>
+          <p:cNvPr id="2" name="Slide Image Placeholder 1"/>
+          <p:cNvSpPr>
+            <a:spLocks noGrp="1" noRot="1" noChangeAspect="1"/>
+          </p:cNvSpPr>
+          <p:nvPr>
+            <p:ph type="sldImg"/>
+          </p:nvPr>
+        </p:nvSpPr>
+        <p:spPr/>
+      </p:sp>
+      <p:sp>
+        <p:nvSpPr>
+          <p:cNvPr id="3" name="Notes Placeholder 2"/>
+          <p:cNvSpPr>
+            <a:spLocks noGrp="1"/>
+          </p:cNvSpPr>
+          <p:nvPr>
+            <p:ph type="body" idx="1"/>
+          </p:nvPr>
+        </p:nvSpPr>
+        <p:spPr/>
+        <p:txBody>
+          <a:bodyPr/>
+          <a:lstStyle/>
+          <a:p>
+            <a:r>
+              <a:rPr lang="de-CH" dirty="0"/>
+              <a:t>Thank you very much</a:t>
+            </a:r>
+            <a:r>
+              <a:rPr lang="de-CH" baseline="0" dirty="0"/>
+              <a:t> for listening and see you next time</a:t>
+            </a:r>
+            <a:endParaRPr lang="de-CH" dirty="0"/>
+          </a:p>
+        </p:txBody>
+      </p:sp>
+      <p:sp>
+        <p:nvSpPr>
+          <p:cNvPr id="4" name="Slide Number Placeholder 3"/>
+          <p:cNvSpPr>
+            <a:spLocks noGrp="1"/>
+          </p:cNvSpPr>
+          <p:nvPr>
+            <p:ph type="sldNum" sz="quarter" idx="10"/>
+          </p:nvPr>
+        </p:nvSpPr>
+        <p:spPr/>
+        <p:txBody>
+          <a:bodyPr/>
+          <a:lstStyle/>
+          <a:p>
+            <a:fld id="{9BCA07FD-5BD5-4529-84B0-48DD2C561176}" type="slidenum">
+              <a:rPr lang="de-CH" smtClean="0"/>
+              <a:t>61</a:t>
             </a:fld>
             <a:endParaRPr lang="de-CH"/>
           </a:p>
@@ -8872,6 +9255,12 @@
             <a:r>
               <a:rPr lang="en-US" baseline="0" dirty="0"/>
               <a:t>n you enjoy your work then you make an impact. </a:t>
+            </a:r>
+          </a:p>
+          <a:p>
+            <a:r>
+              <a:rPr lang="en-US" baseline="0" dirty="0"/>
+              <a:t>No manager</a:t>
             </a:r>
             <a:endParaRPr lang="en-US" dirty="0"/>
           </a:p>
@@ -9216,7 +9605,7 @@
           <a:p>
             <a:fld id="{A2EAEABE-1D59-4413-813E-803E21872067}" type="datetimeFigureOut">
               <a:rPr lang="de-CH" smtClean="0"/>
-              <a:t>25.04.2017</a:t>
+              <a:t>02.05.2017</a:t>
             </a:fld>
             <a:endParaRPr lang="de-CH"/>
           </a:p>
@@ -9386,7 +9775,7 @@
           <a:p>
             <a:fld id="{A2EAEABE-1D59-4413-813E-803E21872067}" type="datetimeFigureOut">
               <a:rPr lang="de-CH" smtClean="0"/>
-              <a:t>25.04.2017</a:t>
+              <a:t>02.05.2017</a:t>
             </a:fld>
             <a:endParaRPr lang="de-CH"/>
           </a:p>
@@ -9566,7 +9955,7 @@
           <a:p>
             <a:fld id="{A2EAEABE-1D59-4413-813E-803E21872067}" type="datetimeFigureOut">
               <a:rPr lang="de-CH" smtClean="0"/>
-              <a:t>25.04.2017</a:t>
+              <a:t>02.05.2017</a:t>
             </a:fld>
             <a:endParaRPr lang="de-CH"/>
           </a:p>
@@ -9735,7 +10124,7 @@
           <a:p>
             <a:fld id="{A2EAEABE-1D59-4413-813E-803E21872067}" type="datetimeFigureOut">
               <a:rPr lang="de-CH" smtClean="0"/>
-              <a:t>25.04.2017</a:t>
+              <a:t>02.05.2017</a:t>
             </a:fld>
             <a:endParaRPr lang="de-CH"/>
           </a:p>
@@ -9981,7 +10370,7 @@
           <a:p>
             <a:fld id="{A2EAEABE-1D59-4413-813E-803E21872067}" type="datetimeFigureOut">
               <a:rPr lang="de-CH" smtClean="0"/>
-              <a:t>25.04.2017</a:t>
+              <a:t>02.05.2017</a:t>
             </a:fld>
             <a:endParaRPr lang="de-CH"/>
           </a:p>
@@ -10213,7 +10602,7 @@
           <a:p>
             <a:fld id="{A2EAEABE-1D59-4413-813E-803E21872067}" type="datetimeFigureOut">
               <a:rPr lang="de-CH" smtClean="0"/>
-              <a:t>25.04.2017</a:t>
+              <a:t>02.05.2017</a:t>
             </a:fld>
             <a:endParaRPr lang="de-CH"/>
           </a:p>
@@ -10580,7 +10969,7 @@
           <a:p>
             <a:fld id="{A2EAEABE-1D59-4413-813E-803E21872067}" type="datetimeFigureOut">
               <a:rPr lang="de-CH" smtClean="0"/>
-              <a:t>25.04.2017</a:t>
+              <a:t>02.05.2017</a:t>
             </a:fld>
             <a:endParaRPr lang="de-CH"/>
           </a:p>
@@ -10698,7 +11087,7 @@
           <a:p>
             <a:fld id="{A2EAEABE-1D59-4413-813E-803E21872067}" type="datetimeFigureOut">
               <a:rPr lang="de-CH" smtClean="0"/>
-              <a:t>25.04.2017</a:t>
+              <a:t>02.05.2017</a:t>
             </a:fld>
             <a:endParaRPr lang="de-CH"/>
           </a:p>
@@ -10793,7 +11182,7 @@
           <a:p>
             <a:fld id="{A2EAEABE-1D59-4413-813E-803E21872067}" type="datetimeFigureOut">
               <a:rPr lang="de-CH" smtClean="0"/>
-              <a:t>25.04.2017</a:t>
+              <a:t>02.05.2017</a:t>
             </a:fld>
             <a:endParaRPr lang="de-CH"/>
           </a:p>
@@ -11070,7 +11459,7 @@
           <a:p>
             <a:fld id="{A2EAEABE-1D59-4413-813E-803E21872067}" type="datetimeFigureOut">
               <a:rPr lang="de-CH" smtClean="0"/>
-              <a:t>25.04.2017</a:t>
+              <a:t>02.05.2017</a:t>
             </a:fld>
             <a:endParaRPr lang="de-CH"/>
           </a:p>
@@ -11327,7 +11716,7 @@
           <a:p>
             <a:fld id="{A2EAEABE-1D59-4413-813E-803E21872067}" type="datetimeFigureOut">
               <a:rPr lang="de-CH" smtClean="0"/>
-              <a:t>25.04.2017</a:t>
+              <a:t>02.05.2017</a:t>
             </a:fld>
             <a:endParaRPr lang="de-CH"/>
           </a:p>
@@ -11538,7 +11927,7 @@
           <a:p>
             <a:fld id="{A2EAEABE-1D59-4413-813E-803E21872067}" type="datetimeFigureOut">
               <a:rPr lang="de-CH" smtClean="0"/>
-              <a:t>25.04.2017</a:t>
+              <a:t>02.05.2017</a:t>
             </a:fld>
             <a:endParaRPr lang="de-CH"/>
           </a:p>
@@ -16052,6 +16441,70 @@
         </p:nvSpPr>
         <p:spPr>
           <a:xfrm>
+            <a:off x="820357" y="2321005"/>
+            <a:ext cx="10551286" cy="2215991"/>
+          </a:xfrm>
+          <a:prstGeom prst="rect">
+            <a:avLst/>
+          </a:prstGeom>
+        </p:spPr>
+        <p:txBody>
+          <a:bodyPr wrap="none">
+            <a:spAutoFit/>
+          </a:bodyPr>
+          <a:lstStyle/>
+          <a:p>
+            <a:r>
+              <a:rPr lang="en-US" sz="13800" dirty="0">
+                <a:solidFill>
+                  <a:schemeClr val="accent2"/>
+                </a:solidFill>
+                <a:latin typeface="Yanone Kaffeesatz Regular" panose="02000000000000000000" pitchFamily="2" charset="0"/>
+              </a:rPr>
+              <a:t>Initiative vs Project</a:t>
+            </a:r>
+            <a:endParaRPr lang="de-CH" sz="1600" dirty="0"/>
+          </a:p>
+        </p:txBody>
+      </p:sp>
+    </p:spTree>
+    <p:extLst>
+      <p:ext uri="{BB962C8B-B14F-4D97-AF65-F5344CB8AC3E}">
+        <p14:creationId xmlns:p14="http://schemas.microsoft.com/office/powerpoint/2010/main" val="187225573"/>
+      </p:ext>
+    </p:extLst>
+  </p:cSld>
+  <p:clrMapOvr>
+    <a:masterClrMapping/>
+  </p:clrMapOvr>
+</p:sld>
+</file>
+
+<file path=ppt/slides/slide36.xml><?xml version="1.0" encoding="utf-8"?>
+<p:sld xmlns:a="http://schemas.openxmlformats.org/drawingml/2006/main" xmlns:r="http://schemas.openxmlformats.org/officeDocument/2006/relationships" xmlns:p="http://schemas.openxmlformats.org/presentationml/2006/main">
+  <p:cSld>
+    <p:spTree>
+      <p:nvGrpSpPr>
+        <p:cNvPr id="1" name=""/>
+        <p:cNvGrpSpPr/>
+        <p:nvPr/>
+      </p:nvGrpSpPr>
+      <p:grpSpPr>
+        <a:xfrm>
+          <a:off x="0" y="0"/>
+          <a:ext cx="0" cy="0"/>
+          <a:chOff x="0" y="0"/>
+          <a:chExt cx="0" cy="0"/>
+        </a:xfrm>
+      </p:grpSpPr>
+      <p:sp>
+        <p:nvSpPr>
+          <p:cNvPr id="2" name="Rectangle 1"/>
+          <p:cNvSpPr/>
+          <p:nvPr/>
+        </p:nvSpPr>
+        <p:spPr>
+          <a:xfrm>
             <a:off x="3936595" y="1851645"/>
             <a:ext cx="4318811" cy="3154710"/>
           </a:xfrm>
@@ -16091,7 +16544,7 @@
 </p:sld>
 </file>
 
-<file path=ppt/slides/slide36.xml><?xml version="1.0" encoding="utf-8"?>
+<file path=ppt/slides/slide37.xml><?xml version="1.0" encoding="utf-8"?>
 <p:sld xmlns:a="http://schemas.openxmlformats.org/drawingml/2006/main" xmlns:r="http://schemas.openxmlformats.org/officeDocument/2006/relationships" xmlns:p="http://schemas.openxmlformats.org/presentationml/2006/main">
   <p:cSld>
     <p:spTree>
@@ -16229,144 +16682,6 @@
     <p:extLst>
       <p:ext uri="{BB962C8B-B14F-4D97-AF65-F5344CB8AC3E}">
         <p14:creationId xmlns:p14="http://schemas.microsoft.com/office/powerpoint/2010/main" val="1221594360"/>
-      </p:ext>
-    </p:extLst>
-  </p:cSld>
-  <p:clrMapOvr>
-    <a:masterClrMapping/>
-  </p:clrMapOvr>
-</p:sld>
-</file>
-
-<file path=ppt/slides/slide37.xml><?xml version="1.0" encoding="utf-8"?>
-<p:sld xmlns:a="http://schemas.openxmlformats.org/drawingml/2006/main" xmlns:r="http://schemas.openxmlformats.org/officeDocument/2006/relationships" xmlns:p="http://schemas.openxmlformats.org/presentationml/2006/main">
-  <p:cSld>
-    <p:spTree>
-      <p:nvGrpSpPr>
-        <p:cNvPr id="1" name=""/>
-        <p:cNvGrpSpPr/>
-        <p:nvPr/>
-      </p:nvGrpSpPr>
-      <p:grpSpPr>
-        <a:xfrm>
-          <a:off x="0" y="0"/>
-          <a:ext cx="0" cy="0"/>
-          <a:chOff x="0" y="0"/>
-          <a:chExt cx="0" cy="0"/>
-        </a:xfrm>
-      </p:grpSpPr>
-      <p:pic>
-        <p:nvPicPr>
-          <p:cNvPr id="2050" name="Picture 2" descr="https://media.licdn.com/mpr/mpr/shrinknp_200_200/p/1/000/18c/142/07686cd.jpg"/>
-          <p:cNvPicPr>
-            <a:picLocks noChangeAspect="1" noChangeArrowheads="1"/>
-          </p:cNvPicPr>
-          <p:nvPr/>
-        </p:nvPicPr>
-        <p:blipFill>
-          <a:blip r:embed="rId3">
-            <a:extLst>
-              <a:ext uri="{28A0092B-C50C-407E-A947-70E740481C1C}">
-                <a14:useLocalDpi xmlns:a14="http://schemas.microsoft.com/office/drawing/2010/main" val="0"/>
-              </a:ext>
-            </a:extLst>
-          </a:blip>
-          <a:srcRect/>
-          <a:stretch>
-            <a:fillRect/>
-          </a:stretch>
-        </p:blipFill>
-        <p:spPr bwMode="auto">
-          <a:xfrm>
-            <a:off x="1780098" y="2508305"/>
-            <a:ext cx="1905000" cy="1905000"/>
-          </a:xfrm>
-          <a:prstGeom prst="rect">
-            <a:avLst/>
-          </a:prstGeom>
-          <a:noFill/>
-          <a:extLst>
-            <a:ext uri="{909E8E84-426E-40DD-AFC4-6F175D3DCCD1}">
-              <a14:hiddenFill xmlns:a14="http://schemas.microsoft.com/office/drawing/2010/main">
-                <a:solidFill>
-                  <a:srgbClr val="FFFFFF"/>
-                </a:solidFill>
-              </a14:hiddenFill>
-            </a:ext>
-          </a:extLst>
-        </p:spPr>
-      </p:pic>
-      <p:sp>
-        <p:nvSpPr>
-          <p:cNvPr id="5" name="Rectangle 4"/>
-          <p:cNvSpPr/>
-          <p:nvPr/>
-        </p:nvSpPr>
-        <p:spPr>
-          <a:xfrm>
-            <a:off x="6266327" y="2352809"/>
-            <a:ext cx="3996607" cy="2215991"/>
-          </a:xfrm>
-          <a:prstGeom prst="rect">
-            <a:avLst/>
-          </a:prstGeom>
-        </p:spPr>
-        <p:txBody>
-          <a:bodyPr wrap="none">
-            <a:spAutoFit/>
-          </a:bodyPr>
-          <a:lstStyle/>
-          <a:p>
-            <a:r>
-              <a:rPr lang="en-US" sz="13800" dirty="0">
-                <a:solidFill>
-                  <a:schemeClr val="accent2"/>
-                </a:solidFill>
-                <a:latin typeface="Yanone Kaffeesatz Regular" panose="02000000000000000000" pitchFamily="2" charset="0"/>
-              </a:rPr>
-              <a:t>Mentor</a:t>
-            </a:r>
-            <a:endParaRPr lang="de-CH" sz="1600" dirty="0"/>
-          </a:p>
-        </p:txBody>
-      </p:sp>
-      <p:sp>
-        <p:nvSpPr>
-          <p:cNvPr id="4" name="Rectangle 3"/>
-          <p:cNvSpPr/>
-          <p:nvPr/>
-        </p:nvSpPr>
-        <p:spPr>
-          <a:xfrm>
-            <a:off x="871550" y="5104940"/>
-            <a:ext cx="6620723" cy="584775"/>
-          </a:xfrm>
-          <a:prstGeom prst="rect">
-            <a:avLst/>
-          </a:prstGeom>
-        </p:spPr>
-        <p:txBody>
-          <a:bodyPr wrap="none">
-            <a:spAutoFit/>
-          </a:bodyPr>
-          <a:lstStyle/>
-          <a:p>
-            <a:r>
-              <a:rPr lang="de-CH" sz="3200" dirty="0">
-                <a:solidFill>
-                  <a:schemeClr val="accent3"/>
-                </a:solidFill>
-                <a:latin typeface="Yanone Kaffeesatz Regular" panose="02000000000000000000" pitchFamily="2" charset="0"/>
-              </a:rPr>
-              <a:t>https://www.linkedin.com/in/willie-levy-7690b51</a:t>
-            </a:r>
-          </a:p>
-        </p:txBody>
-      </p:sp>
-    </p:spTree>
-    <p:extLst>
-      <p:ext uri="{BB962C8B-B14F-4D97-AF65-F5344CB8AC3E}">
-        <p14:creationId xmlns:p14="http://schemas.microsoft.com/office/powerpoint/2010/main" val="2825281283"/>
       </p:ext>
     </p:extLst>
   </p:cSld>
@@ -16504,7 +16819,7 @@
     </p:spTree>
     <p:extLst>
       <p:ext uri="{BB962C8B-B14F-4D97-AF65-F5344CB8AC3E}">
-        <p14:creationId xmlns:p14="http://schemas.microsoft.com/office/powerpoint/2010/main" val="2901908007"/>
+        <p14:creationId xmlns:p14="http://schemas.microsoft.com/office/powerpoint/2010/main" val="2825281283"/>
       </p:ext>
     </p:extLst>
   </p:cSld>
@@ -16531,6 +16846,47 @@
           <a:chExt cx="0" cy="0"/>
         </a:xfrm>
       </p:grpSpPr>
+      <p:pic>
+        <p:nvPicPr>
+          <p:cNvPr id="2050" name="Picture 2" descr="https://media.licdn.com/mpr/mpr/shrinknp_200_200/p/1/000/18c/142/07686cd.jpg"/>
+          <p:cNvPicPr>
+            <a:picLocks noChangeAspect="1" noChangeArrowheads="1"/>
+          </p:cNvPicPr>
+          <p:nvPr/>
+        </p:nvPicPr>
+        <p:blipFill>
+          <a:blip r:embed="rId3">
+            <a:extLst>
+              <a:ext uri="{28A0092B-C50C-407E-A947-70E740481C1C}">
+                <a14:useLocalDpi xmlns:a14="http://schemas.microsoft.com/office/drawing/2010/main" val="0"/>
+              </a:ext>
+            </a:extLst>
+          </a:blip>
+          <a:srcRect/>
+          <a:stretch>
+            <a:fillRect/>
+          </a:stretch>
+        </p:blipFill>
+        <p:spPr bwMode="auto">
+          <a:xfrm>
+            <a:off x="1780098" y="2508305"/>
+            <a:ext cx="1905000" cy="1905000"/>
+          </a:xfrm>
+          <a:prstGeom prst="rect">
+            <a:avLst/>
+          </a:prstGeom>
+          <a:noFill/>
+          <a:extLst>
+            <a:ext uri="{909E8E84-426E-40DD-AFC4-6F175D3DCCD1}">
+              <a14:hiddenFill xmlns:a14="http://schemas.microsoft.com/office/drawing/2010/main">
+                <a:solidFill>
+                  <a:srgbClr val="FFFFFF"/>
+                </a:solidFill>
+              </a14:hiddenFill>
+            </a:ext>
+          </a:extLst>
+        </p:spPr>
+      </p:pic>
       <p:sp>
         <p:nvSpPr>
           <p:cNvPr id="5" name="Rectangle 4"/>
@@ -16539,8 +16895,8 @@
         </p:nvSpPr>
         <p:spPr>
           <a:xfrm>
-            <a:off x="2274772" y="2241491"/>
-            <a:ext cx="8154797" cy="2215991"/>
+            <a:off x="6266327" y="2352809"/>
+            <a:ext cx="3996607" cy="2215991"/>
           </a:xfrm>
           <a:prstGeom prst="rect">
             <a:avLst/>
@@ -16555,33 +16911,53 @@
             <a:r>
               <a:rPr lang="en-US" sz="13800" dirty="0">
                 <a:solidFill>
-                  <a:schemeClr val="tx2"/>
+                  <a:schemeClr val="accent2"/>
                 </a:solidFill>
                 <a:latin typeface="Yanone Kaffeesatz Regular" panose="02000000000000000000" pitchFamily="2" charset="0"/>
               </a:rPr>
-              <a:t>there are </a:t>
-            </a:r>
-            <a:r>
-              <a:rPr lang="en-US" sz="13800" dirty="0">
-                <a:solidFill>
-                  <a:schemeClr val="accent4"/>
+              <a:t>Mentor</a:t>
+            </a:r>
+            <a:endParaRPr lang="de-CH" sz="1600" dirty="0"/>
+          </a:p>
+        </p:txBody>
+      </p:sp>
+      <p:sp>
+        <p:nvSpPr>
+          <p:cNvPr id="4" name="Rectangle 3"/>
+          <p:cNvSpPr/>
+          <p:nvPr/>
+        </p:nvSpPr>
+        <p:spPr>
+          <a:xfrm>
+            <a:off x="871550" y="5104940"/>
+            <a:ext cx="6620723" cy="584775"/>
+          </a:xfrm>
+          <a:prstGeom prst="rect">
+            <a:avLst/>
+          </a:prstGeom>
+        </p:spPr>
+        <p:txBody>
+          <a:bodyPr wrap="none">
+            <a:spAutoFit/>
+          </a:bodyPr>
+          <a:lstStyle/>
+          <a:p>
+            <a:r>
+              <a:rPr lang="de-CH" sz="3200" dirty="0">
+                <a:solidFill>
+                  <a:schemeClr val="accent3"/>
                 </a:solidFill>
                 <a:latin typeface="Yanone Kaffeesatz Regular" panose="02000000000000000000" pitchFamily="2" charset="0"/>
               </a:rPr>
-              <a:t>more</a:t>
-            </a:r>
-            <a:endParaRPr lang="de-CH" sz="1600" dirty="0">
-              <a:solidFill>
-                <a:schemeClr val="accent4"/>
-              </a:solidFill>
-            </a:endParaRPr>
+              <a:t>https://www.linkedin.com/in/willie-levy-7690b51</a:t>
+            </a:r>
           </a:p>
         </p:txBody>
       </p:sp>
     </p:spTree>
     <p:extLst>
       <p:ext uri="{BB962C8B-B14F-4D97-AF65-F5344CB8AC3E}">
-        <p14:creationId xmlns:p14="http://schemas.microsoft.com/office/powerpoint/2010/main" val="1841617271"/>
+        <p14:creationId xmlns:p14="http://schemas.microsoft.com/office/powerpoint/2010/main" val="2901908007"/>
       </p:ext>
     </p:extLst>
   </p:cSld>
@@ -16752,14 +17128,14 @@
       </p:grpSpPr>
       <p:sp>
         <p:nvSpPr>
-          <p:cNvPr id="2" name="Rectangle 1"/>
+          <p:cNvPr id="5" name="Rectangle 4"/>
           <p:cNvSpPr/>
           <p:nvPr/>
         </p:nvSpPr>
         <p:spPr>
           <a:xfrm>
-            <a:off x="2357637" y="1851645"/>
-            <a:ext cx="7476727" cy="3154710"/>
+            <a:off x="2274772" y="2241491"/>
+            <a:ext cx="8154797" cy="2215991"/>
           </a:xfrm>
           <a:prstGeom prst="rect">
             <a:avLst/>
@@ -16772,22 +17148,35 @@
           <a:lstStyle/>
           <a:p>
             <a:r>
-              <a:rPr lang="en-US" sz="19900" dirty="0">
-                <a:solidFill>
-                  <a:schemeClr val="accent2"/>
+              <a:rPr lang="en-US" sz="13800" dirty="0">
+                <a:solidFill>
+                  <a:schemeClr val="tx2"/>
                 </a:solidFill>
                 <a:latin typeface="Yanone Kaffeesatz Regular" panose="02000000000000000000" pitchFamily="2" charset="0"/>
               </a:rPr>
-              <a:t>Decisions</a:t>
-            </a:r>
-            <a:endParaRPr lang="de-CH" sz="2000" dirty="0"/>
+              <a:t>there are </a:t>
+            </a:r>
+            <a:r>
+              <a:rPr lang="en-US" sz="13800" dirty="0">
+                <a:solidFill>
+                  <a:schemeClr val="accent4"/>
+                </a:solidFill>
+                <a:latin typeface="Yanone Kaffeesatz Regular" panose="02000000000000000000" pitchFamily="2" charset="0"/>
+              </a:rPr>
+              <a:t>more</a:t>
+            </a:r>
+            <a:endParaRPr lang="de-CH" sz="1600" dirty="0">
+              <a:solidFill>
+                <a:schemeClr val="accent4"/>
+              </a:solidFill>
+            </a:endParaRPr>
           </a:p>
         </p:txBody>
       </p:sp>
     </p:spTree>
     <p:extLst>
       <p:ext uri="{BB962C8B-B14F-4D97-AF65-F5344CB8AC3E}">
-        <p14:creationId xmlns:p14="http://schemas.microsoft.com/office/powerpoint/2010/main" val="2591464188"/>
+        <p14:creationId xmlns:p14="http://schemas.microsoft.com/office/powerpoint/2010/main" val="1841617271"/>
       </p:ext>
     </p:extLst>
   </p:cSld>
@@ -16816,6 +17205,70 @@
       </p:grpSpPr>
       <p:sp>
         <p:nvSpPr>
+          <p:cNvPr id="2" name="Rectangle 1"/>
+          <p:cNvSpPr/>
+          <p:nvPr/>
+        </p:nvSpPr>
+        <p:spPr>
+          <a:xfrm>
+            <a:off x="2357637" y="1851645"/>
+            <a:ext cx="7476727" cy="3154710"/>
+          </a:xfrm>
+          <a:prstGeom prst="rect">
+            <a:avLst/>
+          </a:prstGeom>
+        </p:spPr>
+        <p:txBody>
+          <a:bodyPr wrap="none">
+            <a:spAutoFit/>
+          </a:bodyPr>
+          <a:lstStyle/>
+          <a:p>
+            <a:r>
+              <a:rPr lang="en-US" sz="19900" dirty="0">
+                <a:solidFill>
+                  <a:schemeClr val="accent2"/>
+                </a:solidFill>
+                <a:latin typeface="Yanone Kaffeesatz Regular" panose="02000000000000000000" pitchFamily="2" charset="0"/>
+              </a:rPr>
+              <a:t>Decisions</a:t>
+            </a:r>
+            <a:endParaRPr lang="de-CH" sz="2000" dirty="0"/>
+          </a:p>
+        </p:txBody>
+      </p:sp>
+    </p:spTree>
+    <p:extLst>
+      <p:ext uri="{BB962C8B-B14F-4D97-AF65-F5344CB8AC3E}">
+        <p14:creationId xmlns:p14="http://schemas.microsoft.com/office/powerpoint/2010/main" val="2591464188"/>
+      </p:ext>
+    </p:extLst>
+  </p:cSld>
+  <p:clrMapOvr>
+    <a:masterClrMapping/>
+  </p:clrMapOvr>
+</p:sld>
+</file>
+
+<file path=ppt/slides/slide42.xml><?xml version="1.0" encoding="utf-8"?>
+<p:sld xmlns:a="http://schemas.openxmlformats.org/drawingml/2006/main" xmlns:r="http://schemas.openxmlformats.org/officeDocument/2006/relationships" xmlns:p="http://schemas.openxmlformats.org/presentationml/2006/main">
+  <p:cSld>
+    <p:spTree>
+      <p:nvGrpSpPr>
+        <p:cNvPr id="1" name=""/>
+        <p:cNvGrpSpPr/>
+        <p:nvPr/>
+      </p:nvGrpSpPr>
+      <p:grpSpPr>
+        <a:xfrm>
+          <a:off x="0" y="0"/>
+          <a:ext cx="0" cy="0"/>
+          <a:chOff x="0" y="0"/>
+          <a:chExt cx="0" cy="0"/>
+        </a:xfrm>
+      </p:grpSpPr>
+      <p:sp>
+        <p:nvSpPr>
           <p:cNvPr id="5" name="Rectangle 4"/>
           <p:cNvSpPr/>
           <p:nvPr/>
@@ -16874,7 +17327,7 @@
 </p:sld>
 </file>
 
-<file path=ppt/slides/slide42.xml><?xml version="1.0" encoding="utf-8"?>
+<file path=ppt/slides/slide43.xml><?xml version="1.0" encoding="utf-8"?>
 <p:sld xmlns:a="http://schemas.openxmlformats.org/drawingml/2006/main" xmlns:r="http://schemas.openxmlformats.org/officeDocument/2006/relationships" xmlns:p="http://schemas.openxmlformats.org/presentationml/2006/main">
   <p:cSld>
     <p:spTree>
@@ -17072,83 +17525,6 @@
 </p:sld>
 </file>
 
-<file path=ppt/slides/slide43.xml><?xml version="1.0" encoding="utf-8"?>
-<p:sld xmlns:a="http://schemas.openxmlformats.org/drawingml/2006/main" xmlns:r="http://schemas.openxmlformats.org/officeDocument/2006/relationships" xmlns:p="http://schemas.openxmlformats.org/presentationml/2006/main">
-  <p:cSld>
-    <p:spTree>
-      <p:nvGrpSpPr>
-        <p:cNvPr id="1" name=""/>
-        <p:cNvGrpSpPr/>
-        <p:nvPr/>
-      </p:nvGrpSpPr>
-      <p:grpSpPr>
-        <a:xfrm>
-          <a:off x="0" y="0"/>
-          <a:ext cx="0" cy="0"/>
-          <a:chOff x="0" y="0"/>
-          <a:chExt cx="0" cy="0"/>
-        </a:xfrm>
-      </p:grpSpPr>
-      <p:sp>
-        <p:nvSpPr>
-          <p:cNvPr id="5" name="Rectangle 4"/>
-          <p:cNvSpPr/>
-          <p:nvPr/>
-        </p:nvSpPr>
-        <p:spPr>
-          <a:xfrm>
-            <a:off x="611165" y="2241491"/>
-            <a:ext cx="10969670" cy="2215991"/>
-          </a:xfrm>
-          <a:prstGeom prst="rect">
-            <a:avLst/>
-          </a:prstGeom>
-        </p:spPr>
-        <p:txBody>
-          <a:bodyPr wrap="none">
-            <a:spAutoFit/>
-          </a:bodyPr>
-          <a:lstStyle/>
-          <a:p>
-            <a:r>
-              <a:rPr lang="en-US" sz="13800" dirty="0">
-                <a:solidFill>
-                  <a:schemeClr val="accent4"/>
-                </a:solidFill>
-                <a:latin typeface="Yanone Kaffeesatz Regular" panose="02000000000000000000" pitchFamily="2" charset="0"/>
-              </a:rPr>
-              <a:t>important</a:t>
-            </a:r>
-            <a:r>
-              <a:rPr lang="en-US" sz="13800" dirty="0">
-                <a:solidFill>
-                  <a:schemeClr val="tx2"/>
-                </a:solidFill>
-                <a:latin typeface="Yanone Kaffeesatz Regular" panose="02000000000000000000" pitchFamily="2" charset="0"/>
-              </a:rPr>
-              <a:t> or urgent</a:t>
-            </a:r>
-            <a:endParaRPr lang="de-CH" sz="1600" dirty="0">
-              <a:solidFill>
-                <a:schemeClr val="accent4"/>
-              </a:solidFill>
-            </a:endParaRPr>
-          </a:p>
-        </p:txBody>
-      </p:sp>
-    </p:spTree>
-    <p:extLst>
-      <p:ext uri="{BB962C8B-B14F-4D97-AF65-F5344CB8AC3E}">
-        <p14:creationId xmlns:p14="http://schemas.microsoft.com/office/powerpoint/2010/main" val="1010206708"/>
-      </p:ext>
-    </p:extLst>
-  </p:cSld>
-  <p:clrMapOvr>
-    <a:masterClrMapping/>
-  </p:clrMapOvr>
-</p:sld>
-</file>
-
 <file path=ppt/slides/slide44.xml><?xml version="1.0" encoding="utf-8"?>
 <p:sld xmlns:a="http://schemas.openxmlformats.org/drawingml/2006/main" xmlns:r="http://schemas.openxmlformats.org/officeDocument/2006/relationships" xmlns:p="http://schemas.openxmlformats.org/presentationml/2006/main">
   <p:cSld>
@@ -17168,54 +17544,14 @@
       </p:grpSpPr>
       <p:sp>
         <p:nvSpPr>
-          <p:cNvPr id="2" name="TextBox 1"/>
-          <p:cNvSpPr txBox="1"/>
+          <p:cNvPr id="5" name="Rectangle 4"/>
+          <p:cNvSpPr/>
           <p:nvPr/>
         </p:nvSpPr>
         <p:spPr>
           <a:xfrm>
-            <a:off x="1362974" y="1303814"/>
-            <a:ext cx="9594293" cy="3770263"/>
-          </a:xfrm>
-          <a:prstGeom prst="rect">
-            <a:avLst/>
-          </a:prstGeom>
-          <a:noFill/>
-        </p:spPr>
-        <p:txBody>
-          <a:bodyPr wrap="none" rtlCol="0">
-            <a:spAutoFit/>
-          </a:bodyPr>
-          <a:lstStyle/>
-          <a:p>
-            <a:r>
-              <a:rPr lang="en-US" sz="23900" dirty="0" err="1">
-                <a:solidFill>
-                  <a:schemeClr val="accent2"/>
-                </a:solidFill>
-                <a:latin typeface="Yanone Kaffeesatz Regular" panose="02000000000000000000" pitchFamily="2" charset="0"/>
-              </a:rPr>
-              <a:t>TaskForce</a:t>
-            </a:r>
-            <a:endParaRPr lang="de-CH" sz="8800" dirty="0">
-              <a:solidFill>
-                <a:schemeClr val="accent4"/>
-              </a:solidFill>
-              <a:latin typeface="Yanone Kaffeesatz Regular" panose="02000000000000000000" pitchFamily="2" charset="0"/>
-            </a:endParaRPr>
-          </a:p>
-        </p:txBody>
-      </p:sp>
-      <p:sp>
-        <p:nvSpPr>
-          <p:cNvPr id="4" name="Rectangle 3"/>
-          <p:cNvSpPr/>
-          <p:nvPr/>
-        </p:nvSpPr>
-        <p:spPr>
-          <a:xfrm>
-            <a:off x="848705" y="814909"/>
-            <a:ext cx="4089581" cy="1107996"/>
+            <a:off x="611165" y="2241491"/>
+            <a:ext cx="10969670" cy="2215991"/>
           </a:xfrm>
           <a:prstGeom prst="rect">
             <a:avLst/>
@@ -17228,17 +17564,26 @@
           <a:lstStyle/>
           <a:p>
             <a:r>
-              <a:rPr lang="en-US" sz="6600" dirty="0">
+              <a:rPr lang="en-US" sz="13800" dirty="0">
+                <a:solidFill>
+                  <a:schemeClr val="accent4"/>
+                </a:solidFill>
+                <a:latin typeface="Yanone Kaffeesatz Regular" panose="02000000000000000000" pitchFamily="2" charset="0"/>
+              </a:rPr>
+              <a:t>important</a:t>
+            </a:r>
+            <a:r>
+              <a:rPr lang="en-US" sz="13800" dirty="0">
                 <a:solidFill>
                   <a:schemeClr val="tx2"/>
                 </a:solidFill>
                 <a:latin typeface="Yanone Kaffeesatz Regular" panose="02000000000000000000" pitchFamily="2" charset="0"/>
               </a:rPr>
-              <a:t>consensus in a</a:t>
-            </a:r>
-            <a:endParaRPr lang="de-CH" sz="6600" dirty="0">
+              <a:t> or urgent</a:t>
+            </a:r>
+            <a:endParaRPr lang="de-CH" sz="1600" dirty="0">
               <a:solidFill>
-                <a:schemeClr val="tx2"/>
+                <a:schemeClr val="accent4"/>
               </a:solidFill>
             </a:endParaRPr>
           </a:p>
@@ -17247,7 +17592,7 @@
     </p:spTree>
     <p:extLst>
       <p:ext uri="{BB962C8B-B14F-4D97-AF65-F5344CB8AC3E}">
-        <p14:creationId xmlns:p14="http://schemas.microsoft.com/office/powerpoint/2010/main" val="3841064567"/>
+        <p14:creationId xmlns:p14="http://schemas.microsoft.com/office/powerpoint/2010/main" val="1010206708"/>
       </p:ext>
     </p:extLst>
   </p:cSld>
@@ -17276,14 +17621,54 @@
       </p:grpSpPr>
       <p:sp>
         <p:nvSpPr>
-          <p:cNvPr id="2" name="Rectangle 1"/>
+          <p:cNvPr id="2" name="TextBox 1"/>
+          <p:cNvSpPr txBox="1"/>
+          <p:nvPr/>
+        </p:nvSpPr>
+        <p:spPr>
+          <a:xfrm>
+            <a:off x="1362974" y="1303814"/>
+            <a:ext cx="10075194" cy="3770263"/>
+          </a:xfrm>
+          <a:prstGeom prst="rect">
+            <a:avLst/>
+          </a:prstGeom>
+          <a:noFill/>
+        </p:spPr>
+        <p:txBody>
+          <a:bodyPr wrap="none" rtlCol="0">
+            <a:spAutoFit/>
+          </a:bodyPr>
+          <a:lstStyle/>
+          <a:p>
+            <a:r>
+              <a:rPr lang="en-US" sz="23900" dirty="0">
+                <a:solidFill>
+                  <a:schemeClr val="accent2"/>
+                </a:solidFill>
+                <a:latin typeface="Yanone Kaffeesatz Regular" panose="02000000000000000000" pitchFamily="2" charset="0"/>
+              </a:rPr>
+              <a:t>Task Force</a:t>
+            </a:r>
+            <a:endParaRPr lang="de-CH" sz="8800" dirty="0">
+              <a:solidFill>
+                <a:schemeClr val="accent4"/>
+              </a:solidFill>
+              <a:latin typeface="Yanone Kaffeesatz Regular" panose="02000000000000000000" pitchFamily="2" charset="0"/>
+            </a:endParaRPr>
+          </a:p>
+        </p:txBody>
+      </p:sp>
+      <p:sp>
+        <p:nvSpPr>
+          <p:cNvPr id="4" name="Rectangle 3"/>
           <p:cNvSpPr/>
           <p:nvPr/>
         </p:nvSpPr>
         <p:spPr>
           <a:xfrm>
-            <a:off x="3149520" y="1851645"/>
-            <a:ext cx="5892960" cy="3154710"/>
+            <a:off x="848705" y="814909"/>
+            <a:ext cx="4089581" cy="1107996"/>
           </a:xfrm>
           <a:prstGeom prst="rect">
             <a:avLst/>
@@ -17296,22 +17681,26 @@
           <a:lstStyle/>
           <a:p>
             <a:r>
-              <a:rPr lang="en-US" sz="19900" dirty="0">
-                <a:solidFill>
-                  <a:schemeClr val="accent2"/>
+              <a:rPr lang="en-US" sz="6600" dirty="0">
+                <a:solidFill>
+                  <a:schemeClr val="tx2"/>
                 </a:solidFill>
                 <a:latin typeface="Yanone Kaffeesatz Regular" panose="02000000000000000000" pitchFamily="2" charset="0"/>
               </a:rPr>
-              <a:t>Metrics</a:t>
-            </a:r>
-            <a:endParaRPr lang="de-CH" sz="2000" dirty="0"/>
+              <a:t>consensus in a</a:t>
+            </a:r>
+            <a:endParaRPr lang="de-CH" sz="6600" dirty="0">
+              <a:solidFill>
+                <a:schemeClr val="tx2"/>
+              </a:solidFill>
+            </a:endParaRPr>
           </a:p>
         </p:txBody>
       </p:sp>
     </p:spTree>
     <p:extLst>
       <p:ext uri="{BB962C8B-B14F-4D97-AF65-F5344CB8AC3E}">
-        <p14:creationId xmlns:p14="http://schemas.microsoft.com/office/powerpoint/2010/main" val="1868143842"/>
+        <p14:creationId xmlns:p14="http://schemas.microsoft.com/office/powerpoint/2010/main" val="3841064567"/>
       </p:ext>
     </p:extLst>
   </p:cSld>
@@ -17340,54 +17729,14 @@
       </p:grpSpPr>
       <p:sp>
         <p:nvSpPr>
-          <p:cNvPr id="2" name="TextBox 1"/>
-          <p:cNvSpPr txBox="1"/>
+          <p:cNvPr id="2" name="Rectangle 1"/>
+          <p:cNvSpPr/>
           <p:nvPr/>
         </p:nvSpPr>
         <p:spPr>
           <a:xfrm>
-            <a:off x="944590" y="1851645"/>
-            <a:ext cx="10302820" cy="3154710"/>
-          </a:xfrm>
-          <a:prstGeom prst="rect">
-            <a:avLst/>
-          </a:prstGeom>
-          <a:noFill/>
-        </p:spPr>
-        <p:txBody>
-          <a:bodyPr wrap="none" rtlCol="0">
-            <a:spAutoFit/>
-          </a:bodyPr>
-          <a:lstStyle/>
-          <a:p>
-            <a:r>
-              <a:rPr lang="en-US" sz="19900" dirty="0">
-                <a:solidFill>
-                  <a:schemeClr val="accent2"/>
-                </a:solidFill>
-                <a:latin typeface="Yanone Kaffeesatz Regular" panose="02000000000000000000" pitchFamily="2" charset="0"/>
-              </a:rPr>
-              <a:t>transparent?</a:t>
-            </a:r>
-            <a:endParaRPr lang="de-CH" sz="8000" dirty="0">
-              <a:solidFill>
-                <a:schemeClr val="accent4"/>
-              </a:solidFill>
-              <a:latin typeface="Yanone Kaffeesatz Regular" panose="02000000000000000000" pitchFamily="2" charset="0"/>
-            </a:endParaRPr>
-          </a:p>
-        </p:txBody>
-      </p:sp>
-      <p:sp>
-        <p:nvSpPr>
-          <p:cNvPr id="4" name="Rectangle 3"/>
-          <p:cNvSpPr/>
-          <p:nvPr/>
-        </p:nvSpPr>
-        <p:spPr>
-          <a:xfrm>
-            <a:off x="848705" y="814909"/>
-            <a:ext cx="4294765" cy="1107996"/>
+            <a:off x="3149520" y="1851645"/>
+            <a:ext cx="5892960" cy="3154710"/>
           </a:xfrm>
           <a:prstGeom prst="rect">
             <a:avLst/>
@@ -17400,26 +17749,22 @@
           <a:lstStyle/>
           <a:p>
             <a:r>
-              <a:rPr lang="en-US" sz="6600" dirty="0">
-                <a:solidFill>
-                  <a:schemeClr val="tx2"/>
+              <a:rPr lang="en-US" sz="19900" dirty="0">
+                <a:solidFill>
+                  <a:schemeClr val="accent2"/>
                 </a:solidFill>
                 <a:latin typeface="Yanone Kaffeesatz Regular" panose="02000000000000000000" pitchFamily="2" charset="0"/>
               </a:rPr>
-              <a:t>so everything is</a:t>
-            </a:r>
-            <a:endParaRPr lang="de-CH" sz="6600" dirty="0">
-              <a:solidFill>
-                <a:schemeClr val="tx2"/>
-              </a:solidFill>
-            </a:endParaRPr>
+              <a:t>Metrics</a:t>
+            </a:r>
+            <a:endParaRPr lang="de-CH" sz="2000" dirty="0"/>
           </a:p>
         </p:txBody>
       </p:sp>
     </p:spTree>
     <p:extLst>
       <p:ext uri="{BB962C8B-B14F-4D97-AF65-F5344CB8AC3E}">
-        <p14:creationId xmlns:p14="http://schemas.microsoft.com/office/powerpoint/2010/main" val="3405671930"/>
+        <p14:creationId xmlns:p14="http://schemas.microsoft.com/office/powerpoint/2010/main" val="1868143842"/>
       </p:ext>
     </p:extLst>
   </p:cSld>
@@ -17448,14 +17793,54 @@
       </p:grpSpPr>
       <p:sp>
         <p:nvSpPr>
-          <p:cNvPr id="2" name="Rectangle 1"/>
+          <p:cNvPr id="2" name="TextBox 1"/>
+          <p:cNvSpPr txBox="1"/>
+          <p:nvPr/>
+        </p:nvSpPr>
+        <p:spPr>
+          <a:xfrm>
+            <a:off x="944590" y="1851645"/>
+            <a:ext cx="10302820" cy="3154710"/>
+          </a:xfrm>
+          <a:prstGeom prst="rect">
+            <a:avLst/>
+          </a:prstGeom>
+          <a:noFill/>
+        </p:spPr>
+        <p:txBody>
+          <a:bodyPr wrap="none" rtlCol="0">
+            <a:spAutoFit/>
+          </a:bodyPr>
+          <a:lstStyle/>
+          <a:p>
+            <a:r>
+              <a:rPr lang="en-US" sz="19900" dirty="0">
+                <a:solidFill>
+                  <a:schemeClr val="accent2"/>
+                </a:solidFill>
+                <a:latin typeface="Yanone Kaffeesatz Regular" panose="02000000000000000000" pitchFamily="2" charset="0"/>
+              </a:rPr>
+              <a:t>transparent?</a:t>
+            </a:r>
+            <a:endParaRPr lang="de-CH" sz="8000" dirty="0">
+              <a:solidFill>
+                <a:schemeClr val="accent4"/>
+              </a:solidFill>
+              <a:latin typeface="Yanone Kaffeesatz Regular" panose="02000000000000000000" pitchFamily="2" charset="0"/>
+            </a:endParaRPr>
+          </a:p>
+        </p:txBody>
+      </p:sp>
+      <p:sp>
+        <p:nvSpPr>
+          <p:cNvPr id="4" name="Rectangle 3"/>
           <p:cNvSpPr/>
           <p:nvPr/>
         </p:nvSpPr>
         <p:spPr>
           <a:xfrm>
-            <a:off x="3149520" y="1851645"/>
-            <a:ext cx="6001964" cy="3154710"/>
+            <a:off x="848705" y="814909"/>
+            <a:ext cx="4294765" cy="1107996"/>
           </a:xfrm>
           <a:prstGeom prst="rect">
             <a:avLst/>
@@ -17468,47 +17853,13 @@
           <a:lstStyle/>
           <a:p>
             <a:r>
-              <a:rPr lang="en-US" sz="19900" dirty="0">
-                <a:solidFill>
-                  <a:schemeClr val="accent2"/>
+              <a:rPr lang="en-US" sz="6600" dirty="0">
+                <a:solidFill>
+                  <a:schemeClr val="tx2"/>
                 </a:solidFill>
                 <a:latin typeface="Yanone Kaffeesatz Regular" panose="02000000000000000000" pitchFamily="2" charset="0"/>
               </a:rPr>
-              <a:t>Finance</a:t>
-            </a:r>
-            <a:endParaRPr lang="de-CH" sz="2000" dirty="0"/>
-          </a:p>
-        </p:txBody>
-      </p:sp>
-      <p:sp>
-        <p:nvSpPr>
-          <p:cNvPr id="3" name="Rectangle 2"/>
-          <p:cNvSpPr/>
-          <p:nvPr/>
-        </p:nvSpPr>
-        <p:spPr>
-          <a:xfrm>
-            <a:off x="1382105" y="2875002"/>
-            <a:ext cx="1412566" cy="1107996"/>
-          </a:xfrm>
-          <a:prstGeom prst="rect">
-            <a:avLst/>
-          </a:prstGeom>
-        </p:spPr>
-        <p:txBody>
-          <a:bodyPr wrap="none">
-            <a:spAutoFit/>
-          </a:bodyPr>
-          <a:lstStyle/>
-          <a:p>
-            <a:r>
-              <a:rPr lang="en-US" sz="6600" dirty="0">
-                <a:solidFill>
-                  <a:schemeClr val="tx2"/>
-                </a:solidFill>
-                <a:latin typeface="Yanone Kaffeesatz Regular" panose="02000000000000000000" pitchFamily="2" charset="0"/>
-              </a:rPr>
-              <a:t>even</a:t>
+              <a:t>so everything is</a:t>
             </a:r>
             <a:endParaRPr lang="de-CH" sz="6600" dirty="0">
               <a:solidFill>
@@ -17521,7 +17872,7 @@
     </p:spTree>
     <p:extLst>
       <p:ext uri="{BB962C8B-B14F-4D97-AF65-F5344CB8AC3E}">
-        <p14:creationId xmlns:p14="http://schemas.microsoft.com/office/powerpoint/2010/main" val="313627278"/>
+        <p14:creationId xmlns:p14="http://schemas.microsoft.com/office/powerpoint/2010/main" val="3405671930"/>
       </p:ext>
     </p:extLst>
   </p:cSld>
@@ -17550,14 +17901,14 @@
       </p:grpSpPr>
       <p:sp>
         <p:nvSpPr>
-          <p:cNvPr id="5" name="Rectangle 4"/>
+          <p:cNvPr id="2" name="Rectangle 1"/>
           <p:cNvSpPr/>
           <p:nvPr/>
         </p:nvSpPr>
         <p:spPr>
           <a:xfrm>
-            <a:off x="2212565" y="1536174"/>
-            <a:ext cx="7766870" cy="3785652"/>
+            <a:off x="3149520" y="1851645"/>
+            <a:ext cx="6001964" cy="3154710"/>
           </a:xfrm>
           <a:prstGeom prst="rect">
             <a:avLst/>
@@ -17569,43 +17920,52 @@
           </a:bodyPr>
           <a:lstStyle/>
           <a:p>
-            <a:pPr algn="ctr"/>
-            <a:r>
-              <a:rPr lang="en-US" sz="8000" dirty="0">
+            <a:r>
+              <a:rPr lang="en-US" sz="19900" dirty="0">
+                <a:solidFill>
+                  <a:schemeClr val="accent2"/>
+                </a:solidFill>
+                <a:latin typeface="Yanone Kaffeesatz Regular" panose="02000000000000000000" pitchFamily="2" charset="0"/>
+              </a:rPr>
+              <a:t>Finance</a:t>
+            </a:r>
+            <a:endParaRPr lang="de-CH" sz="2000" dirty="0"/>
+          </a:p>
+        </p:txBody>
+      </p:sp>
+      <p:sp>
+        <p:nvSpPr>
+          <p:cNvPr id="3" name="Rectangle 2"/>
+          <p:cNvSpPr/>
+          <p:nvPr/>
+        </p:nvSpPr>
+        <p:spPr>
+          <a:xfrm>
+            <a:off x="1382105" y="2875002"/>
+            <a:ext cx="1412566" cy="1107996"/>
+          </a:xfrm>
+          <a:prstGeom prst="rect">
+            <a:avLst/>
+          </a:prstGeom>
+        </p:spPr>
+        <p:txBody>
+          <a:bodyPr wrap="none">
+            <a:spAutoFit/>
+          </a:bodyPr>
+          <a:lstStyle/>
+          <a:p>
+            <a:r>
+              <a:rPr lang="en-US" sz="6600" dirty="0">
                 <a:solidFill>
                   <a:schemeClr val="tx2"/>
                 </a:solidFill>
                 <a:latin typeface="Yanone Kaffeesatz Regular" panose="02000000000000000000" pitchFamily="2" charset="0"/>
               </a:rPr>
-              <a:t>but  nothing that would </a:t>
-            </a:r>
-          </a:p>
-          <a:p>
-            <a:pPr algn="ctr"/>
-            <a:r>
-              <a:rPr lang="en-US" sz="8000" dirty="0">
-                <a:solidFill>
-                  <a:schemeClr val="tx2"/>
-                </a:solidFill>
-                <a:latin typeface="Yanone Kaffeesatz Regular" panose="02000000000000000000" pitchFamily="2" charset="0"/>
-              </a:rPr>
-              <a:t>harm your</a:t>
-            </a:r>
-          </a:p>
-          <a:p>
-            <a:pPr algn="ctr"/>
-            <a:r>
-              <a:rPr lang="en-US" sz="8000" dirty="0">
-                <a:solidFill>
-                  <a:schemeClr val="accent4"/>
-                </a:solidFill>
-                <a:latin typeface="Yanone Kaffeesatz Regular" panose="02000000000000000000" pitchFamily="2" charset="0"/>
-              </a:rPr>
-              <a:t>personal rights</a:t>
-            </a:r>
-            <a:endParaRPr lang="de-CH" sz="1050" dirty="0">
+              <a:t>even</a:t>
+            </a:r>
+            <a:endParaRPr lang="de-CH" sz="6600" dirty="0">
               <a:solidFill>
-                <a:schemeClr val="accent4"/>
+                <a:schemeClr val="tx2"/>
               </a:solidFill>
             </a:endParaRPr>
           </a:p>
@@ -17614,7 +17974,7 @@
     </p:spTree>
     <p:extLst>
       <p:ext uri="{BB962C8B-B14F-4D97-AF65-F5344CB8AC3E}">
-        <p14:creationId xmlns:p14="http://schemas.microsoft.com/office/powerpoint/2010/main" val="1903533441"/>
+        <p14:creationId xmlns:p14="http://schemas.microsoft.com/office/powerpoint/2010/main" val="313627278"/>
       </p:ext>
     </p:extLst>
   </p:cSld>
@@ -17643,54 +18003,14 @@
       </p:grpSpPr>
       <p:sp>
         <p:nvSpPr>
-          <p:cNvPr id="2" name="TextBox 1"/>
-          <p:cNvSpPr txBox="1"/>
+          <p:cNvPr id="5" name="Rectangle 4"/>
+          <p:cNvSpPr/>
           <p:nvPr/>
         </p:nvSpPr>
         <p:spPr>
           <a:xfrm>
-            <a:off x="1362974" y="1303814"/>
-            <a:ext cx="9466053" cy="4508927"/>
-          </a:xfrm>
-          <a:prstGeom prst="rect">
-            <a:avLst/>
-          </a:prstGeom>
-          <a:noFill/>
-        </p:spPr>
-        <p:txBody>
-          <a:bodyPr wrap="none" rtlCol="0">
-            <a:spAutoFit/>
-          </a:bodyPr>
-          <a:lstStyle/>
-          <a:p>
-            <a:r>
-              <a:rPr lang="en-US" sz="28700" dirty="0">
-                <a:solidFill>
-                  <a:schemeClr val="accent2"/>
-                </a:solidFill>
-                <a:latin typeface="Yanone Kaffeesatz Regular" panose="02000000000000000000" pitchFamily="2" charset="0"/>
-              </a:rPr>
-              <a:t>perfect?</a:t>
-            </a:r>
-            <a:endParaRPr lang="de-CH" sz="9600" dirty="0">
-              <a:solidFill>
-                <a:schemeClr val="accent4"/>
-              </a:solidFill>
-              <a:latin typeface="Yanone Kaffeesatz Regular" panose="02000000000000000000" pitchFamily="2" charset="0"/>
-            </a:endParaRPr>
-          </a:p>
-        </p:txBody>
-      </p:sp>
-      <p:sp>
-        <p:nvSpPr>
-          <p:cNvPr id="4" name="Rectangle 3"/>
-          <p:cNvSpPr/>
-          <p:nvPr/>
-        </p:nvSpPr>
-        <p:spPr>
-          <a:xfrm>
-            <a:off x="848705" y="814909"/>
-            <a:ext cx="4294765" cy="1107996"/>
+            <a:off x="2212565" y="1536174"/>
+            <a:ext cx="7766870" cy="3785652"/>
           </a:xfrm>
           <a:prstGeom prst="rect">
             <a:avLst/>
@@ -17702,18 +18022,43 @@
           </a:bodyPr>
           <a:lstStyle/>
           <a:p>
-            <a:r>
-              <a:rPr lang="en-US" sz="6600" dirty="0">
+            <a:pPr algn="ctr"/>
+            <a:r>
+              <a:rPr lang="en-US" sz="8000" dirty="0">
                 <a:solidFill>
                   <a:schemeClr val="tx2"/>
                 </a:solidFill>
                 <a:latin typeface="Yanone Kaffeesatz Regular" panose="02000000000000000000" pitchFamily="2" charset="0"/>
               </a:rPr>
-              <a:t>so everything is</a:t>
-            </a:r>
-            <a:endParaRPr lang="de-CH" sz="6600" dirty="0">
+              <a:t>but  nothing that would </a:t>
+            </a:r>
+          </a:p>
+          <a:p>
+            <a:pPr algn="ctr"/>
+            <a:r>
+              <a:rPr lang="en-US" sz="8000" dirty="0">
+                <a:solidFill>
+                  <a:schemeClr val="tx2"/>
+                </a:solidFill>
+                <a:latin typeface="Yanone Kaffeesatz Regular" panose="02000000000000000000" pitchFamily="2" charset="0"/>
+              </a:rPr>
+              <a:t>harm your</a:t>
+            </a:r>
+          </a:p>
+          <a:p>
+            <a:pPr algn="ctr"/>
+            <a:r>
+              <a:rPr lang="en-US" sz="8000" dirty="0">
+                <a:solidFill>
+                  <a:schemeClr val="accent4"/>
+                </a:solidFill>
+                <a:latin typeface="Yanone Kaffeesatz Regular" panose="02000000000000000000" pitchFamily="2" charset="0"/>
+              </a:rPr>
+              <a:t>personal rights</a:t>
+            </a:r>
+            <a:endParaRPr lang="de-CH" sz="1050" dirty="0">
               <a:solidFill>
-                <a:schemeClr val="tx2"/>
+                <a:schemeClr val="accent4"/>
               </a:solidFill>
             </a:endParaRPr>
           </a:p>
@@ -17722,7 +18067,7 @@
     </p:spTree>
     <p:extLst>
       <p:ext uri="{BB962C8B-B14F-4D97-AF65-F5344CB8AC3E}">
-        <p14:creationId xmlns:p14="http://schemas.microsoft.com/office/powerpoint/2010/main" val="3510896275"/>
+        <p14:creationId xmlns:p14="http://schemas.microsoft.com/office/powerpoint/2010/main" val="1903533441"/>
       </p:ext>
     </p:extLst>
   </p:cSld>
@@ -17899,8 +18244,8 @@
         </p:nvSpPr>
         <p:spPr>
           <a:xfrm>
-            <a:off x="3304133" y="2259107"/>
-            <a:ext cx="4036682" cy="2215991"/>
+            <a:off x="1362974" y="1303814"/>
+            <a:ext cx="9466053" cy="4508927"/>
           </a:xfrm>
           <a:prstGeom prst="rect">
             <a:avLst/>
@@ -17914,15 +18259,15 @@
           <a:lstStyle/>
           <a:p>
             <a:r>
-              <a:rPr lang="en-US" sz="13800" dirty="0">
+              <a:rPr lang="en-US" sz="28700" dirty="0">
                 <a:solidFill>
                   <a:schemeClr val="accent2"/>
                 </a:solidFill>
                 <a:latin typeface="Yanone Kaffeesatz Regular" panose="02000000000000000000" pitchFamily="2" charset="0"/>
               </a:rPr>
-              <a:t>Almost</a:t>
-            </a:r>
-            <a:endParaRPr lang="de-CH" sz="6600" dirty="0">
+              <a:t>perfect?</a:t>
+            </a:r>
+            <a:endParaRPr lang="de-CH" sz="9600" dirty="0">
               <a:solidFill>
                 <a:schemeClr val="accent4"/>
               </a:solidFill>
@@ -17933,14 +18278,14 @@
       </p:sp>
       <p:sp>
         <p:nvSpPr>
-          <p:cNvPr id="3" name="Rectangle 2"/>
+          <p:cNvPr id="4" name="Rectangle 3"/>
           <p:cNvSpPr/>
           <p:nvPr/>
         </p:nvSpPr>
         <p:spPr>
           <a:xfrm>
-            <a:off x="7961153" y="1981505"/>
-            <a:ext cx="1196161" cy="2646878"/>
+            <a:off x="848705" y="814909"/>
+            <a:ext cx="4294765" cy="1107996"/>
           </a:xfrm>
           <a:prstGeom prst="rect">
             <a:avLst/>
@@ -17953,22 +18298,26 @@
           <a:lstStyle/>
           <a:p>
             <a:r>
-              <a:rPr lang="en-US" sz="16600" dirty="0">
-                <a:solidFill>
-                  <a:schemeClr val="accent4"/>
+              <a:rPr lang="en-US" sz="6600" dirty="0">
+                <a:solidFill>
+                  <a:schemeClr val="tx2"/>
                 </a:solidFill>
                 <a:latin typeface="Yanone Kaffeesatz Regular" panose="02000000000000000000" pitchFamily="2" charset="0"/>
               </a:rPr>
-              <a:t>;)</a:t>
-            </a:r>
-            <a:endParaRPr lang="de-CH" sz="16600" dirty="0"/>
+              <a:t>so everything is</a:t>
+            </a:r>
+            <a:endParaRPr lang="de-CH" sz="6600" dirty="0">
+              <a:solidFill>
+                <a:schemeClr val="tx2"/>
+              </a:solidFill>
+            </a:endParaRPr>
           </a:p>
         </p:txBody>
       </p:sp>
     </p:spTree>
     <p:extLst>
       <p:ext uri="{BB962C8B-B14F-4D97-AF65-F5344CB8AC3E}">
-        <p14:creationId xmlns:p14="http://schemas.microsoft.com/office/powerpoint/2010/main" val="2977014107"/>
+        <p14:creationId xmlns:p14="http://schemas.microsoft.com/office/powerpoint/2010/main" val="3510896275"/>
       </p:ext>
     </p:extLst>
   </p:cSld>
@@ -17997,14 +18346,54 @@
       </p:grpSpPr>
       <p:sp>
         <p:nvSpPr>
-          <p:cNvPr id="2" name="Rectangle 1"/>
+          <p:cNvPr id="2" name="TextBox 1"/>
+          <p:cNvSpPr txBox="1"/>
+          <p:nvPr/>
+        </p:nvSpPr>
+        <p:spPr>
+          <a:xfrm>
+            <a:off x="3304133" y="2259107"/>
+            <a:ext cx="4036682" cy="2215991"/>
+          </a:xfrm>
+          <a:prstGeom prst="rect">
+            <a:avLst/>
+          </a:prstGeom>
+          <a:noFill/>
+        </p:spPr>
+        <p:txBody>
+          <a:bodyPr wrap="none" rtlCol="0">
+            <a:spAutoFit/>
+          </a:bodyPr>
+          <a:lstStyle/>
+          <a:p>
+            <a:r>
+              <a:rPr lang="en-US" sz="13800" dirty="0">
+                <a:solidFill>
+                  <a:schemeClr val="accent2"/>
+                </a:solidFill>
+                <a:latin typeface="Yanone Kaffeesatz Regular" panose="02000000000000000000" pitchFamily="2" charset="0"/>
+              </a:rPr>
+              <a:t>Almost</a:t>
+            </a:r>
+            <a:endParaRPr lang="de-CH" sz="6600" dirty="0">
+              <a:solidFill>
+                <a:schemeClr val="accent4"/>
+              </a:solidFill>
+              <a:latin typeface="Yanone Kaffeesatz Regular" panose="02000000000000000000" pitchFamily="2" charset="0"/>
+            </a:endParaRPr>
+          </a:p>
+        </p:txBody>
+      </p:sp>
+      <p:sp>
+        <p:nvSpPr>
+          <p:cNvPr id="3" name="Rectangle 2"/>
           <p:cNvSpPr/>
           <p:nvPr/>
         </p:nvSpPr>
         <p:spPr>
           <a:xfrm>
-            <a:off x="1842272" y="1851645"/>
-            <a:ext cx="8507457" cy="3154710"/>
+            <a:off x="7961153" y="1981505"/>
+            <a:ext cx="1196161" cy="2646878"/>
           </a:xfrm>
           <a:prstGeom prst="rect">
             <a:avLst/>
@@ -18017,22 +18406,22 @@
           <a:lstStyle/>
           <a:p>
             <a:r>
-              <a:rPr lang="en-US" sz="19900" dirty="0">
-                <a:solidFill>
-                  <a:schemeClr val="accent2"/>
+              <a:rPr lang="en-US" sz="16600" dirty="0">
+                <a:solidFill>
+                  <a:schemeClr val="accent4"/>
                 </a:solidFill>
                 <a:latin typeface="Yanone Kaffeesatz Regular" panose="02000000000000000000" pitchFamily="2" charset="0"/>
               </a:rPr>
-              <a:t>Challenges</a:t>
-            </a:r>
-            <a:endParaRPr lang="de-CH" sz="2000" dirty="0"/>
+              <a:t>;)</a:t>
+            </a:r>
+            <a:endParaRPr lang="de-CH" sz="16600" dirty="0"/>
           </a:p>
         </p:txBody>
       </p:sp>
     </p:spTree>
     <p:extLst>
       <p:ext uri="{BB962C8B-B14F-4D97-AF65-F5344CB8AC3E}">
-        <p14:creationId xmlns:p14="http://schemas.microsoft.com/office/powerpoint/2010/main" val="459052795"/>
+        <p14:creationId xmlns:p14="http://schemas.microsoft.com/office/powerpoint/2010/main" val="2977014107"/>
       </p:ext>
     </p:extLst>
   </p:cSld>
@@ -18061,55 +18450,42 @@
       </p:grpSpPr>
       <p:sp>
         <p:nvSpPr>
-          <p:cNvPr id="5" name="Rectangle 4"/>
+          <p:cNvPr id="2" name="Rectangle 1"/>
           <p:cNvSpPr/>
           <p:nvPr/>
         </p:nvSpPr>
         <p:spPr>
           <a:xfrm>
-            <a:off x="1532301" y="2497976"/>
-            <a:ext cx="9127398" cy="1862048"/>
+            <a:off x="1842272" y="1851645"/>
+            <a:ext cx="8507457" cy="3154710"/>
           </a:xfrm>
           <a:prstGeom prst="rect">
             <a:avLst/>
           </a:prstGeom>
         </p:spPr>
         <p:txBody>
-          <a:bodyPr wrap="square">
+          <a:bodyPr wrap="none">
             <a:spAutoFit/>
           </a:bodyPr>
           <a:lstStyle/>
           <a:p>
             <a:r>
-              <a:rPr lang="en-US" sz="11500" dirty="0">
-                <a:solidFill>
-                  <a:schemeClr val="tx2"/>
+              <a:rPr lang="en-US" sz="19900" dirty="0">
+                <a:solidFill>
+                  <a:schemeClr val="accent2"/>
                 </a:solidFill>
                 <a:latin typeface="Yanone Kaffeesatz Regular" panose="02000000000000000000" pitchFamily="2" charset="0"/>
               </a:rPr>
-              <a:t>You have to </a:t>
-            </a:r>
-            <a:r>
-              <a:rPr lang="en-US" sz="11500" dirty="0">
-                <a:solidFill>
-                  <a:schemeClr val="accent4"/>
-                </a:solidFill>
-                <a:latin typeface="Yanone Kaffeesatz Regular" panose="02000000000000000000" pitchFamily="2" charset="0"/>
-              </a:rPr>
-              <a:t>engage</a:t>
-            </a:r>
-            <a:endParaRPr lang="de-CH" sz="1400" dirty="0">
-              <a:solidFill>
-                <a:schemeClr val="accent4"/>
-              </a:solidFill>
-            </a:endParaRPr>
+              <a:t>Challenges</a:t>
+            </a:r>
+            <a:endParaRPr lang="de-CH" sz="2000" dirty="0"/>
           </a:p>
         </p:txBody>
       </p:sp>
     </p:spTree>
     <p:extLst>
       <p:ext uri="{BB962C8B-B14F-4D97-AF65-F5344CB8AC3E}">
-        <p14:creationId xmlns:p14="http://schemas.microsoft.com/office/powerpoint/2010/main" val="3682985106"/>
+        <p14:creationId xmlns:p14="http://schemas.microsoft.com/office/powerpoint/2010/main" val="459052795"/>
       </p:ext>
     </p:extLst>
   </p:cSld>
@@ -18144,8 +18520,8 @@
         </p:nvSpPr>
         <p:spPr>
           <a:xfrm>
-            <a:off x="1532301" y="1613119"/>
-            <a:ext cx="9127398" cy="3631763"/>
+            <a:off x="1532301" y="2497976"/>
+            <a:ext cx="9127398" cy="1862048"/>
           </a:xfrm>
           <a:prstGeom prst="rect">
             <a:avLst/>
@@ -18157,7 +18533,6 @@
           </a:bodyPr>
           <a:lstStyle/>
           <a:p>
-            <a:pPr algn="ctr"/>
             <a:r>
               <a:rPr lang="en-US" sz="11500" dirty="0">
                 <a:solidFill>
@@ -18165,7 +18540,7 @@
                 </a:solidFill>
                 <a:latin typeface="Yanone Kaffeesatz Regular" panose="02000000000000000000" pitchFamily="2" charset="0"/>
               </a:rPr>
-              <a:t>There is </a:t>
+              <a:t>You have to </a:t>
             </a:r>
             <a:r>
               <a:rPr lang="en-US" sz="11500" dirty="0">
@@ -18174,16 +18549,7 @@
                 </a:solidFill>
                 <a:latin typeface="Yanone Kaffeesatz Regular" panose="02000000000000000000" pitchFamily="2" charset="0"/>
               </a:rPr>
-              <a:t>no ladder </a:t>
-            </a:r>
-            <a:r>
-              <a:rPr lang="en-US" sz="11500" dirty="0">
-                <a:solidFill>
-                  <a:schemeClr val="tx2"/>
-                </a:solidFill>
-                <a:latin typeface="Yanone Kaffeesatz Regular" panose="02000000000000000000" pitchFamily="2" charset="0"/>
-              </a:rPr>
-              <a:t>to climb</a:t>
+              <a:t>engage</a:t>
             </a:r>
             <a:endParaRPr lang="de-CH" sz="1400" dirty="0">
               <a:solidFill>
@@ -18196,7 +18562,7 @@
     </p:spTree>
     <p:extLst>
       <p:ext uri="{BB962C8B-B14F-4D97-AF65-F5344CB8AC3E}">
-        <p14:creationId xmlns:p14="http://schemas.microsoft.com/office/powerpoint/2010/main" val="88348432"/>
+        <p14:creationId xmlns:p14="http://schemas.microsoft.com/office/powerpoint/2010/main" val="3682985106"/>
       </p:ext>
     </p:extLst>
   </p:cSld>
@@ -18225,7 +18591,7 @@
       </p:grpSpPr>
       <p:sp>
         <p:nvSpPr>
-          <p:cNvPr id="2" name="Rectangle 1"/>
+          <p:cNvPr id="5" name="Rectangle 4"/>
           <p:cNvSpPr/>
           <p:nvPr/>
         </p:nvSpPr>
@@ -18252,7 +18618,7 @@
                 </a:solidFill>
                 <a:latin typeface="Yanone Kaffeesatz Regular" panose="02000000000000000000" pitchFamily="2" charset="0"/>
               </a:rPr>
-              <a:t>Communication is </a:t>
+              <a:t>There is </a:t>
             </a:r>
             <a:r>
               <a:rPr lang="en-US" sz="11500" dirty="0">
@@ -18261,7 +18627,16 @@
                 </a:solidFill>
                 <a:latin typeface="Yanone Kaffeesatz Regular" panose="02000000000000000000" pitchFamily="2" charset="0"/>
               </a:rPr>
-              <a:t>f… hard</a:t>
+              <a:t>no ladder </a:t>
+            </a:r>
+            <a:r>
+              <a:rPr lang="en-US" sz="11500" dirty="0">
+                <a:solidFill>
+                  <a:schemeClr val="tx2"/>
+                </a:solidFill>
+                <a:latin typeface="Yanone Kaffeesatz Regular" panose="02000000000000000000" pitchFamily="2" charset="0"/>
+              </a:rPr>
+              <a:t>to climb</a:t>
             </a:r>
             <a:endParaRPr lang="de-CH" sz="1400" dirty="0">
               <a:solidFill>
@@ -18274,7 +18649,7 @@
     </p:spTree>
     <p:extLst>
       <p:ext uri="{BB962C8B-B14F-4D97-AF65-F5344CB8AC3E}">
-        <p14:creationId xmlns:p14="http://schemas.microsoft.com/office/powerpoint/2010/main" val="438192938"/>
+        <p14:creationId xmlns:p14="http://schemas.microsoft.com/office/powerpoint/2010/main" val="88348432"/>
       </p:ext>
     </p:extLst>
   </p:cSld>
@@ -18303,14 +18678,14 @@
       </p:grpSpPr>
       <p:sp>
         <p:nvSpPr>
-          <p:cNvPr id="5" name="Rectangle 4"/>
+          <p:cNvPr id="2" name="Rectangle 1"/>
           <p:cNvSpPr/>
           <p:nvPr/>
         </p:nvSpPr>
         <p:spPr>
           <a:xfrm>
-            <a:off x="1532301" y="2497976"/>
-            <a:ext cx="9127398" cy="1862048"/>
+            <a:off x="1532301" y="1613119"/>
+            <a:ext cx="9127398" cy="3631763"/>
           </a:xfrm>
           <a:prstGeom prst="rect">
             <a:avLst/>
@@ -18322,6 +18697,7 @@
           </a:bodyPr>
           <a:lstStyle/>
           <a:p>
+            <a:pPr algn="ctr"/>
             <a:r>
               <a:rPr lang="en-US" sz="11500" dirty="0">
                 <a:solidFill>
@@ -18329,7 +18705,7 @@
                 </a:solidFill>
                 <a:latin typeface="Yanone Kaffeesatz Regular" panose="02000000000000000000" pitchFamily="2" charset="0"/>
               </a:rPr>
-              <a:t>Change </a:t>
+              <a:t>Communication is </a:t>
             </a:r>
             <a:r>
               <a:rPr lang="en-US" sz="11500" dirty="0">
@@ -18338,7 +18714,7 @@
                 </a:solidFill>
                 <a:latin typeface="Yanone Kaffeesatz Regular" panose="02000000000000000000" pitchFamily="2" charset="0"/>
               </a:rPr>
-              <a:t>never ends</a:t>
+              <a:t>f… hard</a:t>
             </a:r>
             <a:endParaRPr lang="de-CH" sz="1400" dirty="0">
               <a:solidFill>
@@ -18351,7 +18727,7 @@
     </p:spTree>
     <p:extLst>
       <p:ext uri="{BB962C8B-B14F-4D97-AF65-F5344CB8AC3E}">
-        <p14:creationId xmlns:p14="http://schemas.microsoft.com/office/powerpoint/2010/main" val="3775138859"/>
+        <p14:creationId xmlns:p14="http://schemas.microsoft.com/office/powerpoint/2010/main" val="438192938"/>
       </p:ext>
     </p:extLst>
   </p:cSld>
@@ -18380,77 +18756,46 @@
       </p:grpSpPr>
       <p:sp>
         <p:nvSpPr>
-          <p:cNvPr id="2" name="TextBox 1"/>
-          <p:cNvSpPr txBox="1"/>
+          <p:cNvPr id="5" name="Rectangle 4"/>
+          <p:cNvSpPr/>
           <p:nvPr/>
         </p:nvSpPr>
         <p:spPr>
           <a:xfrm>
-            <a:off x="1362974" y="1303814"/>
-            <a:ext cx="5046574" cy="4508927"/>
-          </a:xfrm>
-          <a:prstGeom prst="rect">
-            <a:avLst/>
-          </a:prstGeom>
-          <a:noFill/>
-        </p:spPr>
-        <p:txBody>
-          <a:bodyPr wrap="none" rtlCol="0">
-            <a:spAutoFit/>
-          </a:bodyPr>
-          <a:lstStyle/>
-          <a:p>
-            <a:r>
-              <a:rPr lang="en-US" sz="28700" dirty="0">
-                <a:solidFill>
-                  <a:schemeClr val="accent2"/>
-                </a:solidFill>
-                <a:latin typeface="Yanone Kaffeesatz Regular" panose="02000000000000000000" pitchFamily="2" charset="0"/>
-              </a:rPr>
-              <a:t>Hey!</a:t>
-            </a:r>
-            <a:endParaRPr lang="de-CH" sz="9600" dirty="0">
-              <a:solidFill>
-                <a:schemeClr val="accent4"/>
-              </a:solidFill>
-              <a:latin typeface="Yanone Kaffeesatz Regular" panose="02000000000000000000" pitchFamily="2" charset="0"/>
-            </a:endParaRPr>
-          </a:p>
-        </p:txBody>
-      </p:sp>
-      <p:sp>
-        <p:nvSpPr>
-          <p:cNvPr id="4" name="Rectangle 3"/>
-          <p:cNvSpPr/>
-          <p:nvPr/>
-        </p:nvSpPr>
-        <p:spPr>
-          <a:xfrm>
-            <a:off x="848705" y="814909"/>
-            <a:ext cx="1218603" cy="1107996"/>
+            <a:off x="1532301" y="2497976"/>
+            <a:ext cx="9127398" cy="1862048"/>
           </a:xfrm>
           <a:prstGeom prst="rect">
             <a:avLst/>
           </a:prstGeom>
         </p:spPr>
         <p:txBody>
-          <a:bodyPr wrap="none">
+          <a:bodyPr wrap="square">
             <a:spAutoFit/>
           </a:bodyPr>
           <a:lstStyle/>
           <a:p>
             <a:r>
-              <a:rPr lang="en-US" sz="6600" dirty="0">
+              <a:rPr lang="en-US" sz="11500" dirty="0">
                 <a:solidFill>
                   <a:schemeClr val="tx2"/>
                 </a:solidFill>
                 <a:latin typeface="Yanone Kaffeesatz Regular" panose="02000000000000000000" pitchFamily="2" charset="0"/>
               </a:rPr>
-              <a:t>but </a:t>
-            </a:r>
-            <a:endParaRPr lang="de-CH" sz="6600" dirty="0">
+              <a:t>Change </a:t>
+            </a:r>
+            <a:r>
+              <a:rPr lang="en-US" sz="11500" dirty="0">
+                <a:solidFill>
+                  <a:schemeClr val="accent4"/>
+                </a:solidFill>
+                <a:latin typeface="Yanone Kaffeesatz Regular" panose="02000000000000000000" pitchFamily="2" charset="0"/>
+              </a:rPr>
+              <a:t>never ends</a:t>
+            </a:r>
+            <a:endParaRPr lang="de-CH" sz="1400" dirty="0">
               <a:solidFill>
-                <a:schemeClr val="tx2"/>
+                <a:schemeClr val="accent4"/>
               </a:solidFill>
             </a:endParaRPr>
           </a:p>
@@ -18459,7 +18804,7 @@
     </p:spTree>
     <p:extLst>
       <p:ext uri="{BB962C8B-B14F-4D97-AF65-F5344CB8AC3E}">
-        <p14:creationId xmlns:p14="http://schemas.microsoft.com/office/powerpoint/2010/main" val="2100552588"/>
+        <p14:creationId xmlns:p14="http://schemas.microsoft.com/office/powerpoint/2010/main" val="3775138859"/>
       </p:ext>
     </p:extLst>
   </p:cSld>
@@ -18494,8 +18839,8 @@
         </p:nvSpPr>
         <p:spPr>
           <a:xfrm>
-            <a:off x="747421" y="1543869"/>
-            <a:ext cx="10697159" cy="3770263"/>
+            <a:off x="1362974" y="1303814"/>
+            <a:ext cx="5046574" cy="4508927"/>
           </a:xfrm>
           <a:prstGeom prst="rect">
             <a:avLst/>
@@ -18509,15 +18854,15 @@
           <a:lstStyle/>
           <a:p>
             <a:r>
-              <a:rPr lang="en-US" sz="23900" dirty="0">
+              <a:rPr lang="en-US" sz="28700" dirty="0">
                 <a:solidFill>
                   <a:schemeClr val="accent2"/>
                 </a:solidFill>
                 <a:latin typeface="Yanone Kaffeesatz Regular" panose="02000000000000000000" pitchFamily="2" charset="0"/>
               </a:rPr>
-              <a:t>challenges!</a:t>
-            </a:r>
-            <a:endParaRPr lang="de-CH" sz="8800" dirty="0">
+              <a:t>Hey!</a:t>
+            </a:r>
+            <a:endParaRPr lang="de-CH" sz="9600" dirty="0">
               <a:solidFill>
                 <a:schemeClr val="accent4"/>
               </a:solidFill>
@@ -18535,7 +18880,7 @@
         <p:spPr>
           <a:xfrm>
             <a:off x="848705" y="814909"/>
-            <a:ext cx="1648208" cy="1107996"/>
+            <a:ext cx="1218603" cy="1107996"/>
           </a:xfrm>
           <a:prstGeom prst="rect">
             <a:avLst/>
@@ -18554,7 +18899,7 @@
                 </a:solidFill>
                 <a:latin typeface="Yanone Kaffeesatz Regular" panose="02000000000000000000" pitchFamily="2" charset="0"/>
               </a:rPr>
-              <a:t>I love </a:t>
+              <a:t>but </a:t>
             </a:r>
             <a:endParaRPr lang="de-CH" sz="6600" dirty="0">
               <a:solidFill>
@@ -18567,7 +18912,7 @@
     </p:spTree>
     <p:extLst>
       <p:ext uri="{BB962C8B-B14F-4D97-AF65-F5344CB8AC3E}">
-        <p14:creationId xmlns:p14="http://schemas.microsoft.com/office/powerpoint/2010/main" val="3431056739"/>
+        <p14:creationId xmlns:p14="http://schemas.microsoft.com/office/powerpoint/2010/main" val="2100552588"/>
       </p:ext>
     </p:extLst>
   </p:cSld>
@@ -18596,6 +18941,114 @@
       </p:grpSpPr>
       <p:sp>
         <p:nvSpPr>
+          <p:cNvPr id="2" name="TextBox 1"/>
+          <p:cNvSpPr txBox="1"/>
+          <p:nvPr/>
+        </p:nvSpPr>
+        <p:spPr>
+          <a:xfrm>
+            <a:off x="747421" y="1543869"/>
+            <a:ext cx="10697159" cy="3770263"/>
+          </a:xfrm>
+          <a:prstGeom prst="rect">
+            <a:avLst/>
+          </a:prstGeom>
+          <a:noFill/>
+        </p:spPr>
+        <p:txBody>
+          <a:bodyPr wrap="none" rtlCol="0">
+            <a:spAutoFit/>
+          </a:bodyPr>
+          <a:lstStyle/>
+          <a:p>
+            <a:r>
+              <a:rPr lang="en-US" sz="23900" dirty="0">
+                <a:solidFill>
+                  <a:schemeClr val="accent2"/>
+                </a:solidFill>
+                <a:latin typeface="Yanone Kaffeesatz Regular" panose="02000000000000000000" pitchFamily="2" charset="0"/>
+              </a:rPr>
+              <a:t>challenges!</a:t>
+            </a:r>
+            <a:endParaRPr lang="de-CH" sz="8800" dirty="0">
+              <a:solidFill>
+                <a:schemeClr val="accent4"/>
+              </a:solidFill>
+              <a:latin typeface="Yanone Kaffeesatz Regular" panose="02000000000000000000" pitchFamily="2" charset="0"/>
+            </a:endParaRPr>
+          </a:p>
+        </p:txBody>
+      </p:sp>
+      <p:sp>
+        <p:nvSpPr>
+          <p:cNvPr id="4" name="Rectangle 3"/>
+          <p:cNvSpPr/>
+          <p:nvPr/>
+        </p:nvSpPr>
+        <p:spPr>
+          <a:xfrm>
+            <a:off x="848705" y="814909"/>
+            <a:ext cx="1648208" cy="1107996"/>
+          </a:xfrm>
+          <a:prstGeom prst="rect">
+            <a:avLst/>
+          </a:prstGeom>
+        </p:spPr>
+        <p:txBody>
+          <a:bodyPr wrap="none">
+            <a:spAutoFit/>
+          </a:bodyPr>
+          <a:lstStyle/>
+          <a:p>
+            <a:r>
+              <a:rPr lang="en-US" sz="6600" dirty="0">
+                <a:solidFill>
+                  <a:schemeClr val="tx2"/>
+                </a:solidFill>
+                <a:latin typeface="Yanone Kaffeesatz Regular" panose="02000000000000000000" pitchFamily="2" charset="0"/>
+              </a:rPr>
+              <a:t>I love </a:t>
+            </a:r>
+            <a:endParaRPr lang="de-CH" sz="6600" dirty="0">
+              <a:solidFill>
+                <a:schemeClr val="tx2"/>
+              </a:solidFill>
+            </a:endParaRPr>
+          </a:p>
+        </p:txBody>
+      </p:sp>
+    </p:spTree>
+    <p:extLst>
+      <p:ext uri="{BB962C8B-B14F-4D97-AF65-F5344CB8AC3E}">
+        <p14:creationId xmlns:p14="http://schemas.microsoft.com/office/powerpoint/2010/main" val="3431056739"/>
+      </p:ext>
+    </p:extLst>
+  </p:cSld>
+  <p:clrMapOvr>
+    <a:masterClrMapping/>
+  </p:clrMapOvr>
+</p:sld>
+</file>
+
+<file path=ppt/slides/slide59.xml><?xml version="1.0" encoding="utf-8"?>
+<p:sld xmlns:a="http://schemas.openxmlformats.org/drawingml/2006/main" xmlns:r="http://schemas.openxmlformats.org/officeDocument/2006/relationships" xmlns:p="http://schemas.openxmlformats.org/presentationml/2006/main">
+  <p:cSld>
+    <p:spTree>
+      <p:nvGrpSpPr>
+        <p:cNvPr id="1" name=""/>
+        <p:cNvGrpSpPr/>
+        <p:nvPr/>
+      </p:nvGrpSpPr>
+      <p:grpSpPr>
+        <a:xfrm>
+          <a:off x="0" y="0"/>
+          <a:ext cx="0" cy="0"/>
+          <a:chOff x="0" y="0"/>
+          <a:chExt cx="0" cy="0"/>
+        </a:xfrm>
+      </p:grpSpPr>
+      <p:sp>
+        <p:nvSpPr>
           <p:cNvPr id="2" name="Rectangle 1"/>
           <p:cNvSpPr/>
           <p:nvPr/>
@@ -18688,7 +19141,149 @@
 </p:sld>
 </file>
 
-<file path=ppt/slides/slide59.xml><?xml version="1.0" encoding="utf-8"?>
+<file path=ppt/slides/slide6.xml><?xml version="1.0" encoding="utf-8"?>
+<p:sld xmlns:a="http://schemas.openxmlformats.org/drawingml/2006/main" xmlns:r="http://schemas.openxmlformats.org/officeDocument/2006/relationships" xmlns:p="http://schemas.openxmlformats.org/presentationml/2006/main">
+  <p:cSld>
+    <p:spTree>
+      <p:nvGrpSpPr>
+        <p:cNvPr id="1" name=""/>
+        <p:cNvGrpSpPr/>
+        <p:nvPr/>
+      </p:nvGrpSpPr>
+      <p:grpSpPr>
+        <a:xfrm>
+          <a:off x="0" y="0"/>
+          <a:ext cx="0" cy="0"/>
+          <a:chOff x="0" y="0"/>
+          <a:chExt cx="0" cy="0"/>
+        </a:xfrm>
+      </p:grpSpPr>
+      <p:sp>
+        <p:nvSpPr>
+          <p:cNvPr id="2" name="TextBox 1"/>
+          <p:cNvSpPr txBox="1"/>
+          <p:nvPr/>
+        </p:nvSpPr>
+        <p:spPr>
+          <a:xfrm>
+            <a:off x="2335946" y="1751961"/>
+            <a:ext cx="5816016" cy="2646878"/>
+          </a:xfrm>
+          <a:prstGeom prst="rect">
+            <a:avLst/>
+          </a:prstGeom>
+          <a:noFill/>
+        </p:spPr>
+        <p:txBody>
+          <a:bodyPr wrap="none" rtlCol="0">
+            <a:spAutoFit/>
+          </a:bodyPr>
+          <a:lstStyle/>
+          <a:p>
+            <a:r>
+              <a:rPr lang="en-US" sz="16600" dirty="0">
+                <a:solidFill>
+                  <a:schemeClr val="accent2"/>
+                </a:solidFill>
+                <a:latin typeface="Yanone Kaffeesatz Regular" panose="02000000000000000000" pitchFamily="2" charset="0"/>
+              </a:rPr>
+              <a:t>However</a:t>
+            </a:r>
+            <a:endParaRPr lang="de-CH" sz="7200" dirty="0">
+              <a:solidFill>
+                <a:schemeClr val="accent4"/>
+              </a:solidFill>
+              <a:latin typeface="Yanone Kaffeesatz Regular" panose="02000000000000000000" pitchFamily="2" charset="0"/>
+            </a:endParaRPr>
+          </a:p>
+        </p:txBody>
+      </p:sp>
+      <p:sp>
+        <p:nvSpPr>
+          <p:cNvPr id="3" name="Rectangle 2"/>
+          <p:cNvSpPr/>
+          <p:nvPr/>
+        </p:nvSpPr>
+        <p:spPr>
+          <a:xfrm>
+            <a:off x="5920098" y="3795914"/>
+            <a:ext cx="3749744" cy="1446550"/>
+          </a:xfrm>
+          <a:prstGeom prst="rect">
+            <a:avLst/>
+          </a:prstGeom>
+        </p:spPr>
+        <p:txBody>
+          <a:bodyPr wrap="none">
+            <a:spAutoFit/>
+          </a:bodyPr>
+          <a:lstStyle/>
+          <a:p>
+            <a:r>
+              <a:rPr lang="en-US" sz="8800" dirty="0">
+                <a:solidFill>
+                  <a:schemeClr val="accent4"/>
+                </a:solidFill>
+                <a:latin typeface="Yanone Kaffeesatz Regular" panose="02000000000000000000" pitchFamily="2" charset="0"/>
+              </a:rPr>
+              <a:t>you prefer</a:t>
+            </a:r>
+            <a:endParaRPr lang="de-CH" sz="8800" dirty="0"/>
+          </a:p>
+        </p:txBody>
+      </p:sp>
+      <p:sp>
+        <p:nvSpPr>
+          <p:cNvPr id="4" name="Rectangle 3"/>
+          <p:cNvSpPr/>
+          <p:nvPr/>
+        </p:nvSpPr>
+        <p:spPr>
+          <a:xfrm>
+            <a:off x="4709830" y="1665942"/>
+            <a:ext cx="4960012" cy="1107996"/>
+          </a:xfrm>
+          <a:prstGeom prst="rect">
+            <a:avLst/>
+          </a:prstGeom>
+        </p:spPr>
+        <p:txBody>
+          <a:bodyPr wrap="none">
+            <a:spAutoFit/>
+          </a:bodyPr>
+          <a:lstStyle/>
+          <a:p>
+            <a:r>
+              <a:rPr lang="en-US" sz="6600" dirty="0">
+                <a:solidFill>
+                  <a:schemeClr val="tx2"/>
+                </a:solidFill>
+                <a:latin typeface="Yanone Kaffeesatz Regular" panose="02000000000000000000" pitchFamily="2" charset="0"/>
+              </a:rPr>
+              <a:t>life / work balance</a:t>
+            </a:r>
+            <a:endParaRPr lang="de-CH" sz="6600" dirty="0">
+              <a:solidFill>
+                <a:schemeClr val="tx2"/>
+              </a:solidFill>
+            </a:endParaRPr>
+          </a:p>
+        </p:txBody>
+      </p:sp>
+    </p:spTree>
+    <p:extLst>
+      <p:ext uri="{BB962C8B-B14F-4D97-AF65-F5344CB8AC3E}">
+        <p14:creationId xmlns:p14="http://schemas.microsoft.com/office/powerpoint/2010/main" val="3535074624"/>
+      </p:ext>
+    </p:extLst>
+  </p:cSld>
+  <p:clrMapOvr>
+    <a:masterClrMapping/>
+  </p:clrMapOvr>
+</p:sld>
+</file>
+
+<file path=ppt/slides/slide60.xml><?xml version="1.0" encoding="utf-8"?>
 <p:sld xmlns:a="http://schemas.openxmlformats.org/drawingml/2006/main" xmlns:r="http://schemas.openxmlformats.org/officeDocument/2006/relationships" xmlns:p="http://schemas.openxmlformats.org/presentationml/2006/main">
   <p:cSld>
     <p:spTree>
@@ -18782,149 +19377,7 @@
 </p:sld>
 </file>
 
-<file path=ppt/slides/slide6.xml><?xml version="1.0" encoding="utf-8"?>
-<p:sld xmlns:a="http://schemas.openxmlformats.org/drawingml/2006/main" xmlns:r="http://schemas.openxmlformats.org/officeDocument/2006/relationships" xmlns:p="http://schemas.openxmlformats.org/presentationml/2006/main">
-  <p:cSld>
-    <p:spTree>
-      <p:nvGrpSpPr>
-        <p:cNvPr id="1" name=""/>
-        <p:cNvGrpSpPr/>
-        <p:nvPr/>
-      </p:nvGrpSpPr>
-      <p:grpSpPr>
-        <a:xfrm>
-          <a:off x="0" y="0"/>
-          <a:ext cx="0" cy="0"/>
-          <a:chOff x="0" y="0"/>
-          <a:chExt cx="0" cy="0"/>
-        </a:xfrm>
-      </p:grpSpPr>
-      <p:sp>
-        <p:nvSpPr>
-          <p:cNvPr id="2" name="TextBox 1"/>
-          <p:cNvSpPr txBox="1"/>
-          <p:nvPr/>
-        </p:nvSpPr>
-        <p:spPr>
-          <a:xfrm>
-            <a:off x="2335946" y="1751961"/>
-            <a:ext cx="5816016" cy="2646878"/>
-          </a:xfrm>
-          <a:prstGeom prst="rect">
-            <a:avLst/>
-          </a:prstGeom>
-          <a:noFill/>
-        </p:spPr>
-        <p:txBody>
-          <a:bodyPr wrap="none" rtlCol="0">
-            <a:spAutoFit/>
-          </a:bodyPr>
-          <a:lstStyle/>
-          <a:p>
-            <a:r>
-              <a:rPr lang="en-US" sz="16600" dirty="0">
-                <a:solidFill>
-                  <a:schemeClr val="accent2"/>
-                </a:solidFill>
-                <a:latin typeface="Yanone Kaffeesatz Regular" panose="02000000000000000000" pitchFamily="2" charset="0"/>
-              </a:rPr>
-              <a:t>However</a:t>
-            </a:r>
-            <a:endParaRPr lang="de-CH" sz="7200" dirty="0">
-              <a:solidFill>
-                <a:schemeClr val="accent4"/>
-              </a:solidFill>
-              <a:latin typeface="Yanone Kaffeesatz Regular" panose="02000000000000000000" pitchFamily="2" charset="0"/>
-            </a:endParaRPr>
-          </a:p>
-        </p:txBody>
-      </p:sp>
-      <p:sp>
-        <p:nvSpPr>
-          <p:cNvPr id="3" name="Rectangle 2"/>
-          <p:cNvSpPr/>
-          <p:nvPr/>
-        </p:nvSpPr>
-        <p:spPr>
-          <a:xfrm>
-            <a:off x="5920098" y="3795914"/>
-            <a:ext cx="3749744" cy="1446550"/>
-          </a:xfrm>
-          <a:prstGeom prst="rect">
-            <a:avLst/>
-          </a:prstGeom>
-        </p:spPr>
-        <p:txBody>
-          <a:bodyPr wrap="none">
-            <a:spAutoFit/>
-          </a:bodyPr>
-          <a:lstStyle/>
-          <a:p>
-            <a:r>
-              <a:rPr lang="en-US" sz="8800" dirty="0">
-                <a:solidFill>
-                  <a:schemeClr val="accent4"/>
-                </a:solidFill>
-                <a:latin typeface="Yanone Kaffeesatz Regular" panose="02000000000000000000" pitchFamily="2" charset="0"/>
-              </a:rPr>
-              <a:t>you prefer</a:t>
-            </a:r>
-            <a:endParaRPr lang="de-CH" sz="8800" dirty="0"/>
-          </a:p>
-        </p:txBody>
-      </p:sp>
-      <p:sp>
-        <p:nvSpPr>
-          <p:cNvPr id="4" name="Rectangle 3"/>
-          <p:cNvSpPr/>
-          <p:nvPr/>
-        </p:nvSpPr>
-        <p:spPr>
-          <a:xfrm>
-            <a:off x="4709830" y="1665942"/>
-            <a:ext cx="4960012" cy="1107996"/>
-          </a:xfrm>
-          <a:prstGeom prst="rect">
-            <a:avLst/>
-          </a:prstGeom>
-        </p:spPr>
-        <p:txBody>
-          <a:bodyPr wrap="none">
-            <a:spAutoFit/>
-          </a:bodyPr>
-          <a:lstStyle/>
-          <a:p>
-            <a:r>
-              <a:rPr lang="en-US" sz="6600" dirty="0">
-                <a:solidFill>
-                  <a:schemeClr val="tx2"/>
-                </a:solidFill>
-                <a:latin typeface="Yanone Kaffeesatz Regular" panose="02000000000000000000" pitchFamily="2" charset="0"/>
-              </a:rPr>
-              <a:t>life / work balance</a:t>
-            </a:r>
-            <a:endParaRPr lang="de-CH" sz="6600" dirty="0">
-              <a:solidFill>
-                <a:schemeClr val="tx2"/>
-              </a:solidFill>
-            </a:endParaRPr>
-          </a:p>
-        </p:txBody>
-      </p:sp>
-    </p:spTree>
-    <p:extLst>
-      <p:ext uri="{BB962C8B-B14F-4D97-AF65-F5344CB8AC3E}">
-        <p14:creationId xmlns:p14="http://schemas.microsoft.com/office/powerpoint/2010/main" val="3535074624"/>
-      </p:ext>
-    </p:extLst>
-  </p:cSld>
-  <p:clrMapOvr>
-    <a:masterClrMapping/>
-  </p:clrMapOvr>
-</p:sld>
-</file>
-
-<file path=ppt/slides/slide60.xml><?xml version="1.0" encoding="utf-8"?>
+<file path=ppt/slides/slide61.xml><?xml version="1.0" encoding="utf-8"?>
 <p:sld xmlns:a="http://schemas.openxmlformats.org/drawingml/2006/main" xmlns:r="http://schemas.openxmlformats.org/officeDocument/2006/relationships" xmlns:p="http://schemas.openxmlformats.org/presentationml/2006/main">
   <p:cSld>
     <p:spTree>

--- a/presentation.pptx
+++ b/presentation.pptx
@@ -9,7 +9,7 @@
   </p:notesMasterIdLst>
   <p:sldIdLst>
     <p:sldId id="278" r:id="rId2"/>
-    <p:sldId id="268" r:id="rId3"/>
+    <p:sldId id="398" r:id="rId3"/>
     <p:sldId id="342" r:id="rId4"/>
     <p:sldId id="343" r:id="rId5"/>
     <p:sldId id="344" r:id="rId6"/>
@@ -68,7 +68,7 @@
     <p:sldId id="384" r:id="rId59"/>
     <p:sldId id="267" r:id="rId60"/>
     <p:sldId id="275" r:id="rId61"/>
-    <p:sldId id="279" r:id="rId62"/>
+    <p:sldId id="399" r:id="rId62"/>
   </p:sldIdLst>
   <p:sldSz cx="12192000" cy="6858000"/>
   <p:notesSz cx="6858000" cy="9144000"/>
@@ -173,7 +173,7 @@
         <p14:section name="Default Section" id="{E00AF5C8-00D9-4AE2-95E5-E66505DF4034}">
           <p14:sldIdLst>
             <p14:sldId id="278"/>
-            <p14:sldId id="268"/>
+            <p14:sldId id="398"/>
             <p14:sldId id="342"/>
             <p14:sldId id="343"/>
             <p14:sldId id="344"/>
@@ -240,7 +240,7 @@
           <p14:sldIdLst>
             <p14:sldId id="267"/>
             <p14:sldId id="275"/>
-            <p14:sldId id="279"/>
+            <p14:sldId id="399"/>
           </p14:sldIdLst>
         </p14:section>
       </p14:sectionLst>
@@ -341,7 +341,7 @@
           <a:p>
             <a:fld id="{D987070D-87AF-4443-8990-425EA27CC244}" type="datetimeFigureOut">
               <a:rPr lang="de-CH" smtClean="0"/>
-              <a:t>02.05.2017</a:t>
+              <a:t>03.05.2017</a:t>
             </a:fld>
             <a:endParaRPr lang="de-CH"/>
           </a:p>
@@ -2757,15 +2757,6 @@
           <a:p>
             <a:r>
               <a:rPr lang="en-US" dirty="0"/>
-              <a:t>I’m Daniel, I’m an engineer working for Particular Software. In Particular we build</a:t>
-            </a:r>
-          </a:p>
-          <a:p>
-            <a:endParaRPr lang="en-US" dirty="0"/>
-          </a:p>
-          <a:p>
-            <a:r>
-              <a:rPr lang="en-US" dirty="0"/>
               <a:t>4 «products» and a Platform for over 1000 customers world wide being used by tens of thousands developers</a:t>
             </a:r>
           </a:p>
@@ -2833,9 +2824,6 @@
             </a:r>
             <a:endParaRPr lang="de-CH" dirty="0"/>
           </a:p>
-          <a:p>
-            <a:endParaRPr lang="de-CH" dirty="0"/>
-          </a:p>
         </p:txBody>
       </p:sp>
       <p:sp>
@@ -2864,7 +2852,7 @@
     </p:spTree>
     <p:extLst>
       <p:ext uri="{BB962C8B-B14F-4D97-AF65-F5344CB8AC3E}">
-        <p14:creationId xmlns:p14="http://schemas.microsoft.com/office/powerpoint/2010/main" val="88145516"/>
+        <p14:creationId xmlns:p14="http://schemas.microsoft.com/office/powerpoint/2010/main" val="3386958012"/>
       </p:ext>
     </p:extLst>
   </p:cSld>
@@ -9064,14 +9052,9 @@
           <a:bodyPr/>
           <a:lstStyle/>
           <a:p>
-            <a:r>
-              <a:rPr lang="de-CH" dirty="0"/>
-              <a:t>Thank you very much</a:t>
-            </a:r>
-            <a:r>
-              <a:rPr lang="de-CH" baseline="0" dirty="0"/>
-              <a:t> for listening and see you next time</a:t>
-            </a:r>
+            <a:endParaRPr lang="en-US" dirty="0"/>
+          </a:p>
+          <a:p>
             <a:endParaRPr lang="de-CH" dirty="0"/>
           </a:p>
         </p:txBody>
@@ -9102,7 +9085,7 @@
     </p:spTree>
     <p:extLst>
       <p:ext uri="{BB962C8B-B14F-4D97-AF65-F5344CB8AC3E}">
-        <p14:creationId xmlns:p14="http://schemas.microsoft.com/office/powerpoint/2010/main" val="3949593976"/>
+        <p14:creationId xmlns:p14="http://schemas.microsoft.com/office/powerpoint/2010/main" val="268487331"/>
       </p:ext>
     </p:extLst>
   </p:cSld>
@@ -9605,7 +9588,7 @@
           <a:p>
             <a:fld id="{A2EAEABE-1D59-4413-813E-803E21872067}" type="datetimeFigureOut">
               <a:rPr lang="de-CH" smtClean="0"/>
-              <a:t>02.05.2017</a:t>
+              <a:t>03.05.2017</a:t>
             </a:fld>
             <a:endParaRPr lang="de-CH"/>
           </a:p>
@@ -9775,7 +9758,7 @@
           <a:p>
             <a:fld id="{A2EAEABE-1D59-4413-813E-803E21872067}" type="datetimeFigureOut">
               <a:rPr lang="de-CH" smtClean="0"/>
-              <a:t>02.05.2017</a:t>
+              <a:t>03.05.2017</a:t>
             </a:fld>
             <a:endParaRPr lang="de-CH"/>
           </a:p>
@@ -9955,7 +9938,7 @@
           <a:p>
             <a:fld id="{A2EAEABE-1D59-4413-813E-803E21872067}" type="datetimeFigureOut">
               <a:rPr lang="de-CH" smtClean="0"/>
-              <a:t>02.05.2017</a:t>
+              <a:t>03.05.2017</a:t>
             </a:fld>
             <a:endParaRPr lang="de-CH"/>
           </a:p>
@@ -10124,7 +10107,7 @@
           <a:p>
             <a:fld id="{A2EAEABE-1D59-4413-813E-803E21872067}" type="datetimeFigureOut">
               <a:rPr lang="de-CH" smtClean="0"/>
-              <a:t>02.05.2017</a:t>
+              <a:t>03.05.2017</a:t>
             </a:fld>
             <a:endParaRPr lang="de-CH"/>
           </a:p>
@@ -10370,7 +10353,7 @@
           <a:p>
             <a:fld id="{A2EAEABE-1D59-4413-813E-803E21872067}" type="datetimeFigureOut">
               <a:rPr lang="de-CH" smtClean="0"/>
-              <a:t>02.05.2017</a:t>
+              <a:t>03.05.2017</a:t>
             </a:fld>
             <a:endParaRPr lang="de-CH"/>
           </a:p>
@@ -10602,7 +10585,7 @@
           <a:p>
             <a:fld id="{A2EAEABE-1D59-4413-813E-803E21872067}" type="datetimeFigureOut">
               <a:rPr lang="de-CH" smtClean="0"/>
-              <a:t>02.05.2017</a:t>
+              <a:t>03.05.2017</a:t>
             </a:fld>
             <a:endParaRPr lang="de-CH"/>
           </a:p>
@@ -10969,7 +10952,7 @@
           <a:p>
             <a:fld id="{A2EAEABE-1D59-4413-813E-803E21872067}" type="datetimeFigureOut">
               <a:rPr lang="de-CH" smtClean="0"/>
-              <a:t>02.05.2017</a:t>
+              <a:t>03.05.2017</a:t>
             </a:fld>
             <a:endParaRPr lang="de-CH"/>
           </a:p>
@@ -11087,7 +11070,7 @@
           <a:p>
             <a:fld id="{A2EAEABE-1D59-4413-813E-803E21872067}" type="datetimeFigureOut">
               <a:rPr lang="de-CH" smtClean="0"/>
-              <a:t>02.05.2017</a:t>
+              <a:t>03.05.2017</a:t>
             </a:fld>
             <a:endParaRPr lang="de-CH"/>
           </a:p>
@@ -11182,7 +11165,7 @@
           <a:p>
             <a:fld id="{A2EAEABE-1D59-4413-813E-803E21872067}" type="datetimeFigureOut">
               <a:rPr lang="de-CH" smtClean="0"/>
-              <a:t>02.05.2017</a:t>
+              <a:t>03.05.2017</a:t>
             </a:fld>
             <a:endParaRPr lang="de-CH"/>
           </a:p>
@@ -11459,7 +11442,7 @@
           <a:p>
             <a:fld id="{A2EAEABE-1D59-4413-813E-803E21872067}" type="datetimeFigureOut">
               <a:rPr lang="de-CH" smtClean="0"/>
-              <a:t>02.05.2017</a:t>
+              <a:t>03.05.2017</a:t>
             </a:fld>
             <a:endParaRPr lang="de-CH"/>
           </a:p>
@@ -11716,7 +11699,7 @@
           <a:p>
             <a:fld id="{A2EAEABE-1D59-4413-813E-803E21872067}" type="datetimeFigureOut">
               <a:rPr lang="de-CH" smtClean="0"/>
-              <a:t>02.05.2017</a:t>
+              <a:t>03.05.2017</a:t>
             </a:fld>
             <a:endParaRPr lang="de-CH"/>
           </a:p>
@@ -11927,7 +11910,7 @@
           <a:p>
             <a:fld id="{A2EAEABE-1D59-4413-813E-803E21872067}" type="datetimeFigureOut">
               <a:rPr lang="de-CH" smtClean="0"/>
-              <a:t>02.05.2017</a:t>
+              <a:t>03.05.2017</a:t>
             </a:fld>
             <a:endParaRPr lang="de-CH"/>
           </a:p>
@@ -14264,161 +14247,296 @@
           <a:chExt cx="0" cy="0"/>
         </a:xfrm>
       </p:grpSpPr>
+      <p:sp>
+        <p:nvSpPr>
+          <p:cNvPr id="3" name="Rectangle 2"/>
+          <p:cNvSpPr/>
+          <p:nvPr/>
+        </p:nvSpPr>
+        <p:spPr>
+          <a:xfrm>
+            <a:off x="61472" y="6385432"/>
+            <a:ext cx="2480166" cy="461665"/>
+          </a:xfrm>
+          <a:prstGeom prst="rect">
+            <a:avLst/>
+          </a:prstGeom>
+        </p:spPr>
+        <p:txBody>
+          <a:bodyPr wrap="none">
+            <a:spAutoFit/>
+          </a:bodyPr>
+          <a:lstStyle/>
+          <a:p>
+            <a:r>
+              <a:rPr lang="en-US" sz="2400" dirty="0">
+                <a:solidFill>
+                  <a:schemeClr val="accent3"/>
+                </a:solidFill>
+                <a:latin typeface="Yanone Kaffeesatz Regular" panose="02000000000000000000" pitchFamily="2" charset="0"/>
+              </a:rPr>
+              <a:t>https://teamtime.zone/</a:t>
+            </a:r>
+          </a:p>
+        </p:txBody>
+      </p:sp>
       <p:pic>
         <p:nvPicPr>
-          <p:cNvPr id="3" name="Picture 2"/>
+          <p:cNvPr id="11" name="Picture 10"/>
           <p:cNvPicPr>
             <a:picLocks noChangeAspect="1"/>
           </p:cNvPicPr>
           <p:nvPr/>
         </p:nvPicPr>
-        <p:blipFill>
-          <a:blip r:embed="rId3" cstate="print">
-            <a:extLst>
-              <a:ext uri="{28A0092B-C50C-407E-A947-70E740481C1C}">
-                <a14:useLocalDpi xmlns:a14="http://schemas.microsoft.com/office/drawing/2010/main" val="0"/>
-              </a:ext>
-            </a:extLst>
-          </a:blip>
-          <a:stretch>
-            <a:fillRect/>
-          </a:stretch>
+        <p:blipFill rotWithShape="1">
+          <a:blip r:embed="rId3"/>
+          <a:srcRect r="672"/>
+          <a:stretch/>
         </p:blipFill>
         <p:spPr>
           <a:xfrm>
-            <a:off x="8052306" y="612519"/>
-            <a:ext cx="2880000" cy="690817"/>
+            <a:off x="0" y="0"/>
+            <a:ext cx="12203111" cy="6293224"/>
           </a:xfrm>
           <a:prstGeom prst="rect">
             <a:avLst/>
           </a:prstGeom>
         </p:spPr>
       </p:pic>
-      <p:sp>
-        <p:nvSpPr>
-          <p:cNvPr id="2" name="Rectangle 1"/>
-          <p:cNvSpPr/>
+      <p:grpSp>
+        <p:nvGrpSpPr>
+          <p:cNvPr id="18" name="Group 17"/>
+          <p:cNvGrpSpPr/>
           <p:nvPr/>
-        </p:nvSpPr>
-        <p:spPr>
+        </p:nvGrpSpPr>
+        <p:grpSpPr>
           <a:xfrm>
-            <a:off x="5723694" y="2132715"/>
-            <a:ext cx="6096000" cy="2677656"/>
+            <a:off x="4879361" y="4433293"/>
+            <a:ext cx="2827725" cy="1091527"/>
+            <a:chOff x="4879361" y="4433293"/>
+            <a:chExt cx="2827725" cy="1091527"/>
           </a:xfrm>
-          <a:prstGeom prst="rect">
-            <a:avLst/>
-          </a:prstGeom>
-        </p:spPr>
-        <p:txBody>
-          <a:bodyPr>
-            <a:spAutoFit/>
-          </a:bodyPr>
-          <a:lstStyle/>
-          <a:p>
-            <a:r>
-              <a:rPr lang="en-US" sz="2800" dirty="0">
-                <a:solidFill>
-                  <a:schemeClr val="tx2"/>
-                </a:solidFill>
-                <a:latin typeface="Yanone Kaffeesatz Regular" panose="02000000000000000000" pitchFamily="2" charset="0"/>
-              </a:rPr>
-              <a:t>Software Engineer</a:t>
-            </a:r>
-          </a:p>
-          <a:p>
-            <a:r>
-              <a:rPr lang="en-US" sz="2800" dirty="0">
-                <a:solidFill>
-                  <a:schemeClr val="tx2"/>
-                </a:solidFill>
-                <a:latin typeface="Yanone Kaffeesatz Regular" panose="02000000000000000000" pitchFamily="2" charset="0"/>
-              </a:rPr>
-              <a:t>Microsoft Azure MVP</a:t>
-            </a:r>
-          </a:p>
-          <a:p>
-            <a:endParaRPr lang="en-US" sz="2800" dirty="0">
+        </p:grpSpPr>
+        <p:cxnSp>
+          <p:nvCxnSpPr>
+            <p:cNvPr id="13" name="Straight Arrow Connector 12"/>
+            <p:cNvCxnSpPr>
+              <a:cxnSpLocks/>
+            </p:cNvCxnSpPr>
+            <p:nvPr/>
+          </p:nvCxnSpPr>
+          <p:spPr>
+            <a:xfrm>
+              <a:off x="4879361" y="5048410"/>
+              <a:ext cx="1944061" cy="0"/>
+            </a:xfrm>
+            <a:prstGeom prst="straightConnector1">
+              <a:avLst/>
+            </a:prstGeom>
+            <a:ln w="19050">
               <a:solidFill>
                 <a:schemeClr val="tx2"/>
               </a:solidFill>
-              <a:latin typeface="Yanone Kaffeesatz Regular" panose="02000000000000000000" pitchFamily="2" charset="0"/>
-            </a:endParaRPr>
-          </a:p>
-          <a:p>
-            <a:r>
-              <a:rPr lang="en-US" sz="2800" dirty="0">
-                <a:solidFill>
-                  <a:schemeClr val="accent4"/>
+              <a:tailEnd type="triangle"/>
+            </a:ln>
+          </p:spPr>
+          <p:style>
+            <a:lnRef idx="1">
+              <a:schemeClr val="accent1"/>
+            </a:lnRef>
+            <a:fillRef idx="0">
+              <a:schemeClr val="accent1"/>
+            </a:fillRef>
+            <a:effectRef idx="0">
+              <a:schemeClr val="accent1"/>
+            </a:effectRef>
+            <a:fontRef idx="minor">
+              <a:schemeClr val="tx1"/>
+            </a:fontRef>
+          </p:style>
+        </p:cxnSp>
+        <p:sp>
+          <p:nvSpPr>
+            <p:cNvPr id="15" name="Rectangle 14"/>
+            <p:cNvSpPr/>
+            <p:nvPr/>
+          </p:nvSpPr>
+          <p:spPr>
+            <a:xfrm>
+              <a:off x="6823422" y="4725681"/>
+              <a:ext cx="883664" cy="799139"/>
+            </a:xfrm>
+            <a:prstGeom prst="rect">
+              <a:avLst/>
+            </a:prstGeom>
+            <a:noFill/>
+            <a:ln>
+              <a:solidFill>
+                <a:schemeClr val="tx2"/>
+              </a:solidFill>
+            </a:ln>
+          </p:spPr>
+          <p:style>
+            <a:lnRef idx="2">
+              <a:schemeClr val="accent1">
+                <a:shade val="50000"/>
+              </a:schemeClr>
+            </a:lnRef>
+            <a:fillRef idx="1">
+              <a:schemeClr val="accent1"/>
+            </a:fillRef>
+            <a:effectRef idx="0">
+              <a:schemeClr val="accent1"/>
+            </a:effectRef>
+            <a:fontRef idx="minor">
+              <a:schemeClr val="lt1"/>
+            </a:fontRef>
+          </p:style>
+          <p:txBody>
+            <a:bodyPr rtlCol="0" anchor="ctr"/>
+            <a:lstStyle/>
+            <a:p>
+              <a:pPr algn="ctr"/>
+              <a:endParaRPr lang="de-CH"/>
+            </a:p>
+          </p:txBody>
+        </p:sp>
+        <p:sp>
+          <p:nvSpPr>
+            <p:cNvPr id="16" name="TextBox 15"/>
+            <p:cNvSpPr txBox="1"/>
+            <p:nvPr/>
+          </p:nvSpPr>
+          <p:spPr>
+            <a:xfrm>
+              <a:off x="5000487" y="4433293"/>
+              <a:ext cx="1822935" cy="584775"/>
+            </a:xfrm>
+            <a:prstGeom prst="rect">
+              <a:avLst/>
+            </a:prstGeom>
+            <a:noFill/>
+          </p:spPr>
+          <p:txBody>
+            <a:bodyPr wrap="none" rtlCol="0">
+              <a:spAutoFit/>
+            </a:bodyPr>
+            <a:lstStyle/>
+            <a:p>
+              <a:r>
+                <a:rPr lang="en-US" sz="3200" dirty="0">
+                  <a:solidFill>
+                    <a:schemeClr val="accent2"/>
+                  </a:solidFill>
+                  <a:latin typeface="Yanone Kaffeesatz Regular" panose="02000000000000000000" pitchFamily="2" charset="0"/>
+                </a:rPr>
+                <a:t>That’s me </a:t>
+              </a:r>
+              <a:r>
+                <a:rPr lang="en-US" sz="3200" dirty="0">
+                  <a:solidFill>
+                    <a:schemeClr val="accent2"/>
+                  </a:solidFill>
+                  <a:latin typeface="Yanone Kaffeesatz Regular" panose="02000000000000000000" pitchFamily="2" charset="0"/>
+                  <a:sym typeface="Wingdings" panose="05000000000000000000" pitchFamily="2" charset="2"/>
+                </a:rPr>
+                <a:t></a:t>
+              </a:r>
+              <a:endParaRPr lang="de-CH" sz="3200" dirty="0">
+                <a:solidFill>
+                  <a:schemeClr val="accent2"/>
                 </a:solidFill>
                 <a:latin typeface="Yanone Kaffeesatz Regular" panose="02000000000000000000" pitchFamily="2" charset="0"/>
-              </a:rPr>
-              <a:t>@danielmarbach</a:t>
-            </a:r>
-          </a:p>
-          <a:p>
-            <a:r>
-              <a:rPr lang="en-US" sz="2800" dirty="0">
-                <a:solidFill>
-                  <a:schemeClr val="accent4"/>
-                </a:solidFill>
-                <a:latin typeface="Yanone Kaffeesatz Regular" panose="02000000000000000000" pitchFamily="2" charset="0"/>
-              </a:rPr>
-              <a:t>particular.net/blog</a:t>
-            </a:r>
-          </a:p>
-          <a:p>
-            <a:r>
-              <a:rPr lang="en-US" sz="2800" dirty="0">
-                <a:solidFill>
-                  <a:schemeClr val="accent4"/>
-                </a:solidFill>
-                <a:latin typeface="Yanone Kaffeesatz Regular" panose="02000000000000000000" pitchFamily="2" charset="0"/>
-              </a:rPr>
-              <a:t>planetgeek.ch</a:t>
-            </a:r>
-          </a:p>
-        </p:txBody>
-      </p:sp>
-      <p:pic>
-        <p:nvPicPr>
-          <p:cNvPr id="6" name="Picture 5"/>
-          <p:cNvPicPr>
-            <a:picLocks noChangeAspect="1"/>
-          </p:cNvPicPr>
-          <p:nvPr/>
-        </p:nvPicPr>
-        <p:blipFill>
-          <a:blip r:embed="rId4" cstate="print">
-            <a:extLst>
-              <a:ext uri="{28A0092B-C50C-407E-A947-70E740481C1C}">
-                <a14:useLocalDpi xmlns:a14="http://schemas.microsoft.com/office/drawing/2010/main" val="0"/>
-              </a:ext>
-            </a:extLst>
-          </a:blip>
-          <a:stretch>
-            <a:fillRect/>
-          </a:stretch>
-        </p:blipFill>
-        <p:spPr>
-          <a:xfrm rot="16200000">
-            <a:off x="452437" y="1899918"/>
-            <a:ext cx="4714875" cy="3143250"/>
-          </a:xfrm>
-          <a:prstGeom prst="rect">
-            <a:avLst/>
-          </a:prstGeom>
-        </p:spPr>
-      </p:pic>
+              </a:endParaRPr>
+            </a:p>
+          </p:txBody>
+        </p:sp>
+      </p:grpSp>
     </p:spTree>
     <p:extLst>
       <p:ext uri="{BB962C8B-B14F-4D97-AF65-F5344CB8AC3E}">
-        <p14:creationId xmlns:p14="http://schemas.microsoft.com/office/powerpoint/2010/main" val="3601279917"/>
+        <p14:creationId xmlns:p14="http://schemas.microsoft.com/office/powerpoint/2010/main" val="3319303197"/>
       </p:ext>
     </p:extLst>
   </p:cSld>
   <p:clrMapOvr>
     <a:masterClrMapping/>
   </p:clrMapOvr>
+  <p:timing>
+    <p:tnLst>
+      <p:par>
+        <p:cTn id="1" dur="indefinite" restart="never" nodeType="tmRoot">
+          <p:childTnLst>
+            <p:seq concurrent="1" nextAc="seek">
+              <p:cTn id="2" dur="indefinite" nodeType="mainSeq">
+                <p:childTnLst>
+                  <p:par>
+                    <p:cTn id="3" fill="hold">
+                      <p:stCondLst>
+                        <p:cond delay="indefinite"/>
+                      </p:stCondLst>
+                      <p:childTnLst>
+                        <p:par>
+                          <p:cTn id="4" fill="hold">
+                            <p:stCondLst>
+                              <p:cond delay="0"/>
+                            </p:stCondLst>
+                            <p:childTnLst>
+                              <p:par>
+                                <p:cTn id="5" presetID="1" presetClass="entr" presetSubtype="0" fill="hold" nodeType="clickEffect">
+                                  <p:stCondLst>
+                                    <p:cond delay="0"/>
+                                  </p:stCondLst>
+                                  <p:childTnLst>
+                                    <p:set>
+                                      <p:cBhvr>
+                                        <p:cTn id="6" dur="1" fill="hold">
+                                          <p:stCondLst>
+                                            <p:cond delay="0"/>
+                                          </p:stCondLst>
+                                        </p:cTn>
+                                        <p:tgtEl>
+                                          <p:spTgt spid="18"/>
+                                        </p:tgtEl>
+                                        <p:attrNameLst>
+                                          <p:attrName>style.visibility</p:attrName>
+                                        </p:attrNameLst>
+                                      </p:cBhvr>
+                                      <p:to>
+                                        <p:strVal val="visible"/>
+                                      </p:to>
+                                    </p:set>
+                                  </p:childTnLst>
+                                </p:cTn>
+                              </p:par>
+                            </p:childTnLst>
+                          </p:cTn>
+                        </p:par>
+                      </p:childTnLst>
+                    </p:cTn>
+                  </p:par>
+                </p:childTnLst>
+              </p:cTn>
+              <p:prevCondLst>
+                <p:cond evt="onPrev" delay="0">
+                  <p:tgtEl>
+                    <p:sldTgt/>
+                  </p:tgtEl>
+                </p:cond>
+              </p:prevCondLst>
+              <p:nextCondLst>
+                <p:cond evt="onNext" delay="0">
+                  <p:tgtEl>
+                    <p:sldTgt/>
+                  </p:tgtEl>
+                </p:cond>
+              </p:nextCondLst>
+            </p:seq>
+          </p:childTnLst>
+        </p:cTn>
+      </p:par>
+    </p:tnLst>
+  </p:timing>
 </p:sld>
 </file>
 
@@ -19394,40 +19512,6 @@
           <a:chExt cx="0" cy="0"/>
         </a:xfrm>
       </p:grpSpPr>
-      <p:sp>
-        <p:nvSpPr>
-          <p:cNvPr id="2" name="Rectangle 1"/>
-          <p:cNvSpPr/>
-          <p:nvPr/>
-        </p:nvSpPr>
-        <p:spPr>
-          <a:xfrm>
-            <a:off x="3176771" y="1851645"/>
-            <a:ext cx="5838458" cy="3154710"/>
-          </a:xfrm>
-          <a:prstGeom prst="rect">
-            <a:avLst/>
-          </a:prstGeom>
-        </p:spPr>
-        <p:txBody>
-          <a:bodyPr wrap="none">
-            <a:spAutoFit/>
-          </a:bodyPr>
-          <a:lstStyle/>
-          <a:p>
-            <a:r>
-              <a:rPr lang="en-US" sz="19900" dirty="0">
-                <a:solidFill>
-                  <a:schemeClr val="accent2"/>
-                </a:solidFill>
-                <a:latin typeface="Yanone Kaffeesatz Regular" panose="02000000000000000000" pitchFamily="2" charset="0"/>
-              </a:rPr>
-              <a:t>Thanks</a:t>
-            </a:r>
-            <a:endParaRPr lang="de-CH" sz="2000" dirty="0"/>
-          </a:p>
-        </p:txBody>
-      </p:sp>
       <p:pic>
         <p:nvPicPr>
           <p:cNvPr id="3" name="Picture 2"/>
@@ -19458,10 +19542,99 @@
           </a:prstGeom>
         </p:spPr>
       </p:pic>
+      <p:sp>
+        <p:nvSpPr>
+          <p:cNvPr id="2" name="Rectangle 1"/>
+          <p:cNvSpPr/>
+          <p:nvPr/>
+        </p:nvSpPr>
+        <p:spPr>
+          <a:xfrm>
+            <a:off x="8052306" y="2667097"/>
+            <a:ext cx="3097577" cy="1754326"/>
+          </a:xfrm>
+          <a:prstGeom prst="rect">
+            <a:avLst/>
+          </a:prstGeom>
+        </p:spPr>
+        <p:txBody>
+          <a:bodyPr wrap="square">
+            <a:spAutoFit/>
+          </a:bodyPr>
+          <a:lstStyle/>
+          <a:p>
+            <a:r>
+              <a:rPr lang="en-US" sz="3600" dirty="0">
+                <a:solidFill>
+                  <a:schemeClr val="accent4"/>
+                </a:solidFill>
+                <a:latin typeface="Yanone Kaffeesatz Regular" panose="02000000000000000000" pitchFamily="2" charset="0"/>
+              </a:rPr>
+              <a:t>@danielmarbach</a:t>
+            </a:r>
+          </a:p>
+          <a:p>
+            <a:r>
+              <a:rPr lang="en-US" sz="3600" dirty="0">
+                <a:solidFill>
+                  <a:schemeClr val="accent4"/>
+                </a:solidFill>
+                <a:latin typeface="Yanone Kaffeesatz Regular" panose="02000000000000000000" pitchFamily="2" charset="0"/>
+              </a:rPr>
+              <a:t>particular.net/blog</a:t>
+            </a:r>
+          </a:p>
+          <a:p>
+            <a:r>
+              <a:rPr lang="en-US" sz="3600" dirty="0">
+                <a:solidFill>
+                  <a:schemeClr val="accent4"/>
+                </a:solidFill>
+                <a:latin typeface="Yanone Kaffeesatz Regular" panose="02000000000000000000" pitchFamily="2" charset="0"/>
+              </a:rPr>
+              <a:t>planetgeek.ch</a:t>
+            </a:r>
+          </a:p>
+        </p:txBody>
+      </p:sp>
+      <p:sp>
+        <p:nvSpPr>
+          <p:cNvPr id="5" name="Rectangle 4"/>
+          <p:cNvSpPr/>
+          <p:nvPr/>
+        </p:nvSpPr>
+        <p:spPr>
+          <a:xfrm>
+            <a:off x="891348" y="1966905"/>
+            <a:ext cx="5838458" cy="3154710"/>
+          </a:xfrm>
+          <a:prstGeom prst="rect">
+            <a:avLst/>
+          </a:prstGeom>
+        </p:spPr>
+        <p:txBody>
+          <a:bodyPr wrap="none">
+            <a:spAutoFit/>
+          </a:bodyPr>
+          <a:lstStyle/>
+          <a:p>
+            <a:r>
+              <a:rPr lang="en-US" sz="19900" dirty="0">
+                <a:solidFill>
+                  <a:schemeClr val="accent2"/>
+                </a:solidFill>
+                <a:latin typeface="Yanone Kaffeesatz Regular" panose="02000000000000000000" pitchFamily="2" charset="0"/>
+              </a:rPr>
+              <a:t>Thanks</a:t>
+            </a:r>
+            <a:endParaRPr lang="de-CH" sz="2000" dirty="0"/>
+          </a:p>
+        </p:txBody>
+      </p:sp>
     </p:spTree>
     <p:extLst>
       <p:ext uri="{BB962C8B-B14F-4D97-AF65-F5344CB8AC3E}">
-        <p14:creationId xmlns:p14="http://schemas.microsoft.com/office/powerpoint/2010/main" val="3887468163"/>
+        <p14:creationId xmlns:p14="http://schemas.microsoft.com/office/powerpoint/2010/main" val="2540363478"/>
       </p:ext>
     </p:extLst>
   </p:cSld>
